--- a/slides/day3_probability.pptx
+++ b/slides/day3_probability.pptx
@@ -5,7 +5,7 @@
     <p:sldMasterId id="2147483972" r:id="rId1"/>
   </p:sldMasterIdLst>
   <p:notesMasterIdLst>
-    <p:notesMasterId r:id="rId60"/>
+    <p:notesMasterId r:id="rId61"/>
   </p:notesMasterIdLst>
   <p:sldIdLst>
     <p:sldId id="256" r:id="rId2"/>
@@ -56,16 +56,17 @@
     <p:sldId id="344" r:id="rId47"/>
     <p:sldId id="343" r:id="rId48"/>
     <p:sldId id="261" r:id="rId49"/>
-    <p:sldId id="287" r:id="rId50"/>
-    <p:sldId id="307" r:id="rId51"/>
-    <p:sldId id="308" r:id="rId52"/>
-    <p:sldId id="309" r:id="rId53"/>
-    <p:sldId id="310" r:id="rId54"/>
-    <p:sldId id="311" r:id="rId55"/>
-    <p:sldId id="313" r:id="rId56"/>
-    <p:sldId id="314" r:id="rId57"/>
-    <p:sldId id="315" r:id="rId58"/>
-    <p:sldId id="312" r:id="rId59"/>
+    <p:sldId id="352" r:id="rId50"/>
+    <p:sldId id="353" r:id="rId51"/>
+    <p:sldId id="307" r:id="rId52"/>
+    <p:sldId id="308" r:id="rId53"/>
+    <p:sldId id="309" r:id="rId54"/>
+    <p:sldId id="310" r:id="rId55"/>
+    <p:sldId id="311" r:id="rId56"/>
+    <p:sldId id="313" r:id="rId57"/>
+    <p:sldId id="314" r:id="rId58"/>
+    <p:sldId id="315" r:id="rId59"/>
+    <p:sldId id="312" r:id="rId60"/>
   </p:sldIdLst>
   <p:sldSz cx="12192000" cy="6858000"/>
   <p:notesSz cx="6858000" cy="9144000"/>
@@ -16804,7 +16805,6 @@
               <a:rPr lang="en-US" dirty="0"/>
               <a:t>Calculating probabilities directly from data frames</a:t>
             </a:r>
-            <a:endParaRPr lang="en-US" dirty="0"/>
           </a:p>
         </p:txBody>
       </p:sp>
@@ -25099,7 +25099,11 @@
           <a:p>
             <a:r>
               <a:rPr lang="en-US" dirty="0" smtClean="0"/>
-              <a:t>ggplot2: Faceting plots</a:t>
+              <a:t>ggplot2: </a:t>
+            </a:r>
+            <a:r>
+              <a:rPr lang="en-US" dirty="0" smtClean="0"/>
+              <a:t>saving plots</a:t>
             </a:r>
             <a:endParaRPr lang="en-US" dirty="0"/>
           </a:p>
@@ -25197,7 +25201,7 @@
     </p:spTree>
     <p:extLst>
       <p:ext uri="{BB962C8B-B14F-4D97-AF65-F5344CB8AC3E}">
-        <p14:creationId xmlns:p14="http://schemas.microsoft.com/office/powerpoint/2010/main" val="1076695904"/>
+        <p14:creationId xmlns:p14="http://schemas.microsoft.com/office/powerpoint/2010/main" val="1096137363"/>
       </p:ext>
     </p:extLst>
   </p:cSld>
@@ -25492,6 +25496,258 @@
           <a:p>
             <a:r>
               <a:rPr lang="en-US" dirty="0" smtClean="0"/>
+              <a:t>ggplot2: </a:t>
+            </a:r>
+            <a:r>
+              <a:rPr lang="en-US" dirty="0" smtClean="0"/>
+              <a:t>saving plots</a:t>
+            </a:r>
+            <a:endParaRPr lang="en-US" dirty="0"/>
+          </a:p>
+        </p:txBody>
+      </p:sp>
+      <p:sp>
+        <p:nvSpPr>
+          <p:cNvPr id="4" name="TextBox 3"/>
+          <p:cNvSpPr txBox="1"/>
+          <p:nvPr/>
+        </p:nvSpPr>
+        <p:spPr>
+          <a:xfrm>
+            <a:off x="925110" y="2016736"/>
+            <a:ext cx="11094720" cy="2308324"/>
+          </a:xfrm>
+          <a:prstGeom prst="rect">
+            <a:avLst/>
+          </a:prstGeom>
+          <a:noFill/>
+        </p:spPr>
+        <p:txBody>
+          <a:bodyPr wrap="square" rtlCol="0">
+            <a:spAutoFit/>
+          </a:bodyPr>
+          <a:lstStyle/>
+          <a:p>
+            <a:pPr marL="285750" indent="-285750">
+              <a:buFont typeface=".AppleSystemUIFont" charset="-120"/>
+              <a:buChar char="&gt;"/>
+            </a:pPr>
+            <a:endParaRPr lang="is-IS" sz="1600" b="1" dirty="0" smtClean="0">
+              <a:latin typeface="Monaco" charset="0"/>
+              <a:ea typeface="Monaco" charset="0"/>
+              <a:cs typeface="Monaco" charset="0"/>
+            </a:endParaRPr>
+          </a:p>
+          <a:p>
+            <a:pPr marL="285750" indent="-285750">
+              <a:buFont typeface=".AppleSystemUIFont" charset="-120"/>
+              <a:buChar char="&gt;"/>
+            </a:pPr>
+            <a:r>
+              <a:rPr lang="is-IS" sz="1600" b="1" dirty="0" smtClean="0">
+                <a:latin typeface="Monaco" charset="0"/>
+                <a:ea typeface="Monaco" charset="0"/>
+                <a:cs typeface="Monaco" charset="0"/>
+              </a:rPr>
+              <a:t>P &lt;- ggplot(iris</a:t>
+            </a:r>
+            <a:r>
+              <a:rPr lang="is-IS" sz="1600" b="1" dirty="0">
+                <a:latin typeface="Monaco" charset="0"/>
+                <a:ea typeface="Monaco" charset="0"/>
+                <a:cs typeface="Monaco" charset="0"/>
+              </a:rPr>
+              <a:t>, aes(x = Sepal.Length, fill = Species)) + geom_density( alpha = 0.5 </a:t>
+            </a:r>
+            <a:r>
+              <a:rPr lang="is-IS" sz="1600" b="1" dirty="0" smtClean="0">
+                <a:latin typeface="Monaco" charset="0"/>
+                <a:ea typeface="Monaco" charset="0"/>
+                <a:cs typeface="Monaco" charset="0"/>
+              </a:rPr>
+              <a:t>)</a:t>
+            </a:r>
+          </a:p>
+          <a:p>
+            <a:pPr marL="285750" indent="-285750">
+              <a:buFont typeface=".AppleSystemUIFont" charset="-120"/>
+              <a:buChar char="&gt;"/>
+            </a:pPr>
+            <a:endParaRPr lang="is-IS" sz="1600" b="1" dirty="0">
+              <a:latin typeface="Monaco" charset="0"/>
+              <a:ea typeface="Monaco" charset="0"/>
+              <a:cs typeface="Monaco" charset="0"/>
+            </a:endParaRPr>
+          </a:p>
+          <a:p>
+            <a:pPr marL="285750" indent="-285750">
+              <a:buFont typeface=".AppleSystemUIFont" charset="-120"/>
+              <a:buChar char="&gt;"/>
+            </a:pPr>
+            <a:r>
+              <a:rPr lang="is-IS" sz="1600" b="1" dirty="0" smtClean="0">
+                <a:latin typeface="Monaco" charset="0"/>
+                <a:ea typeface="Monaco" charset="0"/>
+                <a:cs typeface="Monaco" charset="0"/>
+              </a:rPr>
+              <a:t>### Save as PNG</a:t>
+            </a:r>
+          </a:p>
+          <a:p>
+            <a:pPr marL="285750" indent="-285750">
+              <a:buFont typeface=".AppleSystemUIFont" charset="-120"/>
+              <a:buChar char="&gt;"/>
+            </a:pPr>
+            <a:r>
+              <a:rPr lang="is-IS" sz="1600" b="1" dirty="0" smtClean="0">
+                <a:latin typeface="Monaco" charset="0"/>
+                <a:ea typeface="Monaco" charset="0"/>
+                <a:cs typeface="Monaco" charset="0"/>
+              </a:rPr>
+              <a:t>ggsave("plot.png", P)</a:t>
+            </a:r>
+          </a:p>
+          <a:p>
+            <a:pPr marL="285750" indent="-285750">
+              <a:buFont typeface=".AppleSystemUIFont" charset="-120"/>
+              <a:buChar char="&gt;"/>
+            </a:pPr>
+            <a:endParaRPr lang="is-IS" sz="1600" b="1" dirty="0" smtClean="0">
+              <a:latin typeface="Monaco" charset="0"/>
+              <a:ea typeface="Monaco" charset="0"/>
+              <a:cs typeface="Monaco" charset="0"/>
+            </a:endParaRPr>
+          </a:p>
+          <a:p>
+            <a:pPr marL="285750" indent="-285750">
+              <a:buFont typeface=".AppleSystemUIFont" charset="-120"/>
+              <a:buChar char="&gt;"/>
+            </a:pPr>
+            <a:r>
+              <a:rPr lang="is-IS" sz="1600" b="1" dirty="0" smtClean="0">
+                <a:latin typeface="Monaco" charset="0"/>
+                <a:ea typeface="Monaco" charset="0"/>
+                <a:cs typeface="Monaco" charset="0"/>
+              </a:rPr>
+              <a:t>### Save as PDF</a:t>
+            </a:r>
+          </a:p>
+          <a:p>
+            <a:pPr marL="285750" indent="-285750">
+              <a:buFont typeface=".AppleSystemUIFont" charset="-120"/>
+              <a:buChar char="&gt;"/>
+            </a:pPr>
+            <a:r>
+              <a:rPr lang="is-IS" sz="1600" b="1" dirty="0" smtClean="0">
+                <a:latin typeface="Monaco" charset="0"/>
+                <a:ea typeface="Monaco" charset="0"/>
+                <a:cs typeface="Monaco" charset="0"/>
+              </a:rPr>
+              <a:t>ggsave("plot.pdf", P)</a:t>
+            </a:r>
+            <a:endParaRPr lang="is-IS" sz="1600" b="1" dirty="0">
+              <a:latin typeface="Monaco" charset="0"/>
+              <a:ea typeface="Monaco" charset="0"/>
+              <a:cs typeface="Monaco" charset="0"/>
+            </a:endParaRPr>
+          </a:p>
+          <a:p>
+            <a:pPr marL="285750" indent="-285750">
+              <a:buFont typeface=".AppleSystemUIFont" charset="-120"/>
+              <a:buChar char="&gt;"/>
+            </a:pPr>
+            <a:endParaRPr lang="is-IS" sz="1600" b="1" dirty="0" smtClean="0">
+              <a:latin typeface="Monaco" charset="0"/>
+              <a:ea typeface="Monaco" charset="0"/>
+              <a:cs typeface="Monaco" charset="0"/>
+            </a:endParaRPr>
+          </a:p>
+        </p:txBody>
+      </p:sp>
+      <p:pic>
+        <p:nvPicPr>
+          <p:cNvPr id="6" name="Picture 5"/>
+          <p:cNvPicPr>
+            <a:picLocks noChangeAspect="1"/>
+          </p:cNvPicPr>
+          <p:nvPr/>
+        </p:nvPicPr>
+        <p:blipFill>
+          <a:blip r:embed="rId2">
+            <a:extLst>
+              <a:ext uri="{28A0092B-C50C-407E-A947-70E740481C1C}">
+                <a14:useLocalDpi xmlns:a14="http://schemas.microsoft.com/office/drawing/2010/main" val="0"/>
+              </a:ext>
+            </a:extLst>
+          </a:blip>
+          <a:stretch>
+            <a:fillRect/>
+          </a:stretch>
+        </p:blipFill>
+        <p:spPr>
+          <a:xfrm>
+            <a:off x="8419739" y="2632996"/>
+            <a:ext cx="3600091" cy="3600091"/>
+          </a:xfrm>
+          <a:prstGeom prst="rect">
+            <a:avLst/>
+          </a:prstGeom>
+        </p:spPr>
+      </p:pic>
+    </p:spTree>
+    <p:extLst>
+      <p:ext uri="{BB962C8B-B14F-4D97-AF65-F5344CB8AC3E}">
+        <p14:creationId xmlns:p14="http://schemas.microsoft.com/office/powerpoint/2010/main" val="810878171"/>
+      </p:ext>
+    </p:extLst>
+  </p:cSld>
+  <p:clrMapOvr>
+    <a:masterClrMapping/>
+  </p:clrMapOvr>
+  <p:timing>
+    <p:tnLst>
+      <p:par>
+        <p:cTn id="1" dur="indefinite" restart="never" nodeType="tmRoot"/>
+      </p:par>
+    </p:tnLst>
+  </p:timing>
+</p:sld>
+</file>
+
+<file path=ppt/slides/slide51.xml><?xml version="1.0" encoding="utf-8"?>
+<p:sld xmlns:a="http://schemas.openxmlformats.org/drawingml/2006/main" xmlns:r="http://schemas.openxmlformats.org/officeDocument/2006/relationships" xmlns:p="http://schemas.openxmlformats.org/presentationml/2006/main">
+  <p:cSld>
+    <p:spTree>
+      <p:nvGrpSpPr>
+        <p:cNvPr id="1" name=""/>
+        <p:cNvGrpSpPr/>
+        <p:nvPr/>
+      </p:nvGrpSpPr>
+      <p:grpSpPr>
+        <a:xfrm>
+          <a:off x="0" y="0"/>
+          <a:ext cx="0" cy="0"/>
+          <a:chOff x="0" y="0"/>
+          <a:chExt cx="0" cy="0"/>
+        </a:xfrm>
+      </p:grpSpPr>
+      <p:sp>
+        <p:nvSpPr>
+          <p:cNvPr id="2" name="Title 1"/>
+          <p:cNvSpPr>
+            <a:spLocks noGrp="1"/>
+          </p:cNvSpPr>
+          <p:nvPr>
+            <p:ph type="title"/>
+          </p:nvPr>
+        </p:nvSpPr>
+        <p:spPr/>
+        <p:txBody>
+          <a:bodyPr/>
+          <a:lstStyle/>
+          <a:p>
+            <a:r>
+              <a:rPr lang="en-US" dirty="0" smtClean="0"/>
               <a:t>ggplot2: Faceting plots</a:t>
             </a:r>
             <a:endParaRPr lang="en-US" dirty="0"/>
@@ -25634,7 +25890,7 @@
 </p:sld>
 </file>
 
-<file path=ppt/slides/slide51.xml><?xml version="1.0" encoding="utf-8"?>
+<file path=ppt/slides/slide52.xml><?xml version="1.0" encoding="utf-8"?>
 <p:sld xmlns:a="http://schemas.openxmlformats.org/drawingml/2006/main" xmlns:r="http://schemas.openxmlformats.org/officeDocument/2006/relationships" xmlns:p="http://schemas.openxmlformats.org/presentationml/2006/main">
   <p:cSld>
     <p:spTree>
@@ -25882,7 +26138,7 @@
 </p:sld>
 </file>
 
-<file path=ppt/slides/slide52.xml><?xml version="1.0" encoding="utf-8"?>
+<file path=ppt/slides/slide53.xml><?xml version="1.0" encoding="utf-8"?>
 <p:sld xmlns:a="http://schemas.openxmlformats.org/drawingml/2006/main" xmlns:r="http://schemas.openxmlformats.org/officeDocument/2006/relationships" xmlns:p="http://schemas.openxmlformats.org/presentationml/2006/main">
   <p:cSld>
     <p:spTree>
@@ -26061,718 +26317,6 @@
 </p:sld>
 </file>
 
-<file path=ppt/slides/slide53.xml><?xml version="1.0" encoding="utf-8"?>
-<p:sld xmlns:a="http://schemas.openxmlformats.org/drawingml/2006/main" xmlns:r="http://schemas.openxmlformats.org/officeDocument/2006/relationships" xmlns:p="http://schemas.openxmlformats.org/presentationml/2006/main">
-  <p:cSld>
-    <p:spTree>
-      <p:nvGrpSpPr>
-        <p:cNvPr id="1" name=""/>
-        <p:cNvGrpSpPr/>
-        <p:nvPr/>
-      </p:nvGrpSpPr>
-      <p:grpSpPr>
-        <a:xfrm>
-          <a:off x="0" y="0"/>
-          <a:ext cx="0" cy="0"/>
-          <a:chOff x="0" y="0"/>
-          <a:chExt cx="0" cy="0"/>
-        </a:xfrm>
-      </p:grpSpPr>
-      <p:sp>
-        <p:nvSpPr>
-          <p:cNvPr id="2" name="Title 1"/>
-          <p:cNvSpPr>
-            <a:spLocks noGrp="1"/>
-          </p:cNvSpPr>
-          <p:nvPr>
-            <p:ph type="title"/>
-          </p:nvPr>
-        </p:nvSpPr>
-        <p:spPr/>
-        <p:txBody>
-          <a:bodyPr/>
-          <a:lstStyle/>
-          <a:p>
-            <a:r>
-              <a:rPr lang="en-US" dirty="0" err="1" smtClean="0"/>
-              <a:t>dplyr</a:t>
-            </a:r>
-            <a:r>
-              <a:rPr lang="en-US" dirty="0" smtClean="0"/>
-              <a:t>: Joining related </a:t>
-            </a:r>
-            <a:r>
-              <a:rPr lang="en-US" dirty="0" err="1" smtClean="0"/>
-              <a:t>dataframes</a:t>
-            </a:r>
-            <a:endParaRPr lang="en-US" dirty="0"/>
-          </a:p>
-        </p:txBody>
-      </p:sp>
-      <p:sp>
-        <p:nvSpPr>
-          <p:cNvPr id="5" name="TextBox 4"/>
-          <p:cNvSpPr txBox="1"/>
-          <p:nvPr/>
-        </p:nvSpPr>
-        <p:spPr>
-          <a:xfrm>
-            <a:off x="6858000" y="1821180"/>
-            <a:ext cx="4648200" cy="2031325"/>
-          </a:xfrm>
-          <a:prstGeom prst="rect">
-            <a:avLst/>
-          </a:prstGeom>
-          <a:noFill/>
-        </p:spPr>
-        <p:txBody>
-          <a:bodyPr wrap="square" rtlCol="0">
-            <a:spAutoFit/>
-          </a:bodyPr>
-          <a:lstStyle/>
-          <a:p>
-            <a:r>
-              <a:rPr lang="en-US" dirty="0">
-                <a:latin typeface="Monaco" charset="0"/>
-                <a:ea typeface="Monaco" charset="0"/>
-                <a:cs typeface="Monaco" charset="0"/>
-              </a:rPr>
-              <a:t>&gt; data2</a:t>
-            </a:r>
-          </a:p>
-          <a:p>
-            <a:r>
-              <a:rPr lang="is-IS" dirty="0">
-                <a:latin typeface="Monaco" charset="0"/>
-                <a:ea typeface="Monaco" charset="0"/>
-                <a:cs typeface="Monaco" charset="0"/>
-              </a:rPr>
-              <a:t>    x           a        b</a:t>
-            </a:r>
-          </a:p>
-          <a:p>
-            <a:r>
-              <a:rPr lang="is-IS" dirty="0">
-                <a:latin typeface="Monaco" charset="0"/>
-                <a:ea typeface="Monaco" charset="0"/>
-                <a:cs typeface="Monaco" charset="0"/>
-              </a:rPr>
-              <a:t> </a:t>
-            </a:r>
-            <a:r>
-              <a:rPr lang="is-IS" dirty="0" smtClean="0">
-                <a:latin typeface="Monaco" charset="0"/>
-                <a:ea typeface="Monaco" charset="0"/>
-                <a:cs typeface="Monaco" charset="0"/>
-              </a:rPr>
-              <a:t> </a:t>
-            </a:r>
-            <a:r>
-              <a:rPr lang="is-IS" dirty="0">
-                <a:latin typeface="Monaco" charset="0"/>
-                <a:ea typeface="Monaco" charset="0"/>
-                <a:cs typeface="Monaco" charset="0"/>
-              </a:rPr>
-              <a:t>  1 -2.76205636 112.9588</a:t>
-            </a:r>
-          </a:p>
-          <a:p>
-            <a:r>
-              <a:rPr lang="is-IS" dirty="0">
-                <a:latin typeface="Monaco" charset="0"/>
-                <a:ea typeface="Monaco" charset="0"/>
-                <a:cs typeface="Monaco" charset="0"/>
-              </a:rPr>
-              <a:t> </a:t>
-            </a:r>
-            <a:r>
-              <a:rPr lang="is-IS" dirty="0" smtClean="0">
-                <a:latin typeface="Monaco" charset="0"/>
-                <a:ea typeface="Monaco" charset="0"/>
-                <a:cs typeface="Monaco" charset="0"/>
-              </a:rPr>
-              <a:t> </a:t>
-            </a:r>
-            <a:r>
-              <a:rPr lang="is-IS" dirty="0">
-                <a:latin typeface="Monaco" charset="0"/>
-                <a:ea typeface="Monaco" charset="0"/>
-                <a:cs typeface="Monaco" charset="0"/>
-              </a:rPr>
-              <a:t>  2 -1.44485264 149.3682</a:t>
-            </a:r>
-          </a:p>
-          <a:p>
-            <a:r>
-              <a:rPr lang="is-IS" dirty="0">
-                <a:latin typeface="Monaco" charset="0"/>
-                <a:ea typeface="Monaco" charset="0"/>
-                <a:cs typeface="Monaco" charset="0"/>
-              </a:rPr>
-              <a:t> </a:t>
-            </a:r>
-            <a:r>
-              <a:rPr lang="is-IS" dirty="0" smtClean="0">
-                <a:latin typeface="Monaco" charset="0"/>
-                <a:ea typeface="Monaco" charset="0"/>
-                <a:cs typeface="Monaco" charset="0"/>
-              </a:rPr>
-              <a:t> </a:t>
-            </a:r>
-            <a:r>
-              <a:rPr lang="is-IS" dirty="0">
-                <a:latin typeface="Monaco" charset="0"/>
-                <a:ea typeface="Monaco" charset="0"/>
-                <a:cs typeface="Monaco" charset="0"/>
-              </a:rPr>
-              <a:t>  3 -1.14390532 132.8789</a:t>
-            </a:r>
-          </a:p>
-          <a:p>
-            <a:r>
-              <a:rPr lang="is-IS" dirty="0">
-                <a:latin typeface="Monaco" charset="0"/>
-                <a:ea typeface="Monaco" charset="0"/>
-                <a:cs typeface="Monaco" charset="0"/>
-              </a:rPr>
-              <a:t> </a:t>
-            </a:r>
-            <a:r>
-              <a:rPr lang="is-IS" dirty="0" smtClean="0">
-                <a:latin typeface="Monaco" charset="0"/>
-                <a:ea typeface="Monaco" charset="0"/>
-                <a:cs typeface="Monaco" charset="0"/>
-              </a:rPr>
-              <a:t> </a:t>
-            </a:r>
-            <a:r>
-              <a:rPr lang="is-IS" dirty="0">
-                <a:latin typeface="Monaco" charset="0"/>
-                <a:ea typeface="Monaco" charset="0"/>
-                <a:cs typeface="Monaco" charset="0"/>
-              </a:rPr>
-              <a:t>  4 -2.86488120 143.6860</a:t>
-            </a:r>
-          </a:p>
-          <a:p>
-            <a:r>
-              <a:rPr lang="is-IS" dirty="0">
-                <a:latin typeface="Monaco" charset="0"/>
-                <a:ea typeface="Monaco" charset="0"/>
-                <a:cs typeface="Monaco" charset="0"/>
-              </a:rPr>
-              <a:t> </a:t>
-            </a:r>
-            <a:r>
-              <a:rPr lang="is-IS" dirty="0" smtClean="0">
-                <a:latin typeface="Monaco" charset="0"/>
-                <a:ea typeface="Monaco" charset="0"/>
-                <a:cs typeface="Monaco" charset="0"/>
-              </a:rPr>
-              <a:t> </a:t>
-            </a:r>
-            <a:r>
-              <a:rPr lang="is-IS" dirty="0">
-                <a:latin typeface="Monaco" charset="0"/>
-                <a:ea typeface="Monaco" charset="0"/>
-                <a:cs typeface="Monaco" charset="0"/>
-              </a:rPr>
-              <a:t>  5 -2.91982194 121.3927</a:t>
-            </a:r>
-          </a:p>
-        </p:txBody>
-      </p:sp>
-      <p:sp>
-        <p:nvSpPr>
-          <p:cNvPr id="7" name="Rectangle 6"/>
-          <p:cNvSpPr/>
-          <p:nvPr/>
-        </p:nvSpPr>
-        <p:spPr>
-          <a:xfrm>
-            <a:off x="2743200" y="4114800"/>
-            <a:ext cx="8522970" cy="2862322"/>
-          </a:xfrm>
-          <a:prstGeom prst="rect">
-            <a:avLst/>
-          </a:prstGeom>
-        </p:spPr>
-        <p:txBody>
-          <a:bodyPr wrap="square">
-            <a:spAutoFit/>
-          </a:bodyPr>
-          <a:lstStyle/>
-          <a:p>
-            <a:r>
-              <a:rPr lang="is-IS" dirty="0" smtClean="0">
-                <a:latin typeface="Monaco" charset="0"/>
-                <a:ea typeface="Monaco" charset="0"/>
-                <a:cs typeface="Monaco" charset="0"/>
-              </a:rPr>
-              <a:t>&gt; </a:t>
-            </a:r>
-            <a:r>
-              <a:rPr lang="is-IS" dirty="0">
-                <a:latin typeface="Monaco" charset="0"/>
-                <a:ea typeface="Monaco" charset="0"/>
-                <a:cs typeface="Monaco" charset="0"/>
-              </a:rPr>
-              <a:t>left_join(data1, data2)</a:t>
-            </a:r>
-          </a:p>
-          <a:p>
-            <a:pPr lvl="1"/>
-            <a:r>
-              <a:rPr lang="is-IS" b="1" dirty="0">
-                <a:solidFill>
-                  <a:srgbClr val="0070C0"/>
-                </a:solidFill>
-                <a:latin typeface="Monaco" charset="0"/>
-                <a:ea typeface="Monaco" charset="0"/>
-                <a:cs typeface="Monaco" charset="0"/>
-              </a:rPr>
-              <a:t>Joining, by = "x"</a:t>
-            </a:r>
-            <a:endParaRPr lang="is-IS" dirty="0">
-              <a:solidFill>
-                <a:srgbClr val="0070C0"/>
-              </a:solidFill>
-              <a:latin typeface="Monaco" charset="0"/>
-              <a:ea typeface="Monaco" charset="0"/>
-              <a:cs typeface="Monaco" charset="0"/>
-            </a:endParaRPr>
-          </a:p>
-          <a:p>
-            <a:r>
-              <a:rPr lang="is-IS" dirty="0">
-                <a:latin typeface="Monaco" charset="0"/>
-                <a:ea typeface="Monaco" charset="0"/>
-                <a:cs typeface="Monaco" charset="0"/>
-              </a:rPr>
-              <a:t>    x         y        z           a        b</a:t>
-            </a:r>
-          </a:p>
-          <a:p>
-            <a:r>
-              <a:rPr lang="is-IS" dirty="0">
-                <a:latin typeface="Monaco" charset="0"/>
-                <a:ea typeface="Monaco" charset="0"/>
-                <a:cs typeface="Monaco" charset="0"/>
-              </a:rPr>
-              <a:t> </a:t>
-            </a:r>
-            <a:r>
-              <a:rPr lang="is-IS" dirty="0" smtClean="0">
-                <a:latin typeface="Monaco" charset="0"/>
-                <a:ea typeface="Monaco" charset="0"/>
-                <a:cs typeface="Monaco" charset="0"/>
-              </a:rPr>
-              <a:t> </a:t>
-            </a:r>
-            <a:r>
-              <a:rPr lang="is-IS" dirty="0">
-                <a:latin typeface="Monaco" charset="0"/>
-                <a:ea typeface="Monaco" charset="0"/>
-                <a:cs typeface="Monaco" charset="0"/>
-              </a:rPr>
-              <a:t>  1  3.108060 61.48849 -2.76205636 112.9588</a:t>
-            </a:r>
-          </a:p>
-          <a:p>
-            <a:r>
-              <a:rPr lang="is-IS" dirty="0">
-                <a:latin typeface="Monaco" charset="0"/>
-                <a:ea typeface="Monaco" charset="0"/>
-                <a:cs typeface="Monaco" charset="0"/>
-              </a:rPr>
-              <a:t> </a:t>
-            </a:r>
-            <a:r>
-              <a:rPr lang="is-IS" dirty="0" smtClean="0">
-                <a:latin typeface="Monaco" charset="0"/>
-                <a:ea typeface="Monaco" charset="0"/>
-                <a:cs typeface="Monaco" charset="0"/>
-              </a:rPr>
-              <a:t> </a:t>
-            </a:r>
-            <a:r>
-              <a:rPr lang="is-IS" dirty="0">
-                <a:latin typeface="Monaco" charset="0"/>
-                <a:ea typeface="Monaco" charset="0"/>
-                <a:cs typeface="Monaco" charset="0"/>
-              </a:rPr>
-              <a:t>  2  8.976264 55.68174 -1.44485264 149.3682</a:t>
-            </a:r>
-          </a:p>
-          <a:p>
-            <a:r>
-              <a:rPr lang="is-IS" dirty="0">
-                <a:latin typeface="Monaco" charset="0"/>
-                <a:ea typeface="Monaco" charset="0"/>
-                <a:cs typeface="Monaco" charset="0"/>
-              </a:rPr>
-              <a:t> </a:t>
-            </a:r>
-            <a:r>
-              <a:rPr lang="is-IS" dirty="0" smtClean="0">
-                <a:latin typeface="Monaco" charset="0"/>
-                <a:ea typeface="Monaco" charset="0"/>
-                <a:cs typeface="Monaco" charset="0"/>
-              </a:rPr>
-              <a:t> </a:t>
-            </a:r>
-            <a:r>
-              <a:rPr lang="is-IS" dirty="0">
-                <a:latin typeface="Monaco" charset="0"/>
-                <a:ea typeface="Monaco" charset="0"/>
-                <a:cs typeface="Monaco" charset="0"/>
-              </a:rPr>
-              <a:t>  3 11.673850 56.32225 -1.14390532 132.8789</a:t>
-            </a:r>
-          </a:p>
-          <a:p>
-            <a:r>
-              <a:rPr lang="is-IS" dirty="0">
-                <a:latin typeface="Monaco" charset="0"/>
-                <a:ea typeface="Monaco" charset="0"/>
-                <a:cs typeface="Monaco" charset="0"/>
-              </a:rPr>
-              <a:t> </a:t>
-            </a:r>
-            <a:r>
-              <a:rPr lang="is-IS" dirty="0" smtClean="0">
-                <a:latin typeface="Monaco" charset="0"/>
-                <a:ea typeface="Monaco" charset="0"/>
-                <a:cs typeface="Monaco" charset="0"/>
-              </a:rPr>
-              <a:t> </a:t>
-            </a:r>
-            <a:r>
-              <a:rPr lang="is-IS" dirty="0">
-                <a:latin typeface="Monaco" charset="0"/>
-                <a:ea typeface="Monaco" charset="0"/>
-                <a:cs typeface="Monaco" charset="0"/>
-              </a:rPr>
-              <a:t>  4  8.551282 58.53424 -2.86488120 143.6860</a:t>
-            </a:r>
-          </a:p>
-          <a:p>
-            <a:r>
-              <a:rPr lang="is-IS" dirty="0">
-                <a:latin typeface="Monaco" charset="0"/>
-                <a:ea typeface="Monaco" charset="0"/>
-                <a:cs typeface="Monaco" charset="0"/>
-              </a:rPr>
-              <a:t> </a:t>
-            </a:r>
-            <a:r>
-              <a:rPr lang="is-IS" dirty="0" smtClean="0">
-                <a:latin typeface="Monaco" charset="0"/>
-                <a:ea typeface="Monaco" charset="0"/>
-                <a:cs typeface="Monaco" charset="0"/>
-              </a:rPr>
-              <a:t> </a:t>
-            </a:r>
-            <a:r>
-              <a:rPr lang="is-IS" dirty="0">
-                <a:latin typeface="Monaco" charset="0"/>
-                <a:ea typeface="Monaco" charset="0"/>
-                <a:cs typeface="Monaco" charset="0"/>
-              </a:rPr>
-              <a:t>  5  5.819844 61.71424 -2.91982194 121.3927</a:t>
-            </a:r>
-          </a:p>
-          <a:p>
-            <a:pPr marL="285750" indent="-285750">
-              <a:buFont typeface=".AppleSystemUIFont" charset="-120"/>
-              <a:buChar char="&gt;"/>
-            </a:pPr>
-            <a:endParaRPr lang="en-US" dirty="0" smtClean="0">
-              <a:latin typeface="Monaco" charset="0"/>
-              <a:ea typeface="Monaco" charset="0"/>
-              <a:cs typeface="Monaco" charset="0"/>
-            </a:endParaRPr>
-          </a:p>
-          <a:p>
-            <a:pPr marL="285750" indent="-285750">
-              <a:buFont typeface="Wingdings" charset="2"/>
-              <a:buChar char="Ø"/>
-            </a:pPr>
-            <a:endParaRPr lang="en-US" dirty="0" smtClean="0">
-              <a:latin typeface="Monaco" charset="0"/>
-              <a:ea typeface="Monaco" charset="0"/>
-              <a:cs typeface="Monaco" charset="0"/>
-            </a:endParaRPr>
-          </a:p>
-        </p:txBody>
-      </p:sp>
-      <p:sp>
-        <p:nvSpPr>
-          <p:cNvPr id="6" name="TextBox 5"/>
-          <p:cNvSpPr txBox="1"/>
-          <p:nvPr/>
-        </p:nvSpPr>
-        <p:spPr>
-          <a:xfrm>
-            <a:off x="1325880" y="1821180"/>
-            <a:ext cx="4438650" cy="2308324"/>
-          </a:xfrm>
-          <a:prstGeom prst="rect">
-            <a:avLst/>
-          </a:prstGeom>
-          <a:noFill/>
-        </p:spPr>
-        <p:txBody>
-          <a:bodyPr wrap="square" rtlCol="0">
-            <a:spAutoFit/>
-          </a:bodyPr>
-          <a:lstStyle/>
-          <a:p>
-            <a:r>
-              <a:rPr lang="en-US" dirty="0">
-                <a:latin typeface="Monaco" charset="0"/>
-                <a:ea typeface="Monaco" charset="0"/>
-                <a:cs typeface="Monaco" charset="0"/>
-              </a:rPr>
-              <a:t>&gt; data1</a:t>
-            </a:r>
-          </a:p>
-          <a:p>
-            <a:r>
-              <a:rPr lang="is-IS" dirty="0">
-                <a:latin typeface="Monaco" charset="0"/>
-                <a:ea typeface="Monaco" charset="0"/>
-                <a:cs typeface="Monaco" charset="0"/>
-              </a:rPr>
-              <a:t>    x         y        z</a:t>
-            </a:r>
-          </a:p>
-          <a:p>
-            <a:r>
-              <a:rPr lang="is-IS" dirty="0">
-                <a:latin typeface="Monaco" charset="0"/>
-                <a:ea typeface="Monaco" charset="0"/>
-                <a:cs typeface="Monaco" charset="0"/>
-              </a:rPr>
-              <a:t> </a:t>
-            </a:r>
-            <a:r>
-              <a:rPr lang="is-IS" dirty="0" smtClean="0">
-                <a:latin typeface="Monaco" charset="0"/>
-                <a:ea typeface="Monaco" charset="0"/>
-                <a:cs typeface="Monaco" charset="0"/>
-              </a:rPr>
-              <a:t> </a:t>
-            </a:r>
-            <a:r>
-              <a:rPr lang="is-IS" dirty="0">
-                <a:latin typeface="Monaco" charset="0"/>
-                <a:ea typeface="Monaco" charset="0"/>
-                <a:cs typeface="Monaco" charset="0"/>
-              </a:rPr>
-              <a:t>  1  3.108060 61.48849</a:t>
-            </a:r>
-          </a:p>
-          <a:p>
-            <a:r>
-              <a:rPr lang="is-IS" dirty="0">
-                <a:latin typeface="Monaco" charset="0"/>
-                <a:ea typeface="Monaco" charset="0"/>
-                <a:cs typeface="Monaco" charset="0"/>
-              </a:rPr>
-              <a:t> </a:t>
-            </a:r>
-            <a:r>
-              <a:rPr lang="is-IS" dirty="0" smtClean="0">
-                <a:latin typeface="Monaco" charset="0"/>
-                <a:ea typeface="Monaco" charset="0"/>
-                <a:cs typeface="Monaco" charset="0"/>
-              </a:rPr>
-              <a:t> </a:t>
-            </a:r>
-            <a:r>
-              <a:rPr lang="is-IS" dirty="0">
-                <a:latin typeface="Monaco" charset="0"/>
-                <a:ea typeface="Monaco" charset="0"/>
-                <a:cs typeface="Monaco" charset="0"/>
-              </a:rPr>
-              <a:t>  2  8.976264 55.68174</a:t>
-            </a:r>
-          </a:p>
-          <a:p>
-            <a:r>
-              <a:rPr lang="is-IS" dirty="0">
-                <a:latin typeface="Monaco" charset="0"/>
-                <a:ea typeface="Monaco" charset="0"/>
-                <a:cs typeface="Monaco" charset="0"/>
-              </a:rPr>
-              <a:t> </a:t>
-            </a:r>
-            <a:r>
-              <a:rPr lang="is-IS" dirty="0" smtClean="0">
-                <a:latin typeface="Monaco" charset="0"/>
-                <a:ea typeface="Monaco" charset="0"/>
-                <a:cs typeface="Monaco" charset="0"/>
-              </a:rPr>
-              <a:t> </a:t>
-            </a:r>
-            <a:r>
-              <a:rPr lang="is-IS" dirty="0">
-                <a:latin typeface="Monaco" charset="0"/>
-                <a:ea typeface="Monaco" charset="0"/>
-                <a:cs typeface="Monaco" charset="0"/>
-              </a:rPr>
-              <a:t>  3 11.673850 56.32225</a:t>
-            </a:r>
-          </a:p>
-          <a:p>
-            <a:r>
-              <a:rPr lang="is-IS" dirty="0">
-                <a:latin typeface="Monaco" charset="0"/>
-                <a:ea typeface="Monaco" charset="0"/>
-                <a:cs typeface="Monaco" charset="0"/>
-              </a:rPr>
-              <a:t> </a:t>
-            </a:r>
-            <a:r>
-              <a:rPr lang="is-IS" dirty="0" smtClean="0">
-                <a:latin typeface="Monaco" charset="0"/>
-                <a:ea typeface="Monaco" charset="0"/>
-                <a:cs typeface="Monaco" charset="0"/>
-              </a:rPr>
-              <a:t> </a:t>
-            </a:r>
-            <a:r>
-              <a:rPr lang="is-IS" dirty="0">
-                <a:latin typeface="Monaco" charset="0"/>
-                <a:ea typeface="Monaco" charset="0"/>
-                <a:cs typeface="Monaco" charset="0"/>
-              </a:rPr>
-              <a:t>  4  8.551282 58.53424</a:t>
-            </a:r>
-          </a:p>
-          <a:p>
-            <a:r>
-              <a:rPr lang="is-IS" dirty="0">
-                <a:latin typeface="Monaco" charset="0"/>
-                <a:ea typeface="Monaco" charset="0"/>
-                <a:cs typeface="Monaco" charset="0"/>
-              </a:rPr>
-              <a:t> </a:t>
-            </a:r>
-            <a:r>
-              <a:rPr lang="is-IS" smtClean="0">
-                <a:latin typeface="Monaco" charset="0"/>
-                <a:ea typeface="Monaco" charset="0"/>
-                <a:cs typeface="Monaco" charset="0"/>
-              </a:rPr>
-              <a:t> </a:t>
-            </a:r>
-            <a:r>
-              <a:rPr lang="is-IS" dirty="0">
-                <a:latin typeface="Monaco" charset="0"/>
-                <a:ea typeface="Monaco" charset="0"/>
-                <a:cs typeface="Monaco" charset="0"/>
-              </a:rPr>
-              <a:t>  5  5.819844 61.71424</a:t>
-            </a:r>
-          </a:p>
-          <a:p>
-            <a:endParaRPr lang="en-US" dirty="0"/>
-          </a:p>
-        </p:txBody>
-      </p:sp>
-    </p:spTree>
-    <p:extLst>
-      <p:ext uri="{BB962C8B-B14F-4D97-AF65-F5344CB8AC3E}">
-        <p14:creationId xmlns:p14="http://schemas.microsoft.com/office/powerpoint/2010/main" val="483137449"/>
-      </p:ext>
-    </p:extLst>
-  </p:cSld>
-  <p:clrMapOvr>
-    <a:masterClrMapping/>
-  </p:clrMapOvr>
-  <p:timing>
-    <p:tnLst>
-      <p:par>
-        <p:cTn id="1" dur="indefinite" restart="never" nodeType="tmRoot">
-          <p:childTnLst>
-            <p:seq concurrent="1" nextAc="seek">
-              <p:cTn id="2" dur="indefinite" nodeType="mainSeq">
-                <p:childTnLst>
-                  <p:par>
-                    <p:cTn id="3" fill="hold">
-                      <p:stCondLst>
-                        <p:cond delay="indefinite"/>
-                      </p:stCondLst>
-                      <p:childTnLst>
-                        <p:par>
-                          <p:cTn id="4" fill="hold">
-                            <p:stCondLst>
-                              <p:cond delay="0"/>
-                            </p:stCondLst>
-                            <p:childTnLst>
-                              <p:par>
-                                <p:cTn id="5" presetID="1" presetClass="entr" presetSubtype="0" fill="hold" grpId="0" nodeType="clickEffect">
-                                  <p:stCondLst>
-                                    <p:cond delay="0"/>
-                                  </p:stCondLst>
-                                  <p:childTnLst>
-                                    <p:set>
-                                      <p:cBhvr>
-                                        <p:cTn id="6" dur="1" fill="hold">
-                                          <p:stCondLst>
-                                            <p:cond delay="0"/>
-                                          </p:stCondLst>
-                                        </p:cTn>
-                                        <p:tgtEl>
-                                          <p:spTgt spid="7"/>
-                                        </p:tgtEl>
-                                        <p:attrNameLst>
-                                          <p:attrName>style.visibility</p:attrName>
-                                        </p:attrNameLst>
-                                      </p:cBhvr>
-                                      <p:to>
-                                        <p:strVal val="visible"/>
-                                      </p:to>
-                                    </p:set>
-                                  </p:childTnLst>
-                                </p:cTn>
-                              </p:par>
-                            </p:childTnLst>
-                          </p:cTn>
-                        </p:par>
-                      </p:childTnLst>
-                    </p:cTn>
-                  </p:par>
-                </p:childTnLst>
-              </p:cTn>
-              <p:prevCondLst>
-                <p:cond evt="onPrev" delay="0">
-                  <p:tgtEl>
-                    <p:sldTgt/>
-                  </p:tgtEl>
-                </p:cond>
-              </p:prevCondLst>
-              <p:nextCondLst>
-                <p:cond evt="onNext" delay="0">
-                  <p:tgtEl>
-                    <p:sldTgt/>
-                  </p:tgtEl>
-                </p:cond>
-              </p:nextCondLst>
-            </p:seq>
-          </p:childTnLst>
-        </p:cTn>
-      </p:par>
-    </p:tnLst>
-    <p:bldLst>
-      <p:bldP spid="7" grpId="0"/>
-    </p:bldLst>
-  </p:timing>
-</p:sld>
-</file>
-
 <file path=ppt/slides/slide54.xml><?xml version="1.0" encoding="utf-8"?>
 <p:sld xmlns:a="http://schemas.openxmlformats.org/drawingml/2006/main" xmlns:r="http://schemas.openxmlformats.org/officeDocument/2006/relationships" xmlns:p="http://schemas.openxmlformats.org/presentationml/2006/main">
   <p:cSld>
@@ -26806,8 +26350,16 @@
           <a:lstStyle/>
           <a:p>
             <a:r>
+              <a:rPr lang="en-US" dirty="0" err="1" smtClean="0"/>
+              <a:t>dplyr</a:t>
+            </a:r>
+            <a:r>
               <a:rPr lang="en-US" dirty="0" smtClean="0"/>
-              <a:t>left_join() creates NA's when missing</a:t>
+              <a:t>: Joining related </a:t>
+            </a:r>
+            <a:r>
+              <a:rPr lang="en-US" dirty="0" err="1" smtClean="0"/>
+              <a:t>dataframes</a:t>
             </a:r>
             <a:endParaRPr lang="en-US" dirty="0"/>
           </a:p>
@@ -26822,7 +26374,7 @@
         <p:spPr>
           <a:xfrm>
             <a:off x="6858000" y="1821180"/>
-            <a:ext cx="4648200" cy="1754326"/>
+            <a:ext cx="4648200" cy="2031325"/>
           </a:xfrm>
           <a:prstGeom prst="rect">
             <a:avLst/>
@@ -26841,21 +26393,8 @@
                 <a:ea typeface="Monaco" charset="0"/>
                 <a:cs typeface="Monaco" charset="0"/>
               </a:rPr>
-              <a:t>&gt; </a:t>
-            </a:r>
-            <a:r>
-              <a:rPr lang="en-US" dirty="0" smtClean="0">
-                <a:latin typeface="Monaco" charset="0"/>
-                <a:ea typeface="Monaco" charset="0"/>
-                <a:cs typeface="Monaco" charset="0"/>
-              </a:rPr>
-              <a:t>data3</a:t>
-            </a:r>
-            <a:endParaRPr lang="en-US" dirty="0">
-              <a:latin typeface="Monaco" charset="0"/>
-              <a:ea typeface="Monaco" charset="0"/>
-              <a:cs typeface="Monaco" charset="0"/>
-            </a:endParaRPr>
+              <a:t>&gt; data2</a:t>
+            </a:r>
           </a:p>
           <a:p>
             <a:r>
@@ -26943,6 +26482,32 @@
                 <a:cs typeface="Monaco" charset="0"/>
               </a:rPr>
               <a:t>  3 -1.14390532 132.8789</a:t>
+            </a:r>
+          </a:p>
+          <a:p>
+            <a:r>
+              <a:rPr lang="is-IS" dirty="0">
+                <a:latin typeface="Monaco" charset="0"/>
+                <a:ea typeface="Monaco" charset="0"/>
+                <a:cs typeface="Monaco" charset="0"/>
+              </a:rPr>
+              <a:t> </a:t>
+            </a:r>
+            <a:r>
+              <a:rPr lang="is-IS" dirty="0" smtClean="0">
+                <a:latin typeface="Monaco" charset="0"/>
+                <a:ea typeface="Monaco" charset="0"/>
+                <a:cs typeface="Monaco" charset="0"/>
+              </a:rPr>
+              <a:t> </a:t>
+            </a:r>
+            <a:r>
+              <a:rPr lang="is-IS" dirty="0">
+                <a:latin typeface="Monaco" charset="0"/>
+                <a:ea typeface="Monaco" charset="0"/>
+                <a:cs typeface="Monaco" charset="0"/>
+              </a:rPr>
+              <a:t>  4 -2.86488120 143.6860</a:t>
             </a:r>
           </a:p>
           <a:p>
@@ -27008,21 +26573,8 @@
                 <a:ea typeface="Monaco" charset="0"/>
                 <a:cs typeface="Monaco" charset="0"/>
               </a:rPr>
-              <a:t>left_join(data1, </a:t>
-            </a:r>
-            <a:r>
-              <a:rPr lang="is-IS" dirty="0" smtClean="0">
-                <a:latin typeface="Monaco" charset="0"/>
-                <a:ea typeface="Monaco" charset="0"/>
-                <a:cs typeface="Monaco" charset="0"/>
-              </a:rPr>
-              <a:t>data3)</a:t>
-            </a:r>
-            <a:endParaRPr lang="is-IS" dirty="0">
-              <a:latin typeface="Monaco" charset="0"/>
-              <a:ea typeface="Monaco" charset="0"/>
-              <a:cs typeface="Monaco" charset="0"/>
-            </a:endParaRPr>
+              <a:t>left_join(data1, data2)</a:t>
+            </a:r>
           </a:p>
           <a:p>
             <a:pPr lvl="1"/>
@@ -27053,7 +26605,17 @@
                 <a:ea typeface="Monaco" charset="0"/>
                 <a:cs typeface="Monaco" charset="0"/>
               </a:rPr>
-              <a:t>  </a:t>
+              <a:t>    x         y        z           a        b</a:t>
+            </a:r>
+          </a:p>
+          <a:p>
+            <a:r>
+              <a:rPr lang="is-IS" dirty="0">
+                <a:latin typeface="Monaco" charset="0"/>
+                <a:ea typeface="Monaco" charset="0"/>
+                <a:cs typeface="Monaco" charset="0"/>
+              </a:rPr>
+              <a:t> </a:t>
             </a:r>
             <a:r>
               <a:rPr lang="is-IS" dirty="0" smtClean="0">
@@ -27061,7 +26623,7 @@
                 <a:ea typeface="Monaco" charset="0"/>
                 <a:cs typeface="Monaco" charset="0"/>
               </a:rPr>
-              <a:t>  x </a:t>
+              <a:t> </a:t>
             </a:r>
             <a:r>
               <a:rPr lang="is-IS" dirty="0">
@@ -27069,7 +26631,7 @@
                 <a:ea typeface="Monaco" charset="0"/>
                 <a:cs typeface="Monaco" charset="0"/>
               </a:rPr>
-              <a:t>        y        z         a        b</a:t>
+              <a:t>  1  3.108060 61.48849 -2.76205636 112.9588</a:t>
             </a:r>
           </a:p>
           <a:p>
@@ -27087,7 +26649,7 @@
                 <a:ea typeface="Monaco" charset="0"/>
                 <a:cs typeface="Monaco" charset="0"/>
               </a:rPr>
-              <a:t>   1</a:t>
+              <a:t> </a:t>
             </a:r>
             <a:r>
               <a:rPr lang="is-IS" dirty="0">
@@ -27095,7 +26657,7 @@
                 <a:ea typeface="Monaco" charset="0"/>
                 <a:cs typeface="Monaco" charset="0"/>
               </a:rPr>
-              <a:t>  3.108060 61.48849 -2.762056 112.9588</a:t>
+              <a:t>  2  8.976264 55.68174 -1.44485264 149.3682</a:t>
             </a:r>
           </a:p>
           <a:p>
@@ -27113,7 +26675,7 @@
                 <a:ea typeface="Monaco" charset="0"/>
                 <a:cs typeface="Monaco" charset="0"/>
               </a:rPr>
-              <a:t>   2</a:t>
+              <a:t> </a:t>
             </a:r>
             <a:r>
               <a:rPr lang="is-IS" dirty="0">
@@ -27121,7 +26683,7 @@
                 <a:ea typeface="Monaco" charset="0"/>
                 <a:cs typeface="Monaco" charset="0"/>
               </a:rPr>
-              <a:t>  8.976264 55.68174 -1.444853 149.3682</a:t>
+              <a:t>  3 11.673850 56.32225 -1.14390532 132.8789</a:t>
             </a:r>
           </a:p>
           <a:p>
@@ -27139,7 +26701,7 @@
                 <a:ea typeface="Monaco" charset="0"/>
                 <a:cs typeface="Monaco" charset="0"/>
               </a:rPr>
-              <a:t>   3 </a:t>
+              <a:t> </a:t>
             </a:r>
             <a:r>
               <a:rPr lang="is-IS" dirty="0">
@@ -27147,7 +26709,7 @@
                 <a:ea typeface="Monaco" charset="0"/>
                 <a:cs typeface="Monaco" charset="0"/>
               </a:rPr>
-              <a:t>11.673850 56.32225 -1.143905 132.8789</a:t>
+              <a:t>  4  8.551282 58.53424 -2.86488120 143.6860</a:t>
             </a:r>
           </a:p>
           <a:p>
@@ -27165,7 +26727,7 @@
                 <a:ea typeface="Monaco" charset="0"/>
                 <a:cs typeface="Monaco" charset="0"/>
               </a:rPr>
-              <a:t>   4</a:t>
+              <a:t> </a:t>
             </a:r>
             <a:r>
               <a:rPr lang="is-IS" dirty="0">
@@ -27173,33 +26735,7 @@
                 <a:ea typeface="Monaco" charset="0"/>
                 <a:cs typeface="Monaco" charset="0"/>
               </a:rPr>
-              <a:t>  8.551282 58.53424        NA       NA</a:t>
-            </a:r>
-          </a:p>
-          <a:p>
-            <a:r>
-              <a:rPr lang="is-IS" dirty="0">
-                <a:latin typeface="Monaco" charset="0"/>
-                <a:ea typeface="Monaco" charset="0"/>
-                <a:cs typeface="Monaco" charset="0"/>
-              </a:rPr>
-              <a:t> </a:t>
-            </a:r>
-            <a:r>
-              <a:rPr lang="is-IS" dirty="0" smtClean="0">
-                <a:latin typeface="Monaco" charset="0"/>
-                <a:ea typeface="Monaco" charset="0"/>
-                <a:cs typeface="Monaco" charset="0"/>
-              </a:rPr>
-              <a:t>   5</a:t>
-            </a:r>
-            <a:r>
-              <a:rPr lang="is-IS" dirty="0">
-                <a:latin typeface="Monaco" charset="0"/>
-                <a:ea typeface="Monaco" charset="0"/>
-                <a:cs typeface="Monaco" charset="0"/>
-              </a:rPr>
-              <a:t>  5.819844 61.71424 -2.919822 121.3927</a:t>
+              <a:t>  5  5.819844 61.71424 -2.91982194 121.3927</a:t>
             </a:r>
           </a:p>
           <a:p>
@@ -27228,91 +26764,7 @@
       </p:sp>
       <p:sp>
         <p:nvSpPr>
-          <p:cNvPr id="3" name="TextBox 2"/>
-          <p:cNvSpPr txBox="1"/>
-          <p:nvPr/>
-        </p:nvSpPr>
-        <p:spPr>
-          <a:xfrm>
-            <a:off x="10882721" y="3158599"/>
-            <a:ext cx="1556657" cy="769441"/>
-          </a:xfrm>
-          <a:prstGeom prst="rect">
-            <a:avLst/>
-          </a:prstGeom>
-          <a:noFill/>
-        </p:spPr>
-        <p:txBody>
-          <a:bodyPr wrap="square" rtlCol="0">
-            <a:spAutoFit/>
-          </a:bodyPr>
-          <a:lstStyle/>
-          <a:p>
-            <a:r>
-              <a:rPr lang="en-US" sz="2200" b="1" dirty="0" smtClean="0">
-                <a:solidFill>
-                  <a:srgbClr val="C00000"/>
-                </a:solidFill>
-              </a:rPr>
-              <a:t>Missing </a:t>
-            </a:r>
-          </a:p>
-          <a:p>
-            <a:r>
-              <a:rPr lang="en-US" sz="2200" b="1" dirty="0" smtClean="0">
-                <a:solidFill>
-                  <a:srgbClr val="C00000"/>
-                </a:solidFill>
-              </a:rPr>
-              <a:t>x=4</a:t>
-            </a:r>
-            <a:endParaRPr lang="en-US" sz="2200" b="1" dirty="0">
-              <a:solidFill>
-                <a:srgbClr val="C00000"/>
-              </a:solidFill>
-            </a:endParaRPr>
-          </a:p>
-        </p:txBody>
-      </p:sp>
-      <p:cxnSp>
-        <p:nvCxnSpPr>
-          <p:cNvPr id="8" name="Straight Arrow Connector 7"/>
-          <p:cNvCxnSpPr/>
-          <p:nvPr/>
-        </p:nvCxnSpPr>
-        <p:spPr>
-          <a:xfrm flipH="1">
-            <a:off x="10477501" y="3177862"/>
-            <a:ext cx="788669" cy="0"/>
-          </a:xfrm>
-          <a:prstGeom prst="straightConnector1">
-            <a:avLst/>
-          </a:prstGeom>
-          <a:ln w="38100">
-            <a:solidFill>
-              <a:srgbClr val="C00000"/>
-            </a:solidFill>
-            <a:tailEnd type="triangle" w="lg" len="lg"/>
-          </a:ln>
-        </p:spPr>
-        <p:style>
-          <a:lnRef idx="1">
-            <a:schemeClr val="accent1"/>
-          </a:lnRef>
-          <a:fillRef idx="0">
-            <a:schemeClr val="accent1"/>
-          </a:fillRef>
-          <a:effectRef idx="0">
-            <a:schemeClr val="accent1"/>
-          </a:effectRef>
-          <a:fontRef idx="minor">
-            <a:schemeClr val="tx1"/>
-          </a:fontRef>
-        </p:style>
-      </p:cxnSp>
-      <p:sp>
-        <p:nvSpPr>
-          <p:cNvPr id="9" name="TextBox 8"/>
+          <p:cNvPr id="6" name="TextBox 5"/>
           <p:cNvSpPr txBox="1"/>
           <p:nvPr/>
         </p:nvSpPr>
@@ -27489,7 +26941,7 @@
     </p:spTree>
     <p:extLst>
       <p:ext uri="{BB962C8B-B14F-4D97-AF65-F5344CB8AC3E}">
-        <p14:creationId xmlns:p14="http://schemas.microsoft.com/office/powerpoint/2010/main" val="1600711546"/>
+        <p14:creationId xmlns:p14="http://schemas.microsoft.com/office/powerpoint/2010/main" val="483137449"/>
       </p:ext>
     </p:extLst>
   </p:cSld>
@@ -27611,9 +27063,169 @@
           <a:p>
             <a:r>
               <a:rPr lang="en-US" dirty="0" smtClean="0"/>
-              <a:t>left_join() only preserves what is in the left data frame</a:t>
+              <a:t>left_join() creates NA's when missing</a:t>
             </a:r>
             <a:endParaRPr lang="en-US" dirty="0"/>
+          </a:p>
+        </p:txBody>
+      </p:sp>
+      <p:sp>
+        <p:nvSpPr>
+          <p:cNvPr id="5" name="TextBox 4"/>
+          <p:cNvSpPr txBox="1"/>
+          <p:nvPr/>
+        </p:nvSpPr>
+        <p:spPr>
+          <a:xfrm>
+            <a:off x="6858000" y="1821180"/>
+            <a:ext cx="4648200" cy="1754326"/>
+          </a:xfrm>
+          <a:prstGeom prst="rect">
+            <a:avLst/>
+          </a:prstGeom>
+          <a:noFill/>
+        </p:spPr>
+        <p:txBody>
+          <a:bodyPr wrap="square" rtlCol="0">
+            <a:spAutoFit/>
+          </a:bodyPr>
+          <a:lstStyle/>
+          <a:p>
+            <a:r>
+              <a:rPr lang="en-US" dirty="0">
+                <a:latin typeface="Monaco" charset="0"/>
+                <a:ea typeface="Monaco" charset="0"/>
+                <a:cs typeface="Monaco" charset="0"/>
+              </a:rPr>
+              <a:t>&gt; </a:t>
+            </a:r>
+            <a:r>
+              <a:rPr lang="en-US" dirty="0" smtClean="0">
+                <a:latin typeface="Monaco" charset="0"/>
+                <a:ea typeface="Monaco" charset="0"/>
+                <a:cs typeface="Monaco" charset="0"/>
+              </a:rPr>
+              <a:t>data3</a:t>
+            </a:r>
+            <a:endParaRPr lang="en-US" dirty="0">
+              <a:latin typeface="Monaco" charset="0"/>
+              <a:ea typeface="Monaco" charset="0"/>
+              <a:cs typeface="Monaco" charset="0"/>
+            </a:endParaRPr>
+          </a:p>
+          <a:p>
+            <a:r>
+              <a:rPr lang="is-IS" dirty="0">
+                <a:latin typeface="Monaco" charset="0"/>
+                <a:ea typeface="Monaco" charset="0"/>
+                <a:cs typeface="Monaco" charset="0"/>
+              </a:rPr>
+              <a:t>    x           a        b</a:t>
+            </a:r>
+          </a:p>
+          <a:p>
+            <a:r>
+              <a:rPr lang="is-IS" dirty="0">
+                <a:latin typeface="Monaco" charset="0"/>
+                <a:ea typeface="Monaco" charset="0"/>
+                <a:cs typeface="Monaco" charset="0"/>
+              </a:rPr>
+              <a:t> </a:t>
+            </a:r>
+            <a:r>
+              <a:rPr lang="is-IS" dirty="0" smtClean="0">
+                <a:latin typeface="Monaco" charset="0"/>
+                <a:ea typeface="Monaco" charset="0"/>
+                <a:cs typeface="Monaco" charset="0"/>
+              </a:rPr>
+              <a:t> </a:t>
+            </a:r>
+            <a:r>
+              <a:rPr lang="is-IS" dirty="0">
+                <a:latin typeface="Monaco" charset="0"/>
+                <a:ea typeface="Monaco" charset="0"/>
+                <a:cs typeface="Monaco" charset="0"/>
+              </a:rPr>
+              <a:t>  1 -2.76205636 112.9588</a:t>
+            </a:r>
+          </a:p>
+          <a:p>
+            <a:r>
+              <a:rPr lang="is-IS" dirty="0">
+                <a:latin typeface="Monaco" charset="0"/>
+                <a:ea typeface="Monaco" charset="0"/>
+                <a:cs typeface="Monaco" charset="0"/>
+              </a:rPr>
+              <a:t> </a:t>
+            </a:r>
+            <a:r>
+              <a:rPr lang="is-IS" dirty="0" smtClean="0">
+                <a:latin typeface="Monaco" charset="0"/>
+                <a:ea typeface="Monaco" charset="0"/>
+                <a:cs typeface="Monaco" charset="0"/>
+              </a:rPr>
+              <a:t> </a:t>
+            </a:r>
+            <a:r>
+              <a:rPr lang="is-IS" dirty="0">
+                <a:latin typeface="Monaco" charset="0"/>
+                <a:ea typeface="Monaco" charset="0"/>
+                <a:cs typeface="Monaco" charset="0"/>
+              </a:rPr>
+              <a:t>  2 -1.44485264 149.3682</a:t>
+            </a:r>
+          </a:p>
+          <a:p>
+            <a:r>
+              <a:rPr lang="is-IS" dirty="0">
+                <a:latin typeface="Monaco" charset="0"/>
+                <a:ea typeface="Monaco" charset="0"/>
+                <a:cs typeface="Monaco" charset="0"/>
+              </a:rPr>
+              <a:t> </a:t>
+            </a:r>
+            <a:r>
+              <a:rPr lang="is-IS" dirty="0" smtClean="0">
+                <a:latin typeface="Monaco" charset="0"/>
+                <a:ea typeface="Monaco" charset="0"/>
+                <a:cs typeface="Monaco" charset="0"/>
+              </a:rPr>
+              <a:t> </a:t>
+            </a:r>
+            <a:r>
+              <a:rPr lang="is-IS" dirty="0">
+                <a:latin typeface="Monaco" charset="0"/>
+                <a:ea typeface="Monaco" charset="0"/>
+                <a:cs typeface="Monaco" charset="0"/>
+              </a:rPr>
+              <a:t>  3 -1.14390532 132.8789</a:t>
+            </a:r>
+          </a:p>
+          <a:p>
+            <a:r>
+              <a:rPr lang="is-IS" dirty="0">
+                <a:latin typeface="Monaco" charset="0"/>
+                <a:ea typeface="Monaco" charset="0"/>
+                <a:cs typeface="Monaco" charset="0"/>
+              </a:rPr>
+              <a:t> </a:t>
+            </a:r>
+            <a:r>
+              <a:rPr lang="is-IS" dirty="0" smtClean="0">
+                <a:latin typeface="Monaco" charset="0"/>
+                <a:ea typeface="Monaco" charset="0"/>
+                <a:cs typeface="Monaco" charset="0"/>
+              </a:rPr>
+              <a:t> </a:t>
+            </a:r>
+            <a:r>
+              <a:rPr lang="is-IS" dirty="0">
+                <a:latin typeface="Monaco" charset="0"/>
+                <a:ea typeface="Monaco" charset="0"/>
+                <a:cs typeface="Monaco" charset="0"/>
+              </a:rPr>
+              <a:t>  5 -2.91982194 121.3927</a:t>
+            </a:r>
           </a:p>
         </p:txBody>
       </p:sp>
@@ -27626,7 +27238,7 @@
         <p:spPr>
           <a:xfrm>
             <a:off x="2743200" y="4114800"/>
-            <a:ext cx="8522970" cy="2308324"/>
+            <a:ext cx="8522970" cy="2862322"/>
           </a:xfrm>
           <a:prstGeom prst="rect">
             <a:avLst/>
@@ -27644,26 +27256,23 @@
                 <a:ea typeface="Monaco" charset="0"/>
                 <a:cs typeface="Monaco" charset="0"/>
               </a:rPr>
-              <a:t>&gt; left_join(</a:t>
+              <a:t>&gt; </a:t>
+            </a:r>
+            <a:r>
+              <a:rPr lang="is-IS" dirty="0">
+                <a:latin typeface="Monaco" charset="0"/>
+                <a:ea typeface="Monaco" charset="0"/>
+                <a:cs typeface="Monaco" charset="0"/>
+              </a:rPr>
+              <a:t>left_join(data1, </a:t>
             </a:r>
             <a:r>
               <a:rPr lang="is-IS" dirty="0" smtClean="0">
-                <a:solidFill>
-                  <a:srgbClr val="C00000"/>
-                </a:solidFill>
-                <a:latin typeface="Monaco" charset="0"/>
-                <a:ea typeface="Monaco" charset="0"/>
-                <a:cs typeface="Monaco" charset="0"/>
-              </a:rPr>
-              <a:t>data3, data1</a:t>
-            </a:r>
-            <a:r>
-              <a:rPr lang="is-IS" dirty="0" smtClean="0">
-                <a:latin typeface="Monaco" charset="0"/>
-                <a:ea typeface="Monaco" charset="0"/>
-                <a:cs typeface="Monaco" charset="0"/>
-              </a:rPr>
-              <a:t>)</a:t>
+                <a:latin typeface="Monaco" charset="0"/>
+                <a:ea typeface="Monaco" charset="0"/>
+                <a:cs typeface="Monaco" charset="0"/>
+              </a:rPr>
+              <a:t>data3)</a:t>
             </a:r>
             <a:endParaRPr lang="is-IS" dirty="0">
               <a:latin typeface="Monaco" charset="0"/>
@@ -27700,7 +27309,7 @@
                 <a:ea typeface="Monaco" charset="0"/>
                 <a:cs typeface="Monaco" charset="0"/>
               </a:rPr>
-              <a:t>   </a:t>
+              <a:t>  </a:t>
             </a:r>
             <a:r>
               <a:rPr lang="is-IS" dirty="0" smtClean="0">
@@ -27708,7 +27317,7 @@
                 <a:ea typeface="Monaco" charset="0"/>
                 <a:cs typeface="Monaco" charset="0"/>
               </a:rPr>
-              <a:t> x </a:t>
+              <a:t>  x </a:t>
             </a:r>
             <a:r>
               <a:rPr lang="is-IS" dirty="0">
@@ -27812,6 +27421,32 @@
                 <a:ea typeface="Monaco" charset="0"/>
                 <a:cs typeface="Monaco" charset="0"/>
               </a:rPr>
+              <a:t>   4</a:t>
+            </a:r>
+            <a:r>
+              <a:rPr lang="is-IS" dirty="0">
+                <a:latin typeface="Monaco" charset="0"/>
+                <a:ea typeface="Monaco" charset="0"/>
+                <a:cs typeface="Monaco" charset="0"/>
+              </a:rPr>
+              <a:t>  8.551282 58.53424        NA       NA</a:t>
+            </a:r>
+          </a:p>
+          <a:p>
+            <a:r>
+              <a:rPr lang="is-IS" dirty="0">
+                <a:latin typeface="Monaco" charset="0"/>
+                <a:ea typeface="Monaco" charset="0"/>
+                <a:cs typeface="Monaco" charset="0"/>
+              </a:rPr>
+              <a:t> </a:t>
+            </a:r>
+            <a:r>
+              <a:rPr lang="is-IS" dirty="0" smtClean="0">
+                <a:latin typeface="Monaco" charset="0"/>
+                <a:ea typeface="Monaco" charset="0"/>
+                <a:cs typeface="Monaco" charset="0"/>
+              </a:rPr>
               <a:t>   5</a:t>
             </a:r>
             <a:r>
@@ -27822,6 +27457,17 @@
               </a:rPr>
               <a:t>  5.819844 61.71424 -2.919822 121.3927</a:t>
             </a:r>
+          </a:p>
+          <a:p>
+            <a:pPr marL="285750" indent="-285750">
+              <a:buFont typeface=".AppleSystemUIFont" charset="-120"/>
+              <a:buChar char="&gt;"/>
+            </a:pPr>
+            <a:endParaRPr lang="en-US" dirty="0" smtClean="0">
+              <a:latin typeface="Monaco" charset="0"/>
+              <a:ea typeface="Monaco" charset="0"/>
+              <a:cs typeface="Monaco" charset="0"/>
+            </a:endParaRPr>
           </a:p>
           <a:p>
             <a:pPr marL="285750" indent="-285750">
@@ -27836,6 +27482,90 @@
           </a:p>
         </p:txBody>
       </p:sp>
+      <p:sp>
+        <p:nvSpPr>
+          <p:cNvPr id="3" name="TextBox 2"/>
+          <p:cNvSpPr txBox="1"/>
+          <p:nvPr/>
+        </p:nvSpPr>
+        <p:spPr>
+          <a:xfrm>
+            <a:off x="10882721" y="3158599"/>
+            <a:ext cx="1556657" cy="769441"/>
+          </a:xfrm>
+          <a:prstGeom prst="rect">
+            <a:avLst/>
+          </a:prstGeom>
+          <a:noFill/>
+        </p:spPr>
+        <p:txBody>
+          <a:bodyPr wrap="square" rtlCol="0">
+            <a:spAutoFit/>
+          </a:bodyPr>
+          <a:lstStyle/>
+          <a:p>
+            <a:r>
+              <a:rPr lang="en-US" sz="2200" b="1" dirty="0" smtClean="0">
+                <a:solidFill>
+                  <a:srgbClr val="C00000"/>
+                </a:solidFill>
+              </a:rPr>
+              <a:t>Missing </a:t>
+            </a:r>
+          </a:p>
+          <a:p>
+            <a:r>
+              <a:rPr lang="en-US" sz="2200" b="1" dirty="0" smtClean="0">
+                <a:solidFill>
+                  <a:srgbClr val="C00000"/>
+                </a:solidFill>
+              </a:rPr>
+              <a:t>x=4</a:t>
+            </a:r>
+            <a:endParaRPr lang="en-US" sz="2200" b="1" dirty="0">
+              <a:solidFill>
+                <a:srgbClr val="C00000"/>
+              </a:solidFill>
+            </a:endParaRPr>
+          </a:p>
+        </p:txBody>
+      </p:sp>
+      <p:cxnSp>
+        <p:nvCxnSpPr>
+          <p:cNvPr id="8" name="Straight Arrow Connector 7"/>
+          <p:cNvCxnSpPr/>
+          <p:nvPr/>
+        </p:nvCxnSpPr>
+        <p:spPr>
+          <a:xfrm flipH="1">
+            <a:off x="10477501" y="3177862"/>
+            <a:ext cx="788669" cy="0"/>
+          </a:xfrm>
+          <a:prstGeom prst="straightConnector1">
+            <a:avLst/>
+          </a:prstGeom>
+          <a:ln w="38100">
+            <a:solidFill>
+              <a:srgbClr val="C00000"/>
+            </a:solidFill>
+            <a:tailEnd type="triangle" w="lg" len="lg"/>
+          </a:ln>
+        </p:spPr>
+        <p:style>
+          <a:lnRef idx="1">
+            <a:schemeClr val="accent1"/>
+          </a:lnRef>
+          <a:fillRef idx="0">
+            <a:schemeClr val="accent1"/>
+          </a:fillRef>
+          <a:effectRef idx="0">
+            <a:schemeClr val="accent1"/>
+          </a:effectRef>
+          <a:fontRef idx="minor">
+            <a:schemeClr val="tx1"/>
+          </a:fontRef>
+        </p:style>
+      </p:cxnSp>
       <p:sp>
         <p:nvSpPr>
           <p:cNvPr id="9" name="TextBox 8"/>
@@ -28012,170 +27742,10 @@
           </a:p>
         </p:txBody>
       </p:sp>
-      <p:sp>
-        <p:nvSpPr>
-          <p:cNvPr id="10" name="TextBox 9"/>
-          <p:cNvSpPr txBox="1"/>
-          <p:nvPr/>
-        </p:nvSpPr>
-        <p:spPr>
-          <a:xfrm>
-            <a:off x="6858000" y="1821180"/>
-            <a:ext cx="4648200" cy="1754326"/>
-          </a:xfrm>
-          <a:prstGeom prst="rect">
-            <a:avLst/>
-          </a:prstGeom>
-          <a:noFill/>
-        </p:spPr>
-        <p:txBody>
-          <a:bodyPr wrap="square" rtlCol="0">
-            <a:spAutoFit/>
-          </a:bodyPr>
-          <a:lstStyle/>
-          <a:p>
-            <a:r>
-              <a:rPr lang="en-US" dirty="0">
-                <a:latin typeface="Monaco" charset="0"/>
-                <a:ea typeface="Monaco" charset="0"/>
-                <a:cs typeface="Monaco" charset="0"/>
-              </a:rPr>
-              <a:t>&gt; </a:t>
-            </a:r>
-            <a:r>
-              <a:rPr lang="en-US" dirty="0" smtClean="0">
-                <a:latin typeface="Monaco" charset="0"/>
-                <a:ea typeface="Monaco" charset="0"/>
-                <a:cs typeface="Monaco" charset="0"/>
-              </a:rPr>
-              <a:t>data3</a:t>
-            </a:r>
-            <a:endParaRPr lang="en-US" dirty="0">
-              <a:latin typeface="Monaco" charset="0"/>
-              <a:ea typeface="Monaco" charset="0"/>
-              <a:cs typeface="Monaco" charset="0"/>
-            </a:endParaRPr>
-          </a:p>
-          <a:p>
-            <a:r>
-              <a:rPr lang="is-IS" dirty="0">
-                <a:latin typeface="Monaco" charset="0"/>
-                <a:ea typeface="Monaco" charset="0"/>
-                <a:cs typeface="Monaco" charset="0"/>
-              </a:rPr>
-              <a:t>    x           a        b</a:t>
-            </a:r>
-          </a:p>
-          <a:p>
-            <a:r>
-              <a:rPr lang="is-IS" dirty="0">
-                <a:latin typeface="Monaco" charset="0"/>
-                <a:ea typeface="Monaco" charset="0"/>
-                <a:cs typeface="Monaco" charset="0"/>
-              </a:rPr>
-              <a:t> </a:t>
-            </a:r>
-            <a:r>
-              <a:rPr lang="is-IS" dirty="0" smtClean="0">
-                <a:latin typeface="Monaco" charset="0"/>
-                <a:ea typeface="Monaco" charset="0"/>
-                <a:cs typeface="Monaco" charset="0"/>
-              </a:rPr>
-              <a:t> </a:t>
-            </a:r>
-            <a:r>
-              <a:rPr lang="is-IS" dirty="0">
-                <a:latin typeface="Monaco" charset="0"/>
-                <a:ea typeface="Monaco" charset="0"/>
-                <a:cs typeface="Monaco" charset="0"/>
-              </a:rPr>
-              <a:t>  1 -2.76205636 112.9588</a:t>
-            </a:r>
-          </a:p>
-          <a:p>
-            <a:r>
-              <a:rPr lang="is-IS" dirty="0">
-                <a:latin typeface="Monaco" charset="0"/>
-                <a:ea typeface="Monaco" charset="0"/>
-                <a:cs typeface="Monaco" charset="0"/>
-              </a:rPr>
-              <a:t> </a:t>
-            </a:r>
-            <a:r>
-              <a:rPr lang="is-IS" dirty="0" smtClean="0">
-                <a:latin typeface="Monaco" charset="0"/>
-                <a:ea typeface="Monaco" charset="0"/>
-                <a:cs typeface="Monaco" charset="0"/>
-              </a:rPr>
-              <a:t> </a:t>
-            </a:r>
-            <a:r>
-              <a:rPr lang="is-IS" dirty="0">
-                <a:latin typeface="Monaco" charset="0"/>
-                <a:ea typeface="Monaco" charset="0"/>
-                <a:cs typeface="Monaco" charset="0"/>
-              </a:rPr>
-              <a:t>  2 -1.44485264 149.3682</a:t>
-            </a:r>
-          </a:p>
-          <a:p>
-            <a:r>
-              <a:rPr lang="is-IS" dirty="0">
-                <a:latin typeface="Monaco" charset="0"/>
-                <a:ea typeface="Monaco" charset="0"/>
-                <a:cs typeface="Monaco" charset="0"/>
-              </a:rPr>
-              <a:t> </a:t>
-            </a:r>
-            <a:r>
-              <a:rPr lang="is-IS" dirty="0" smtClean="0">
-                <a:latin typeface="Monaco" charset="0"/>
-                <a:ea typeface="Monaco" charset="0"/>
-                <a:cs typeface="Monaco" charset="0"/>
-              </a:rPr>
-              <a:t> </a:t>
-            </a:r>
-            <a:r>
-              <a:rPr lang="is-IS" dirty="0">
-                <a:latin typeface="Monaco" charset="0"/>
-                <a:ea typeface="Monaco" charset="0"/>
-                <a:cs typeface="Monaco" charset="0"/>
-              </a:rPr>
-              <a:t>  3 -1.14390532 132.8789</a:t>
-            </a:r>
-          </a:p>
-          <a:p>
-            <a:r>
-              <a:rPr lang="is-IS" dirty="0">
-                <a:latin typeface="Monaco" charset="0"/>
-                <a:ea typeface="Monaco" charset="0"/>
-                <a:cs typeface="Monaco" charset="0"/>
-              </a:rPr>
-              <a:t> </a:t>
-            </a:r>
-            <a:r>
-              <a:rPr lang="is-IS" dirty="0" smtClean="0">
-                <a:latin typeface="Monaco" charset="0"/>
-                <a:ea typeface="Monaco" charset="0"/>
-                <a:cs typeface="Monaco" charset="0"/>
-              </a:rPr>
-              <a:t> </a:t>
-            </a:r>
-            <a:r>
-              <a:rPr lang="is-IS" dirty="0">
-                <a:latin typeface="Monaco" charset="0"/>
-                <a:ea typeface="Monaco" charset="0"/>
-                <a:cs typeface="Monaco" charset="0"/>
-              </a:rPr>
-              <a:t>  5 -2.91982194 121.3927</a:t>
-            </a:r>
-          </a:p>
-        </p:txBody>
-      </p:sp>
     </p:spTree>
     <p:extLst>
       <p:ext uri="{BB962C8B-B14F-4D97-AF65-F5344CB8AC3E}">
-        <p14:creationId xmlns:p14="http://schemas.microsoft.com/office/powerpoint/2010/main" val="1656514704"/>
+        <p14:creationId xmlns:p14="http://schemas.microsoft.com/office/powerpoint/2010/main" val="1600711546"/>
       </p:ext>
     </p:extLst>
   </p:cSld>
@@ -28296,6 +27866,692 @@
           <a:lstStyle/>
           <a:p>
             <a:r>
+              <a:rPr lang="en-US" dirty="0" smtClean="0"/>
+              <a:t>left_join() only preserves what is in the left data frame</a:t>
+            </a:r>
+            <a:endParaRPr lang="en-US" dirty="0"/>
+          </a:p>
+        </p:txBody>
+      </p:sp>
+      <p:sp>
+        <p:nvSpPr>
+          <p:cNvPr id="7" name="Rectangle 6"/>
+          <p:cNvSpPr/>
+          <p:nvPr/>
+        </p:nvSpPr>
+        <p:spPr>
+          <a:xfrm>
+            <a:off x="2743200" y="4114800"/>
+            <a:ext cx="8522970" cy="2308324"/>
+          </a:xfrm>
+          <a:prstGeom prst="rect">
+            <a:avLst/>
+          </a:prstGeom>
+        </p:spPr>
+        <p:txBody>
+          <a:bodyPr wrap="square">
+            <a:spAutoFit/>
+          </a:bodyPr>
+          <a:lstStyle/>
+          <a:p>
+            <a:r>
+              <a:rPr lang="is-IS" dirty="0" smtClean="0">
+                <a:latin typeface="Monaco" charset="0"/>
+                <a:ea typeface="Monaco" charset="0"/>
+                <a:cs typeface="Monaco" charset="0"/>
+              </a:rPr>
+              <a:t>&gt; left_join(</a:t>
+            </a:r>
+            <a:r>
+              <a:rPr lang="is-IS" dirty="0" smtClean="0">
+                <a:solidFill>
+                  <a:srgbClr val="C00000"/>
+                </a:solidFill>
+                <a:latin typeface="Monaco" charset="0"/>
+                <a:ea typeface="Monaco" charset="0"/>
+                <a:cs typeface="Monaco" charset="0"/>
+              </a:rPr>
+              <a:t>data3, data1</a:t>
+            </a:r>
+            <a:r>
+              <a:rPr lang="is-IS" dirty="0" smtClean="0">
+                <a:latin typeface="Monaco" charset="0"/>
+                <a:ea typeface="Monaco" charset="0"/>
+                <a:cs typeface="Monaco" charset="0"/>
+              </a:rPr>
+              <a:t>)</a:t>
+            </a:r>
+            <a:endParaRPr lang="is-IS" dirty="0">
+              <a:latin typeface="Monaco" charset="0"/>
+              <a:ea typeface="Monaco" charset="0"/>
+              <a:cs typeface="Monaco" charset="0"/>
+            </a:endParaRPr>
+          </a:p>
+          <a:p>
+            <a:pPr lvl="1"/>
+            <a:r>
+              <a:rPr lang="is-IS" b="1" dirty="0">
+                <a:solidFill>
+                  <a:srgbClr val="0070C0"/>
+                </a:solidFill>
+                <a:latin typeface="Monaco" charset="0"/>
+                <a:ea typeface="Monaco" charset="0"/>
+                <a:cs typeface="Monaco" charset="0"/>
+              </a:rPr>
+              <a:t>Joining, by = "x"</a:t>
+            </a:r>
+            <a:endParaRPr lang="is-IS" dirty="0">
+              <a:solidFill>
+                <a:srgbClr val="0070C0"/>
+              </a:solidFill>
+              <a:latin typeface="Monaco" charset="0"/>
+              <a:ea typeface="Monaco" charset="0"/>
+              <a:cs typeface="Monaco" charset="0"/>
+            </a:endParaRPr>
+          </a:p>
+          <a:p>
+            <a:r>
+              <a:rPr lang="is-IS" dirty="0">
+                <a:latin typeface="Monaco" charset="0"/>
+                <a:ea typeface="Monaco" charset="0"/>
+                <a:cs typeface="Monaco" charset="0"/>
+              </a:rPr>
+              <a:t>   </a:t>
+            </a:r>
+            <a:r>
+              <a:rPr lang="is-IS" dirty="0" smtClean="0">
+                <a:latin typeface="Monaco" charset="0"/>
+                <a:ea typeface="Monaco" charset="0"/>
+                <a:cs typeface="Monaco" charset="0"/>
+              </a:rPr>
+              <a:t> x </a:t>
+            </a:r>
+            <a:r>
+              <a:rPr lang="is-IS" dirty="0">
+                <a:latin typeface="Monaco" charset="0"/>
+                <a:ea typeface="Monaco" charset="0"/>
+                <a:cs typeface="Monaco" charset="0"/>
+              </a:rPr>
+              <a:t>        y        z         a        b</a:t>
+            </a:r>
+          </a:p>
+          <a:p>
+            <a:r>
+              <a:rPr lang="is-IS" dirty="0">
+                <a:latin typeface="Monaco" charset="0"/>
+                <a:ea typeface="Monaco" charset="0"/>
+                <a:cs typeface="Monaco" charset="0"/>
+              </a:rPr>
+              <a:t> </a:t>
+            </a:r>
+            <a:r>
+              <a:rPr lang="is-IS" dirty="0" smtClean="0">
+                <a:latin typeface="Monaco" charset="0"/>
+                <a:ea typeface="Monaco" charset="0"/>
+                <a:cs typeface="Monaco" charset="0"/>
+              </a:rPr>
+              <a:t>   1</a:t>
+            </a:r>
+            <a:r>
+              <a:rPr lang="is-IS" dirty="0">
+                <a:latin typeface="Monaco" charset="0"/>
+                <a:ea typeface="Monaco" charset="0"/>
+                <a:cs typeface="Monaco" charset="0"/>
+              </a:rPr>
+              <a:t>  3.108060 61.48849 -2.762056 112.9588</a:t>
+            </a:r>
+          </a:p>
+          <a:p>
+            <a:r>
+              <a:rPr lang="is-IS" dirty="0">
+                <a:latin typeface="Monaco" charset="0"/>
+                <a:ea typeface="Monaco" charset="0"/>
+                <a:cs typeface="Monaco" charset="0"/>
+              </a:rPr>
+              <a:t> </a:t>
+            </a:r>
+            <a:r>
+              <a:rPr lang="is-IS" dirty="0" smtClean="0">
+                <a:latin typeface="Monaco" charset="0"/>
+                <a:ea typeface="Monaco" charset="0"/>
+                <a:cs typeface="Monaco" charset="0"/>
+              </a:rPr>
+              <a:t>   2</a:t>
+            </a:r>
+            <a:r>
+              <a:rPr lang="is-IS" dirty="0">
+                <a:latin typeface="Monaco" charset="0"/>
+                <a:ea typeface="Monaco" charset="0"/>
+                <a:cs typeface="Monaco" charset="0"/>
+              </a:rPr>
+              <a:t>  8.976264 55.68174 -1.444853 149.3682</a:t>
+            </a:r>
+          </a:p>
+          <a:p>
+            <a:r>
+              <a:rPr lang="is-IS" dirty="0">
+                <a:latin typeface="Monaco" charset="0"/>
+                <a:ea typeface="Monaco" charset="0"/>
+                <a:cs typeface="Monaco" charset="0"/>
+              </a:rPr>
+              <a:t> </a:t>
+            </a:r>
+            <a:r>
+              <a:rPr lang="is-IS" dirty="0" smtClean="0">
+                <a:latin typeface="Monaco" charset="0"/>
+                <a:ea typeface="Monaco" charset="0"/>
+                <a:cs typeface="Monaco" charset="0"/>
+              </a:rPr>
+              <a:t>   3 </a:t>
+            </a:r>
+            <a:r>
+              <a:rPr lang="is-IS" dirty="0">
+                <a:latin typeface="Monaco" charset="0"/>
+                <a:ea typeface="Monaco" charset="0"/>
+                <a:cs typeface="Monaco" charset="0"/>
+              </a:rPr>
+              <a:t>11.673850 56.32225 -1.143905 132.8789</a:t>
+            </a:r>
+          </a:p>
+          <a:p>
+            <a:r>
+              <a:rPr lang="is-IS" dirty="0">
+                <a:latin typeface="Monaco" charset="0"/>
+                <a:ea typeface="Monaco" charset="0"/>
+                <a:cs typeface="Monaco" charset="0"/>
+              </a:rPr>
+              <a:t> </a:t>
+            </a:r>
+            <a:r>
+              <a:rPr lang="is-IS" dirty="0" smtClean="0">
+                <a:latin typeface="Monaco" charset="0"/>
+                <a:ea typeface="Monaco" charset="0"/>
+                <a:cs typeface="Monaco" charset="0"/>
+              </a:rPr>
+              <a:t>   5</a:t>
+            </a:r>
+            <a:r>
+              <a:rPr lang="is-IS" dirty="0">
+                <a:latin typeface="Monaco" charset="0"/>
+                <a:ea typeface="Monaco" charset="0"/>
+                <a:cs typeface="Monaco" charset="0"/>
+              </a:rPr>
+              <a:t>  5.819844 61.71424 -2.919822 121.3927</a:t>
+            </a:r>
+          </a:p>
+          <a:p>
+            <a:pPr marL="285750" indent="-285750">
+              <a:buFont typeface="Wingdings" charset="2"/>
+              <a:buChar char="Ø"/>
+            </a:pPr>
+            <a:endParaRPr lang="en-US" dirty="0" smtClean="0">
+              <a:latin typeface="Monaco" charset="0"/>
+              <a:ea typeface="Monaco" charset="0"/>
+              <a:cs typeface="Monaco" charset="0"/>
+            </a:endParaRPr>
+          </a:p>
+        </p:txBody>
+      </p:sp>
+      <p:sp>
+        <p:nvSpPr>
+          <p:cNvPr id="9" name="TextBox 8"/>
+          <p:cNvSpPr txBox="1"/>
+          <p:nvPr/>
+        </p:nvSpPr>
+        <p:spPr>
+          <a:xfrm>
+            <a:off x="1325880" y="1821180"/>
+            <a:ext cx="4438650" cy="2308324"/>
+          </a:xfrm>
+          <a:prstGeom prst="rect">
+            <a:avLst/>
+          </a:prstGeom>
+          <a:noFill/>
+        </p:spPr>
+        <p:txBody>
+          <a:bodyPr wrap="square" rtlCol="0">
+            <a:spAutoFit/>
+          </a:bodyPr>
+          <a:lstStyle/>
+          <a:p>
+            <a:r>
+              <a:rPr lang="en-US" dirty="0">
+                <a:latin typeface="Monaco" charset="0"/>
+                <a:ea typeface="Monaco" charset="0"/>
+                <a:cs typeface="Monaco" charset="0"/>
+              </a:rPr>
+              <a:t>&gt; data1</a:t>
+            </a:r>
+          </a:p>
+          <a:p>
+            <a:r>
+              <a:rPr lang="is-IS" dirty="0">
+                <a:latin typeface="Monaco" charset="0"/>
+                <a:ea typeface="Monaco" charset="0"/>
+                <a:cs typeface="Monaco" charset="0"/>
+              </a:rPr>
+              <a:t>    x         y        z</a:t>
+            </a:r>
+          </a:p>
+          <a:p>
+            <a:r>
+              <a:rPr lang="is-IS" dirty="0">
+                <a:latin typeface="Monaco" charset="0"/>
+                <a:ea typeface="Monaco" charset="0"/>
+                <a:cs typeface="Monaco" charset="0"/>
+              </a:rPr>
+              <a:t> </a:t>
+            </a:r>
+            <a:r>
+              <a:rPr lang="is-IS" dirty="0" smtClean="0">
+                <a:latin typeface="Monaco" charset="0"/>
+                <a:ea typeface="Monaco" charset="0"/>
+                <a:cs typeface="Monaco" charset="0"/>
+              </a:rPr>
+              <a:t> </a:t>
+            </a:r>
+            <a:r>
+              <a:rPr lang="is-IS" dirty="0">
+                <a:latin typeface="Monaco" charset="0"/>
+                <a:ea typeface="Monaco" charset="0"/>
+                <a:cs typeface="Monaco" charset="0"/>
+              </a:rPr>
+              <a:t>  1  3.108060 61.48849</a:t>
+            </a:r>
+          </a:p>
+          <a:p>
+            <a:r>
+              <a:rPr lang="is-IS" dirty="0">
+                <a:latin typeface="Monaco" charset="0"/>
+                <a:ea typeface="Monaco" charset="0"/>
+                <a:cs typeface="Monaco" charset="0"/>
+              </a:rPr>
+              <a:t> </a:t>
+            </a:r>
+            <a:r>
+              <a:rPr lang="is-IS" dirty="0" smtClean="0">
+                <a:latin typeface="Monaco" charset="0"/>
+                <a:ea typeface="Monaco" charset="0"/>
+                <a:cs typeface="Monaco" charset="0"/>
+              </a:rPr>
+              <a:t> </a:t>
+            </a:r>
+            <a:r>
+              <a:rPr lang="is-IS" dirty="0">
+                <a:latin typeface="Monaco" charset="0"/>
+                <a:ea typeface="Monaco" charset="0"/>
+                <a:cs typeface="Monaco" charset="0"/>
+              </a:rPr>
+              <a:t>  2  8.976264 55.68174</a:t>
+            </a:r>
+          </a:p>
+          <a:p>
+            <a:r>
+              <a:rPr lang="is-IS" dirty="0">
+                <a:latin typeface="Monaco" charset="0"/>
+                <a:ea typeface="Monaco" charset="0"/>
+                <a:cs typeface="Monaco" charset="0"/>
+              </a:rPr>
+              <a:t> </a:t>
+            </a:r>
+            <a:r>
+              <a:rPr lang="is-IS" dirty="0" smtClean="0">
+                <a:latin typeface="Monaco" charset="0"/>
+                <a:ea typeface="Monaco" charset="0"/>
+                <a:cs typeface="Monaco" charset="0"/>
+              </a:rPr>
+              <a:t> </a:t>
+            </a:r>
+            <a:r>
+              <a:rPr lang="is-IS" dirty="0">
+                <a:latin typeface="Monaco" charset="0"/>
+                <a:ea typeface="Monaco" charset="0"/>
+                <a:cs typeface="Monaco" charset="0"/>
+              </a:rPr>
+              <a:t>  3 11.673850 56.32225</a:t>
+            </a:r>
+          </a:p>
+          <a:p>
+            <a:r>
+              <a:rPr lang="is-IS" dirty="0">
+                <a:latin typeface="Monaco" charset="0"/>
+                <a:ea typeface="Monaco" charset="0"/>
+                <a:cs typeface="Monaco" charset="0"/>
+              </a:rPr>
+              <a:t> </a:t>
+            </a:r>
+            <a:r>
+              <a:rPr lang="is-IS" dirty="0" smtClean="0">
+                <a:latin typeface="Monaco" charset="0"/>
+                <a:ea typeface="Monaco" charset="0"/>
+                <a:cs typeface="Monaco" charset="0"/>
+              </a:rPr>
+              <a:t> </a:t>
+            </a:r>
+            <a:r>
+              <a:rPr lang="is-IS" dirty="0">
+                <a:latin typeface="Monaco" charset="0"/>
+                <a:ea typeface="Monaco" charset="0"/>
+                <a:cs typeface="Monaco" charset="0"/>
+              </a:rPr>
+              <a:t>  4  8.551282 58.53424</a:t>
+            </a:r>
+          </a:p>
+          <a:p>
+            <a:r>
+              <a:rPr lang="is-IS" dirty="0">
+                <a:latin typeface="Monaco" charset="0"/>
+                <a:ea typeface="Monaco" charset="0"/>
+                <a:cs typeface="Monaco" charset="0"/>
+              </a:rPr>
+              <a:t> </a:t>
+            </a:r>
+            <a:r>
+              <a:rPr lang="is-IS" smtClean="0">
+                <a:latin typeface="Monaco" charset="0"/>
+                <a:ea typeface="Monaco" charset="0"/>
+                <a:cs typeface="Monaco" charset="0"/>
+              </a:rPr>
+              <a:t> </a:t>
+            </a:r>
+            <a:r>
+              <a:rPr lang="is-IS" dirty="0">
+                <a:latin typeface="Monaco" charset="0"/>
+                <a:ea typeface="Monaco" charset="0"/>
+                <a:cs typeface="Monaco" charset="0"/>
+              </a:rPr>
+              <a:t>  5  5.819844 61.71424</a:t>
+            </a:r>
+          </a:p>
+          <a:p>
+            <a:endParaRPr lang="en-US" dirty="0"/>
+          </a:p>
+        </p:txBody>
+      </p:sp>
+      <p:sp>
+        <p:nvSpPr>
+          <p:cNvPr id="10" name="TextBox 9"/>
+          <p:cNvSpPr txBox="1"/>
+          <p:nvPr/>
+        </p:nvSpPr>
+        <p:spPr>
+          <a:xfrm>
+            <a:off x="6858000" y="1821180"/>
+            <a:ext cx="4648200" cy="1754326"/>
+          </a:xfrm>
+          <a:prstGeom prst="rect">
+            <a:avLst/>
+          </a:prstGeom>
+          <a:noFill/>
+        </p:spPr>
+        <p:txBody>
+          <a:bodyPr wrap="square" rtlCol="0">
+            <a:spAutoFit/>
+          </a:bodyPr>
+          <a:lstStyle/>
+          <a:p>
+            <a:r>
+              <a:rPr lang="en-US" dirty="0">
+                <a:latin typeface="Monaco" charset="0"/>
+                <a:ea typeface="Monaco" charset="0"/>
+                <a:cs typeface="Monaco" charset="0"/>
+              </a:rPr>
+              <a:t>&gt; </a:t>
+            </a:r>
+            <a:r>
+              <a:rPr lang="en-US" dirty="0" smtClean="0">
+                <a:latin typeface="Monaco" charset="0"/>
+                <a:ea typeface="Monaco" charset="0"/>
+                <a:cs typeface="Monaco" charset="0"/>
+              </a:rPr>
+              <a:t>data3</a:t>
+            </a:r>
+            <a:endParaRPr lang="en-US" dirty="0">
+              <a:latin typeface="Monaco" charset="0"/>
+              <a:ea typeface="Monaco" charset="0"/>
+              <a:cs typeface="Monaco" charset="0"/>
+            </a:endParaRPr>
+          </a:p>
+          <a:p>
+            <a:r>
+              <a:rPr lang="is-IS" dirty="0">
+                <a:latin typeface="Monaco" charset="0"/>
+                <a:ea typeface="Monaco" charset="0"/>
+                <a:cs typeface="Monaco" charset="0"/>
+              </a:rPr>
+              <a:t>    x           a        b</a:t>
+            </a:r>
+          </a:p>
+          <a:p>
+            <a:r>
+              <a:rPr lang="is-IS" dirty="0">
+                <a:latin typeface="Monaco" charset="0"/>
+                <a:ea typeface="Monaco" charset="0"/>
+                <a:cs typeface="Monaco" charset="0"/>
+              </a:rPr>
+              <a:t> </a:t>
+            </a:r>
+            <a:r>
+              <a:rPr lang="is-IS" dirty="0" smtClean="0">
+                <a:latin typeface="Monaco" charset="0"/>
+                <a:ea typeface="Monaco" charset="0"/>
+                <a:cs typeface="Monaco" charset="0"/>
+              </a:rPr>
+              <a:t> </a:t>
+            </a:r>
+            <a:r>
+              <a:rPr lang="is-IS" dirty="0">
+                <a:latin typeface="Monaco" charset="0"/>
+                <a:ea typeface="Monaco" charset="0"/>
+                <a:cs typeface="Monaco" charset="0"/>
+              </a:rPr>
+              <a:t>  1 -2.76205636 112.9588</a:t>
+            </a:r>
+          </a:p>
+          <a:p>
+            <a:r>
+              <a:rPr lang="is-IS" dirty="0">
+                <a:latin typeface="Monaco" charset="0"/>
+                <a:ea typeface="Monaco" charset="0"/>
+                <a:cs typeface="Monaco" charset="0"/>
+              </a:rPr>
+              <a:t> </a:t>
+            </a:r>
+            <a:r>
+              <a:rPr lang="is-IS" dirty="0" smtClean="0">
+                <a:latin typeface="Monaco" charset="0"/>
+                <a:ea typeface="Monaco" charset="0"/>
+                <a:cs typeface="Monaco" charset="0"/>
+              </a:rPr>
+              <a:t> </a:t>
+            </a:r>
+            <a:r>
+              <a:rPr lang="is-IS" dirty="0">
+                <a:latin typeface="Monaco" charset="0"/>
+                <a:ea typeface="Monaco" charset="0"/>
+                <a:cs typeface="Monaco" charset="0"/>
+              </a:rPr>
+              <a:t>  2 -1.44485264 149.3682</a:t>
+            </a:r>
+          </a:p>
+          <a:p>
+            <a:r>
+              <a:rPr lang="is-IS" dirty="0">
+                <a:latin typeface="Monaco" charset="0"/>
+                <a:ea typeface="Monaco" charset="0"/>
+                <a:cs typeface="Monaco" charset="0"/>
+              </a:rPr>
+              <a:t> </a:t>
+            </a:r>
+            <a:r>
+              <a:rPr lang="is-IS" dirty="0" smtClean="0">
+                <a:latin typeface="Monaco" charset="0"/>
+                <a:ea typeface="Monaco" charset="0"/>
+                <a:cs typeface="Monaco" charset="0"/>
+              </a:rPr>
+              <a:t> </a:t>
+            </a:r>
+            <a:r>
+              <a:rPr lang="is-IS" dirty="0">
+                <a:latin typeface="Monaco" charset="0"/>
+                <a:ea typeface="Monaco" charset="0"/>
+                <a:cs typeface="Monaco" charset="0"/>
+              </a:rPr>
+              <a:t>  3 -1.14390532 132.8789</a:t>
+            </a:r>
+          </a:p>
+          <a:p>
+            <a:r>
+              <a:rPr lang="is-IS" dirty="0">
+                <a:latin typeface="Monaco" charset="0"/>
+                <a:ea typeface="Monaco" charset="0"/>
+                <a:cs typeface="Monaco" charset="0"/>
+              </a:rPr>
+              <a:t> </a:t>
+            </a:r>
+            <a:r>
+              <a:rPr lang="is-IS" dirty="0" smtClean="0">
+                <a:latin typeface="Monaco" charset="0"/>
+                <a:ea typeface="Monaco" charset="0"/>
+                <a:cs typeface="Monaco" charset="0"/>
+              </a:rPr>
+              <a:t> </a:t>
+            </a:r>
+            <a:r>
+              <a:rPr lang="is-IS" dirty="0">
+                <a:latin typeface="Monaco" charset="0"/>
+                <a:ea typeface="Monaco" charset="0"/>
+                <a:cs typeface="Monaco" charset="0"/>
+              </a:rPr>
+              <a:t>  5 -2.91982194 121.3927</a:t>
+            </a:r>
+          </a:p>
+        </p:txBody>
+      </p:sp>
+    </p:spTree>
+    <p:extLst>
+      <p:ext uri="{BB962C8B-B14F-4D97-AF65-F5344CB8AC3E}">
+        <p14:creationId xmlns:p14="http://schemas.microsoft.com/office/powerpoint/2010/main" val="1656514704"/>
+      </p:ext>
+    </p:extLst>
+  </p:cSld>
+  <p:clrMapOvr>
+    <a:masterClrMapping/>
+  </p:clrMapOvr>
+  <p:timing>
+    <p:tnLst>
+      <p:par>
+        <p:cTn id="1" dur="indefinite" restart="never" nodeType="tmRoot">
+          <p:childTnLst>
+            <p:seq concurrent="1" nextAc="seek">
+              <p:cTn id="2" dur="indefinite" nodeType="mainSeq">
+                <p:childTnLst>
+                  <p:par>
+                    <p:cTn id="3" fill="hold">
+                      <p:stCondLst>
+                        <p:cond delay="indefinite"/>
+                      </p:stCondLst>
+                      <p:childTnLst>
+                        <p:par>
+                          <p:cTn id="4" fill="hold">
+                            <p:stCondLst>
+                              <p:cond delay="0"/>
+                            </p:stCondLst>
+                            <p:childTnLst>
+                              <p:par>
+                                <p:cTn id="5" presetID="1" presetClass="entr" presetSubtype="0" fill="hold" grpId="0" nodeType="clickEffect">
+                                  <p:stCondLst>
+                                    <p:cond delay="0"/>
+                                  </p:stCondLst>
+                                  <p:childTnLst>
+                                    <p:set>
+                                      <p:cBhvr>
+                                        <p:cTn id="6" dur="1" fill="hold">
+                                          <p:stCondLst>
+                                            <p:cond delay="0"/>
+                                          </p:stCondLst>
+                                        </p:cTn>
+                                        <p:tgtEl>
+                                          <p:spTgt spid="7"/>
+                                        </p:tgtEl>
+                                        <p:attrNameLst>
+                                          <p:attrName>style.visibility</p:attrName>
+                                        </p:attrNameLst>
+                                      </p:cBhvr>
+                                      <p:to>
+                                        <p:strVal val="visible"/>
+                                      </p:to>
+                                    </p:set>
+                                  </p:childTnLst>
+                                </p:cTn>
+                              </p:par>
+                            </p:childTnLst>
+                          </p:cTn>
+                        </p:par>
+                      </p:childTnLst>
+                    </p:cTn>
+                  </p:par>
+                </p:childTnLst>
+              </p:cTn>
+              <p:prevCondLst>
+                <p:cond evt="onPrev" delay="0">
+                  <p:tgtEl>
+                    <p:sldTgt/>
+                  </p:tgtEl>
+                </p:cond>
+              </p:prevCondLst>
+              <p:nextCondLst>
+                <p:cond evt="onNext" delay="0">
+                  <p:tgtEl>
+                    <p:sldTgt/>
+                  </p:tgtEl>
+                </p:cond>
+              </p:nextCondLst>
+            </p:seq>
+          </p:childTnLst>
+        </p:cTn>
+      </p:par>
+    </p:tnLst>
+    <p:bldLst>
+      <p:bldP spid="7" grpId="0"/>
+    </p:bldLst>
+  </p:timing>
+</p:sld>
+</file>
+
+<file path=ppt/slides/slide57.xml><?xml version="1.0" encoding="utf-8"?>
+<p:sld xmlns:a="http://schemas.openxmlformats.org/drawingml/2006/main" xmlns:r="http://schemas.openxmlformats.org/officeDocument/2006/relationships" xmlns:p="http://schemas.openxmlformats.org/presentationml/2006/main">
+  <p:cSld>
+    <p:spTree>
+      <p:nvGrpSpPr>
+        <p:cNvPr id="1" name=""/>
+        <p:cNvGrpSpPr/>
+        <p:nvPr/>
+      </p:nvGrpSpPr>
+      <p:grpSpPr>
+        <a:xfrm>
+          <a:off x="0" y="0"/>
+          <a:ext cx="0" cy="0"/>
+          <a:chOff x="0" y="0"/>
+          <a:chExt cx="0" cy="0"/>
+        </a:xfrm>
+      </p:grpSpPr>
+      <p:sp>
+        <p:nvSpPr>
+          <p:cNvPr id="2" name="Title 1"/>
+          <p:cNvSpPr>
+            <a:spLocks noGrp="1"/>
+          </p:cNvSpPr>
+          <p:nvPr>
+            <p:ph type="title"/>
+          </p:nvPr>
+        </p:nvSpPr>
+        <p:spPr/>
+        <p:txBody>
+          <a:bodyPr/>
+          <a:lstStyle/>
+          <a:p>
+            <a:r>
               <a:rPr lang="en-US" dirty="0" err="1"/>
               <a:t>r</a:t>
             </a:r>
@@ -28867,7 +29123,7 @@
 </p:sld>
 </file>
 
-<file path=ppt/slides/slide57.xml><?xml version="1.0" encoding="utf-8"?>
+<file path=ppt/slides/slide58.xml><?xml version="1.0" encoding="utf-8"?>
 <p:sld xmlns:a="http://schemas.openxmlformats.org/drawingml/2006/main" xmlns:r="http://schemas.openxmlformats.org/officeDocument/2006/relationships" xmlns:p="http://schemas.openxmlformats.org/presentationml/2006/main">
   <p:cSld>
     <p:spTree>
@@ -29521,7 +29777,7 @@
 </p:sld>
 </file>
 
-<file path=ppt/slides/slide58.xml><?xml version="1.0" encoding="utf-8"?>
+<file path=ppt/slides/slide59.xml><?xml version="1.0" encoding="utf-8"?>
 <p:sld xmlns:a="http://schemas.openxmlformats.org/drawingml/2006/main" xmlns:r="http://schemas.openxmlformats.org/officeDocument/2006/relationships" xmlns:p="http://schemas.openxmlformats.org/presentationml/2006/main">
   <p:cSld>
     <p:spTree>

--- a/slides/day3_probability.pptx
+++ b/slides/day3_probability.pptx
@@ -13523,6 +13523,13 @@
   <p:clrMapOvr>
     <a:masterClrMapping/>
   </p:clrMapOvr>
+  <p:timing>
+    <p:tnLst>
+      <p:par>
+        <p:cTn id="1" dur="indefinite" restart="never" nodeType="tmRoot"/>
+      </p:par>
+    </p:tnLst>
+  </p:timing>
 </p:sld>
 </file>
 
@@ -14396,6 +14403,13 @@
   <p:clrMapOvr>
     <a:masterClrMapping/>
   </p:clrMapOvr>
+  <p:timing>
+    <p:tnLst>
+      <p:par>
+        <p:cTn id="1" dur="indefinite" restart="never" nodeType="tmRoot"/>
+      </p:par>
+    </p:tnLst>
+  </p:timing>
 </p:sld>
 </file>
 
@@ -14435,7 +14449,15 @@
           <a:p>
             <a:r>
               <a:rPr lang="en-US" sz="3800" dirty="0" smtClean="0"/>
-              <a:t>Q2: What is the probability that a randomly chosen study participant who is not HIV+ is a user?</a:t>
+              <a:t>Q2: What is the probability that a randomly chosen study participant who is </a:t>
+            </a:r>
+            <a:r>
+              <a:rPr lang="en-US" sz="3800" dirty="0" smtClean="0"/>
+              <a:t>HIV- is </a:t>
+            </a:r>
+            <a:r>
+              <a:rPr lang="en-US" sz="3800" dirty="0" smtClean="0"/>
+              <a:t>a user?</a:t>
             </a:r>
             <a:endParaRPr lang="en-US" sz="3800" dirty="0"/>
           </a:p>
@@ -15200,7 +15222,7 @@
         <p:spPr>
           <a:xfrm>
             <a:off x="1397480" y="4468483"/>
-            <a:ext cx="10023894" cy="1077218"/>
+            <a:ext cx="10023894" cy="584775"/>
           </a:xfrm>
           <a:prstGeom prst="rect">
             <a:avLst/>
@@ -15214,38 +15236,36 @@
           <a:lstStyle/>
           <a:p>
             <a:r>
-              <a:rPr lang="en-US" sz="3200" dirty="0" smtClean="0">
+              <a:rPr lang="en-US" sz="3200" smtClean="0">
                 <a:solidFill>
                   <a:srgbClr val="C00000"/>
                 </a:solidFill>
               </a:rPr>
-              <a:t>               = (HIV+ non-user)  / (all HIV+)</a:t>
-            </a:r>
-          </a:p>
-          <a:p>
-            <a:r>
-              <a:rPr lang="en-US" sz="3200" dirty="0">
+              <a:t>           </a:t>
+            </a:r>
+            <a:r>
+              <a:rPr lang="en-US" sz="3200" smtClean="0">
                 <a:solidFill>
                   <a:srgbClr val="C00000"/>
                 </a:solidFill>
               </a:rPr>
-              <a:t> </a:t>
-            </a:r>
-            <a:r>
-              <a:rPr lang="en-US" sz="3200" dirty="0" smtClean="0">
+              <a:t>    </a:t>
+            </a:r>
+            <a:r>
+              <a:rPr lang="en-US" sz="3200" smtClean="0">
                 <a:solidFill>
                   <a:srgbClr val="C00000"/>
                 </a:solidFill>
               </a:rPr>
-              <a:t>              =               2             /         10                        = </a:t>
-            </a:r>
-            <a:r>
-              <a:rPr lang="en-US" sz="3200" b="1" dirty="0" smtClean="0">
+              <a:t>= </a:t>
+            </a:r>
+            <a:r>
+              <a:rPr lang="en-US" sz="3200" smtClean="0">
                 <a:solidFill>
                   <a:srgbClr val="C00000"/>
                 </a:solidFill>
               </a:rPr>
-              <a:t>1/5</a:t>
+              <a:t>12  / 25</a:t>
             </a:r>
             <a:endParaRPr lang="en-US" sz="3200" b="1" dirty="0">
               <a:solidFill>
@@ -25099,11 +25119,7 @@
           <a:p>
             <a:r>
               <a:rPr lang="en-US" dirty="0" smtClean="0"/>
-              <a:t>ggplot2: </a:t>
-            </a:r>
-            <a:r>
-              <a:rPr lang="en-US" dirty="0" smtClean="0"/>
-              <a:t>saving plots</a:t>
+              <a:t>ggplot2: saving plots</a:t>
             </a:r>
             <a:endParaRPr lang="en-US" dirty="0"/>
           </a:p>
@@ -25496,11 +25512,7 @@
           <a:p>
             <a:r>
               <a:rPr lang="en-US" dirty="0" smtClean="0"/>
-              <a:t>ggplot2: </a:t>
-            </a:r>
-            <a:r>
-              <a:rPr lang="en-US" dirty="0" smtClean="0"/>
-              <a:t>saving plots</a:t>
+              <a:t>ggplot2: saving plots</a:t>
             </a:r>
             <a:endParaRPr lang="en-US" dirty="0"/>
           </a:p>
@@ -26187,7 +26199,7 @@
         <p:spPr>
           <a:xfrm>
             <a:off x="0" y="1993482"/>
-            <a:ext cx="12172950" cy="830997"/>
+            <a:ext cx="12405360" cy="830997"/>
           </a:xfrm>
           <a:prstGeom prst="rect">
             <a:avLst/>
@@ -26216,12 +26228,20 @@
               <a:buChar char="&gt;"/>
             </a:pPr>
             <a:r>
+              <a:rPr lang="is-IS" sz="1600" b="1" dirty="0" smtClean="0">
+                <a:latin typeface="Monaco" charset="0"/>
+                <a:ea typeface="Monaco" charset="0"/>
+                <a:cs typeface="Monaco" charset="0"/>
+              </a:rPr>
+              <a:t>ggplot(iris2, </a:t>
+            </a:r>
+            <a:r>
               <a:rPr lang="is-IS" sz="1600" b="1" dirty="0">
                 <a:latin typeface="Monaco" charset="0"/>
                 <a:ea typeface="Monaco" charset="0"/>
                 <a:cs typeface="Monaco" charset="0"/>
               </a:rPr>
-              <a:t>ggplot(iris, aes(x = Sepal.Length, fill = Species)) + geom_density</a:t>
+              <a:t>aes(x = Sepal.Length, fill = Species)) + geom_density</a:t>
             </a:r>
             <a:r>
               <a:rPr lang="is-IS" sz="1600" b="1" dirty="0" smtClean="0">

--- a/slides/day3_probability.pptx
+++ b/slides/day3_probability.pptx
@@ -5,7 +5,7 @@
     <p:sldMasterId id="2147483972" r:id="rId1"/>
   </p:sldMasterIdLst>
   <p:notesMasterIdLst>
-    <p:notesMasterId r:id="rId61"/>
+    <p:notesMasterId r:id="rId60"/>
   </p:notesMasterIdLst>
   <p:sldIdLst>
     <p:sldId id="256" r:id="rId2"/>
@@ -45,28 +45,27 @@
     <p:sldId id="330" r:id="rId36"/>
     <p:sldId id="331" r:id="rId37"/>
     <p:sldId id="332" r:id="rId38"/>
-    <p:sldId id="333" r:id="rId39"/>
-    <p:sldId id="334" r:id="rId40"/>
-    <p:sldId id="335" r:id="rId41"/>
-    <p:sldId id="336" r:id="rId42"/>
-    <p:sldId id="270" r:id="rId43"/>
-    <p:sldId id="338" r:id="rId44"/>
-    <p:sldId id="341" r:id="rId45"/>
-    <p:sldId id="342" r:id="rId46"/>
-    <p:sldId id="344" r:id="rId47"/>
-    <p:sldId id="343" r:id="rId48"/>
-    <p:sldId id="261" r:id="rId49"/>
-    <p:sldId id="352" r:id="rId50"/>
-    <p:sldId id="353" r:id="rId51"/>
-    <p:sldId id="307" r:id="rId52"/>
-    <p:sldId id="308" r:id="rId53"/>
-    <p:sldId id="309" r:id="rId54"/>
-    <p:sldId id="310" r:id="rId55"/>
-    <p:sldId id="311" r:id="rId56"/>
-    <p:sldId id="313" r:id="rId57"/>
-    <p:sldId id="314" r:id="rId58"/>
-    <p:sldId id="315" r:id="rId59"/>
-    <p:sldId id="312" r:id="rId60"/>
+    <p:sldId id="334" r:id="rId39"/>
+    <p:sldId id="335" r:id="rId40"/>
+    <p:sldId id="336" r:id="rId41"/>
+    <p:sldId id="270" r:id="rId42"/>
+    <p:sldId id="338" r:id="rId43"/>
+    <p:sldId id="341" r:id="rId44"/>
+    <p:sldId id="342" r:id="rId45"/>
+    <p:sldId id="344" r:id="rId46"/>
+    <p:sldId id="343" r:id="rId47"/>
+    <p:sldId id="261" r:id="rId48"/>
+    <p:sldId id="352" r:id="rId49"/>
+    <p:sldId id="353" r:id="rId50"/>
+    <p:sldId id="307" r:id="rId51"/>
+    <p:sldId id="308" r:id="rId52"/>
+    <p:sldId id="309" r:id="rId53"/>
+    <p:sldId id="310" r:id="rId54"/>
+    <p:sldId id="311" r:id="rId55"/>
+    <p:sldId id="313" r:id="rId56"/>
+    <p:sldId id="314" r:id="rId57"/>
+    <p:sldId id="315" r:id="rId58"/>
+    <p:sldId id="312" r:id="rId59"/>
   </p:sldIdLst>
   <p:sldSz cx="12192000" cy="6858000"/>
   <p:notesSz cx="6858000" cy="9144000"/>
@@ -756,7 +755,7 @@
           <a:p>
             <a:fld id="{35F455D7-87FC-9642-BFAF-719C44C24338}" type="slidenum">
               <a:rPr lang="en-US" smtClean="0"/>
-              <a:t>39</a:t>
+              <a:t>38</a:t>
             </a:fld>
             <a:endParaRPr lang="en-US"/>
           </a:p>
@@ -840,7 +839,7 @@
           <a:p>
             <a:fld id="{35F455D7-87FC-9642-BFAF-719C44C24338}" type="slidenum">
               <a:rPr lang="en-US" smtClean="0"/>
-              <a:t>40</a:t>
+              <a:t>39</a:t>
             </a:fld>
             <a:endParaRPr lang="en-US"/>
           </a:p>
@@ -924,7 +923,7 @@
           <a:p>
             <a:fld id="{35F455D7-87FC-9642-BFAF-719C44C24338}" type="slidenum">
               <a:rPr lang="en-US" smtClean="0"/>
-              <a:t>41</a:t>
+              <a:t>40</a:t>
             </a:fld>
             <a:endParaRPr lang="en-US"/>
           </a:p>
@@ -1008,7 +1007,7 @@
           <a:p>
             <a:fld id="{35F455D7-87FC-9642-BFAF-719C44C24338}" type="slidenum">
               <a:rPr lang="en-US" smtClean="0"/>
-              <a:t>45</a:t>
+              <a:t>44</a:t>
             </a:fld>
             <a:endParaRPr lang="en-US"/>
           </a:p>
@@ -1092,7 +1091,7 @@
           <a:p>
             <a:fld id="{35F455D7-87FC-9642-BFAF-719C44C24338}" type="slidenum">
               <a:rPr lang="en-US" smtClean="0"/>
-              <a:t>46</a:t>
+              <a:t>45</a:t>
             </a:fld>
             <a:endParaRPr lang="en-US"/>
           </a:p>
@@ -1176,7 +1175,7 @@
           <a:p>
             <a:fld id="{35F455D7-87FC-9642-BFAF-719C44C24338}" type="slidenum">
               <a:rPr lang="en-US" smtClean="0"/>
-              <a:t>47</a:t>
+              <a:t>46</a:t>
             </a:fld>
             <a:endParaRPr lang="en-US"/>
           </a:p>
@@ -14449,15 +14448,7 @@
           <a:p>
             <a:r>
               <a:rPr lang="en-US" sz="3800" dirty="0" smtClean="0"/>
-              <a:t>Q2: What is the probability that a randomly chosen study participant who is </a:t>
-            </a:r>
-            <a:r>
-              <a:rPr lang="en-US" sz="3800" dirty="0" smtClean="0"/>
-              <a:t>HIV- is </a:t>
-            </a:r>
-            <a:r>
-              <a:rPr lang="en-US" sz="3800" dirty="0" smtClean="0"/>
-              <a:t>a user?</a:t>
+              <a:t>Q2: What is the probability that a randomly chosen study participant who is HIV- is a user?</a:t>
             </a:r>
             <a:endParaRPr lang="en-US" sz="3800" dirty="0"/>
           </a:p>
@@ -15241,31 +15232,7 @@
                   <a:srgbClr val="C00000"/>
                 </a:solidFill>
               </a:rPr>
-              <a:t>           </a:t>
-            </a:r>
-            <a:r>
-              <a:rPr lang="en-US" sz="3200" smtClean="0">
-                <a:solidFill>
-                  <a:srgbClr val="C00000"/>
-                </a:solidFill>
-              </a:rPr>
-              <a:t>    </a:t>
-            </a:r>
-            <a:r>
-              <a:rPr lang="en-US" sz="3200" smtClean="0">
-                <a:solidFill>
-                  <a:srgbClr val="C00000"/>
-                </a:solidFill>
-              </a:rPr>
-              <a:t>= </a:t>
-            </a:r>
-            <a:r>
-              <a:rPr lang="en-US" sz="3200" smtClean="0">
-                <a:solidFill>
-                  <a:srgbClr val="C00000"/>
-                </a:solidFill>
-              </a:rPr>
-              <a:t>12  / 25</a:t>
+              <a:t>               = 12  / 25</a:t>
             </a:r>
             <a:endParaRPr lang="en-US" sz="3200" b="1" dirty="0">
               <a:solidFill>
@@ -20657,8 +20624,13 @@
           <a:p>
             <a:r>
               <a:rPr lang="en-US" dirty="0" smtClean="0"/>
-              <a:t>Now assume there is a 0.2 chance of not landing on any habitat, and therefore the seed will die. What is the new probability of survival?</a:t>
-            </a:r>
+              <a:t>Now assume there is a 0.2 chance of not landing on any habitat, and therefore the seed will die. What is the new probability of </a:t>
+            </a:r>
+            <a:r>
+              <a:rPr lang="en-US" dirty="0" smtClean="0"/>
+              <a:t>survival assuming the seed lands?</a:t>
+            </a:r>
+            <a:endParaRPr lang="en-US" dirty="0" smtClean="0"/>
           </a:p>
         </p:txBody>
       </p:sp>
@@ -20772,117 +20744,6 @@
 </file>
 
 <file path=ppt/slides/slide38.xml><?xml version="1.0" encoding="utf-8"?>
-<p:sld xmlns:a="http://schemas.openxmlformats.org/drawingml/2006/main" xmlns:r="http://schemas.openxmlformats.org/officeDocument/2006/relationships" xmlns:p="http://schemas.openxmlformats.org/presentationml/2006/main">
-  <p:cSld>
-    <p:spTree>
-      <p:nvGrpSpPr>
-        <p:cNvPr id="1" name=""/>
-        <p:cNvGrpSpPr/>
-        <p:nvPr/>
-      </p:nvGrpSpPr>
-      <p:grpSpPr>
-        <a:xfrm>
-          <a:off x="0" y="0"/>
-          <a:ext cx="0" cy="0"/>
-          <a:chOff x="0" y="0"/>
-          <a:chExt cx="0" cy="0"/>
-        </a:xfrm>
-      </p:grpSpPr>
-      <p:sp>
-        <p:nvSpPr>
-          <p:cNvPr id="2" name="Title 1"/>
-          <p:cNvSpPr>
-            <a:spLocks noGrp="1"/>
-          </p:cNvSpPr>
-          <p:nvPr>
-            <p:ph type="title"/>
-          </p:nvPr>
-        </p:nvSpPr>
-        <p:spPr/>
-        <p:txBody>
-          <a:bodyPr/>
-          <a:lstStyle/>
-          <a:p>
-            <a:r>
-              <a:rPr lang="en-US" dirty="0" smtClean="0"/>
-              <a:t>Step 2: Probability equation</a:t>
-            </a:r>
-            <a:endParaRPr lang="en-US" dirty="0"/>
-          </a:p>
-        </p:txBody>
-      </p:sp>
-      <p:sp>
-        <p:nvSpPr>
-          <p:cNvPr id="4" name="TextBox 3"/>
-          <p:cNvSpPr txBox="1"/>
-          <p:nvPr/>
-        </p:nvSpPr>
-        <p:spPr>
-          <a:xfrm>
-            <a:off x="740227" y="2157588"/>
-            <a:ext cx="11865429" cy="1292662"/>
-          </a:xfrm>
-          <a:prstGeom prst="rect">
-            <a:avLst/>
-          </a:prstGeom>
-          <a:noFill/>
-        </p:spPr>
-        <p:txBody>
-          <a:bodyPr wrap="square" rtlCol="0">
-            <a:spAutoFit/>
-          </a:bodyPr>
-          <a:lstStyle/>
-          <a:p>
-            <a:endParaRPr lang="en-US" sz="2600" dirty="0"/>
-          </a:p>
-          <a:p>
-            <a:r>
-              <a:rPr lang="en-US" sz="2600" dirty="0">
-                <a:solidFill>
-                  <a:srgbClr val="C00000"/>
-                </a:solidFill>
-              </a:rPr>
-              <a:t>P[seed survives] = </a:t>
-            </a:r>
-            <a:r>
-              <a:rPr lang="en-US" sz="2600" dirty="0" smtClean="0">
-                <a:solidFill>
-                  <a:srgbClr val="C00000"/>
-                </a:solidFill>
-              </a:rPr>
-              <a:t>P[seed survives | seed lands] = ?????</a:t>
-            </a:r>
-          </a:p>
-          <a:p>
-            <a:endParaRPr lang="en-US" sz="2600" dirty="0">
-              <a:solidFill>
-                <a:srgbClr val="C00000"/>
-              </a:solidFill>
-            </a:endParaRPr>
-          </a:p>
-        </p:txBody>
-      </p:sp>
-    </p:spTree>
-    <p:extLst>
-      <p:ext uri="{BB962C8B-B14F-4D97-AF65-F5344CB8AC3E}">
-        <p14:creationId xmlns:p14="http://schemas.microsoft.com/office/powerpoint/2010/main" val="2118842225"/>
-      </p:ext>
-    </p:extLst>
-  </p:cSld>
-  <p:clrMapOvr>
-    <a:masterClrMapping/>
-  </p:clrMapOvr>
-  <p:timing>
-    <p:tnLst>
-      <p:par>
-        <p:cTn id="1" dur="indefinite" restart="never" nodeType="tmRoot"/>
-      </p:par>
-    </p:tnLst>
-  </p:timing>
-</p:sld>
-</file>
-
-<file path=ppt/slides/slide39.xml><?xml version="1.0" encoding="utf-8"?>
 <p:sld xmlns:a="http://schemas.openxmlformats.org/drawingml/2006/main" xmlns:r="http://schemas.openxmlformats.org/officeDocument/2006/relationships" xmlns:p="http://schemas.openxmlformats.org/presentationml/2006/main">
   <p:cSld>
     <p:spTree>
@@ -21723,7 +21584,7 @@
 </p:sld>
 </file>
 
-<file path=ppt/slides/slide4.xml><?xml version="1.0" encoding="utf-8"?>
+<file path=ppt/slides/slide39.xml><?xml version="1.0" encoding="utf-8"?>
 <p:sld xmlns:a="http://schemas.openxmlformats.org/drawingml/2006/main" xmlns:r="http://schemas.openxmlformats.org/officeDocument/2006/relationships" xmlns:p="http://schemas.openxmlformats.org/presentationml/2006/main">
   <p:cSld>
     <p:spTree>
@@ -21757,180 +21618,6 @@
           <a:p>
             <a:r>
               <a:rPr lang="en-US" dirty="0" smtClean="0"/>
-              <a:t>Mean vs median</a:t>
-            </a:r>
-            <a:endParaRPr lang="en-US" dirty="0"/>
-          </a:p>
-        </p:txBody>
-      </p:sp>
-      <p:sp>
-        <p:nvSpPr>
-          <p:cNvPr id="3" name="Content Placeholder 2"/>
-          <p:cNvSpPr>
-            <a:spLocks noGrp="1"/>
-          </p:cNvSpPr>
-          <p:nvPr>
-            <p:ph idx="1"/>
-          </p:nvPr>
-        </p:nvSpPr>
-        <p:spPr/>
-        <p:txBody>
-          <a:bodyPr/>
-          <a:lstStyle/>
-          <a:p>
-            <a:pPr marL="0" marR="0" lvl="0" indent="0" defTabSz="914400" eaLnBrk="1" fontAlgn="auto" latinLnBrk="0" hangingPunct="1">
-              <a:lnSpc>
-                <a:spcPct val="100000"/>
-              </a:lnSpc>
-              <a:spcBef>
-                <a:spcPts val="0"/>
-              </a:spcBef>
-              <a:spcAft>
-                <a:spcPts val="0"/>
-              </a:spcAft>
-              <a:buClrTx/>
-              <a:buSzTx/>
-              <a:buFontTx/>
-              <a:buNone/>
-              <a:tabLst/>
-              <a:defRPr/>
-            </a:pPr>
-            <a:r>
-              <a:rPr lang="en-US" dirty="0" smtClean="0"/>
-              <a:t>When it is difficult to tell which might be "better", default to median.</a:t>
-            </a:r>
-          </a:p>
-          <a:p>
-            <a:pPr marL="0" marR="0" lvl="0" indent="0" defTabSz="914400" eaLnBrk="1" fontAlgn="auto" latinLnBrk="0" hangingPunct="1">
-              <a:lnSpc>
-                <a:spcPct val="100000"/>
-              </a:lnSpc>
-              <a:spcBef>
-                <a:spcPts val="0"/>
-              </a:spcBef>
-              <a:spcAft>
-                <a:spcPts val="0"/>
-              </a:spcAft>
-              <a:buClrTx/>
-              <a:buSzTx/>
-              <a:buFontTx/>
-              <a:buNone/>
-              <a:tabLst/>
-              <a:defRPr/>
-            </a:pPr>
-            <a:endParaRPr lang="en-US" dirty="0"/>
-          </a:p>
-          <a:p>
-            <a:pPr marL="0" marR="0" lvl="0" indent="0" defTabSz="914400" eaLnBrk="1" fontAlgn="auto" latinLnBrk="0" hangingPunct="1">
-              <a:lnSpc>
-                <a:spcPct val="100000"/>
-              </a:lnSpc>
-              <a:spcBef>
-                <a:spcPts val="0"/>
-              </a:spcBef>
-              <a:spcAft>
-                <a:spcPts val="0"/>
-              </a:spcAft>
-              <a:buClrTx/>
-              <a:buSzTx/>
-              <a:buFontTx/>
-              <a:buNone/>
-              <a:tabLst/>
-              <a:defRPr/>
-            </a:pPr>
-            <a:r>
-              <a:rPr lang="en-US" dirty="0" smtClean="0"/>
-              <a:t>This is particularly true for </a:t>
-            </a:r>
-            <a:r>
-              <a:rPr lang="en-US" b="1" dirty="0" smtClean="0"/>
-              <a:t>small sample sizes </a:t>
-            </a:r>
-            <a:r>
-              <a:rPr lang="en-US" dirty="0"/>
-              <a:t>(</a:t>
-            </a:r>
-            <a:r>
-              <a:rPr lang="en-US" dirty="0" smtClean="0"/>
-              <a:t>more on why in coming weeks)</a:t>
-            </a:r>
-          </a:p>
-          <a:p>
-            <a:pPr marL="0" marR="0" lvl="0" indent="0" defTabSz="914400" eaLnBrk="1" fontAlgn="auto" latinLnBrk="0" hangingPunct="1">
-              <a:lnSpc>
-                <a:spcPct val="100000"/>
-              </a:lnSpc>
-              <a:spcBef>
-                <a:spcPts val="0"/>
-              </a:spcBef>
-              <a:spcAft>
-                <a:spcPts val="0"/>
-              </a:spcAft>
-              <a:buClrTx/>
-              <a:buSzTx/>
-              <a:buFontTx/>
-              <a:buNone/>
-              <a:tabLst/>
-              <a:defRPr/>
-            </a:pPr>
-            <a:endParaRPr lang="en-US" dirty="0"/>
-          </a:p>
-        </p:txBody>
-      </p:sp>
-    </p:spTree>
-    <p:extLst>
-      <p:ext uri="{BB962C8B-B14F-4D97-AF65-F5344CB8AC3E}">
-        <p14:creationId xmlns:p14="http://schemas.microsoft.com/office/powerpoint/2010/main" val="1239051344"/>
-      </p:ext>
-    </p:extLst>
-  </p:cSld>
-  <p:clrMapOvr>
-    <a:masterClrMapping/>
-  </p:clrMapOvr>
-  <p:timing>
-    <p:tnLst>
-      <p:par>
-        <p:cTn id="1" dur="indefinite" restart="never" nodeType="tmRoot"/>
-      </p:par>
-    </p:tnLst>
-  </p:timing>
-</p:sld>
-</file>
-
-<file path=ppt/slides/slide40.xml><?xml version="1.0" encoding="utf-8"?>
-<p:sld xmlns:a="http://schemas.openxmlformats.org/drawingml/2006/main" xmlns:r="http://schemas.openxmlformats.org/officeDocument/2006/relationships" xmlns:p="http://schemas.openxmlformats.org/presentationml/2006/main">
-  <p:cSld>
-    <p:spTree>
-      <p:nvGrpSpPr>
-        <p:cNvPr id="1" name=""/>
-        <p:cNvGrpSpPr/>
-        <p:nvPr/>
-      </p:nvGrpSpPr>
-      <p:grpSpPr>
-        <a:xfrm>
-          <a:off x="0" y="0"/>
-          <a:ext cx="0" cy="0"/>
-          <a:chOff x="0" y="0"/>
-          <a:chExt cx="0" cy="0"/>
-        </a:xfrm>
-      </p:grpSpPr>
-      <p:sp>
-        <p:nvSpPr>
-          <p:cNvPr id="2" name="Title 1"/>
-          <p:cNvSpPr>
-            <a:spLocks noGrp="1"/>
-          </p:cNvSpPr>
-          <p:nvPr>
-            <p:ph type="title"/>
-          </p:nvPr>
-        </p:nvSpPr>
-        <p:spPr/>
-        <p:txBody>
-          <a:bodyPr/>
-          <a:lstStyle/>
-          <a:p>
-            <a:r>
-              <a:rPr lang="en-US" dirty="0" smtClean="0"/>
               <a:t>Step 2: Probability equation</a:t>
             </a:r>
             <a:endParaRPr lang="en-US" dirty="0"/>
@@ -21963,20 +21650,20 @@
           </a:p>
           <a:p>
             <a:r>
-              <a:rPr lang="en-US" sz="2600" dirty="0">
-                <a:solidFill>
-                  <a:srgbClr val="C00000"/>
-                </a:solidFill>
-              </a:rPr>
-              <a:t>P[seed survives] = </a:t>
-            </a:r>
-            <a:r>
               <a:rPr lang="en-US" sz="2600" dirty="0" smtClean="0">
                 <a:solidFill>
                   <a:srgbClr val="C00000"/>
                 </a:solidFill>
               </a:rPr>
-              <a:t>P[seed survives | seed lands] = </a:t>
+              <a:t>P[seed </a:t>
+            </a:r>
+            <a:r>
+              <a:rPr lang="en-US" sz="2600" dirty="0" smtClean="0">
+                <a:solidFill>
+                  <a:srgbClr val="C00000"/>
+                </a:solidFill>
+              </a:rPr>
+              <a:t>survives | seed lands] = </a:t>
             </a:r>
           </a:p>
           <a:p>
@@ -22155,7 +21842,7 @@
 </p:sld>
 </file>
 
-<file path=ppt/slides/slide41.xml><?xml version="1.0" encoding="utf-8"?>
+<file path=ppt/slides/slide4.xml><?xml version="1.0" encoding="utf-8"?>
 <p:sld xmlns:a="http://schemas.openxmlformats.org/drawingml/2006/main" xmlns:r="http://schemas.openxmlformats.org/officeDocument/2006/relationships" xmlns:p="http://schemas.openxmlformats.org/presentationml/2006/main">
   <p:cSld>
     <p:spTree>
@@ -22189,6 +21876,180 @@
           <a:p>
             <a:r>
               <a:rPr lang="en-US" dirty="0" smtClean="0"/>
+              <a:t>Mean vs median</a:t>
+            </a:r>
+            <a:endParaRPr lang="en-US" dirty="0"/>
+          </a:p>
+        </p:txBody>
+      </p:sp>
+      <p:sp>
+        <p:nvSpPr>
+          <p:cNvPr id="3" name="Content Placeholder 2"/>
+          <p:cNvSpPr>
+            <a:spLocks noGrp="1"/>
+          </p:cNvSpPr>
+          <p:nvPr>
+            <p:ph idx="1"/>
+          </p:nvPr>
+        </p:nvSpPr>
+        <p:spPr/>
+        <p:txBody>
+          <a:bodyPr/>
+          <a:lstStyle/>
+          <a:p>
+            <a:pPr marL="0" marR="0" lvl="0" indent="0" defTabSz="914400" eaLnBrk="1" fontAlgn="auto" latinLnBrk="0" hangingPunct="1">
+              <a:lnSpc>
+                <a:spcPct val="100000"/>
+              </a:lnSpc>
+              <a:spcBef>
+                <a:spcPts val="0"/>
+              </a:spcBef>
+              <a:spcAft>
+                <a:spcPts val="0"/>
+              </a:spcAft>
+              <a:buClrTx/>
+              <a:buSzTx/>
+              <a:buFontTx/>
+              <a:buNone/>
+              <a:tabLst/>
+              <a:defRPr/>
+            </a:pPr>
+            <a:r>
+              <a:rPr lang="en-US" dirty="0" smtClean="0"/>
+              <a:t>When it is difficult to tell which might be "better", default to median.</a:t>
+            </a:r>
+          </a:p>
+          <a:p>
+            <a:pPr marL="0" marR="0" lvl="0" indent="0" defTabSz="914400" eaLnBrk="1" fontAlgn="auto" latinLnBrk="0" hangingPunct="1">
+              <a:lnSpc>
+                <a:spcPct val="100000"/>
+              </a:lnSpc>
+              <a:spcBef>
+                <a:spcPts val="0"/>
+              </a:spcBef>
+              <a:spcAft>
+                <a:spcPts val="0"/>
+              </a:spcAft>
+              <a:buClrTx/>
+              <a:buSzTx/>
+              <a:buFontTx/>
+              <a:buNone/>
+              <a:tabLst/>
+              <a:defRPr/>
+            </a:pPr>
+            <a:endParaRPr lang="en-US" dirty="0"/>
+          </a:p>
+          <a:p>
+            <a:pPr marL="0" marR="0" lvl="0" indent="0" defTabSz="914400" eaLnBrk="1" fontAlgn="auto" latinLnBrk="0" hangingPunct="1">
+              <a:lnSpc>
+                <a:spcPct val="100000"/>
+              </a:lnSpc>
+              <a:spcBef>
+                <a:spcPts val="0"/>
+              </a:spcBef>
+              <a:spcAft>
+                <a:spcPts val="0"/>
+              </a:spcAft>
+              <a:buClrTx/>
+              <a:buSzTx/>
+              <a:buFontTx/>
+              <a:buNone/>
+              <a:tabLst/>
+              <a:defRPr/>
+            </a:pPr>
+            <a:r>
+              <a:rPr lang="en-US" dirty="0" smtClean="0"/>
+              <a:t>This is particularly true for </a:t>
+            </a:r>
+            <a:r>
+              <a:rPr lang="en-US" b="1" dirty="0" smtClean="0"/>
+              <a:t>small sample sizes </a:t>
+            </a:r>
+            <a:r>
+              <a:rPr lang="en-US" dirty="0"/>
+              <a:t>(</a:t>
+            </a:r>
+            <a:r>
+              <a:rPr lang="en-US" dirty="0" smtClean="0"/>
+              <a:t>more on why in coming weeks)</a:t>
+            </a:r>
+          </a:p>
+          <a:p>
+            <a:pPr marL="0" marR="0" lvl="0" indent="0" defTabSz="914400" eaLnBrk="1" fontAlgn="auto" latinLnBrk="0" hangingPunct="1">
+              <a:lnSpc>
+                <a:spcPct val="100000"/>
+              </a:lnSpc>
+              <a:spcBef>
+                <a:spcPts val="0"/>
+              </a:spcBef>
+              <a:spcAft>
+                <a:spcPts val="0"/>
+              </a:spcAft>
+              <a:buClrTx/>
+              <a:buSzTx/>
+              <a:buFontTx/>
+              <a:buNone/>
+              <a:tabLst/>
+              <a:defRPr/>
+            </a:pPr>
+            <a:endParaRPr lang="en-US" dirty="0"/>
+          </a:p>
+        </p:txBody>
+      </p:sp>
+    </p:spTree>
+    <p:extLst>
+      <p:ext uri="{BB962C8B-B14F-4D97-AF65-F5344CB8AC3E}">
+        <p14:creationId xmlns:p14="http://schemas.microsoft.com/office/powerpoint/2010/main" val="1239051344"/>
+      </p:ext>
+    </p:extLst>
+  </p:cSld>
+  <p:clrMapOvr>
+    <a:masterClrMapping/>
+  </p:clrMapOvr>
+  <p:timing>
+    <p:tnLst>
+      <p:par>
+        <p:cTn id="1" dur="indefinite" restart="never" nodeType="tmRoot"/>
+      </p:par>
+    </p:tnLst>
+  </p:timing>
+</p:sld>
+</file>
+
+<file path=ppt/slides/slide40.xml><?xml version="1.0" encoding="utf-8"?>
+<p:sld xmlns:a="http://schemas.openxmlformats.org/drawingml/2006/main" xmlns:r="http://schemas.openxmlformats.org/officeDocument/2006/relationships" xmlns:p="http://schemas.openxmlformats.org/presentationml/2006/main">
+  <p:cSld>
+    <p:spTree>
+      <p:nvGrpSpPr>
+        <p:cNvPr id="1" name=""/>
+        <p:cNvGrpSpPr/>
+        <p:nvPr/>
+      </p:nvGrpSpPr>
+      <p:grpSpPr>
+        <a:xfrm>
+          <a:off x="0" y="0"/>
+          <a:ext cx="0" cy="0"/>
+          <a:chOff x="0" y="0"/>
+          <a:chExt cx="0" cy="0"/>
+        </a:xfrm>
+      </p:grpSpPr>
+      <p:sp>
+        <p:nvSpPr>
+          <p:cNvPr id="2" name="Title 1"/>
+          <p:cNvSpPr>
+            <a:spLocks noGrp="1"/>
+          </p:cNvSpPr>
+          <p:nvPr>
+            <p:ph type="title"/>
+          </p:nvPr>
+        </p:nvSpPr>
+        <p:spPr/>
+        <p:txBody>
+          <a:bodyPr/>
+          <a:lstStyle/>
+          <a:p>
+            <a:r>
+              <a:rPr lang="en-US" dirty="0" smtClean="0"/>
               <a:t>Step 3: </a:t>
             </a:r>
             <a:br>
@@ -22411,12 +22272,12 @@
           </a:p>
           <a:p>
             <a:r>
-              <a:rPr lang="en-US" sz="2600" dirty="0"/>
-              <a:t>P[seed survives] = </a:t>
+              <a:rPr lang="en-US" sz="2600" smtClean="0"/>
+              <a:t>P[seed </a:t>
             </a:r>
             <a:r>
               <a:rPr lang="en-US" sz="2600" dirty="0" smtClean="0"/>
-              <a:t>P[seed survives | seed lands] = </a:t>
+              <a:t>survives | seed lands] = </a:t>
             </a:r>
           </a:p>
           <a:p>
@@ -22621,7 +22482,7 @@
 </p:sld>
 </file>
 
-<file path=ppt/slides/slide42.xml><?xml version="1.0" encoding="utf-8"?>
+<file path=ppt/slides/slide41.xml><?xml version="1.0" encoding="utf-8"?>
 <p:sld xmlns:a="http://schemas.openxmlformats.org/drawingml/2006/main" xmlns:r="http://schemas.openxmlformats.org/officeDocument/2006/relationships" xmlns:p="http://schemas.openxmlformats.org/presentationml/2006/main">
   <p:cSld>
     <p:spTree>
@@ -22879,7 +22740,7 @@
 </p:sld>
 </file>
 
-<file path=ppt/slides/slide43.xml><?xml version="1.0" encoding="utf-8"?>
+<file path=ppt/slides/slide42.xml><?xml version="1.0" encoding="utf-8"?>
 <p:sld xmlns:a="http://schemas.openxmlformats.org/drawingml/2006/main" xmlns:r="http://schemas.openxmlformats.org/officeDocument/2006/relationships" xmlns:p="http://schemas.openxmlformats.org/presentationml/2006/main">
   <p:cSld>
     <p:spTree>
@@ -23330,7 +23191,7 @@
 </p:sld>
 </file>
 
-<file path=ppt/slides/slide44.xml><?xml version="1.0" encoding="utf-8"?>
+<file path=ppt/slides/slide43.xml><?xml version="1.0" encoding="utf-8"?>
 <p:sld xmlns:a="http://schemas.openxmlformats.org/drawingml/2006/main" xmlns:r="http://schemas.openxmlformats.org/officeDocument/2006/relationships" xmlns:p="http://schemas.openxmlformats.org/presentationml/2006/main">
   <p:cSld>
     <p:spTree>
@@ -23710,7 +23571,7 @@
 </p:sld>
 </file>
 
-<file path=ppt/slides/slide45.xml><?xml version="1.0" encoding="utf-8"?>
+<file path=ppt/slides/slide44.xml><?xml version="1.0" encoding="utf-8"?>
 <p:sld xmlns:a="http://schemas.openxmlformats.org/drawingml/2006/main" xmlns:r="http://schemas.openxmlformats.org/officeDocument/2006/relationships" xmlns:p="http://schemas.openxmlformats.org/presentationml/2006/main">
   <p:cSld>
     <p:spTree>
@@ -24187,7 +24048,7 @@
 </p:sld>
 </file>
 
-<file path=ppt/slides/slide46.xml><?xml version="1.0" encoding="utf-8"?>
+<file path=ppt/slides/slide45.xml><?xml version="1.0" encoding="utf-8"?>
 <p:sld xmlns:a="http://schemas.openxmlformats.org/drawingml/2006/main" xmlns:r="http://schemas.openxmlformats.org/officeDocument/2006/relationships" xmlns:p="http://schemas.openxmlformats.org/presentationml/2006/main">
   <p:cSld>
     <p:spTree>
@@ -24792,7 +24653,7 @@
 </p:sld>
 </file>
 
-<file path=ppt/slides/slide47.xml><?xml version="1.0" encoding="utf-8"?>
+<file path=ppt/slides/slide46.xml><?xml version="1.0" encoding="utf-8"?>
 <p:sld xmlns:a="http://schemas.openxmlformats.org/drawingml/2006/main" xmlns:r="http://schemas.openxmlformats.org/officeDocument/2006/relationships" xmlns:p="http://schemas.openxmlformats.org/presentationml/2006/main">
   <p:cSld>
     <p:spTree>
@@ -25006,6 +24867,69 @@
     <p:extLst>
       <p:ext uri="{BB962C8B-B14F-4D97-AF65-F5344CB8AC3E}">
         <p14:creationId xmlns:p14="http://schemas.microsoft.com/office/powerpoint/2010/main" val="870261192"/>
+      </p:ext>
+    </p:extLst>
+  </p:cSld>
+  <p:clrMapOvr>
+    <a:masterClrMapping/>
+  </p:clrMapOvr>
+  <p:timing>
+    <p:tnLst>
+      <p:par>
+        <p:cTn id="1" dur="indefinite" restart="never" nodeType="tmRoot"/>
+      </p:par>
+    </p:tnLst>
+  </p:timing>
+</p:sld>
+</file>
+
+<file path=ppt/slides/slide47.xml><?xml version="1.0" encoding="utf-8"?>
+<p:sld xmlns:a="http://schemas.openxmlformats.org/drawingml/2006/main" xmlns:r="http://schemas.openxmlformats.org/officeDocument/2006/relationships" xmlns:p="http://schemas.openxmlformats.org/presentationml/2006/main">
+  <p:cSld>
+    <p:spTree>
+      <p:nvGrpSpPr>
+        <p:cNvPr id="1" name=""/>
+        <p:cNvGrpSpPr/>
+        <p:nvPr/>
+      </p:nvGrpSpPr>
+      <p:grpSpPr>
+        <a:xfrm>
+          <a:off x="0" y="0"/>
+          <a:ext cx="0" cy="0"/>
+          <a:chOff x="0" y="0"/>
+          <a:chExt cx="0" cy="0"/>
+        </a:xfrm>
+      </p:grpSpPr>
+      <p:sp>
+        <p:nvSpPr>
+          <p:cNvPr id="2" name="Title 1"/>
+          <p:cNvSpPr>
+            <a:spLocks noGrp="1"/>
+          </p:cNvSpPr>
+          <p:nvPr>
+            <p:ph type="title"/>
+          </p:nvPr>
+        </p:nvSpPr>
+        <p:spPr/>
+        <p:txBody>
+          <a:bodyPr>
+            <a:normAutofit/>
+          </a:bodyPr>
+          <a:lstStyle/>
+          <a:p>
+            <a:pPr algn="ctr"/>
+            <a:r>
+              <a:rPr lang="en-US" sz="7200" b="1" dirty="0" smtClean="0"/>
+              <a:t>BREAK</a:t>
+            </a:r>
+            <a:endParaRPr lang="en-US" sz="7200" b="1" dirty="0"/>
+          </a:p>
+        </p:txBody>
+      </p:sp>
+    </p:spTree>
+    <p:extLst>
+      <p:ext uri="{BB962C8B-B14F-4D97-AF65-F5344CB8AC3E}">
+        <p14:creationId xmlns:p14="http://schemas.microsoft.com/office/powerpoint/2010/main" val="1094747029"/>
       </p:ext>
     </p:extLst>
   </p:cSld>
@@ -25051,24 +24975,110 @@
         </p:nvSpPr>
         <p:spPr/>
         <p:txBody>
-          <a:bodyPr>
-            <a:normAutofit/>
+          <a:bodyPr/>
+          <a:lstStyle/>
+          <a:p>
+            <a:r>
+              <a:rPr lang="en-US" dirty="0" smtClean="0"/>
+              <a:t>ggplot2: saving plots</a:t>
+            </a:r>
+            <a:endParaRPr lang="en-US" dirty="0"/>
+          </a:p>
+        </p:txBody>
+      </p:sp>
+      <p:sp>
+        <p:nvSpPr>
+          <p:cNvPr id="4" name="TextBox 3"/>
+          <p:cNvSpPr txBox="1"/>
+          <p:nvPr/>
+        </p:nvSpPr>
+        <p:spPr>
+          <a:xfrm>
+            <a:off x="925110" y="2016736"/>
+            <a:ext cx="11094720" cy="830997"/>
+          </a:xfrm>
+          <a:prstGeom prst="rect">
+            <a:avLst/>
+          </a:prstGeom>
+          <a:noFill/>
+        </p:spPr>
+        <p:txBody>
+          <a:bodyPr wrap="square" rtlCol="0">
+            <a:spAutoFit/>
           </a:bodyPr>
           <a:lstStyle/>
           <a:p>
-            <a:pPr algn="ctr"/>
-            <a:r>
-              <a:rPr lang="en-US" sz="7200" b="1" dirty="0" smtClean="0"/>
-              <a:t>BREAK</a:t>
-            </a:r>
-            <a:endParaRPr lang="en-US" sz="7200" b="1" dirty="0"/>
+            <a:pPr marL="285750" indent="-285750">
+              <a:buFont typeface=".AppleSystemUIFont" charset="-120"/>
+              <a:buChar char="&gt;"/>
+            </a:pPr>
+            <a:endParaRPr lang="is-IS" sz="1600" b="1" dirty="0" smtClean="0">
+              <a:latin typeface="Monaco" charset="0"/>
+              <a:ea typeface="Monaco" charset="0"/>
+              <a:cs typeface="Monaco" charset="0"/>
+            </a:endParaRPr>
+          </a:p>
+          <a:p>
+            <a:pPr marL="285750" indent="-285750">
+              <a:buFont typeface=".AppleSystemUIFont" charset="-120"/>
+              <a:buChar char="&gt;"/>
+            </a:pPr>
+            <a:r>
+              <a:rPr lang="is-IS" sz="1600" b="1" dirty="0">
+                <a:latin typeface="Monaco" charset="0"/>
+                <a:ea typeface="Monaco" charset="0"/>
+                <a:cs typeface="Monaco" charset="0"/>
+              </a:rPr>
+              <a:t>ggplot(iris, aes(x = Sepal.Length, fill = Species)) + geom_density( alpha = 0.5 )</a:t>
+            </a:r>
+          </a:p>
+          <a:p>
+            <a:pPr marL="285750" indent="-285750">
+              <a:buFont typeface=".AppleSystemUIFont" charset="-120"/>
+              <a:buChar char="&gt;"/>
+            </a:pPr>
+            <a:endParaRPr lang="is-IS" sz="1600" b="1" dirty="0" smtClean="0">
+              <a:latin typeface="Monaco" charset="0"/>
+              <a:ea typeface="Monaco" charset="0"/>
+              <a:cs typeface="Monaco" charset="0"/>
+            </a:endParaRPr>
           </a:p>
         </p:txBody>
       </p:sp>
+      <p:pic>
+        <p:nvPicPr>
+          <p:cNvPr id="6" name="Picture 5"/>
+          <p:cNvPicPr>
+            <a:picLocks noChangeAspect="1"/>
+          </p:cNvPicPr>
+          <p:nvPr/>
+        </p:nvPicPr>
+        <p:blipFill>
+          <a:blip r:embed="rId2">
+            <a:extLst>
+              <a:ext uri="{28A0092B-C50C-407E-A947-70E740481C1C}">
+                <a14:useLocalDpi xmlns:a14="http://schemas.microsoft.com/office/drawing/2010/main" val="0"/>
+              </a:ext>
+            </a:extLst>
+          </a:blip>
+          <a:stretch>
+            <a:fillRect/>
+          </a:stretch>
+        </p:blipFill>
+        <p:spPr>
+          <a:xfrm>
+            <a:off x="8419739" y="2632996"/>
+            <a:ext cx="3600091" cy="3600091"/>
+          </a:xfrm>
+          <a:prstGeom prst="rect">
+            <a:avLst/>
+          </a:prstGeom>
+        </p:spPr>
+      </p:pic>
     </p:spTree>
     <p:extLst>
       <p:ext uri="{BB962C8B-B14F-4D97-AF65-F5344CB8AC3E}">
-        <p14:creationId xmlns:p14="http://schemas.microsoft.com/office/powerpoint/2010/main" val="1094747029"/>
+        <p14:creationId xmlns:p14="http://schemas.microsoft.com/office/powerpoint/2010/main" val="1096137363"/>
       </p:ext>
     </p:extLst>
   </p:cSld>
@@ -25134,7 +25144,7 @@
         <p:spPr>
           <a:xfrm>
             <a:off x="925110" y="2016736"/>
-            <a:ext cx="11094720" cy="830997"/>
+            <a:ext cx="11094720" cy="2308324"/>
           </a:xfrm>
           <a:prstGeom prst="rect">
             <a:avLst/>
@@ -25163,13 +25173,112 @@
               <a:buChar char="&gt;"/>
             </a:pPr>
             <a:r>
+              <a:rPr lang="is-IS" sz="1600" b="1" dirty="0" smtClean="0">
+                <a:latin typeface="Monaco" charset="0"/>
+                <a:ea typeface="Monaco" charset="0"/>
+                <a:cs typeface="Monaco" charset="0"/>
+              </a:rPr>
+              <a:t>P &lt;- ggplot(iris</a:t>
+            </a:r>
+            <a:r>
               <a:rPr lang="is-IS" sz="1600" b="1" dirty="0">
                 <a:latin typeface="Monaco" charset="0"/>
                 <a:ea typeface="Monaco" charset="0"/>
                 <a:cs typeface="Monaco" charset="0"/>
               </a:rPr>
-              <a:t>ggplot(iris, aes(x = Sepal.Length, fill = Species)) + geom_density( alpha = 0.5 )</a:t>
-            </a:r>
+              <a:t>, aes(x = Sepal.Length, fill = Species)) + geom_density( alpha = 0.5 </a:t>
+            </a:r>
+            <a:r>
+              <a:rPr lang="is-IS" sz="1600" b="1" dirty="0" smtClean="0">
+                <a:latin typeface="Monaco" charset="0"/>
+                <a:ea typeface="Monaco" charset="0"/>
+                <a:cs typeface="Monaco" charset="0"/>
+              </a:rPr>
+              <a:t>)</a:t>
+            </a:r>
+          </a:p>
+          <a:p>
+            <a:pPr marL="285750" indent="-285750">
+              <a:buFont typeface=".AppleSystemUIFont" charset="-120"/>
+              <a:buChar char="&gt;"/>
+            </a:pPr>
+            <a:endParaRPr lang="is-IS" sz="1600" b="1" dirty="0">
+              <a:latin typeface="Monaco" charset="0"/>
+              <a:ea typeface="Monaco" charset="0"/>
+              <a:cs typeface="Monaco" charset="0"/>
+            </a:endParaRPr>
+          </a:p>
+          <a:p>
+            <a:pPr marL="285750" indent="-285750">
+              <a:buFont typeface=".AppleSystemUIFont" charset="-120"/>
+              <a:buChar char="&gt;"/>
+            </a:pPr>
+            <a:r>
+              <a:rPr lang="is-IS" sz="1600" b="1" dirty="0" smtClean="0">
+                <a:latin typeface="Monaco" charset="0"/>
+                <a:ea typeface="Monaco" charset="0"/>
+                <a:cs typeface="Monaco" charset="0"/>
+              </a:rPr>
+              <a:t>### Save as PNG</a:t>
+            </a:r>
+          </a:p>
+          <a:p>
+            <a:pPr marL="285750" indent="-285750">
+              <a:buFont typeface=".AppleSystemUIFont" charset="-120"/>
+              <a:buChar char="&gt;"/>
+            </a:pPr>
+            <a:r>
+              <a:rPr lang="is-IS" sz="1600" b="1" dirty="0" smtClean="0">
+                <a:latin typeface="Monaco" charset="0"/>
+                <a:ea typeface="Monaco" charset="0"/>
+                <a:cs typeface="Monaco" charset="0"/>
+              </a:rPr>
+              <a:t>ggsave("plot.png", P)</a:t>
+            </a:r>
+          </a:p>
+          <a:p>
+            <a:pPr marL="285750" indent="-285750">
+              <a:buFont typeface=".AppleSystemUIFont" charset="-120"/>
+              <a:buChar char="&gt;"/>
+            </a:pPr>
+            <a:endParaRPr lang="is-IS" sz="1600" b="1" dirty="0" smtClean="0">
+              <a:latin typeface="Monaco" charset="0"/>
+              <a:ea typeface="Monaco" charset="0"/>
+              <a:cs typeface="Monaco" charset="0"/>
+            </a:endParaRPr>
+          </a:p>
+          <a:p>
+            <a:pPr marL="285750" indent="-285750">
+              <a:buFont typeface=".AppleSystemUIFont" charset="-120"/>
+              <a:buChar char="&gt;"/>
+            </a:pPr>
+            <a:r>
+              <a:rPr lang="is-IS" sz="1600" b="1" dirty="0" smtClean="0">
+                <a:latin typeface="Monaco" charset="0"/>
+                <a:ea typeface="Monaco" charset="0"/>
+                <a:cs typeface="Monaco" charset="0"/>
+              </a:rPr>
+              <a:t>### Save as PDF</a:t>
+            </a:r>
+          </a:p>
+          <a:p>
+            <a:pPr marL="285750" indent="-285750">
+              <a:buFont typeface=".AppleSystemUIFont" charset="-120"/>
+              <a:buChar char="&gt;"/>
+            </a:pPr>
+            <a:r>
+              <a:rPr lang="is-IS" sz="1600" b="1" dirty="0" smtClean="0">
+                <a:latin typeface="Monaco" charset="0"/>
+                <a:ea typeface="Monaco" charset="0"/>
+                <a:cs typeface="Monaco" charset="0"/>
+              </a:rPr>
+              <a:t>ggsave("plot.pdf", P)</a:t>
+            </a:r>
+            <a:endParaRPr lang="is-IS" sz="1600" b="1" dirty="0">
+              <a:latin typeface="Monaco" charset="0"/>
+              <a:ea typeface="Monaco" charset="0"/>
+              <a:cs typeface="Monaco" charset="0"/>
+            </a:endParaRPr>
           </a:p>
           <a:p>
             <a:pPr marL="285750" indent="-285750">
@@ -25217,7 +25326,7 @@
     </p:spTree>
     <p:extLst>
       <p:ext uri="{BB962C8B-B14F-4D97-AF65-F5344CB8AC3E}">
-        <p14:creationId xmlns:p14="http://schemas.microsoft.com/office/powerpoint/2010/main" val="1096137363"/>
+        <p14:creationId xmlns:p14="http://schemas.microsoft.com/office/powerpoint/2010/main" val="810878171"/>
       </p:ext>
     </p:extLst>
   </p:cSld>
@@ -25512,254 +25621,6 @@
           <a:p>
             <a:r>
               <a:rPr lang="en-US" dirty="0" smtClean="0"/>
-              <a:t>ggplot2: saving plots</a:t>
-            </a:r>
-            <a:endParaRPr lang="en-US" dirty="0"/>
-          </a:p>
-        </p:txBody>
-      </p:sp>
-      <p:sp>
-        <p:nvSpPr>
-          <p:cNvPr id="4" name="TextBox 3"/>
-          <p:cNvSpPr txBox="1"/>
-          <p:nvPr/>
-        </p:nvSpPr>
-        <p:spPr>
-          <a:xfrm>
-            <a:off x="925110" y="2016736"/>
-            <a:ext cx="11094720" cy="2308324"/>
-          </a:xfrm>
-          <a:prstGeom prst="rect">
-            <a:avLst/>
-          </a:prstGeom>
-          <a:noFill/>
-        </p:spPr>
-        <p:txBody>
-          <a:bodyPr wrap="square" rtlCol="0">
-            <a:spAutoFit/>
-          </a:bodyPr>
-          <a:lstStyle/>
-          <a:p>
-            <a:pPr marL="285750" indent="-285750">
-              <a:buFont typeface=".AppleSystemUIFont" charset="-120"/>
-              <a:buChar char="&gt;"/>
-            </a:pPr>
-            <a:endParaRPr lang="is-IS" sz="1600" b="1" dirty="0" smtClean="0">
-              <a:latin typeface="Monaco" charset="0"/>
-              <a:ea typeface="Monaco" charset="0"/>
-              <a:cs typeface="Monaco" charset="0"/>
-            </a:endParaRPr>
-          </a:p>
-          <a:p>
-            <a:pPr marL="285750" indent="-285750">
-              <a:buFont typeface=".AppleSystemUIFont" charset="-120"/>
-              <a:buChar char="&gt;"/>
-            </a:pPr>
-            <a:r>
-              <a:rPr lang="is-IS" sz="1600" b="1" dirty="0" smtClean="0">
-                <a:latin typeface="Monaco" charset="0"/>
-                <a:ea typeface="Monaco" charset="0"/>
-                <a:cs typeface="Monaco" charset="0"/>
-              </a:rPr>
-              <a:t>P &lt;- ggplot(iris</a:t>
-            </a:r>
-            <a:r>
-              <a:rPr lang="is-IS" sz="1600" b="1" dirty="0">
-                <a:latin typeface="Monaco" charset="0"/>
-                <a:ea typeface="Monaco" charset="0"/>
-                <a:cs typeface="Monaco" charset="0"/>
-              </a:rPr>
-              <a:t>, aes(x = Sepal.Length, fill = Species)) + geom_density( alpha = 0.5 </a:t>
-            </a:r>
-            <a:r>
-              <a:rPr lang="is-IS" sz="1600" b="1" dirty="0" smtClean="0">
-                <a:latin typeface="Monaco" charset="0"/>
-                <a:ea typeface="Monaco" charset="0"/>
-                <a:cs typeface="Monaco" charset="0"/>
-              </a:rPr>
-              <a:t>)</a:t>
-            </a:r>
-          </a:p>
-          <a:p>
-            <a:pPr marL="285750" indent="-285750">
-              <a:buFont typeface=".AppleSystemUIFont" charset="-120"/>
-              <a:buChar char="&gt;"/>
-            </a:pPr>
-            <a:endParaRPr lang="is-IS" sz="1600" b="1" dirty="0">
-              <a:latin typeface="Monaco" charset="0"/>
-              <a:ea typeface="Monaco" charset="0"/>
-              <a:cs typeface="Monaco" charset="0"/>
-            </a:endParaRPr>
-          </a:p>
-          <a:p>
-            <a:pPr marL="285750" indent="-285750">
-              <a:buFont typeface=".AppleSystemUIFont" charset="-120"/>
-              <a:buChar char="&gt;"/>
-            </a:pPr>
-            <a:r>
-              <a:rPr lang="is-IS" sz="1600" b="1" dirty="0" smtClean="0">
-                <a:latin typeface="Monaco" charset="0"/>
-                <a:ea typeface="Monaco" charset="0"/>
-                <a:cs typeface="Monaco" charset="0"/>
-              </a:rPr>
-              <a:t>### Save as PNG</a:t>
-            </a:r>
-          </a:p>
-          <a:p>
-            <a:pPr marL="285750" indent="-285750">
-              <a:buFont typeface=".AppleSystemUIFont" charset="-120"/>
-              <a:buChar char="&gt;"/>
-            </a:pPr>
-            <a:r>
-              <a:rPr lang="is-IS" sz="1600" b="1" dirty="0" smtClean="0">
-                <a:latin typeface="Monaco" charset="0"/>
-                <a:ea typeface="Monaco" charset="0"/>
-                <a:cs typeface="Monaco" charset="0"/>
-              </a:rPr>
-              <a:t>ggsave("plot.png", P)</a:t>
-            </a:r>
-          </a:p>
-          <a:p>
-            <a:pPr marL="285750" indent="-285750">
-              <a:buFont typeface=".AppleSystemUIFont" charset="-120"/>
-              <a:buChar char="&gt;"/>
-            </a:pPr>
-            <a:endParaRPr lang="is-IS" sz="1600" b="1" dirty="0" smtClean="0">
-              <a:latin typeface="Monaco" charset="0"/>
-              <a:ea typeface="Monaco" charset="0"/>
-              <a:cs typeface="Monaco" charset="0"/>
-            </a:endParaRPr>
-          </a:p>
-          <a:p>
-            <a:pPr marL="285750" indent="-285750">
-              <a:buFont typeface=".AppleSystemUIFont" charset="-120"/>
-              <a:buChar char="&gt;"/>
-            </a:pPr>
-            <a:r>
-              <a:rPr lang="is-IS" sz="1600" b="1" dirty="0" smtClean="0">
-                <a:latin typeface="Monaco" charset="0"/>
-                <a:ea typeface="Monaco" charset="0"/>
-                <a:cs typeface="Monaco" charset="0"/>
-              </a:rPr>
-              <a:t>### Save as PDF</a:t>
-            </a:r>
-          </a:p>
-          <a:p>
-            <a:pPr marL="285750" indent="-285750">
-              <a:buFont typeface=".AppleSystemUIFont" charset="-120"/>
-              <a:buChar char="&gt;"/>
-            </a:pPr>
-            <a:r>
-              <a:rPr lang="is-IS" sz="1600" b="1" dirty="0" smtClean="0">
-                <a:latin typeface="Monaco" charset="0"/>
-                <a:ea typeface="Monaco" charset="0"/>
-                <a:cs typeface="Monaco" charset="0"/>
-              </a:rPr>
-              <a:t>ggsave("plot.pdf", P)</a:t>
-            </a:r>
-            <a:endParaRPr lang="is-IS" sz="1600" b="1" dirty="0">
-              <a:latin typeface="Monaco" charset="0"/>
-              <a:ea typeface="Monaco" charset="0"/>
-              <a:cs typeface="Monaco" charset="0"/>
-            </a:endParaRPr>
-          </a:p>
-          <a:p>
-            <a:pPr marL="285750" indent="-285750">
-              <a:buFont typeface=".AppleSystemUIFont" charset="-120"/>
-              <a:buChar char="&gt;"/>
-            </a:pPr>
-            <a:endParaRPr lang="is-IS" sz="1600" b="1" dirty="0" smtClean="0">
-              <a:latin typeface="Monaco" charset="0"/>
-              <a:ea typeface="Monaco" charset="0"/>
-              <a:cs typeface="Monaco" charset="0"/>
-            </a:endParaRPr>
-          </a:p>
-        </p:txBody>
-      </p:sp>
-      <p:pic>
-        <p:nvPicPr>
-          <p:cNvPr id="6" name="Picture 5"/>
-          <p:cNvPicPr>
-            <a:picLocks noChangeAspect="1"/>
-          </p:cNvPicPr>
-          <p:nvPr/>
-        </p:nvPicPr>
-        <p:blipFill>
-          <a:blip r:embed="rId2">
-            <a:extLst>
-              <a:ext uri="{28A0092B-C50C-407E-A947-70E740481C1C}">
-                <a14:useLocalDpi xmlns:a14="http://schemas.microsoft.com/office/drawing/2010/main" val="0"/>
-              </a:ext>
-            </a:extLst>
-          </a:blip>
-          <a:stretch>
-            <a:fillRect/>
-          </a:stretch>
-        </p:blipFill>
-        <p:spPr>
-          <a:xfrm>
-            <a:off x="8419739" y="2632996"/>
-            <a:ext cx="3600091" cy="3600091"/>
-          </a:xfrm>
-          <a:prstGeom prst="rect">
-            <a:avLst/>
-          </a:prstGeom>
-        </p:spPr>
-      </p:pic>
-    </p:spTree>
-    <p:extLst>
-      <p:ext uri="{BB962C8B-B14F-4D97-AF65-F5344CB8AC3E}">
-        <p14:creationId xmlns:p14="http://schemas.microsoft.com/office/powerpoint/2010/main" val="810878171"/>
-      </p:ext>
-    </p:extLst>
-  </p:cSld>
-  <p:clrMapOvr>
-    <a:masterClrMapping/>
-  </p:clrMapOvr>
-  <p:timing>
-    <p:tnLst>
-      <p:par>
-        <p:cTn id="1" dur="indefinite" restart="never" nodeType="tmRoot"/>
-      </p:par>
-    </p:tnLst>
-  </p:timing>
-</p:sld>
-</file>
-
-<file path=ppt/slides/slide51.xml><?xml version="1.0" encoding="utf-8"?>
-<p:sld xmlns:a="http://schemas.openxmlformats.org/drawingml/2006/main" xmlns:r="http://schemas.openxmlformats.org/officeDocument/2006/relationships" xmlns:p="http://schemas.openxmlformats.org/presentationml/2006/main">
-  <p:cSld>
-    <p:spTree>
-      <p:nvGrpSpPr>
-        <p:cNvPr id="1" name=""/>
-        <p:cNvGrpSpPr/>
-        <p:nvPr/>
-      </p:nvGrpSpPr>
-      <p:grpSpPr>
-        <a:xfrm>
-          <a:off x="0" y="0"/>
-          <a:ext cx="0" cy="0"/>
-          <a:chOff x="0" y="0"/>
-          <a:chExt cx="0" cy="0"/>
-        </a:xfrm>
-      </p:grpSpPr>
-      <p:sp>
-        <p:nvSpPr>
-          <p:cNvPr id="2" name="Title 1"/>
-          <p:cNvSpPr>
-            <a:spLocks noGrp="1"/>
-          </p:cNvSpPr>
-          <p:nvPr>
-            <p:ph type="title"/>
-          </p:nvPr>
-        </p:nvSpPr>
-        <p:spPr/>
-        <p:txBody>
-          <a:bodyPr/>
-          <a:lstStyle/>
-          <a:p>
-            <a:r>
-              <a:rPr lang="en-US" dirty="0" smtClean="0"/>
               <a:t>ggplot2: Faceting plots</a:t>
             </a:r>
             <a:endParaRPr lang="en-US" dirty="0"/>
@@ -25902,7 +25763,7 @@
 </p:sld>
 </file>
 
-<file path=ppt/slides/slide52.xml><?xml version="1.0" encoding="utf-8"?>
+<file path=ppt/slides/slide51.xml><?xml version="1.0" encoding="utf-8"?>
 <p:sld xmlns:a="http://schemas.openxmlformats.org/drawingml/2006/main" xmlns:r="http://schemas.openxmlformats.org/officeDocument/2006/relationships" xmlns:p="http://schemas.openxmlformats.org/presentationml/2006/main">
   <p:cSld>
     <p:spTree>
@@ -26150,7 +26011,7 @@
 </p:sld>
 </file>
 
-<file path=ppt/slides/slide53.xml><?xml version="1.0" encoding="utf-8"?>
+<file path=ppt/slides/slide52.xml><?xml version="1.0" encoding="utf-8"?>
 <p:sld xmlns:a="http://schemas.openxmlformats.org/drawingml/2006/main" xmlns:r="http://schemas.openxmlformats.org/officeDocument/2006/relationships" xmlns:p="http://schemas.openxmlformats.org/presentationml/2006/main">
   <p:cSld>
     <p:spTree>
@@ -26337,6 +26198,718 @@
 </p:sld>
 </file>
 
+<file path=ppt/slides/slide53.xml><?xml version="1.0" encoding="utf-8"?>
+<p:sld xmlns:a="http://schemas.openxmlformats.org/drawingml/2006/main" xmlns:r="http://schemas.openxmlformats.org/officeDocument/2006/relationships" xmlns:p="http://schemas.openxmlformats.org/presentationml/2006/main">
+  <p:cSld>
+    <p:spTree>
+      <p:nvGrpSpPr>
+        <p:cNvPr id="1" name=""/>
+        <p:cNvGrpSpPr/>
+        <p:nvPr/>
+      </p:nvGrpSpPr>
+      <p:grpSpPr>
+        <a:xfrm>
+          <a:off x="0" y="0"/>
+          <a:ext cx="0" cy="0"/>
+          <a:chOff x="0" y="0"/>
+          <a:chExt cx="0" cy="0"/>
+        </a:xfrm>
+      </p:grpSpPr>
+      <p:sp>
+        <p:nvSpPr>
+          <p:cNvPr id="2" name="Title 1"/>
+          <p:cNvSpPr>
+            <a:spLocks noGrp="1"/>
+          </p:cNvSpPr>
+          <p:nvPr>
+            <p:ph type="title"/>
+          </p:nvPr>
+        </p:nvSpPr>
+        <p:spPr/>
+        <p:txBody>
+          <a:bodyPr/>
+          <a:lstStyle/>
+          <a:p>
+            <a:r>
+              <a:rPr lang="en-US" dirty="0" err="1" smtClean="0"/>
+              <a:t>dplyr</a:t>
+            </a:r>
+            <a:r>
+              <a:rPr lang="en-US" dirty="0" smtClean="0"/>
+              <a:t>: Joining related </a:t>
+            </a:r>
+            <a:r>
+              <a:rPr lang="en-US" dirty="0" err="1" smtClean="0"/>
+              <a:t>dataframes</a:t>
+            </a:r>
+            <a:endParaRPr lang="en-US" dirty="0"/>
+          </a:p>
+        </p:txBody>
+      </p:sp>
+      <p:sp>
+        <p:nvSpPr>
+          <p:cNvPr id="5" name="TextBox 4"/>
+          <p:cNvSpPr txBox="1"/>
+          <p:nvPr/>
+        </p:nvSpPr>
+        <p:spPr>
+          <a:xfrm>
+            <a:off x="6858000" y="1821180"/>
+            <a:ext cx="4648200" cy="2031325"/>
+          </a:xfrm>
+          <a:prstGeom prst="rect">
+            <a:avLst/>
+          </a:prstGeom>
+          <a:noFill/>
+        </p:spPr>
+        <p:txBody>
+          <a:bodyPr wrap="square" rtlCol="0">
+            <a:spAutoFit/>
+          </a:bodyPr>
+          <a:lstStyle/>
+          <a:p>
+            <a:r>
+              <a:rPr lang="en-US" dirty="0">
+                <a:latin typeface="Monaco" charset="0"/>
+                <a:ea typeface="Monaco" charset="0"/>
+                <a:cs typeface="Monaco" charset="0"/>
+              </a:rPr>
+              <a:t>&gt; data2</a:t>
+            </a:r>
+          </a:p>
+          <a:p>
+            <a:r>
+              <a:rPr lang="is-IS" dirty="0">
+                <a:latin typeface="Monaco" charset="0"/>
+                <a:ea typeface="Monaco" charset="0"/>
+                <a:cs typeface="Monaco" charset="0"/>
+              </a:rPr>
+              <a:t>    x           a        b</a:t>
+            </a:r>
+          </a:p>
+          <a:p>
+            <a:r>
+              <a:rPr lang="is-IS" dirty="0">
+                <a:latin typeface="Monaco" charset="0"/>
+                <a:ea typeface="Monaco" charset="0"/>
+                <a:cs typeface="Monaco" charset="0"/>
+              </a:rPr>
+              <a:t> </a:t>
+            </a:r>
+            <a:r>
+              <a:rPr lang="is-IS" dirty="0" smtClean="0">
+                <a:latin typeface="Monaco" charset="0"/>
+                <a:ea typeface="Monaco" charset="0"/>
+                <a:cs typeface="Monaco" charset="0"/>
+              </a:rPr>
+              <a:t> </a:t>
+            </a:r>
+            <a:r>
+              <a:rPr lang="is-IS" dirty="0">
+                <a:latin typeface="Monaco" charset="0"/>
+                <a:ea typeface="Monaco" charset="0"/>
+                <a:cs typeface="Monaco" charset="0"/>
+              </a:rPr>
+              <a:t>  1 -2.76205636 112.9588</a:t>
+            </a:r>
+          </a:p>
+          <a:p>
+            <a:r>
+              <a:rPr lang="is-IS" dirty="0">
+                <a:latin typeface="Monaco" charset="0"/>
+                <a:ea typeface="Monaco" charset="0"/>
+                <a:cs typeface="Monaco" charset="0"/>
+              </a:rPr>
+              <a:t> </a:t>
+            </a:r>
+            <a:r>
+              <a:rPr lang="is-IS" dirty="0" smtClean="0">
+                <a:latin typeface="Monaco" charset="0"/>
+                <a:ea typeface="Monaco" charset="0"/>
+                <a:cs typeface="Monaco" charset="0"/>
+              </a:rPr>
+              <a:t> </a:t>
+            </a:r>
+            <a:r>
+              <a:rPr lang="is-IS" dirty="0">
+                <a:latin typeface="Monaco" charset="0"/>
+                <a:ea typeface="Monaco" charset="0"/>
+                <a:cs typeface="Monaco" charset="0"/>
+              </a:rPr>
+              <a:t>  2 -1.44485264 149.3682</a:t>
+            </a:r>
+          </a:p>
+          <a:p>
+            <a:r>
+              <a:rPr lang="is-IS" dirty="0">
+                <a:latin typeface="Monaco" charset="0"/>
+                <a:ea typeface="Monaco" charset="0"/>
+                <a:cs typeface="Monaco" charset="0"/>
+              </a:rPr>
+              <a:t> </a:t>
+            </a:r>
+            <a:r>
+              <a:rPr lang="is-IS" dirty="0" smtClean="0">
+                <a:latin typeface="Monaco" charset="0"/>
+                <a:ea typeface="Monaco" charset="0"/>
+                <a:cs typeface="Monaco" charset="0"/>
+              </a:rPr>
+              <a:t> </a:t>
+            </a:r>
+            <a:r>
+              <a:rPr lang="is-IS" dirty="0">
+                <a:latin typeface="Monaco" charset="0"/>
+                <a:ea typeface="Monaco" charset="0"/>
+                <a:cs typeface="Monaco" charset="0"/>
+              </a:rPr>
+              <a:t>  3 -1.14390532 132.8789</a:t>
+            </a:r>
+          </a:p>
+          <a:p>
+            <a:r>
+              <a:rPr lang="is-IS" dirty="0">
+                <a:latin typeface="Monaco" charset="0"/>
+                <a:ea typeface="Monaco" charset="0"/>
+                <a:cs typeface="Monaco" charset="0"/>
+              </a:rPr>
+              <a:t> </a:t>
+            </a:r>
+            <a:r>
+              <a:rPr lang="is-IS" dirty="0" smtClean="0">
+                <a:latin typeface="Monaco" charset="0"/>
+                <a:ea typeface="Monaco" charset="0"/>
+                <a:cs typeface="Monaco" charset="0"/>
+              </a:rPr>
+              <a:t> </a:t>
+            </a:r>
+            <a:r>
+              <a:rPr lang="is-IS" dirty="0">
+                <a:latin typeface="Monaco" charset="0"/>
+                <a:ea typeface="Monaco" charset="0"/>
+                <a:cs typeface="Monaco" charset="0"/>
+              </a:rPr>
+              <a:t>  4 -2.86488120 143.6860</a:t>
+            </a:r>
+          </a:p>
+          <a:p>
+            <a:r>
+              <a:rPr lang="is-IS" dirty="0">
+                <a:latin typeface="Monaco" charset="0"/>
+                <a:ea typeface="Monaco" charset="0"/>
+                <a:cs typeface="Monaco" charset="0"/>
+              </a:rPr>
+              <a:t> </a:t>
+            </a:r>
+            <a:r>
+              <a:rPr lang="is-IS" dirty="0" smtClean="0">
+                <a:latin typeface="Monaco" charset="0"/>
+                <a:ea typeface="Monaco" charset="0"/>
+                <a:cs typeface="Monaco" charset="0"/>
+              </a:rPr>
+              <a:t> </a:t>
+            </a:r>
+            <a:r>
+              <a:rPr lang="is-IS" dirty="0">
+                <a:latin typeface="Monaco" charset="0"/>
+                <a:ea typeface="Monaco" charset="0"/>
+                <a:cs typeface="Monaco" charset="0"/>
+              </a:rPr>
+              <a:t>  5 -2.91982194 121.3927</a:t>
+            </a:r>
+          </a:p>
+        </p:txBody>
+      </p:sp>
+      <p:sp>
+        <p:nvSpPr>
+          <p:cNvPr id="7" name="Rectangle 6"/>
+          <p:cNvSpPr/>
+          <p:nvPr/>
+        </p:nvSpPr>
+        <p:spPr>
+          <a:xfrm>
+            <a:off x="2743200" y="4114800"/>
+            <a:ext cx="8522970" cy="2862322"/>
+          </a:xfrm>
+          <a:prstGeom prst="rect">
+            <a:avLst/>
+          </a:prstGeom>
+        </p:spPr>
+        <p:txBody>
+          <a:bodyPr wrap="square">
+            <a:spAutoFit/>
+          </a:bodyPr>
+          <a:lstStyle/>
+          <a:p>
+            <a:r>
+              <a:rPr lang="is-IS" dirty="0" smtClean="0">
+                <a:latin typeface="Monaco" charset="0"/>
+                <a:ea typeface="Monaco" charset="0"/>
+                <a:cs typeface="Monaco" charset="0"/>
+              </a:rPr>
+              <a:t>&gt; </a:t>
+            </a:r>
+            <a:r>
+              <a:rPr lang="is-IS" dirty="0">
+                <a:latin typeface="Monaco" charset="0"/>
+                <a:ea typeface="Monaco" charset="0"/>
+                <a:cs typeface="Monaco" charset="0"/>
+              </a:rPr>
+              <a:t>left_join(data1, data2)</a:t>
+            </a:r>
+          </a:p>
+          <a:p>
+            <a:pPr lvl="1"/>
+            <a:r>
+              <a:rPr lang="is-IS" b="1" dirty="0">
+                <a:solidFill>
+                  <a:srgbClr val="0070C0"/>
+                </a:solidFill>
+                <a:latin typeface="Monaco" charset="0"/>
+                <a:ea typeface="Monaco" charset="0"/>
+                <a:cs typeface="Monaco" charset="0"/>
+              </a:rPr>
+              <a:t>Joining, by = "x"</a:t>
+            </a:r>
+            <a:endParaRPr lang="is-IS" dirty="0">
+              <a:solidFill>
+                <a:srgbClr val="0070C0"/>
+              </a:solidFill>
+              <a:latin typeface="Monaco" charset="0"/>
+              <a:ea typeface="Monaco" charset="0"/>
+              <a:cs typeface="Monaco" charset="0"/>
+            </a:endParaRPr>
+          </a:p>
+          <a:p>
+            <a:r>
+              <a:rPr lang="is-IS" dirty="0">
+                <a:latin typeface="Monaco" charset="0"/>
+                <a:ea typeface="Monaco" charset="0"/>
+                <a:cs typeface="Monaco" charset="0"/>
+              </a:rPr>
+              <a:t>    x         y        z           a        b</a:t>
+            </a:r>
+          </a:p>
+          <a:p>
+            <a:r>
+              <a:rPr lang="is-IS" dirty="0">
+                <a:latin typeface="Monaco" charset="0"/>
+                <a:ea typeface="Monaco" charset="0"/>
+                <a:cs typeface="Monaco" charset="0"/>
+              </a:rPr>
+              <a:t> </a:t>
+            </a:r>
+            <a:r>
+              <a:rPr lang="is-IS" dirty="0" smtClean="0">
+                <a:latin typeface="Monaco" charset="0"/>
+                <a:ea typeface="Monaco" charset="0"/>
+                <a:cs typeface="Monaco" charset="0"/>
+              </a:rPr>
+              <a:t> </a:t>
+            </a:r>
+            <a:r>
+              <a:rPr lang="is-IS" dirty="0">
+                <a:latin typeface="Monaco" charset="0"/>
+                <a:ea typeface="Monaco" charset="0"/>
+                <a:cs typeface="Monaco" charset="0"/>
+              </a:rPr>
+              <a:t>  1  3.108060 61.48849 -2.76205636 112.9588</a:t>
+            </a:r>
+          </a:p>
+          <a:p>
+            <a:r>
+              <a:rPr lang="is-IS" dirty="0">
+                <a:latin typeface="Monaco" charset="0"/>
+                <a:ea typeface="Monaco" charset="0"/>
+                <a:cs typeface="Monaco" charset="0"/>
+              </a:rPr>
+              <a:t> </a:t>
+            </a:r>
+            <a:r>
+              <a:rPr lang="is-IS" dirty="0" smtClean="0">
+                <a:latin typeface="Monaco" charset="0"/>
+                <a:ea typeface="Monaco" charset="0"/>
+                <a:cs typeface="Monaco" charset="0"/>
+              </a:rPr>
+              <a:t> </a:t>
+            </a:r>
+            <a:r>
+              <a:rPr lang="is-IS" dirty="0">
+                <a:latin typeface="Monaco" charset="0"/>
+                <a:ea typeface="Monaco" charset="0"/>
+                <a:cs typeface="Monaco" charset="0"/>
+              </a:rPr>
+              <a:t>  2  8.976264 55.68174 -1.44485264 149.3682</a:t>
+            </a:r>
+          </a:p>
+          <a:p>
+            <a:r>
+              <a:rPr lang="is-IS" dirty="0">
+                <a:latin typeface="Monaco" charset="0"/>
+                <a:ea typeface="Monaco" charset="0"/>
+                <a:cs typeface="Monaco" charset="0"/>
+              </a:rPr>
+              <a:t> </a:t>
+            </a:r>
+            <a:r>
+              <a:rPr lang="is-IS" dirty="0" smtClean="0">
+                <a:latin typeface="Monaco" charset="0"/>
+                <a:ea typeface="Monaco" charset="0"/>
+                <a:cs typeface="Monaco" charset="0"/>
+              </a:rPr>
+              <a:t> </a:t>
+            </a:r>
+            <a:r>
+              <a:rPr lang="is-IS" dirty="0">
+                <a:latin typeface="Monaco" charset="0"/>
+                <a:ea typeface="Monaco" charset="0"/>
+                <a:cs typeface="Monaco" charset="0"/>
+              </a:rPr>
+              <a:t>  3 11.673850 56.32225 -1.14390532 132.8789</a:t>
+            </a:r>
+          </a:p>
+          <a:p>
+            <a:r>
+              <a:rPr lang="is-IS" dirty="0">
+                <a:latin typeface="Monaco" charset="0"/>
+                <a:ea typeface="Monaco" charset="0"/>
+                <a:cs typeface="Monaco" charset="0"/>
+              </a:rPr>
+              <a:t> </a:t>
+            </a:r>
+            <a:r>
+              <a:rPr lang="is-IS" dirty="0" smtClean="0">
+                <a:latin typeface="Monaco" charset="0"/>
+                <a:ea typeface="Monaco" charset="0"/>
+                <a:cs typeface="Monaco" charset="0"/>
+              </a:rPr>
+              <a:t> </a:t>
+            </a:r>
+            <a:r>
+              <a:rPr lang="is-IS" dirty="0">
+                <a:latin typeface="Monaco" charset="0"/>
+                <a:ea typeface="Monaco" charset="0"/>
+                <a:cs typeface="Monaco" charset="0"/>
+              </a:rPr>
+              <a:t>  4  8.551282 58.53424 -2.86488120 143.6860</a:t>
+            </a:r>
+          </a:p>
+          <a:p>
+            <a:r>
+              <a:rPr lang="is-IS" dirty="0">
+                <a:latin typeface="Monaco" charset="0"/>
+                <a:ea typeface="Monaco" charset="0"/>
+                <a:cs typeface="Monaco" charset="0"/>
+              </a:rPr>
+              <a:t> </a:t>
+            </a:r>
+            <a:r>
+              <a:rPr lang="is-IS" dirty="0" smtClean="0">
+                <a:latin typeface="Monaco" charset="0"/>
+                <a:ea typeface="Monaco" charset="0"/>
+                <a:cs typeface="Monaco" charset="0"/>
+              </a:rPr>
+              <a:t> </a:t>
+            </a:r>
+            <a:r>
+              <a:rPr lang="is-IS" dirty="0">
+                <a:latin typeface="Monaco" charset="0"/>
+                <a:ea typeface="Monaco" charset="0"/>
+                <a:cs typeface="Monaco" charset="0"/>
+              </a:rPr>
+              <a:t>  5  5.819844 61.71424 -2.91982194 121.3927</a:t>
+            </a:r>
+          </a:p>
+          <a:p>
+            <a:pPr marL="285750" indent="-285750">
+              <a:buFont typeface=".AppleSystemUIFont" charset="-120"/>
+              <a:buChar char="&gt;"/>
+            </a:pPr>
+            <a:endParaRPr lang="en-US" dirty="0" smtClean="0">
+              <a:latin typeface="Monaco" charset="0"/>
+              <a:ea typeface="Monaco" charset="0"/>
+              <a:cs typeface="Monaco" charset="0"/>
+            </a:endParaRPr>
+          </a:p>
+          <a:p>
+            <a:pPr marL="285750" indent="-285750">
+              <a:buFont typeface="Wingdings" charset="2"/>
+              <a:buChar char="Ø"/>
+            </a:pPr>
+            <a:endParaRPr lang="en-US" dirty="0" smtClean="0">
+              <a:latin typeface="Monaco" charset="0"/>
+              <a:ea typeface="Monaco" charset="0"/>
+              <a:cs typeface="Monaco" charset="0"/>
+            </a:endParaRPr>
+          </a:p>
+        </p:txBody>
+      </p:sp>
+      <p:sp>
+        <p:nvSpPr>
+          <p:cNvPr id="6" name="TextBox 5"/>
+          <p:cNvSpPr txBox="1"/>
+          <p:nvPr/>
+        </p:nvSpPr>
+        <p:spPr>
+          <a:xfrm>
+            <a:off x="1325880" y="1821180"/>
+            <a:ext cx="4438650" cy="2308324"/>
+          </a:xfrm>
+          <a:prstGeom prst="rect">
+            <a:avLst/>
+          </a:prstGeom>
+          <a:noFill/>
+        </p:spPr>
+        <p:txBody>
+          <a:bodyPr wrap="square" rtlCol="0">
+            <a:spAutoFit/>
+          </a:bodyPr>
+          <a:lstStyle/>
+          <a:p>
+            <a:r>
+              <a:rPr lang="en-US" dirty="0">
+                <a:latin typeface="Monaco" charset="0"/>
+                <a:ea typeface="Monaco" charset="0"/>
+                <a:cs typeface="Monaco" charset="0"/>
+              </a:rPr>
+              <a:t>&gt; data1</a:t>
+            </a:r>
+          </a:p>
+          <a:p>
+            <a:r>
+              <a:rPr lang="is-IS" dirty="0">
+                <a:latin typeface="Monaco" charset="0"/>
+                <a:ea typeface="Monaco" charset="0"/>
+                <a:cs typeface="Monaco" charset="0"/>
+              </a:rPr>
+              <a:t>    x         y        z</a:t>
+            </a:r>
+          </a:p>
+          <a:p>
+            <a:r>
+              <a:rPr lang="is-IS" dirty="0">
+                <a:latin typeface="Monaco" charset="0"/>
+                <a:ea typeface="Monaco" charset="0"/>
+                <a:cs typeface="Monaco" charset="0"/>
+              </a:rPr>
+              <a:t> </a:t>
+            </a:r>
+            <a:r>
+              <a:rPr lang="is-IS" dirty="0" smtClean="0">
+                <a:latin typeface="Monaco" charset="0"/>
+                <a:ea typeface="Monaco" charset="0"/>
+                <a:cs typeface="Monaco" charset="0"/>
+              </a:rPr>
+              <a:t> </a:t>
+            </a:r>
+            <a:r>
+              <a:rPr lang="is-IS" dirty="0">
+                <a:latin typeface="Monaco" charset="0"/>
+                <a:ea typeface="Monaco" charset="0"/>
+                <a:cs typeface="Monaco" charset="0"/>
+              </a:rPr>
+              <a:t>  1  3.108060 61.48849</a:t>
+            </a:r>
+          </a:p>
+          <a:p>
+            <a:r>
+              <a:rPr lang="is-IS" dirty="0">
+                <a:latin typeface="Monaco" charset="0"/>
+                <a:ea typeface="Monaco" charset="0"/>
+                <a:cs typeface="Monaco" charset="0"/>
+              </a:rPr>
+              <a:t> </a:t>
+            </a:r>
+            <a:r>
+              <a:rPr lang="is-IS" dirty="0" smtClean="0">
+                <a:latin typeface="Monaco" charset="0"/>
+                <a:ea typeface="Monaco" charset="0"/>
+                <a:cs typeface="Monaco" charset="0"/>
+              </a:rPr>
+              <a:t> </a:t>
+            </a:r>
+            <a:r>
+              <a:rPr lang="is-IS" dirty="0">
+                <a:latin typeface="Monaco" charset="0"/>
+                <a:ea typeface="Monaco" charset="0"/>
+                <a:cs typeface="Monaco" charset="0"/>
+              </a:rPr>
+              <a:t>  2  8.976264 55.68174</a:t>
+            </a:r>
+          </a:p>
+          <a:p>
+            <a:r>
+              <a:rPr lang="is-IS" dirty="0">
+                <a:latin typeface="Monaco" charset="0"/>
+                <a:ea typeface="Monaco" charset="0"/>
+                <a:cs typeface="Monaco" charset="0"/>
+              </a:rPr>
+              <a:t> </a:t>
+            </a:r>
+            <a:r>
+              <a:rPr lang="is-IS" dirty="0" smtClean="0">
+                <a:latin typeface="Monaco" charset="0"/>
+                <a:ea typeface="Monaco" charset="0"/>
+                <a:cs typeface="Monaco" charset="0"/>
+              </a:rPr>
+              <a:t> </a:t>
+            </a:r>
+            <a:r>
+              <a:rPr lang="is-IS" dirty="0">
+                <a:latin typeface="Monaco" charset="0"/>
+                <a:ea typeface="Monaco" charset="0"/>
+                <a:cs typeface="Monaco" charset="0"/>
+              </a:rPr>
+              <a:t>  3 11.673850 56.32225</a:t>
+            </a:r>
+          </a:p>
+          <a:p>
+            <a:r>
+              <a:rPr lang="is-IS" dirty="0">
+                <a:latin typeface="Monaco" charset="0"/>
+                <a:ea typeface="Monaco" charset="0"/>
+                <a:cs typeface="Monaco" charset="0"/>
+              </a:rPr>
+              <a:t> </a:t>
+            </a:r>
+            <a:r>
+              <a:rPr lang="is-IS" dirty="0" smtClean="0">
+                <a:latin typeface="Monaco" charset="0"/>
+                <a:ea typeface="Monaco" charset="0"/>
+                <a:cs typeface="Monaco" charset="0"/>
+              </a:rPr>
+              <a:t> </a:t>
+            </a:r>
+            <a:r>
+              <a:rPr lang="is-IS" dirty="0">
+                <a:latin typeface="Monaco" charset="0"/>
+                <a:ea typeface="Monaco" charset="0"/>
+                <a:cs typeface="Monaco" charset="0"/>
+              </a:rPr>
+              <a:t>  4  8.551282 58.53424</a:t>
+            </a:r>
+          </a:p>
+          <a:p>
+            <a:r>
+              <a:rPr lang="is-IS" dirty="0">
+                <a:latin typeface="Monaco" charset="0"/>
+                <a:ea typeface="Monaco" charset="0"/>
+                <a:cs typeface="Monaco" charset="0"/>
+              </a:rPr>
+              <a:t> </a:t>
+            </a:r>
+            <a:r>
+              <a:rPr lang="is-IS" smtClean="0">
+                <a:latin typeface="Monaco" charset="0"/>
+                <a:ea typeface="Monaco" charset="0"/>
+                <a:cs typeface="Monaco" charset="0"/>
+              </a:rPr>
+              <a:t> </a:t>
+            </a:r>
+            <a:r>
+              <a:rPr lang="is-IS" dirty="0">
+                <a:latin typeface="Monaco" charset="0"/>
+                <a:ea typeface="Monaco" charset="0"/>
+                <a:cs typeface="Monaco" charset="0"/>
+              </a:rPr>
+              <a:t>  5  5.819844 61.71424</a:t>
+            </a:r>
+          </a:p>
+          <a:p>
+            <a:endParaRPr lang="en-US" dirty="0"/>
+          </a:p>
+        </p:txBody>
+      </p:sp>
+    </p:spTree>
+    <p:extLst>
+      <p:ext uri="{BB962C8B-B14F-4D97-AF65-F5344CB8AC3E}">
+        <p14:creationId xmlns:p14="http://schemas.microsoft.com/office/powerpoint/2010/main" val="483137449"/>
+      </p:ext>
+    </p:extLst>
+  </p:cSld>
+  <p:clrMapOvr>
+    <a:masterClrMapping/>
+  </p:clrMapOvr>
+  <p:timing>
+    <p:tnLst>
+      <p:par>
+        <p:cTn id="1" dur="indefinite" restart="never" nodeType="tmRoot">
+          <p:childTnLst>
+            <p:seq concurrent="1" nextAc="seek">
+              <p:cTn id="2" dur="indefinite" nodeType="mainSeq">
+                <p:childTnLst>
+                  <p:par>
+                    <p:cTn id="3" fill="hold">
+                      <p:stCondLst>
+                        <p:cond delay="indefinite"/>
+                      </p:stCondLst>
+                      <p:childTnLst>
+                        <p:par>
+                          <p:cTn id="4" fill="hold">
+                            <p:stCondLst>
+                              <p:cond delay="0"/>
+                            </p:stCondLst>
+                            <p:childTnLst>
+                              <p:par>
+                                <p:cTn id="5" presetID="1" presetClass="entr" presetSubtype="0" fill="hold" grpId="0" nodeType="clickEffect">
+                                  <p:stCondLst>
+                                    <p:cond delay="0"/>
+                                  </p:stCondLst>
+                                  <p:childTnLst>
+                                    <p:set>
+                                      <p:cBhvr>
+                                        <p:cTn id="6" dur="1" fill="hold">
+                                          <p:stCondLst>
+                                            <p:cond delay="0"/>
+                                          </p:stCondLst>
+                                        </p:cTn>
+                                        <p:tgtEl>
+                                          <p:spTgt spid="7"/>
+                                        </p:tgtEl>
+                                        <p:attrNameLst>
+                                          <p:attrName>style.visibility</p:attrName>
+                                        </p:attrNameLst>
+                                      </p:cBhvr>
+                                      <p:to>
+                                        <p:strVal val="visible"/>
+                                      </p:to>
+                                    </p:set>
+                                  </p:childTnLst>
+                                </p:cTn>
+                              </p:par>
+                            </p:childTnLst>
+                          </p:cTn>
+                        </p:par>
+                      </p:childTnLst>
+                    </p:cTn>
+                  </p:par>
+                </p:childTnLst>
+              </p:cTn>
+              <p:prevCondLst>
+                <p:cond evt="onPrev" delay="0">
+                  <p:tgtEl>
+                    <p:sldTgt/>
+                  </p:tgtEl>
+                </p:cond>
+              </p:prevCondLst>
+              <p:nextCondLst>
+                <p:cond evt="onNext" delay="0">
+                  <p:tgtEl>
+                    <p:sldTgt/>
+                  </p:tgtEl>
+                </p:cond>
+              </p:nextCondLst>
+            </p:seq>
+          </p:childTnLst>
+        </p:cTn>
+      </p:par>
+    </p:tnLst>
+    <p:bldLst>
+      <p:bldP spid="7" grpId="0"/>
+    </p:bldLst>
+  </p:timing>
+</p:sld>
+</file>
+
 <file path=ppt/slides/slide54.xml><?xml version="1.0" encoding="utf-8"?>
 <p:sld xmlns:a="http://schemas.openxmlformats.org/drawingml/2006/main" xmlns:r="http://schemas.openxmlformats.org/officeDocument/2006/relationships" xmlns:p="http://schemas.openxmlformats.org/presentationml/2006/main">
   <p:cSld>
@@ -26370,16 +26943,8 @@
           <a:lstStyle/>
           <a:p>
             <a:r>
-              <a:rPr lang="en-US" dirty="0" err="1" smtClean="0"/>
-              <a:t>dplyr</a:t>
-            </a:r>
-            <a:r>
               <a:rPr lang="en-US" dirty="0" smtClean="0"/>
-              <a:t>: Joining related </a:t>
-            </a:r>
-            <a:r>
-              <a:rPr lang="en-US" dirty="0" err="1" smtClean="0"/>
-              <a:t>dataframes</a:t>
+              <a:t>left_join() creates NA's when missing</a:t>
             </a:r>
             <a:endParaRPr lang="en-US" dirty="0"/>
           </a:p>
@@ -26394,7 +26959,7 @@
         <p:spPr>
           <a:xfrm>
             <a:off x="6858000" y="1821180"/>
-            <a:ext cx="4648200" cy="2031325"/>
+            <a:ext cx="4648200" cy="1754326"/>
           </a:xfrm>
           <a:prstGeom prst="rect">
             <a:avLst/>
@@ -26413,8 +26978,21 @@
                 <a:ea typeface="Monaco" charset="0"/>
                 <a:cs typeface="Monaco" charset="0"/>
               </a:rPr>
-              <a:t>&gt; data2</a:t>
-            </a:r>
+              <a:t>&gt; </a:t>
+            </a:r>
+            <a:r>
+              <a:rPr lang="en-US" dirty="0" smtClean="0">
+                <a:latin typeface="Monaco" charset="0"/>
+                <a:ea typeface="Monaco" charset="0"/>
+                <a:cs typeface="Monaco" charset="0"/>
+              </a:rPr>
+              <a:t>data3</a:t>
+            </a:r>
+            <a:endParaRPr lang="en-US" dirty="0">
+              <a:latin typeface="Monaco" charset="0"/>
+              <a:ea typeface="Monaco" charset="0"/>
+              <a:cs typeface="Monaco" charset="0"/>
+            </a:endParaRPr>
           </a:p>
           <a:p>
             <a:r>
@@ -26502,32 +27080,6 @@
                 <a:cs typeface="Monaco" charset="0"/>
               </a:rPr>
               <a:t>  3 -1.14390532 132.8789</a:t>
-            </a:r>
-          </a:p>
-          <a:p>
-            <a:r>
-              <a:rPr lang="is-IS" dirty="0">
-                <a:latin typeface="Monaco" charset="0"/>
-                <a:ea typeface="Monaco" charset="0"/>
-                <a:cs typeface="Monaco" charset="0"/>
-              </a:rPr>
-              <a:t> </a:t>
-            </a:r>
-            <a:r>
-              <a:rPr lang="is-IS" dirty="0" smtClean="0">
-                <a:latin typeface="Monaco" charset="0"/>
-                <a:ea typeface="Monaco" charset="0"/>
-                <a:cs typeface="Monaco" charset="0"/>
-              </a:rPr>
-              <a:t> </a:t>
-            </a:r>
-            <a:r>
-              <a:rPr lang="is-IS" dirty="0">
-                <a:latin typeface="Monaco" charset="0"/>
-                <a:ea typeface="Monaco" charset="0"/>
-                <a:cs typeface="Monaco" charset="0"/>
-              </a:rPr>
-              <a:t>  4 -2.86488120 143.6860</a:t>
             </a:r>
           </a:p>
           <a:p>
@@ -26593,8 +27145,21 @@
                 <a:ea typeface="Monaco" charset="0"/>
                 <a:cs typeface="Monaco" charset="0"/>
               </a:rPr>
-              <a:t>left_join(data1, data2)</a:t>
-            </a:r>
+              <a:t>left_join(data1, </a:t>
+            </a:r>
+            <a:r>
+              <a:rPr lang="is-IS" dirty="0" smtClean="0">
+                <a:latin typeface="Monaco" charset="0"/>
+                <a:ea typeface="Monaco" charset="0"/>
+                <a:cs typeface="Monaco" charset="0"/>
+              </a:rPr>
+              <a:t>data3)</a:t>
+            </a:r>
+            <a:endParaRPr lang="is-IS" dirty="0">
+              <a:latin typeface="Monaco" charset="0"/>
+              <a:ea typeface="Monaco" charset="0"/>
+              <a:cs typeface="Monaco" charset="0"/>
+            </a:endParaRPr>
           </a:p>
           <a:p>
             <a:pPr lvl="1"/>
@@ -26625,16 +27190,32 @@
                 <a:ea typeface="Monaco" charset="0"/>
                 <a:cs typeface="Monaco" charset="0"/>
               </a:rPr>
-              <a:t>    x         y        z           a        b</a:t>
-            </a:r>
-          </a:p>
-          <a:p>
+              <a:t>  </a:t>
+            </a:r>
+            <a:r>
+              <a:rPr lang="is-IS" dirty="0" smtClean="0">
+                <a:latin typeface="Monaco" charset="0"/>
+                <a:ea typeface="Monaco" charset="0"/>
+                <a:cs typeface="Monaco" charset="0"/>
+              </a:rPr>
+              <a:t>  x </a:t>
+            </a:r>
             <a:r>
               <a:rPr lang="is-IS" dirty="0">
                 <a:latin typeface="Monaco" charset="0"/>
                 <a:ea typeface="Monaco" charset="0"/>
                 <a:cs typeface="Monaco" charset="0"/>
               </a:rPr>
+              <a:t>        y        z         a        b</a:t>
+            </a:r>
+          </a:p>
+          <a:p>
+            <a:r>
+              <a:rPr lang="is-IS" dirty="0">
+                <a:latin typeface="Monaco" charset="0"/>
+                <a:ea typeface="Monaco" charset="0"/>
+                <a:cs typeface="Monaco" charset="0"/>
+              </a:rPr>
               <a:t> </a:t>
             </a:r>
             <a:r>
@@ -26643,15 +27224,41 @@
                 <a:ea typeface="Monaco" charset="0"/>
                 <a:cs typeface="Monaco" charset="0"/>
               </a:rPr>
+              <a:t>   1</a:t>
+            </a:r>
+            <a:r>
+              <a:rPr lang="is-IS" dirty="0">
+                <a:latin typeface="Monaco" charset="0"/>
+                <a:ea typeface="Monaco" charset="0"/>
+                <a:cs typeface="Monaco" charset="0"/>
+              </a:rPr>
+              <a:t>  3.108060 61.48849 -2.762056 112.9588</a:t>
+            </a:r>
+          </a:p>
+          <a:p>
+            <a:r>
+              <a:rPr lang="is-IS" dirty="0">
+                <a:latin typeface="Monaco" charset="0"/>
+                <a:ea typeface="Monaco" charset="0"/>
+                <a:cs typeface="Monaco" charset="0"/>
+              </a:rPr>
               <a:t> </a:t>
             </a:r>
             <a:r>
+              <a:rPr lang="is-IS" dirty="0" smtClean="0">
+                <a:latin typeface="Monaco" charset="0"/>
+                <a:ea typeface="Monaco" charset="0"/>
+                <a:cs typeface="Monaco" charset="0"/>
+              </a:rPr>
+              <a:t>   2</a:t>
+            </a:r>
+            <a:r>
               <a:rPr lang="is-IS" dirty="0">
                 <a:latin typeface="Monaco" charset="0"/>
                 <a:ea typeface="Monaco" charset="0"/>
                 <a:cs typeface="Monaco" charset="0"/>
               </a:rPr>
-              <a:t>  1  3.108060 61.48849 -2.76205636 112.9588</a:t>
+              <a:t>  8.976264 55.68174 -1.444853 149.3682</a:t>
             </a:r>
           </a:p>
           <a:p>
@@ -26669,15 +27276,41 @@
                 <a:ea typeface="Monaco" charset="0"/>
                 <a:cs typeface="Monaco" charset="0"/>
               </a:rPr>
+              <a:t>   3 </a:t>
+            </a:r>
+            <a:r>
+              <a:rPr lang="is-IS" dirty="0">
+                <a:latin typeface="Monaco" charset="0"/>
+                <a:ea typeface="Monaco" charset="0"/>
+                <a:cs typeface="Monaco" charset="0"/>
+              </a:rPr>
+              <a:t>11.673850 56.32225 -1.143905 132.8789</a:t>
+            </a:r>
+          </a:p>
+          <a:p>
+            <a:r>
+              <a:rPr lang="is-IS" dirty="0">
+                <a:latin typeface="Monaco" charset="0"/>
+                <a:ea typeface="Monaco" charset="0"/>
+                <a:cs typeface="Monaco" charset="0"/>
+              </a:rPr>
               <a:t> </a:t>
             </a:r>
             <a:r>
+              <a:rPr lang="is-IS" dirty="0" smtClean="0">
+                <a:latin typeface="Monaco" charset="0"/>
+                <a:ea typeface="Monaco" charset="0"/>
+                <a:cs typeface="Monaco" charset="0"/>
+              </a:rPr>
+              <a:t>   4</a:t>
+            </a:r>
+            <a:r>
               <a:rPr lang="is-IS" dirty="0">
                 <a:latin typeface="Monaco" charset="0"/>
                 <a:ea typeface="Monaco" charset="0"/>
                 <a:cs typeface="Monaco" charset="0"/>
               </a:rPr>
-              <a:t>  2  8.976264 55.68174 -1.44485264 149.3682</a:t>
+              <a:t>  8.551282 58.53424        NA       NA</a:t>
             </a:r>
           </a:p>
           <a:p>
@@ -26695,7 +27328,7 @@
                 <a:ea typeface="Monaco" charset="0"/>
                 <a:cs typeface="Monaco" charset="0"/>
               </a:rPr>
-              <a:t> </a:t>
+              <a:t>   5</a:t>
             </a:r>
             <a:r>
               <a:rPr lang="is-IS" dirty="0">
@@ -26703,59 +27336,7 @@
                 <a:ea typeface="Monaco" charset="0"/>
                 <a:cs typeface="Monaco" charset="0"/>
               </a:rPr>
-              <a:t>  3 11.673850 56.32225 -1.14390532 132.8789</a:t>
-            </a:r>
-          </a:p>
-          <a:p>
-            <a:r>
-              <a:rPr lang="is-IS" dirty="0">
-                <a:latin typeface="Monaco" charset="0"/>
-                <a:ea typeface="Monaco" charset="0"/>
-                <a:cs typeface="Monaco" charset="0"/>
-              </a:rPr>
-              <a:t> </a:t>
-            </a:r>
-            <a:r>
-              <a:rPr lang="is-IS" dirty="0" smtClean="0">
-                <a:latin typeface="Monaco" charset="0"/>
-                <a:ea typeface="Monaco" charset="0"/>
-                <a:cs typeface="Monaco" charset="0"/>
-              </a:rPr>
-              <a:t> </a:t>
-            </a:r>
-            <a:r>
-              <a:rPr lang="is-IS" dirty="0">
-                <a:latin typeface="Monaco" charset="0"/>
-                <a:ea typeface="Monaco" charset="0"/>
-                <a:cs typeface="Monaco" charset="0"/>
-              </a:rPr>
-              <a:t>  4  8.551282 58.53424 -2.86488120 143.6860</a:t>
-            </a:r>
-          </a:p>
-          <a:p>
-            <a:r>
-              <a:rPr lang="is-IS" dirty="0">
-                <a:latin typeface="Monaco" charset="0"/>
-                <a:ea typeface="Monaco" charset="0"/>
-                <a:cs typeface="Monaco" charset="0"/>
-              </a:rPr>
-              <a:t> </a:t>
-            </a:r>
-            <a:r>
-              <a:rPr lang="is-IS" dirty="0" smtClean="0">
-                <a:latin typeface="Monaco" charset="0"/>
-                <a:ea typeface="Monaco" charset="0"/>
-                <a:cs typeface="Monaco" charset="0"/>
-              </a:rPr>
-              <a:t> </a:t>
-            </a:r>
-            <a:r>
-              <a:rPr lang="is-IS" dirty="0">
-                <a:latin typeface="Monaco" charset="0"/>
-                <a:ea typeface="Monaco" charset="0"/>
-                <a:cs typeface="Monaco" charset="0"/>
-              </a:rPr>
-              <a:t>  5  5.819844 61.71424 -2.91982194 121.3927</a:t>
+              <a:t>  5.819844 61.71424 -2.919822 121.3927</a:t>
             </a:r>
           </a:p>
           <a:p>
@@ -26784,7 +27365,91 @@
       </p:sp>
       <p:sp>
         <p:nvSpPr>
-          <p:cNvPr id="6" name="TextBox 5"/>
+          <p:cNvPr id="3" name="TextBox 2"/>
+          <p:cNvSpPr txBox="1"/>
+          <p:nvPr/>
+        </p:nvSpPr>
+        <p:spPr>
+          <a:xfrm>
+            <a:off x="10882721" y="3158599"/>
+            <a:ext cx="1556657" cy="769441"/>
+          </a:xfrm>
+          <a:prstGeom prst="rect">
+            <a:avLst/>
+          </a:prstGeom>
+          <a:noFill/>
+        </p:spPr>
+        <p:txBody>
+          <a:bodyPr wrap="square" rtlCol="0">
+            <a:spAutoFit/>
+          </a:bodyPr>
+          <a:lstStyle/>
+          <a:p>
+            <a:r>
+              <a:rPr lang="en-US" sz="2200" b="1" dirty="0" smtClean="0">
+                <a:solidFill>
+                  <a:srgbClr val="C00000"/>
+                </a:solidFill>
+              </a:rPr>
+              <a:t>Missing </a:t>
+            </a:r>
+          </a:p>
+          <a:p>
+            <a:r>
+              <a:rPr lang="en-US" sz="2200" b="1" dirty="0" smtClean="0">
+                <a:solidFill>
+                  <a:srgbClr val="C00000"/>
+                </a:solidFill>
+              </a:rPr>
+              <a:t>x=4</a:t>
+            </a:r>
+            <a:endParaRPr lang="en-US" sz="2200" b="1" dirty="0">
+              <a:solidFill>
+                <a:srgbClr val="C00000"/>
+              </a:solidFill>
+            </a:endParaRPr>
+          </a:p>
+        </p:txBody>
+      </p:sp>
+      <p:cxnSp>
+        <p:nvCxnSpPr>
+          <p:cNvPr id="8" name="Straight Arrow Connector 7"/>
+          <p:cNvCxnSpPr/>
+          <p:nvPr/>
+        </p:nvCxnSpPr>
+        <p:spPr>
+          <a:xfrm flipH="1">
+            <a:off x="10477501" y="3177862"/>
+            <a:ext cx="788669" cy="0"/>
+          </a:xfrm>
+          <a:prstGeom prst="straightConnector1">
+            <a:avLst/>
+          </a:prstGeom>
+          <a:ln w="38100">
+            <a:solidFill>
+              <a:srgbClr val="C00000"/>
+            </a:solidFill>
+            <a:tailEnd type="triangle" w="lg" len="lg"/>
+          </a:ln>
+        </p:spPr>
+        <p:style>
+          <a:lnRef idx="1">
+            <a:schemeClr val="accent1"/>
+          </a:lnRef>
+          <a:fillRef idx="0">
+            <a:schemeClr val="accent1"/>
+          </a:fillRef>
+          <a:effectRef idx="0">
+            <a:schemeClr val="accent1"/>
+          </a:effectRef>
+          <a:fontRef idx="minor">
+            <a:schemeClr val="tx1"/>
+          </a:fontRef>
+        </p:style>
+      </p:cxnSp>
+      <p:sp>
+        <p:nvSpPr>
+          <p:cNvPr id="9" name="TextBox 8"/>
           <p:cNvSpPr txBox="1"/>
           <p:nvPr/>
         </p:nvSpPr>
@@ -26961,7 +27626,7 @@
     </p:spTree>
     <p:extLst>
       <p:ext uri="{BB962C8B-B14F-4D97-AF65-F5344CB8AC3E}">
-        <p14:creationId xmlns:p14="http://schemas.microsoft.com/office/powerpoint/2010/main" val="483137449"/>
+        <p14:creationId xmlns:p14="http://schemas.microsoft.com/office/powerpoint/2010/main" val="1600711546"/>
       </p:ext>
     </p:extLst>
   </p:cSld>
@@ -27083,169 +27748,9 @@
           <a:p>
             <a:r>
               <a:rPr lang="en-US" dirty="0" smtClean="0"/>
-              <a:t>left_join() creates NA's when missing</a:t>
+              <a:t>left_join() only preserves what is in the left data frame</a:t>
             </a:r>
             <a:endParaRPr lang="en-US" dirty="0"/>
-          </a:p>
-        </p:txBody>
-      </p:sp>
-      <p:sp>
-        <p:nvSpPr>
-          <p:cNvPr id="5" name="TextBox 4"/>
-          <p:cNvSpPr txBox="1"/>
-          <p:nvPr/>
-        </p:nvSpPr>
-        <p:spPr>
-          <a:xfrm>
-            <a:off x="6858000" y="1821180"/>
-            <a:ext cx="4648200" cy="1754326"/>
-          </a:xfrm>
-          <a:prstGeom prst="rect">
-            <a:avLst/>
-          </a:prstGeom>
-          <a:noFill/>
-        </p:spPr>
-        <p:txBody>
-          <a:bodyPr wrap="square" rtlCol="0">
-            <a:spAutoFit/>
-          </a:bodyPr>
-          <a:lstStyle/>
-          <a:p>
-            <a:r>
-              <a:rPr lang="en-US" dirty="0">
-                <a:latin typeface="Monaco" charset="0"/>
-                <a:ea typeface="Monaco" charset="0"/>
-                <a:cs typeface="Monaco" charset="0"/>
-              </a:rPr>
-              <a:t>&gt; </a:t>
-            </a:r>
-            <a:r>
-              <a:rPr lang="en-US" dirty="0" smtClean="0">
-                <a:latin typeface="Monaco" charset="0"/>
-                <a:ea typeface="Monaco" charset="0"/>
-                <a:cs typeface="Monaco" charset="0"/>
-              </a:rPr>
-              <a:t>data3</a:t>
-            </a:r>
-            <a:endParaRPr lang="en-US" dirty="0">
-              <a:latin typeface="Monaco" charset="0"/>
-              <a:ea typeface="Monaco" charset="0"/>
-              <a:cs typeface="Monaco" charset="0"/>
-            </a:endParaRPr>
-          </a:p>
-          <a:p>
-            <a:r>
-              <a:rPr lang="is-IS" dirty="0">
-                <a:latin typeface="Monaco" charset="0"/>
-                <a:ea typeface="Monaco" charset="0"/>
-                <a:cs typeface="Monaco" charset="0"/>
-              </a:rPr>
-              <a:t>    x           a        b</a:t>
-            </a:r>
-          </a:p>
-          <a:p>
-            <a:r>
-              <a:rPr lang="is-IS" dirty="0">
-                <a:latin typeface="Monaco" charset="0"/>
-                <a:ea typeface="Monaco" charset="0"/>
-                <a:cs typeface="Monaco" charset="0"/>
-              </a:rPr>
-              <a:t> </a:t>
-            </a:r>
-            <a:r>
-              <a:rPr lang="is-IS" dirty="0" smtClean="0">
-                <a:latin typeface="Monaco" charset="0"/>
-                <a:ea typeface="Monaco" charset="0"/>
-                <a:cs typeface="Monaco" charset="0"/>
-              </a:rPr>
-              <a:t> </a:t>
-            </a:r>
-            <a:r>
-              <a:rPr lang="is-IS" dirty="0">
-                <a:latin typeface="Monaco" charset="0"/>
-                <a:ea typeface="Monaco" charset="0"/>
-                <a:cs typeface="Monaco" charset="0"/>
-              </a:rPr>
-              <a:t>  1 -2.76205636 112.9588</a:t>
-            </a:r>
-          </a:p>
-          <a:p>
-            <a:r>
-              <a:rPr lang="is-IS" dirty="0">
-                <a:latin typeface="Monaco" charset="0"/>
-                <a:ea typeface="Monaco" charset="0"/>
-                <a:cs typeface="Monaco" charset="0"/>
-              </a:rPr>
-              <a:t> </a:t>
-            </a:r>
-            <a:r>
-              <a:rPr lang="is-IS" dirty="0" smtClean="0">
-                <a:latin typeface="Monaco" charset="0"/>
-                <a:ea typeface="Monaco" charset="0"/>
-                <a:cs typeface="Monaco" charset="0"/>
-              </a:rPr>
-              <a:t> </a:t>
-            </a:r>
-            <a:r>
-              <a:rPr lang="is-IS" dirty="0">
-                <a:latin typeface="Monaco" charset="0"/>
-                <a:ea typeface="Monaco" charset="0"/>
-                <a:cs typeface="Monaco" charset="0"/>
-              </a:rPr>
-              <a:t>  2 -1.44485264 149.3682</a:t>
-            </a:r>
-          </a:p>
-          <a:p>
-            <a:r>
-              <a:rPr lang="is-IS" dirty="0">
-                <a:latin typeface="Monaco" charset="0"/>
-                <a:ea typeface="Monaco" charset="0"/>
-                <a:cs typeface="Monaco" charset="0"/>
-              </a:rPr>
-              <a:t> </a:t>
-            </a:r>
-            <a:r>
-              <a:rPr lang="is-IS" dirty="0" smtClean="0">
-                <a:latin typeface="Monaco" charset="0"/>
-                <a:ea typeface="Monaco" charset="0"/>
-                <a:cs typeface="Monaco" charset="0"/>
-              </a:rPr>
-              <a:t> </a:t>
-            </a:r>
-            <a:r>
-              <a:rPr lang="is-IS" dirty="0">
-                <a:latin typeface="Monaco" charset="0"/>
-                <a:ea typeface="Monaco" charset="0"/>
-                <a:cs typeface="Monaco" charset="0"/>
-              </a:rPr>
-              <a:t>  3 -1.14390532 132.8789</a:t>
-            </a:r>
-          </a:p>
-          <a:p>
-            <a:r>
-              <a:rPr lang="is-IS" dirty="0">
-                <a:latin typeface="Monaco" charset="0"/>
-                <a:ea typeface="Monaco" charset="0"/>
-                <a:cs typeface="Monaco" charset="0"/>
-              </a:rPr>
-              <a:t> </a:t>
-            </a:r>
-            <a:r>
-              <a:rPr lang="is-IS" dirty="0" smtClean="0">
-                <a:latin typeface="Monaco" charset="0"/>
-                <a:ea typeface="Monaco" charset="0"/>
-                <a:cs typeface="Monaco" charset="0"/>
-              </a:rPr>
-              <a:t> </a:t>
-            </a:r>
-            <a:r>
-              <a:rPr lang="is-IS" dirty="0">
-                <a:latin typeface="Monaco" charset="0"/>
-                <a:ea typeface="Monaco" charset="0"/>
-                <a:cs typeface="Monaco" charset="0"/>
-              </a:rPr>
-              <a:t>  5 -2.91982194 121.3927</a:t>
-            </a:r>
           </a:p>
         </p:txBody>
       </p:sp>
@@ -27258,7 +27763,7 @@
         <p:spPr>
           <a:xfrm>
             <a:off x="2743200" y="4114800"/>
-            <a:ext cx="8522970" cy="2862322"/>
+            <a:ext cx="8522970" cy="2308324"/>
           </a:xfrm>
           <a:prstGeom prst="rect">
             <a:avLst/>
@@ -27276,23 +27781,26 @@
                 <a:ea typeface="Monaco" charset="0"/>
                 <a:cs typeface="Monaco" charset="0"/>
               </a:rPr>
-              <a:t>&gt; </a:t>
-            </a:r>
-            <a:r>
-              <a:rPr lang="is-IS" dirty="0">
-                <a:latin typeface="Monaco" charset="0"/>
-                <a:ea typeface="Monaco" charset="0"/>
-                <a:cs typeface="Monaco" charset="0"/>
-              </a:rPr>
-              <a:t>left_join(data1, </a:t>
+              <a:t>&gt; left_join(</a:t>
             </a:r>
             <a:r>
               <a:rPr lang="is-IS" dirty="0" smtClean="0">
-                <a:latin typeface="Monaco" charset="0"/>
-                <a:ea typeface="Monaco" charset="0"/>
-                <a:cs typeface="Monaco" charset="0"/>
-              </a:rPr>
-              <a:t>data3)</a:t>
+                <a:solidFill>
+                  <a:srgbClr val="C00000"/>
+                </a:solidFill>
+                <a:latin typeface="Monaco" charset="0"/>
+                <a:ea typeface="Monaco" charset="0"/>
+                <a:cs typeface="Monaco" charset="0"/>
+              </a:rPr>
+              <a:t>data3, data1</a:t>
+            </a:r>
+            <a:r>
+              <a:rPr lang="is-IS" dirty="0" smtClean="0">
+                <a:latin typeface="Monaco" charset="0"/>
+                <a:ea typeface="Monaco" charset="0"/>
+                <a:cs typeface="Monaco" charset="0"/>
+              </a:rPr>
+              <a:t>)</a:t>
             </a:r>
             <a:endParaRPr lang="is-IS" dirty="0">
               <a:latin typeface="Monaco" charset="0"/>
@@ -27329,7 +27837,7 @@
                 <a:ea typeface="Monaco" charset="0"/>
                 <a:cs typeface="Monaco" charset="0"/>
               </a:rPr>
-              <a:t>  </a:t>
+              <a:t>   </a:t>
             </a:r>
             <a:r>
               <a:rPr lang="is-IS" dirty="0" smtClean="0">
@@ -27337,7 +27845,7 @@
                 <a:ea typeface="Monaco" charset="0"/>
                 <a:cs typeface="Monaco" charset="0"/>
               </a:rPr>
-              <a:t>  x </a:t>
+              <a:t> x </a:t>
             </a:r>
             <a:r>
               <a:rPr lang="is-IS" dirty="0">
@@ -27441,7 +27949,7 @@
                 <a:ea typeface="Monaco" charset="0"/>
                 <a:cs typeface="Monaco" charset="0"/>
               </a:rPr>
-              <a:t>   4</a:t>
+              <a:t>   5</a:t>
             </a:r>
             <a:r>
               <a:rPr lang="is-IS" dirty="0">
@@ -27449,45 +27957,8 @@
                 <a:ea typeface="Monaco" charset="0"/>
                 <a:cs typeface="Monaco" charset="0"/>
               </a:rPr>
-              <a:t>  8.551282 58.53424        NA       NA</a:t>
-            </a:r>
-          </a:p>
-          <a:p>
-            <a:r>
-              <a:rPr lang="is-IS" dirty="0">
-                <a:latin typeface="Monaco" charset="0"/>
-                <a:ea typeface="Monaco" charset="0"/>
-                <a:cs typeface="Monaco" charset="0"/>
-              </a:rPr>
-              <a:t> </a:t>
-            </a:r>
-            <a:r>
-              <a:rPr lang="is-IS" dirty="0" smtClean="0">
-                <a:latin typeface="Monaco" charset="0"/>
-                <a:ea typeface="Monaco" charset="0"/>
-                <a:cs typeface="Monaco" charset="0"/>
-              </a:rPr>
-              <a:t>   5</a:t>
-            </a:r>
-            <a:r>
-              <a:rPr lang="is-IS" dirty="0">
-                <a:latin typeface="Monaco" charset="0"/>
-                <a:ea typeface="Monaco" charset="0"/>
-                <a:cs typeface="Monaco" charset="0"/>
-              </a:rPr>
               <a:t>  5.819844 61.71424 -2.919822 121.3927</a:t>
             </a:r>
-          </a:p>
-          <a:p>
-            <a:pPr marL="285750" indent="-285750">
-              <a:buFont typeface=".AppleSystemUIFont" charset="-120"/>
-              <a:buChar char="&gt;"/>
-            </a:pPr>
-            <a:endParaRPr lang="en-US" dirty="0" smtClean="0">
-              <a:latin typeface="Monaco" charset="0"/>
-              <a:ea typeface="Monaco" charset="0"/>
-              <a:cs typeface="Monaco" charset="0"/>
-            </a:endParaRPr>
           </a:p>
           <a:p>
             <a:pPr marL="285750" indent="-285750">
@@ -27502,90 +27973,6 @@
           </a:p>
         </p:txBody>
       </p:sp>
-      <p:sp>
-        <p:nvSpPr>
-          <p:cNvPr id="3" name="TextBox 2"/>
-          <p:cNvSpPr txBox="1"/>
-          <p:nvPr/>
-        </p:nvSpPr>
-        <p:spPr>
-          <a:xfrm>
-            <a:off x="10882721" y="3158599"/>
-            <a:ext cx="1556657" cy="769441"/>
-          </a:xfrm>
-          <a:prstGeom prst="rect">
-            <a:avLst/>
-          </a:prstGeom>
-          <a:noFill/>
-        </p:spPr>
-        <p:txBody>
-          <a:bodyPr wrap="square" rtlCol="0">
-            <a:spAutoFit/>
-          </a:bodyPr>
-          <a:lstStyle/>
-          <a:p>
-            <a:r>
-              <a:rPr lang="en-US" sz="2200" b="1" dirty="0" smtClean="0">
-                <a:solidFill>
-                  <a:srgbClr val="C00000"/>
-                </a:solidFill>
-              </a:rPr>
-              <a:t>Missing </a:t>
-            </a:r>
-          </a:p>
-          <a:p>
-            <a:r>
-              <a:rPr lang="en-US" sz="2200" b="1" dirty="0" smtClean="0">
-                <a:solidFill>
-                  <a:srgbClr val="C00000"/>
-                </a:solidFill>
-              </a:rPr>
-              <a:t>x=4</a:t>
-            </a:r>
-            <a:endParaRPr lang="en-US" sz="2200" b="1" dirty="0">
-              <a:solidFill>
-                <a:srgbClr val="C00000"/>
-              </a:solidFill>
-            </a:endParaRPr>
-          </a:p>
-        </p:txBody>
-      </p:sp>
-      <p:cxnSp>
-        <p:nvCxnSpPr>
-          <p:cNvPr id="8" name="Straight Arrow Connector 7"/>
-          <p:cNvCxnSpPr/>
-          <p:nvPr/>
-        </p:nvCxnSpPr>
-        <p:spPr>
-          <a:xfrm flipH="1">
-            <a:off x="10477501" y="3177862"/>
-            <a:ext cx="788669" cy="0"/>
-          </a:xfrm>
-          <a:prstGeom prst="straightConnector1">
-            <a:avLst/>
-          </a:prstGeom>
-          <a:ln w="38100">
-            <a:solidFill>
-              <a:srgbClr val="C00000"/>
-            </a:solidFill>
-            <a:tailEnd type="triangle" w="lg" len="lg"/>
-          </a:ln>
-        </p:spPr>
-        <p:style>
-          <a:lnRef idx="1">
-            <a:schemeClr val="accent1"/>
-          </a:lnRef>
-          <a:fillRef idx="0">
-            <a:schemeClr val="accent1"/>
-          </a:fillRef>
-          <a:effectRef idx="0">
-            <a:schemeClr val="accent1"/>
-          </a:effectRef>
-          <a:fontRef idx="minor">
-            <a:schemeClr val="tx1"/>
-          </a:fontRef>
-        </p:style>
-      </p:cxnSp>
       <p:sp>
         <p:nvSpPr>
           <p:cNvPr id="9" name="TextBox 8"/>
@@ -27762,10 +28149,170 @@
           </a:p>
         </p:txBody>
       </p:sp>
+      <p:sp>
+        <p:nvSpPr>
+          <p:cNvPr id="10" name="TextBox 9"/>
+          <p:cNvSpPr txBox="1"/>
+          <p:nvPr/>
+        </p:nvSpPr>
+        <p:spPr>
+          <a:xfrm>
+            <a:off x="6858000" y="1821180"/>
+            <a:ext cx="4648200" cy="1754326"/>
+          </a:xfrm>
+          <a:prstGeom prst="rect">
+            <a:avLst/>
+          </a:prstGeom>
+          <a:noFill/>
+        </p:spPr>
+        <p:txBody>
+          <a:bodyPr wrap="square" rtlCol="0">
+            <a:spAutoFit/>
+          </a:bodyPr>
+          <a:lstStyle/>
+          <a:p>
+            <a:r>
+              <a:rPr lang="en-US" dirty="0">
+                <a:latin typeface="Monaco" charset="0"/>
+                <a:ea typeface="Monaco" charset="0"/>
+                <a:cs typeface="Monaco" charset="0"/>
+              </a:rPr>
+              <a:t>&gt; </a:t>
+            </a:r>
+            <a:r>
+              <a:rPr lang="en-US" dirty="0" smtClean="0">
+                <a:latin typeface="Monaco" charset="0"/>
+                <a:ea typeface="Monaco" charset="0"/>
+                <a:cs typeface="Monaco" charset="0"/>
+              </a:rPr>
+              <a:t>data3</a:t>
+            </a:r>
+            <a:endParaRPr lang="en-US" dirty="0">
+              <a:latin typeface="Monaco" charset="0"/>
+              <a:ea typeface="Monaco" charset="0"/>
+              <a:cs typeface="Monaco" charset="0"/>
+            </a:endParaRPr>
+          </a:p>
+          <a:p>
+            <a:r>
+              <a:rPr lang="is-IS" dirty="0">
+                <a:latin typeface="Monaco" charset="0"/>
+                <a:ea typeface="Monaco" charset="0"/>
+                <a:cs typeface="Monaco" charset="0"/>
+              </a:rPr>
+              <a:t>    x           a        b</a:t>
+            </a:r>
+          </a:p>
+          <a:p>
+            <a:r>
+              <a:rPr lang="is-IS" dirty="0">
+                <a:latin typeface="Monaco" charset="0"/>
+                <a:ea typeface="Monaco" charset="0"/>
+                <a:cs typeface="Monaco" charset="0"/>
+              </a:rPr>
+              <a:t> </a:t>
+            </a:r>
+            <a:r>
+              <a:rPr lang="is-IS" dirty="0" smtClean="0">
+                <a:latin typeface="Monaco" charset="0"/>
+                <a:ea typeface="Monaco" charset="0"/>
+                <a:cs typeface="Monaco" charset="0"/>
+              </a:rPr>
+              <a:t> </a:t>
+            </a:r>
+            <a:r>
+              <a:rPr lang="is-IS" dirty="0">
+                <a:latin typeface="Monaco" charset="0"/>
+                <a:ea typeface="Monaco" charset="0"/>
+                <a:cs typeface="Monaco" charset="0"/>
+              </a:rPr>
+              <a:t>  1 -2.76205636 112.9588</a:t>
+            </a:r>
+          </a:p>
+          <a:p>
+            <a:r>
+              <a:rPr lang="is-IS" dirty="0">
+                <a:latin typeface="Monaco" charset="0"/>
+                <a:ea typeface="Monaco" charset="0"/>
+                <a:cs typeface="Monaco" charset="0"/>
+              </a:rPr>
+              <a:t> </a:t>
+            </a:r>
+            <a:r>
+              <a:rPr lang="is-IS" dirty="0" smtClean="0">
+                <a:latin typeface="Monaco" charset="0"/>
+                <a:ea typeface="Monaco" charset="0"/>
+                <a:cs typeface="Monaco" charset="0"/>
+              </a:rPr>
+              <a:t> </a:t>
+            </a:r>
+            <a:r>
+              <a:rPr lang="is-IS" dirty="0">
+                <a:latin typeface="Monaco" charset="0"/>
+                <a:ea typeface="Monaco" charset="0"/>
+                <a:cs typeface="Monaco" charset="0"/>
+              </a:rPr>
+              <a:t>  2 -1.44485264 149.3682</a:t>
+            </a:r>
+          </a:p>
+          <a:p>
+            <a:r>
+              <a:rPr lang="is-IS" dirty="0">
+                <a:latin typeface="Monaco" charset="0"/>
+                <a:ea typeface="Monaco" charset="0"/>
+                <a:cs typeface="Monaco" charset="0"/>
+              </a:rPr>
+              <a:t> </a:t>
+            </a:r>
+            <a:r>
+              <a:rPr lang="is-IS" dirty="0" smtClean="0">
+                <a:latin typeface="Monaco" charset="0"/>
+                <a:ea typeface="Monaco" charset="0"/>
+                <a:cs typeface="Monaco" charset="0"/>
+              </a:rPr>
+              <a:t> </a:t>
+            </a:r>
+            <a:r>
+              <a:rPr lang="is-IS" dirty="0">
+                <a:latin typeface="Monaco" charset="0"/>
+                <a:ea typeface="Monaco" charset="0"/>
+                <a:cs typeface="Monaco" charset="0"/>
+              </a:rPr>
+              <a:t>  3 -1.14390532 132.8789</a:t>
+            </a:r>
+          </a:p>
+          <a:p>
+            <a:r>
+              <a:rPr lang="is-IS" dirty="0">
+                <a:latin typeface="Monaco" charset="0"/>
+                <a:ea typeface="Monaco" charset="0"/>
+                <a:cs typeface="Monaco" charset="0"/>
+              </a:rPr>
+              <a:t> </a:t>
+            </a:r>
+            <a:r>
+              <a:rPr lang="is-IS" dirty="0" smtClean="0">
+                <a:latin typeface="Monaco" charset="0"/>
+                <a:ea typeface="Monaco" charset="0"/>
+                <a:cs typeface="Monaco" charset="0"/>
+              </a:rPr>
+              <a:t> </a:t>
+            </a:r>
+            <a:r>
+              <a:rPr lang="is-IS" dirty="0">
+                <a:latin typeface="Monaco" charset="0"/>
+                <a:ea typeface="Monaco" charset="0"/>
+                <a:cs typeface="Monaco" charset="0"/>
+              </a:rPr>
+              <a:t>  5 -2.91982194 121.3927</a:t>
+            </a:r>
+          </a:p>
+        </p:txBody>
+      </p:sp>
     </p:spTree>
     <p:extLst>
       <p:ext uri="{BB962C8B-B14F-4D97-AF65-F5344CB8AC3E}">
-        <p14:creationId xmlns:p14="http://schemas.microsoft.com/office/powerpoint/2010/main" val="1600711546"/>
+        <p14:creationId xmlns:p14="http://schemas.microsoft.com/office/powerpoint/2010/main" val="1656514704"/>
       </p:ext>
     </p:extLst>
   </p:cSld>
@@ -27886,692 +28433,6 @@
           <a:lstStyle/>
           <a:p>
             <a:r>
-              <a:rPr lang="en-US" dirty="0" smtClean="0"/>
-              <a:t>left_join() only preserves what is in the left data frame</a:t>
-            </a:r>
-            <a:endParaRPr lang="en-US" dirty="0"/>
-          </a:p>
-        </p:txBody>
-      </p:sp>
-      <p:sp>
-        <p:nvSpPr>
-          <p:cNvPr id="7" name="Rectangle 6"/>
-          <p:cNvSpPr/>
-          <p:nvPr/>
-        </p:nvSpPr>
-        <p:spPr>
-          <a:xfrm>
-            <a:off x="2743200" y="4114800"/>
-            <a:ext cx="8522970" cy="2308324"/>
-          </a:xfrm>
-          <a:prstGeom prst="rect">
-            <a:avLst/>
-          </a:prstGeom>
-        </p:spPr>
-        <p:txBody>
-          <a:bodyPr wrap="square">
-            <a:spAutoFit/>
-          </a:bodyPr>
-          <a:lstStyle/>
-          <a:p>
-            <a:r>
-              <a:rPr lang="is-IS" dirty="0" smtClean="0">
-                <a:latin typeface="Monaco" charset="0"/>
-                <a:ea typeface="Monaco" charset="0"/>
-                <a:cs typeface="Monaco" charset="0"/>
-              </a:rPr>
-              <a:t>&gt; left_join(</a:t>
-            </a:r>
-            <a:r>
-              <a:rPr lang="is-IS" dirty="0" smtClean="0">
-                <a:solidFill>
-                  <a:srgbClr val="C00000"/>
-                </a:solidFill>
-                <a:latin typeface="Monaco" charset="0"/>
-                <a:ea typeface="Monaco" charset="0"/>
-                <a:cs typeface="Monaco" charset="0"/>
-              </a:rPr>
-              <a:t>data3, data1</a:t>
-            </a:r>
-            <a:r>
-              <a:rPr lang="is-IS" dirty="0" smtClean="0">
-                <a:latin typeface="Monaco" charset="0"/>
-                <a:ea typeface="Monaco" charset="0"/>
-                <a:cs typeface="Monaco" charset="0"/>
-              </a:rPr>
-              <a:t>)</a:t>
-            </a:r>
-            <a:endParaRPr lang="is-IS" dirty="0">
-              <a:latin typeface="Monaco" charset="0"/>
-              <a:ea typeface="Monaco" charset="0"/>
-              <a:cs typeface="Monaco" charset="0"/>
-            </a:endParaRPr>
-          </a:p>
-          <a:p>
-            <a:pPr lvl="1"/>
-            <a:r>
-              <a:rPr lang="is-IS" b="1" dirty="0">
-                <a:solidFill>
-                  <a:srgbClr val="0070C0"/>
-                </a:solidFill>
-                <a:latin typeface="Monaco" charset="0"/>
-                <a:ea typeface="Monaco" charset="0"/>
-                <a:cs typeface="Monaco" charset="0"/>
-              </a:rPr>
-              <a:t>Joining, by = "x"</a:t>
-            </a:r>
-            <a:endParaRPr lang="is-IS" dirty="0">
-              <a:solidFill>
-                <a:srgbClr val="0070C0"/>
-              </a:solidFill>
-              <a:latin typeface="Monaco" charset="0"/>
-              <a:ea typeface="Monaco" charset="0"/>
-              <a:cs typeface="Monaco" charset="0"/>
-            </a:endParaRPr>
-          </a:p>
-          <a:p>
-            <a:r>
-              <a:rPr lang="is-IS" dirty="0">
-                <a:latin typeface="Monaco" charset="0"/>
-                <a:ea typeface="Monaco" charset="0"/>
-                <a:cs typeface="Monaco" charset="0"/>
-              </a:rPr>
-              <a:t>   </a:t>
-            </a:r>
-            <a:r>
-              <a:rPr lang="is-IS" dirty="0" smtClean="0">
-                <a:latin typeface="Monaco" charset="0"/>
-                <a:ea typeface="Monaco" charset="0"/>
-                <a:cs typeface="Monaco" charset="0"/>
-              </a:rPr>
-              <a:t> x </a:t>
-            </a:r>
-            <a:r>
-              <a:rPr lang="is-IS" dirty="0">
-                <a:latin typeface="Monaco" charset="0"/>
-                <a:ea typeface="Monaco" charset="0"/>
-                <a:cs typeface="Monaco" charset="0"/>
-              </a:rPr>
-              <a:t>        y        z         a        b</a:t>
-            </a:r>
-          </a:p>
-          <a:p>
-            <a:r>
-              <a:rPr lang="is-IS" dirty="0">
-                <a:latin typeface="Monaco" charset="0"/>
-                <a:ea typeface="Monaco" charset="0"/>
-                <a:cs typeface="Monaco" charset="0"/>
-              </a:rPr>
-              <a:t> </a:t>
-            </a:r>
-            <a:r>
-              <a:rPr lang="is-IS" dirty="0" smtClean="0">
-                <a:latin typeface="Monaco" charset="0"/>
-                <a:ea typeface="Monaco" charset="0"/>
-                <a:cs typeface="Monaco" charset="0"/>
-              </a:rPr>
-              <a:t>   1</a:t>
-            </a:r>
-            <a:r>
-              <a:rPr lang="is-IS" dirty="0">
-                <a:latin typeface="Monaco" charset="0"/>
-                <a:ea typeface="Monaco" charset="0"/>
-                <a:cs typeface="Monaco" charset="0"/>
-              </a:rPr>
-              <a:t>  3.108060 61.48849 -2.762056 112.9588</a:t>
-            </a:r>
-          </a:p>
-          <a:p>
-            <a:r>
-              <a:rPr lang="is-IS" dirty="0">
-                <a:latin typeface="Monaco" charset="0"/>
-                <a:ea typeface="Monaco" charset="0"/>
-                <a:cs typeface="Monaco" charset="0"/>
-              </a:rPr>
-              <a:t> </a:t>
-            </a:r>
-            <a:r>
-              <a:rPr lang="is-IS" dirty="0" smtClean="0">
-                <a:latin typeface="Monaco" charset="0"/>
-                <a:ea typeface="Monaco" charset="0"/>
-                <a:cs typeface="Monaco" charset="0"/>
-              </a:rPr>
-              <a:t>   2</a:t>
-            </a:r>
-            <a:r>
-              <a:rPr lang="is-IS" dirty="0">
-                <a:latin typeface="Monaco" charset="0"/>
-                <a:ea typeface="Monaco" charset="0"/>
-                <a:cs typeface="Monaco" charset="0"/>
-              </a:rPr>
-              <a:t>  8.976264 55.68174 -1.444853 149.3682</a:t>
-            </a:r>
-          </a:p>
-          <a:p>
-            <a:r>
-              <a:rPr lang="is-IS" dirty="0">
-                <a:latin typeface="Monaco" charset="0"/>
-                <a:ea typeface="Monaco" charset="0"/>
-                <a:cs typeface="Monaco" charset="0"/>
-              </a:rPr>
-              <a:t> </a:t>
-            </a:r>
-            <a:r>
-              <a:rPr lang="is-IS" dirty="0" smtClean="0">
-                <a:latin typeface="Monaco" charset="0"/>
-                <a:ea typeface="Monaco" charset="0"/>
-                <a:cs typeface="Monaco" charset="0"/>
-              </a:rPr>
-              <a:t>   3 </a:t>
-            </a:r>
-            <a:r>
-              <a:rPr lang="is-IS" dirty="0">
-                <a:latin typeface="Monaco" charset="0"/>
-                <a:ea typeface="Monaco" charset="0"/>
-                <a:cs typeface="Monaco" charset="0"/>
-              </a:rPr>
-              <a:t>11.673850 56.32225 -1.143905 132.8789</a:t>
-            </a:r>
-          </a:p>
-          <a:p>
-            <a:r>
-              <a:rPr lang="is-IS" dirty="0">
-                <a:latin typeface="Monaco" charset="0"/>
-                <a:ea typeface="Monaco" charset="0"/>
-                <a:cs typeface="Monaco" charset="0"/>
-              </a:rPr>
-              <a:t> </a:t>
-            </a:r>
-            <a:r>
-              <a:rPr lang="is-IS" dirty="0" smtClean="0">
-                <a:latin typeface="Monaco" charset="0"/>
-                <a:ea typeface="Monaco" charset="0"/>
-                <a:cs typeface="Monaco" charset="0"/>
-              </a:rPr>
-              <a:t>   5</a:t>
-            </a:r>
-            <a:r>
-              <a:rPr lang="is-IS" dirty="0">
-                <a:latin typeface="Monaco" charset="0"/>
-                <a:ea typeface="Monaco" charset="0"/>
-                <a:cs typeface="Monaco" charset="0"/>
-              </a:rPr>
-              <a:t>  5.819844 61.71424 -2.919822 121.3927</a:t>
-            </a:r>
-          </a:p>
-          <a:p>
-            <a:pPr marL="285750" indent="-285750">
-              <a:buFont typeface="Wingdings" charset="2"/>
-              <a:buChar char="Ø"/>
-            </a:pPr>
-            <a:endParaRPr lang="en-US" dirty="0" smtClean="0">
-              <a:latin typeface="Monaco" charset="0"/>
-              <a:ea typeface="Monaco" charset="0"/>
-              <a:cs typeface="Monaco" charset="0"/>
-            </a:endParaRPr>
-          </a:p>
-        </p:txBody>
-      </p:sp>
-      <p:sp>
-        <p:nvSpPr>
-          <p:cNvPr id="9" name="TextBox 8"/>
-          <p:cNvSpPr txBox="1"/>
-          <p:nvPr/>
-        </p:nvSpPr>
-        <p:spPr>
-          <a:xfrm>
-            <a:off x="1325880" y="1821180"/>
-            <a:ext cx="4438650" cy="2308324"/>
-          </a:xfrm>
-          <a:prstGeom prst="rect">
-            <a:avLst/>
-          </a:prstGeom>
-          <a:noFill/>
-        </p:spPr>
-        <p:txBody>
-          <a:bodyPr wrap="square" rtlCol="0">
-            <a:spAutoFit/>
-          </a:bodyPr>
-          <a:lstStyle/>
-          <a:p>
-            <a:r>
-              <a:rPr lang="en-US" dirty="0">
-                <a:latin typeface="Monaco" charset="0"/>
-                <a:ea typeface="Monaco" charset="0"/>
-                <a:cs typeface="Monaco" charset="0"/>
-              </a:rPr>
-              <a:t>&gt; data1</a:t>
-            </a:r>
-          </a:p>
-          <a:p>
-            <a:r>
-              <a:rPr lang="is-IS" dirty="0">
-                <a:latin typeface="Monaco" charset="0"/>
-                <a:ea typeface="Monaco" charset="0"/>
-                <a:cs typeface="Monaco" charset="0"/>
-              </a:rPr>
-              <a:t>    x         y        z</a:t>
-            </a:r>
-          </a:p>
-          <a:p>
-            <a:r>
-              <a:rPr lang="is-IS" dirty="0">
-                <a:latin typeface="Monaco" charset="0"/>
-                <a:ea typeface="Monaco" charset="0"/>
-                <a:cs typeface="Monaco" charset="0"/>
-              </a:rPr>
-              <a:t> </a:t>
-            </a:r>
-            <a:r>
-              <a:rPr lang="is-IS" dirty="0" smtClean="0">
-                <a:latin typeface="Monaco" charset="0"/>
-                <a:ea typeface="Monaco" charset="0"/>
-                <a:cs typeface="Monaco" charset="0"/>
-              </a:rPr>
-              <a:t> </a:t>
-            </a:r>
-            <a:r>
-              <a:rPr lang="is-IS" dirty="0">
-                <a:latin typeface="Monaco" charset="0"/>
-                <a:ea typeface="Monaco" charset="0"/>
-                <a:cs typeface="Monaco" charset="0"/>
-              </a:rPr>
-              <a:t>  1  3.108060 61.48849</a:t>
-            </a:r>
-          </a:p>
-          <a:p>
-            <a:r>
-              <a:rPr lang="is-IS" dirty="0">
-                <a:latin typeface="Monaco" charset="0"/>
-                <a:ea typeface="Monaco" charset="0"/>
-                <a:cs typeface="Monaco" charset="0"/>
-              </a:rPr>
-              <a:t> </a:t>
-            </a:r>
-            <a:r>
-              <a:rPr lang="is-IS" dirty="0" smtClean="0">
-                <a:latin typeface="Monaco" charset="0"/>
-                <a:ea typeface="Monaco" charset="0"/>
-                <a:cs typeface="Monaco" charset="0"/>
-              </a:rPr>
-              <a:t> </a:t>
-            </a:r>
-            <a:r>
-              <a:rPr lang="is-IS" dirty="0">
-                <a:latin typeface="Monaco" charset="0"/>
-                <a:ea typeface="Monaco" charset="0"/>
-                <a:cs typeface="Monaco" charset="0"/>
-              </a:rPr>
-              <a:t>  2  8.976264 55.68174</a:t>
-            </a:r>
-          </a:p>
-          <a:p>
-            <a:r>
-              <a:rPr lang="is-IS" dirty="0">
-                <a:latin typeface="Monaco" charset="0"/>
-                <a:ea typeface="Monaco" charset="0"/>
-                <a:cs typeface="Monaco" charset="0"/>
-              </a:rPr>
-              <a:t> </a:t>
-            </a:r>
-            <a:r>
-              <a:rPr lang="is-IS" dirty="0" smtClean="0">
-                <a:latin typeface="Monaco" charset="0"/>
-                <a:ea typeface="Monaco" charset="0"/>
-                <a:cs typeface="Monaco" charset="0"/>
-              </a:rPr>
-              <a:t> </a:t>
-            </a:r>
-            <a:r>
-              <a:rPr lang="is-IS" dirty="0">
-                <a:latin typeface="Monaco" charset="0"/>
-                <a:ea typeface="Monaco" charset="0"/>
-                <a:cs typeface="Monaco" charset="0"/>
-              </a:rPr>
-              <a:t>  3 11.673850 56.32225</a:t>
-            </a:r>
-          </a:p>
-          <a:p>
-            <a:r>
-              <a:rPr lang="is-IS" dirty="0">
-                <a:latin typeface="Monaco" charset="0"/>
-                <a:ea typeface="Monaco" charset="0"/>
-                <a:cs typeface="Monaco" charset="0"/>
-              </a:rPr>
-              <a:t> </a:t>
-            </a:r>
-            <a:r>
-              <a:rPr lang="is-IS" dirty="0" smtClean="0">
-                <a:latin typeface="Monaco" charset="0"/>
-                <a:ea typeface="Monaco" charset="0"/>
-                <a:cs typeface="Monaco" charset="0"/>
-              </a:rPr>
-              <a:t> </a:t>
-            </a:r>
-            <a:r>
-              <a:rPr lang="is-IS" dirty="0">
-                <a:latin typeface="Monaco" charset="0"/>
-                <a:ea typeface="Monaco" charset="0"/>
-                <a:cs typeface="Monaco" charset="0"/>
-              </a:rPr>
-              <a:t>  4  8.551282 58.53424</a:t>
-            </a:r>
-          </a:p>
-          <a:p>
-            <a:r>
-              <a:rPr lang="is-IS" dirty="0">
-                <a:latin typeface="Monaco" charset="0"/>
-                <a:ea typeface="Monaco" charset="0"/>
-                <a:cs typeface="Monaco" charset="0"/>
-              </a:rPr>
-              <a:t> </a:t>
-            </a:r>
-            <a:r>
-              <a:rPr lang="is-IS" smtClean="0">
-                <a:latin typeface="Monaco" charset="0"/>
-                <a:ea typeface="Monaco" charset="0"/>
-                <a:cs typeface="Monaco" charset="0"/>
-              </a:rPr>
-              <a:t> </a:t>
-            </a:r>
-            <a:r>
-              <a:rPr lang="is-IS" dirty="0">
-                <a:latin typeface="Monaco" charset="0"/>
-                <a:ea typeface="Monaco" charset="0"/>
-                <a:cs typeface="Monaco" charset="0"/>
-              </a:rPr>
-              <a:t>  5  5.819844 61.71424</a:t>
-            </a:r>
-          </a:p>
-          <a:p>
-            <a:endParaRPr lang="en-US" dirty="0"/>
-          </a:p>
-        </p:txBody>
-      </p:sp>
-      <p:sp>
-        <p:nvSpPr>
-          <p:cNvPr id="10" name="TextBox 9"/>
-          <p:cNvSpPr txBox="1"/>
-          <p:nvPr/>
-        </p:nvSpPr>
-        <p:spPr>
-          <a:xfrm>
-            <a:off x="6858000" y="1821180"/>
-            <a:ext cx="4648200" cy="1754326"/>
-          </a:xfrm>
-          <a:prstGeom prst="rect">
-            <a:avLst/>
-          </a:prstGeom>
-          <a:noFill/>
-        </p:spPr>
-        <p:txBody>
-          <a:bodyPr wrap="square" rtlCol="0">
-            <a:spAutoFit/>
-          </a:bodyPr>
-          <a:lstStyle/>
-          <a:p>
-            <a:r>
-              <a:rPr lang="en-US" dirty="0">
-                <a:latin typeface="Monaco" charset="0"/>
-                <a:ea typeface="Monaco" charset="0"/>
-                <a:cs typeface="Monaco" charset="0"/>
-              </a:rPr>
-              <a:t>&gt; </a:t>
-            </a:r>
-            <a:r>
-              <a:rPr lang="en-US" dirty="0" smtClean="0">
-                <a:latin typeface="Monaco" charset="0"/>
-                <a:ea typeface="Monaco" charset="0"/>
-                <a:cs typeface="Monaco" charset="0"/>
-              </a:rPr>
-              <a:t>data3</a:t>
-            </a:r>
-            <a:endParaRPr lang="en-US" dirty="0">
-              <a:latin typeface="Monaco" charset="0"/>
-              <a:ea typeface="Monaco" charset="0"/>
-              <a:cs typeface="Monaco" charset="0"/>
-            </a:endParaRPr>
-          </a:p>
-          <a:p>
-            <a:r>
-              <a:rPr lang="is-IS" dirty="0">
-                <a:latin typeface="Monaco" charset="0"/>
-                <a:ea typeface="Monaco" charset="0"/>
-                <a:cs typeface="Monaco" charset="0"/>
-              </a:rPr>
-              <a:t>    x           a        b</a:t>
-            </a:r>
-          </a:p>
-          <a:p>
-            <a:r>
-              <a:rPr lang="is-IS" dirty="0">
-                <a:latin typeface="Monaco" charset="0"/>
-                <a:ea typeface="Monaco" charset="0"/>
-                <a:cs typeface="Monaco" charset="0"/>
-              </a:rPr>
-              <a:t> </a:t>
-            </a:r>
-            <a:r>
-              <a:rPr lang="is-IS" dirty="0" smtClean="0">
-                <a:latin typeface="Monaco" charset="0"/>
-                <a:ea typeface="Monaco" charset="0"/>
-                <a:cs typeface="Monaco" charset="0"/>
-              </a:rPr>
-              <a:t> </a:t>
-            </a:r>
-            <a:r>
-              <a:rPr lang="is-IS" dirty="0">
-                <a:latin typeface="Monaco" charset="0"/>
-                <a:ea typeface="Monaco" charset="0"/>
-                <a:cs typeface="Monaco" charset="0"/>
-              </a:rPr>
-              <a:t>  1 -2.76205636 112.9588</a:t>
-            </a:r>
-          </a:p>
-          <a:p>
-            <a:r>
-              <a:rPr lang="is-IS" dirty="0">
-                <a:latin typeface="Monaco" charset="0"/>
-                <a:ea typeface="Monaco" charset="0"/>
-                <a:cs typeface="Monaco" charset="0"/>
-              </a:rPr>
-              <a:t> </a:t>
-            </a:r>
-            <a:r>
-              <a:rPr lang="is-IS" dirty="0" smtClean="0">
-                <a:latin typeface="Monaco" charset="0"/>
-                <a:ea typeface="Monaco" charset="0"/>
-                <a:cs typeface="Monaco" charset="0"/>
-              </a:rPr>
-              <a:t> </a:t>
-            </a:r>
-            <a:r>
-              <a:rPr lang="is-IS" dirty="0">
-                <a:latin typeface="Monaco" charset="0"/>
-                <a:ea typeface="Monaco" charset="0"/>
-                <a:cs typeface="Monaco" charset="0"/>
-              </a:rPr>
-              <a:t>  2 -1.44485264 149.3682</a:t>
-            </a:r>
-          </a:p>
-          <a:p>
-            <a:r>
-              <a:rPr lang="is-IS" dirty="0">
-                <a:latin typeface="Monaco" charset="0"/>
-                <a:ea typeface="Monaco" charset="0"/>
-                <a:cs typeface="Monaco" charset="0"/>
-              </a:rPr>
-              <a:t> </a:t>
-            </a:r>
-            <a:r>
-              <a:rPr lang="is-IS" dirty="0" smtClean="0">
-                <a:latin typeface="Monaco" charset="0"/>
-                <a:ea typeface="Monaco" charset="0"/>
-                <a:cs typeface="Monaco" charset="0"/>
-              </a:rPr>
-              <a:t> </a:t>
-            </a:r>
-            <a:r>
-              <a:rPr lang="is-IS" dirty="0">
-                <a:latin typeface="Monaco" charset="0"/>
-                <a:ea typeface="Monaco" charset="0"/>
-                <a:cs typeface="Monaco" charset="0"/>
-              </a:rPr>
-              <a:t>  3 -1.14390532 132.8789</a:t>
-            </a:r>
-          </a:p>
-          <a:p>
-            <a:r>
-              <a:rPr lang="is-IS" dirty="0">
-                <a:latin typeface="Monaco" charset="0"/>
-                <a:ea typeface="Monaco" charset="0"/>
-                <a:cs typeface="Monaco" charset="0"/>
-              </a:rPr>
-              <a:t> </a:t>
-            </a:r>
-            <a:r>
-              <a:rPr lang="is-IS" dirty="0" smtClean="0">
-                <a:latin typeface="Monaco" charset="0"/>
-                <a:ea typeface="Monaco" charset="0"/>
-                <a:cs typeface="Monaco" charset="0"/>
-              </a:rPr>
-              <a:t> </a:t>
-            </a:r>
-            <a:r>
-              <a:rPr lang="is-IS" dirty="0">
-                <a:latin typeface="Monaco" charset="0"/>
-                <a:ea typeface="Monaco" charset="0"/>
-                <a:cs typeface="Monaco" charset="0"/>
-              </a:rPr>
-              <a:t>  5 -2.91982194 121.3927</a:t>
-            </a:r>
-          </a:p>
-        </p:txBody>
-      </p:sp>
-    </p:spTree>
-    <p:extLst>
-      <p:ext uri="{BB962C8B-B14F-4D97-AF65-F5344CB8AC3E}">
-        <p14:creationId xmlns:p14="http://schemas.microsoft.com/office/powerpoint/2010/main" val="1656514704"/>
-      </p:ext>
-    </p:extLst>
-  </p:cSld>
-  <p:clrMapOvr>
-    <a:masterClrMapping/>
-  </p:clrMapOvr>
-  <p:timing>
-    <p:tnLst>
-      <p:par>
-        <p:cTn id="1" dur="indefinite" restart="never" nodeType="tmRoot">
-          <p:childTnLst>
-            <p:seq concurrent="1" nextAc="seek">
-              <p:cTn id="2" dur="indefinite" nodeType="mainSeq">
-                <p:childTnLst>
-                  <p:par>
-                    <p:cTn id="3" fill="hold">
-                      <p:stCondLst>
-                        <p:cond delay="indefinite"/>
-                      </p:stCondLst>
-                      <p:childTnLst>
-                        <p:par>
-                          <p:cTn id="4" fill="hold">
-                            <p:stCondLst>
-                              <p:cond delay="0"/>
-                            </p:stCondLst>
-                            <p:childTnLst>
-                              <p:par>
-                                <p:cTn id="5" presetID="1" presetClass="entr" presetSubtype="0" fill="hold" grpId="0" nodeType="clickEffect">
-                                  <p:stCondLst>
-                                    <p:cond delay="0"/>
-                                  </p:stCondLst>
-                                  <p:childTnLst>
-                                    <p:set>
-                                      <p:cBhvr>
-                                        <p:cTn id="6" dur="1" fill="hold">
-                                          <p:stCondLst>
-                                            <p:cond delay="0"/>
-                                          </p:stCondLst>
-                                        </p:cTn>
-                                        <p:tgtEl>
-                                          <p:spTgt spid="7"/>
-                                        </p:tgtEl>
-                                        <p:attrNameLst>
-                                          <p:attrName>style.visibility</p:attrName>
-                                        </p:attrNameLst>
-                                      </p:cBhvr>
-                                      <p:to>
-                                        <p:strVal val="visible"/>
-                                      </p:to>
-                                    </p:set>
-                                  </p:childTnLst>
-                                </p:cTn>
-                              </p:par>
-                            </p:childTnLst>
-                          </p:cTn>
-                        </p:par>
-                      </p:childTnLst>
-                    </p:cTn>
-                  </p:par>
-                </p:childTnLst>
-              </p:cTn>
-              <p:prevCondLst>
-                <p:cond evt="onPrev" delay="0">
-                  <p:tgtEl>
-                    <p:sldTgt/>
-                  </p:tgtEl>
-                </p:cond>
-              </p:prevCondLst>
-              <p:nextCondLst>
-                <p:cond evt="onNext" delay="0">
-                  <p:tgtEl>
-                    <p:sldTgt/>
-                  </p:tgtEl>
-                </p:cond>
-              </p:nextCondLst>
-            </p:seq>
-          </p:childTnLst>
-        </p:cTn>
-      </p:par>
-    </p:tnLst>
-    <p:bldLst>
-      <p:bldP spid="7" grpId="0"/>
-    </p:bldLst>
-  </p:timing>
-</p:sld>
-</file>
-
-<file path=ppt/slides/slide57.xml><?xml version="1.0" encoding="utf-8"?>
-<p:sld xmlns:a="http://schemas.openxmlformats.org/drawingml/2006/main" xmlns:r="http://schemas.openxmlformats.org/officeDocument/2006/relationships" xmlns:p="http://schemas.openxmlformats.org/presentationml/2006/main">
-  <p:cSld>
-    <p:spTree>
-      <p:nvGrpSpPr>
-        <p:cNvPr id="1" name=""/>
-        <p:cNvGrpSpPr/>
-        <p:nvPr/>
-      </p:nvGrpSpPr>
-      <p:grpSpPr>
-        <a:xfrm>
-          <a:off x="0" y="0"/>
-          <a:ext cx="0" cy="0"/>
-          <a:chOff x="0" y="0"/>
-          <a:chExt cx="0" cy="0"/>
-        </a:xfrm>
-      </p:grpSpPr>
-      <p:sp>
-        <p:nvSpPr>
-          <p:cNvPr id="2" name="Title 1"/>
-          <p:cNvSpPr>
-            <a:spLocks noGrp="1"/>
-          </p:cNvSpPr>
-          <p:nvPr>
-            <p:ph type="title"/>
-          </p:nvPr>
-        </p:nvSpPr>
-        <p:spPr/>
-        <p:txBody>
-          <a:bodyPr/>
-          <a:lstStyle/>
-          <a:p>
-            <a:r>
               <a:rPr lang="en-US" dirty="0" err="1"/>
               <a:t>r</a:t>
             </a:r>
@@ -29143,7 +29004,7 @@
 </p:sld>
 </file>
 
-<file path=ppt/slides/slide58.xml><?xml version="1.0" encoding="utf-8"?>
+<file path=ppt/slides/slide57.xml><?xml version="1.0" encoding="utf-8"?>
 <p:sld xmlns:a="http://schemas.openxmlformats.org/drawingml/2006/main" xmlns:r="http://schemas.openxmlformats.org/officeDocument/2006/relationships" xmlns:p="http://schemas.openxmlformats.org/presentationml/2006/main">
   <p:cSld>
     <p:spTree>
@@ -29797,7 +29658,7 @@
 </p:sld>
 </file>
 
-<file path=ppt/slides/slide59.xml><?xml version="1.0" encoding="utf-8"?>
+<file path=ppt/slides/slide58.xml><?xml version="1.0" encoding="utf-8"?>
 <p:sld xmlns:a="http://schemas.openxmlformats.org/drawingml/2006/main" xmlns:r="http://schemas.openxmlformats.org/officeDocument/2006/relationships" xmlns:p="http://schemas.openxmlformats.org/presentationml/2006/main">
   <p:cSld>
     <p:spTree>

--- a/slides/day3_probability.pptx
+++ b/slides/day3_probability.pptx
@@ -5,7 +5,7 @@
     <p:sldMasterId id="2147483972" r:id="rId1"/>
   </p:sldMasterIdLst>
   <p:notesMasterIdLst>
-    <p:notesMasterId r:id="rId60"/>
+    <p:notesMasterId r:id="rId59"/>
   </p:notesMasterIdLst>
   <p:sldIdLst>
     <p:sldId id="256" r:id="rId2"/>
@@ -45,27 +45,26 @@
     <p:sldId id="330" r:id="rId36"/>
     <p:sldId id="331" r:id="rId37"/>
     <p:sldId id="332" r:id="rId38"/>
-    <p:sldId id="334" r:id="rId39"/>
-    <p:sldId id="335" r:id="rId40"/>
-    <p:sldId id="336" r:id="rId41"/>
-    <p:sldId id="270" r:id="rId42"/>
-    <p:sldId id="338" r:id="rId43"/>
-    <p:sldId id="341" r:id="rId44"/>
-    <p:sldId id="342" r:id="rId45"/>
-    <p:sldId id="344" r:id="rId46"/>
-    <p:sldId id="343" r:id="rId47"/>
-    <p:sldId id="261" r:id="rId48"/>
-    <p:sldId id="352" r:id="rId49"/>
-    <p:sldId id="353" r:id="rId50"/>
-    <p:sldId id="307" r:id="rId51"/>
-    <p:sldId id="308" r:id="rId52"/>
-    <p:sldId id="309" r:id="rId53"/>
-    <p:sldId id="310" r:id="rId54"/>
-    <p:sldId id="311" r:id="rId55"/>
-    <p:sldId id="313" r:id="rId56"/>
-    <p:sldId id="314" r:id="rId57"/>
-    <p:sldId id="315" r:id="rId58"/>
-    <p:sldId id="312" r:id="rId59"/>
+    <p:sldId id="354" r:id="rId39"/>
+    <p:sldId id="334" r:id="rId40"/>
+    <p:sldId id="270" r:id="rId41"/>
+    <p:sldId id="338" r:id="rId42"/>
+    <p:sldId id="341" r:id="rId43"/>
+    <p:sldId id="342" r:id="rId44"/>
+    <p:sldId id="344" r:id="rId45"/>
+    <p:sldId id="343" r:id="rId46"/>
+    <p:sldId id="261" r:id="rId47"/>
+    <p:sldId id="352" r:id="rId48"/>
+    <p:sldId id="353" r:id="rId49"/>
+    <p:sldId id="307" r:id="rId50"/>
+    <p:sldId id="308" r:id="rId51"/>
+    <p:sldId id="309" r:id="rId52"/>
+    <p:sldId id="310" r:id="rId53"/>
+    <p:sldId id="311" r:id="rId54"/>
+    <p:sldId id="313" r:id="rId55"/>
+    <p:sldId id="314" r:id="rId56"/>
+    <p:sldId id="315" r:id="rId57"/>
+    <p:sldId id="312" r:id="rId58"/>
   </p:sldIdLst>
   <p:sldSz cx="12192000" cy="6858000"/>
   <p:notesSz cx="6858000" cy="9144000"/>
@@ -764,7 +763,7 @@
     </p:spTree>
     <p:extLst>
       <p:ext uri="{BB962C8B-B14F-4D97-AF65-F5344CB8AC3E}">
-        <p14:creationId xmlns:p14="http://schemas.microsoft.com/office/powerpoint/2010/main" val="392759449"/>
+        <p14:creationId xmlns:p14="http://schemas.microsoft.com/office/powerpoint/2010/main" val="1839159492"/>
       </p:ext>
     </p:extLst>
   </p:cSld>
@@ -848,7 +847,7 @@
     </p:spTree>
     <p:extLst>
       <p:ext uri="{BB962C8B-B14F-4D97-AF65-F5344CB8AC3E}">
-        <p14:creationId xmlns:p14="http://schemas.microsoft.com/office/powerpoint/2010/main" val="1974623118"/>
+        <p14:creationId xmlns:p14="http://schemas.microsoft.com/office/powerpoint/2010/main" val="392759449"/>
       </p:ext>
     </p:extLst>
   </p:cSld>
@@ -923,7 +922,7 @@
           <a:p>
             <a:fld id="{35F455D7-87FC-9642-BFAF-719C44C24338}" type="slidenum">
               <a:rPr lang="en-US" smtClean="0"/>
-              <a:t>40</a:t>
+              <a:t>43</a:t>
             </a:fld>
             <a:endParaRPr lang="en-US"/>
           </a:p>
@@ -932,7 +931,7 @@
     </p:spTree>
     <p:extLst>
       <p:ext uri="{BB962C8B-B14F-4D97-AF65-F5344CB8AC3E}">
-        <p14:creationId xmlns:p14="http://schemas.microsoft.com/office/powerpoint/2010/main" val="1982989054"/>
+        <p14:creationId xmlns:p14="http://schemas.microsoft.com/office/powerpoint/2010/main" val="1015106272"/>
       </p:ext>
     </p:extLst>
   </p:cSld>
@@ -1016,7 +1015,7 @@
     </p:spTree>
     <p:extLst>
       <p:ext uri="{BB962C8B-B14F-4D97-AF65-F5344CB8AC3E}">
-        <p14:creationId xmlns:p14="http://schemas.microsoft.com/office/powerpoint/2010/main" val="1015106272"/>
+        <p14:creationId xmlns:p14="http://schemas.microsoft.com/office/powerpoint/2010/main" val="1432459575"/>
       </p:ext>
     </p:extLst>
   </p:cSld>
@@ -1092,90 +1091,6 @@
             <a:fld id="{35F455D7-87FC-9642-BFAF-719C44C24338}" type="slidenum">
               <a:rPr lang="en-US" smtClean="0"/>
               <a:t>45</a:t>
-            </a:fld>
-            <a:endParaRPr lang="en-US"/>
-          </a:p>
-        </p:txBody>
-      </p:sp>
-    </p:spTree>
-    <p:extLst>
-      <p:ext uri="{BB962C8B-B14F-4D97-AF65-F5344CB8AC3E}">
-        <p14:creationId xmlns:p14="http://schemas.microsoft.com/office/powerpoint/2010/main" val="1432459575"/>
-      </p:ext>
-    </p:extLst>
-  </p:cSld>
-  <p:clrMapOvr>
-    <a:masterClrMapping/>
-  </p:clrMapOvr>
-</p:notes>
-</file>
-
-<file path=ppt/notesSlides/notesSlide16.xml><?xml version="1.0" encoding="utf-8"?>
-<p:notes xmlns:a="http://schemas.openxmlformats.org/drawingml/2006/main" xmlns:r="http://schemas.openxmlformats.org/officeDocument/2006/relationships" xmlns:p="http://schemas.openxmlformats.org/presentationml/2006/main">
-  <p:cSld>
-    <p:spTree>
-      <p:nvGrpSpPr>
-        <p:cNvPr id="1" name=""/>
-        <p:cNvGrpSpPr/>
-        <p:nvPr/>
-      </p:nvGrpSpPr>
-      <p:grpSpPr>
-        <a:xfrm>
-          <a:off x="0" y="0"/>
-          <a:ext cx="0" cy="0"/>
-          <a:chOff x="0" y="0"/>
-          <a:chExt cx="0" cy="0"/>
-        </a:xfrm>
-      </p:grpSpPr>
-      <p:sp>
-        <p:nvSpPr>
-          <p:cNvPr id="2" name="Slide Image Placeholder 1"/>
-          <p:cNvSpPr>
-            <a:spLocks noGrp="1" noRot="1" noChangeAspect="1"/>
-          </p:cNvSpPr>
-          <p:nvPr>
-            <p:ph type="sldImg"/>
-          </p:nvPr>
-        </p:nvSpPr>
-        <p:spPr/>
-      </p:sp>
-      <p:sp>
-        <p:nvSpPr>
-          <p:cNvPr id="3" name="Notes Placeholder 2"/>
-          <p:cNvSpPr>
-            <a:spLocks noGrp="1"/>
-          </p:cNvSpPr>
-          <p:nvPr>
-            <p:ph type="body" idx="1"/>
-          </p:nvPr>
-        </p:nvSpPr>
-        <p:spPr/>
-        <p:txBody>
-          <a:bodyPr/>
-          <a:lstStyle/>
-          <a:p>
-            <a:endParaRPr lang="en-US" dirty="0"/>
-          </a:p>
-        </p:txBody>
-      </p:sp>
-      <p:sp>
-        <p:nvSpPr>
-          <p:cNvPr id="4" name="Slide Number Placeholder 3"/>
-          <p:cNvSpPr>
-            <a:spLocks noGrp="1"/>
-          </p:cNvSpPr>
-          <p:nvPr>
-            <p:ph type="sldNum" sz="quarter" idx="10"/>
-          </p:nvPr>
-        </p:nvSpPr>
-        <p:spPr/>
-        <p:txBody>
-          <a:bodyPr/>
-          <a:lstStyle/>
-          <a:p>
-            <a:fld id="{35F455D7-87FC-9642-BFAF-719C44C24338}" type="slidenum">
-              <a:rPr lang="en-US" smtClean="0"/>
-              <a:t>46</a:t>
             </a:fld>
             <a:endParaRPr lang="en-US"/>
           </a:p>
@@ -20628,7 +20543,7 @@
             </a:r>
             <a:r>
               <a:rPr lang="en-US" dirty="0" smtClean="0"/>
-              <a:t>survival assuming the seed lands?</a:t>
+              <a:t>survival?</a:t>
             </a:r>
             <a:endParaRPr lang="en-US" dirty="0" smtClean="0"/>
           </a:p>
@@ -20744,6 +20659,376 @@
 </file>
 
 <file path=ppt/slides/slide38.xml><?xml version="1.0" encoding="utf-8"?>
+<p:sld xmlns:a="http://schemas.openxmlformats.org/drawingml/2006/main" xmlns:r="http://schemas.openxmlformats.org/officeDocument/2006/relationships" xmlns:p="http://schemas.openxmlformats.org/presentationml/2006/main">
+  <p:cSld>
+    <p:spTree>
+      <p:nvGrpSpPr>
+        <p:cNvPr id="1" name=""/>
+        <p:cNvGrpSpPr/>
+        <p:nvPr/>
+      </p:nvGrpSpPr>
+      <p:grpSpPr>
+        <a:xfrm>
+          <a:off x="0" y="0"/>
+          <a:ext cx="0" cy="0"/>
+          <a:chOff x="0" y="0"/>
+          <a:chExt cx="0" cy="0"/>
+        </a:xfrm>
+      </p:grpSpPr>
+      <p:sp>
+        <p:nvSpPr>
+          <p:cNvPr id="2" name="Title 1"/>
+          <p:cNvSpPr>
+            <a:spLocks noGrp="1"/>
+          </p:cNvSpPr>
+          <p:nvPr>
+            <p:ph type="title"/>
+          </p:nvPr>
+        </p:nvSpPr>
+        <p:spPr>
+          <a:xfrm>
+            <a:off x="1097280" y="286603"/>
+            <a:ext cx="10668000" cy="1450757"/>
+          </a:xfrm>
+        </p:spPr>
+        <p:txBody>
+          <a:bodyPr/>
+          <a:lstStyle/>
+          <a:p>
+            <a:r>
+              <a:rPr lang="en-US" dirty="0" smtClean="0"/>
+              <a:t>Step </a:t>
+            </a:r>
+            <a:r>
+              <a:rPr lang="en-US" dirty="0" smtClean="0"/>
+              <a:t>2-3: </a:t>
+            </a:r>
+            <a:r>
+              <a:rPr lang="en-US" dirty="0" smtClean="0"/>
+              <a:t>Probability </a:t>
+            </a:r>
+            <a:r>
+              <a:rPr lang="en-US" dirty="0" smtClean="0"/>
+              <a:t>equation</a:t>
+            </a:r>
+            <a:r>
+              <a:rPr lang="en-US" smtClean="0"/>
+              <a:t>, plug 'n chug</a:t>
+            </a:r>
+            <a:endParaRPr lang="en-US" dirty="0"/>
+          </a:p>
+        </p:txBody>
+      </p:sp>
+      <p:sp>
+        <p:nvSpPr>
+          <p:cNvPr id="4" name="TextBox 3"/>
+          <p:cNvSpPr txBox="1"/>
+          <p:nvPr/>
+        </p:nvSpPr>
+        <p:spPr>
+          <a:xfrm>
+            <a:off x="740227" y="2157588"/>
+            <a:ext cx="10415453" cy="2492990"/>
+          </a:xfrm>
+          <a:prstGeom prst="rect">
+            <a:avLst/>
+          </a:prstGeom>
+          <a:noFill/>
+        </p:spPr>
+        <p:txBody>
+          <a:bodyPr wrap="square" rtlCol="0">
+            <a:spAutoFit/>
+          </a:bodyPr>
+          <a:lstStyle/>
+          <a:p>
+            <a:endParaRPr lang="en-US" sz="2600" dirty="0"/>
+          </a:p>
+          <a:p>
+            <a:r>
+              <a:rPr lang="en-US" sz="2600" dirty="0" smtClean="0">
+                <a:solidFill>
+                  <a:srgbClr val="C00000"/>
+                </a:solidFill>
+              </a:rPr>
+              <a:t>P[lands and </a:t>
+            </a:r>
+            <a:r>
+              <a:rPr lang="en-US" sz="2600" dirty="0" smtClean="0">
+                <a:solidFill>
+                  <a:srgbClr val="C00000"/>
+                </a:solidFill>
+              </a:rPr>
+              <a:t>survives] </a:t>
+            </a:r>
+            <a:r>
+              <a:rPr lang="en-US" sz="2600" dirty="0" smtClean="0">
+                <a:solidFill>
+                  <a:srgbClr val="C00000"/>
+                </a:solidFill>
+              </a:rPr>
+              <a:t> = P[survives | lands] * P[lands]</a:t>
+            </a:r>
+          </a:p>
+          <a:p>
+            <a:r>
+              <a:rPr lang="en-US" sz="2600" dirty="0"/>
+              <a:t> </a:t>
+            </a:r>
+            <a:r>
+              <a:rPr lang="en-US" sz="2600" dirty="0" smtClean="0"/>
+              <a:t>                                       =       0.35                     * 0.8</a:t>
+            </a:r>
+          </a:p>
+          <a:p>
+            <a:r>
+              <a:rPr lang="en-US" sz="2600" dirty="0"/>
+              <a:t> </a:t>
+            </a:r>
+            <a:r>
+              <a:rPr lang="en-US" sz="2600" dirty="0" smtClean="0"/>
+              <a:t>                                       </a:t>
+            </a:r>
+            <a:r>
+              <a:rPr lang="en-US" sz="2600" smtClean="0"/>
+              <a:t>=     </a:t>
+            </a:r>
+            <a:r>
+              <a:rPr lang="en-US" sz="2600" b="1" smtClean="0"/>
+              <a:t>0.28</a:t>
+            </a:r>
+            <a:endParaRPr lang="en-US" sz="2600" dirty="0" smtClean="0"/>
+          </a:p>
+          <a:p>
+            <a:r>
+              <a:rPr lang="en-US" sz="2600" dirty="0"/>
+              <a:t> </a:t>
+            </a:r>
+            <a:r>
+              <a:rPr lang="en-US" sz="2600" dirty="0" smtClean="0"/>
+              <a:t>                                       </a:t>
+            </a:r>
+          </a:p>
+          <a:p>
+            <a:endParaRPr lang="en-US" sz="2600" dirty="0">
+              <a:solidFill>
+                <a:srgbClr val="C00000"/>
+              </a:solidFill>
+            </a:endParaRPr>
+          </a:p>
+        </p:txBody>
+      </p:sp>
+      <p:sp>
+        <p:nvSpPr>
+          <p:cNvPr id="3" name="TextBox 2"/>
+          <p:cNvSpPr txBox="1"/>
+          <p:nvPr/>
+        </p:nvSpPr>
+        <p:spPr>
+          <a:xfrm>
+            <a:off x="283028" y="4855029"/>
+            <a:ext cx="11908971" cy="1015663"/>
+          </a:xfrm>
+          <a:prstGeom prst="rect">
+            <a:avLst/>
+          </a:prstGeom>
+          <a:noFill/>
+        </p:spPr>
+        <p:txBody>
+          <a:bodyPr wrap="square" rtlCol="0">
+            <a:spAutoFit/>
+          </a:bodyPr>
+          <a:lstStyle/>
+          <a:p>
+            <a:r>
+              <a:rPr lang="en-US" sz="3000" b="1" dirty="0" smtClean="0"/>
+              <a:t>TAKE NOTICE</a:t>
+            </a:r>
+            <a:r>
+              <a:rPr lang="en-US" sz="3000" b="1" smtClean="0"/>
+              <a:t>: </a:t>
+            </a:r>
+          </a:p>
+          <a:p>
+            <a:r>
+              <a:rPr lang="en-US" sz="3000" b="1" dirty="0" smtClean="0"/>
+              <a:t>THIS IS THE TYPE OF STATEMENT YOU WILL HAVE TO WRITE ON HW3</a:t>
+            </a:r>
+            <a:endParaRPr lang="en-US" sz="3000" b="1" dirty="0"/>
+          </a:p>
+        </p:txBody>
+      </p:sp>
+    </p:spTree>
+    <p:extLst>
+      <p:ext uri="{BB962C8B-B14F-4D97-AF65-F5344CB8AC3E}">
+        <p14:creationId xmlns:p14="http://schemas.microsoft.com/office/powerpoint/2010/main" val="923781665"/>
+      </p:ext>
+    </p:extLst>
+  </p:cSld>
+  <p:clrMapOvr>
+    <a:masterClrMapping/>
+  </p:clrMapOvr>
+  <p:timing>
+    <p:tnLst>
+      <p:par>
+        <p:cTn id="1" dur="indefinite" restart="never" nodeType="tmRoot">
+          <p:childTnLst>
+            <p:seq concurrent="1" nextAc="seek">
+              <p:cTn id="2" dur="indefinite" nodeType="mainSeq">
+                <p:childTnLst>
+                  <p:par>
+                    <p:cTn id="3" fill="hold">
+                      <p:stCondLst>
+                        <p:cond delay="indefinite"/>
+                      </p:stCondLst>
+                      <p:childTnLst>
+                        <p:par>
+                          <p:cTn id="4" fill="hold">
+                            <p:stCondLst>
+                              <p:cond delay="0"/>
+                            </p:stCondLst>
+                            <p:childTnLst>
+                              <p:par>
+                                <p:cTn id="5" presetID="1" presetClass="entr" presetSubtype="0" fill="hold" grpId="0" nodeType="clickEffect">
+                                  <p:stCondLst>
+                                    <p:cond delay="0"/>
+                                  </p:stCondLst>
+                                  <p:childTnLst>
+                                    <p:set>
+                                      <p:cBhvr>
+                                        <p:cTn id="6" dur="1" fill="hold">
+                                          <p:stCondLst>
+                                            <p:cond delay="0"/>
+                                          </p:stCondLst>
+                                        </p:cTn>
+                                        <p:tgtEl>
+                                          <p:spTgt spid="3"/>
+                                        </p:tgtEl>
+                                        <p:attrNameLst>
+                                          <p:attrName>style.visibility</p:attrName>
+                                        </p:attrNameLst>
+                                      </p:cBhvr>
+                                      <p:to>
+                                        <p:strVal val="visible"/>
+                                      </p:to>
+                                    </p:set>
+                                  </p:childTnLst>
+                                </p:cTn>
+                              </p:par>
+                            </p:childTnLst>
+                          </p:cTn>
+                        </p:par>
+                      </p:childTnLst>
+                    </p:cTn>
+                  </p:par>
+                  <p:par>
+                    <p:cTn id="7" fill="hold">
+                      <p:stCondLst>
+                        <p:cond delay="indefinite"/>
+                      </p:stCondLst>
+                      <p:childTnLst>
+                        <p:par>
+                          <p:cTn id="8" fill="hold">
+                            <p:stCondLst>
+                              <p:cond delay="0"/>
+                            </p:stCondLst>
+                            <p:childTnLst>
+                              <p:par>
+                                <p:cTn id="9" presetID="1" presetClass="entr" presetSubtype="0" fill="hold" nodeType="clickEffect">
+                                  <p:stCondLst>
+                                    <p:cond delay="0"/>
+                                  </p:stCondLst>
+                                  <p:childTnLst>
+                                    <p:set>
+                                      <p:cBhvr>
+                                        <p:cTn id="10" dur="1" fill="hold">
+                                          <p:stCondLst>
+                                            <p:cond delay="0"/>
+                                          </p:stCondLst>
+                                        </p:cTn>
+                                        <p:tgtEl>
+                                          <p:spTgt spid="4">
+                                            <p:txEl>
+                                              <p:pRg st="2" end="2"/>
+                                            </p:txEl>
+                                          </p:spTgt>
+                                        </p:tgtEl>
+                                        <p:attrNameLst>
+                                          <p:attrName>style.visibility</p:attrName>
+                                        </p:attrNameLst>
+                                      </p:cBhvr>
+                                      <p:to>
+                                        <p:strVal val="visible"/>
+                                      </p:to>
+                                    </p:set>
+                                  </p:childTnLst>
+                                </p:cTn>
+                              </p:par>
+                              <p:par>
+                                <p:cTn id="11" presetID="1" presetClass="entr" presetSubtype="0" fill="hold" nodeType="withEffect">
+                                  <p:stCondLst>
+                                    <p:cond delay="0"/>
+                                  </p:stCondLst>
+                                  <p:childTnLst>
+                                    <p:set>
+                                      <p:cBhvr>
+                                        <p:cTn id="12" dur="1" fill="hold">
+                                          <p:stCondLst>
+                                            <p:cond delay="0"/>
+                                          </p:stCondLst>
+                                        </p:cTn>
+                                        <p:tgtEl>
+                                          <p:spTgt spid="4">
+                                            <p:txEl>
+                                              <p:pRg st="3" end="3"/>
+                                            </p:txEl>
+                                          </p:spTgt>
+                                        </p:tgtEl>
+                                        <p:attrNameLst>
+                                          <p:attrName>style.visibility</p:attrName>
+                                        </p:attrNameLst>
+                                      </p:cBhvr>
+                                      <p:to>
+                                        <p:strVal val="visible"/>
+                                      </p:to>
+                                    </p:set>
+                                  </p:childTnLst>
+                                </p:cTn>
+                              </p:par>
+                            </p:childTnLst>
+                          </p:cTn>
+                        </p:par>
+                      </p:childTnLst>
+                    </p:cTn>
+                  </p:par>
+                </p:childTnLst>
+              </p:cTn>
+              <p:prevCondLst>
+                <p:cond evt="onPrev" delay="0">
+                  <p:tgtEl>
+                    <p:sldTgt/>
+                  </p:tgtEl>
+                </p:cond>
+              </p:prevCondLst>
+              <p:nextCondLst>
+                <p:cond evt="onNext" delay="0">
+                  <p:tgtEl>
+                    <p:sldTgt/>
+                  </p:tgtEl>
+                </p:cond>
+              </p:nextCondLst>
+            </p:seq>
+          </p:childTnLst>
+        </p:cTn>
+      </p:par>
+    </p:tnLst>
+    <p:bldLst>
+      <p:bldP spid="3" grpId="0"/>
+    </p:bldLst>
+  </p:timing>
+</p:sld>
+</file>
+
+<file path=ppt/slides/slide39.xml><?xml version="1.0" encoding="utf-8"?>
 <p:sld xmlns:a="http://schemas.openxmlformats.org/drawingml/2006/main" xmlns:r="http://schemas.openxmlformats.org/officeDocument/2006/relationships" xmlns:p="http://schemas.openxmlformats.org/presentationml/2006/main">
   <p:cSld>
     <p:spTree>
@@ -21584,264 +21869,6 @@
 </p:sld>
 </file>
 
-<file path=ppt/slides/slide39.xml><?xml version="1.0" encoding="utf-8"?>
-<p:sld xmlns:a="http://schemas.openxmlformats.org/drawingml/2006/main" xmlns:r="http://schemas.openxmlformats.org/officeDocument/2006/relationships" xmlns:p="http://schemas.openxmlformats.org/presentationml/2006/main">
-  <p:cSld>
-    <p:spTree>
-      <p:nvGrpSpPr>
-        <p:cNvPr id="1" name=""/>
-        <p:cNvGrpSpPr/>
-        <p:nvPr/>
-      </p:nvGrpSpPr>
-      <p:grpSpPr>
-        <a:xfrm>
-          <a:off x="0" y="0"/>
-          <a:ext cx="0" cy="0"/>
-          <a:chOff x="0" y="0"/>
-          <a:chExt cx="0" cy="0"/>
-        </a:xfrm>
-      </p:grpSpPr>
-      <p:sp>
-        <p:nvSpPr>
-          <p:cNvPr id="2" name="Title 1"/>
-          <p:cNvSpPr>
-            <a:spLocks noGrp="1"/>
-          </p:cNvSpPr>
-          <p:nvPr>
-            <p:ph type="title"/>
-          </p:nvPr>
-        </p:nvSpPr>
-        <p:spPr/>
-        <p:txBody>
-          <a:bodyPr/>
-          <a:lstStyle/>
-          <a:p>
-            <a:r>
-              <a:rPr lang="en-US" dirty="0" smtClean="0"/>
-              <a:t>Step 2: Probability equation</a:t>
-            </a:r>
-            <a:endParaRPr lang="en-US" dirty="0"/>
-          </a:p>
-        </p:txBody>
-      </p:sp>
-      <p:sp>
-        <p:nvSpPr>
-          <p:cNvPr id="4" name="TextBox 3"/>
-          <p:cNvSpPr txBox="1"/>
-          <p:nvPr/>
-        </p:nvSpPr>
-        <p:spPr>
-          <a:xfrm>
-            <a:off x="740227" y="2157588"/>
-            <a:ext cx="10415453" cy="2092881"/>
-          </a:xfrm>
-          <a:prstGeom prst="rect">
-            <a:avLst/>
-          </a:prstGeom>
-          <a:noFill/>
-        </p:spPr>
-        <p:txBody>
-          <a:bodyPr wrap="square" rtlCol="0">
-            <a:spAutoFit/>
-          </a:bodyPr>
-          <a:lstStyle/>
-          <a:p>
-            <a:endParaRPr lang="en-US" sz="2600" dirty="0"/>
-          </a:p>
-          <a:p>
-            <a:r>
-              <a:rPr lang="en-US" sz="2600" dirty="0" smtClean="0">
-                <a:solidFill>
-                  <a:srgbClr val="C00000"/>
-                </a:solidFill>
-              </a:rPr>
-              <a:t>P[seed </a:t>
-            </a:r>
-            <a:r>
-              <a:rPr lang="en-US" sz="2600" dirty="0" smtClean="0">
-                <a:solidFill>
-                  <a:srgbClr val="C00000"/>
-                </a:solidFill>
-              </a:rPr>
-              <a:t>survives | seed lands] = </a:t>
-            </a:r>
-          </a:p>
-          <a:p>
-            <a:r>
-              <a:rPr lang="en-US" sz="2600" dirty="0">
-                <a:solidFill>
-                  <a:srgbClr val="C00000"/>
-                </a:solidFill>
-              </a:rPr>
-              <a:t>	</a:t>
-            </a:r>
-            <a:r>
-              <a:rPr lang="en-US" sz="2600" dirty="0" smtClean="0">
-                <a:solidFill>
-                  <a:srgbClr val="C00000"/>
-                </a:solidFill>
-              </a:rPr>
-              <a:t>	        (P[lands | survives] * P[survives]) / P(lands)</a:t>
-            </a:r>
-          </a:p>
-          <a:p>
-            <a:r>
-              <a:rPr lang="en-US" sz="2600" dirty="0">
-                <a:solidFill>
-                  <a:srgbClr val="C00000"/>
-                </a:solidFill>
-              </a:rPr>
-              <a:t> </a:t>
-            </a:r>
-            <a:r>
-              <a:rPr lang="en-US" sz="2600" dirty="0" smtClean="0">
-                <a:solidFill>
-                  <a:srgbClr val="C00000"/>
-                </a:solidFill>
-              </a:rPr>
-              <a:t>                                       </a:t>
-            </a:r>
-          </a:p>
-          <a:p>
-            <a:endParaRPr lang="en-US" sz="2600" dirty="0">
-              <a:solidFill>
-                <a:srgbClr val="C00000"/>
-              </a:solidFill>
-            </a:endParaRPr>
-          </a:p>
-        </p:txBody>
-      </p:sp>
-      <p:sp>
-        <p:nvSpPr>
-          <p:cNvPr id="3" name="TextBox 2"/>
-          <p:cNvSpPr txBox="1"/>
-          <p:nvPr/>
-        </p:nvSpPr>
-        <p:spPr>
-          <a:xfrm>
-            <a:off x="283028" y="4855029"/>
-            <a:ext cx="11908971" cy="1015663"/>
-          </a:xfrm>
-          <a:prstGeom prst="rect">
-            <a:avLst/>
-          </a:prstGeom>
-          <a:noFill/>
-        </p:spPr>
-        <p:txBody>
-          <a:bodyPr wrap="square" rtlCol="0">
-            <a:spAutoFit/>
-          </a:bodyPr>
-          <a:lstStyle/>
-          <a:p>
-            <a:r>
-              <a:rPr lang="en-US" sz="3000" b="1" dirty="0" smtClean="0"/>
-              <a:t>TAKE NOTICE</a:t>
-            </a:r>
-            <a:r>
-              <a:rPr lang="en-US" sz="3000" b="1" smtClean="0"/>
-              <a:t>: </a:t>
-            </a:r>
-          </a:p>
-          <a:p>
-            <a:r>
-              <a:rPr lang="en-US" sz="3000" b="1" dirty="0" smtClean="0"/>
-              <a:t>THIS IS THE TYPE OF STATEMENT YOU WILL HAVE TO WRITE ON HW3</a:t>
-            </a:r>
-            <a:endParaRPr lang="en-US" sz="3000" b="1" dirty="0"/>
-          </a:p>
-        </p:txBody>
-      </p:sp>
-    </p:spTree>
-    <p:extLst>
-      <p:ext uri="{BB962C8B-B14F-4D97-AF65-F5344CB8AC3E}">
-        <p14:creationId xmlns:p14="http://schemas.microsoft.com/office/powerpoint/2010/main" val="877520285"/>
-      </p:ext>
-    </p:extLst>
-  </p:cSld>
-  <p:clrMapOvr>
-    <a:masterClrMapping/>
-  </p:clrMapOvr>
-  <p:timing>
-    <p:tnLst>
-      <p:par>
-        <p:cTn id="1" dur="indefinite" restart="never" nodeType="tmRoot">
-          <p:childTnLst>
-            <p:seq concurrent="1" nextAc="seek">
-              <p:cTn id="2" dur="indefinite" nodeType="mainSeq">
-                <p:childTnLst>
-                  <p:par>
-                    <p:cTn id="3" fill="hold">
-                      <p:stCondLst>
-                        <p:cond delay="indefinite"/>
-                      </p:stCondLst>
-                      <p:childTnLst>
-                        <p:par>
-                          <p:cTn id="4" fill="hold">
-                            <p:stCondLst>
-                              <p:cond delay="0"/>
-                            </p:stCondLst>
-                            <p:childTnLst>
-                              <p:par>
-                                <p:cTn id="5" presetID="1" presetClass="entr" presetSubtype="0" fill="hold" grpId="0" nodeType="clickEffect">
-                                  <p:stCondLst>
-                                    <p:cond delay="0"/>
-                                  </p:stCondLst>
-                                  <p:childTnLst>
-                                    <p:set>
-                                      <p:cBhvr>
-                                        <p:cTn id="6" dur="1" fill="hold">
-                                          <p:stCondLst>
-                                            <p:cond delay="0"/>
-                                          </p:stCondLst>
-                                        </p:cTn>
-                                        <p:tgtEl>
-                                          <p:spTgt spid="3"/>
-                                        </p:tgtEl>
-                                        <p:attrNameLst>
-                                          <p:attrName>style.visibility</p:attrName>
-                                        </p:attrNameLst>
-                                      </p:cBhvr>
-                                      <p:to>
-                                        <p:strVal val="visible"/>
-                                      </p:to>
-                                    </p:set>
-                                  </p:childTnLst>
-                                </p:cTn>
-                              </p:par>
-                            </p:childTnLst>
-                          </p:cTn>
-                        </p:par>
-                      </p:childTnLst>
-                    </p:cTn>
-                  </p:par>
-                </p:childTnLst>
-              </p:cTn>
-              <p:prevCondLst>
-                <p:cond evt="onPrev" delay="0">
-                  <p:tgtEl>
-                    <p:sldTgt/>
-                  </p:tgtEl>
-                </p:cond>
-              </p:prevCondLst>
-              <p:nextCondLst>
-                <p:cond evt="onNext" delay="0">
-                  <p:tgtEl>
-                    <p:sldTgt/>
-                  </p:tgtEl>
-                </p:cond>
-              </p:nextCondLst>
-            </p:seq>
-          </p:childTnLst>
-        </p:cTn>
-      </p:par>
-    </p:tnLst>
-    <p:bldLst>
-      <p:bldP spid="3" grpId="0"/>
-    </p:bldLst>
-  </p:timing>
-</p:sld>
-</file>
-
 <file path=ppt/slides/slide4.xml><?xml version="1.0" encoding="utf-8"?>
 <p:sld xmlns:a="http://schemas.openxmlformats.org/drawingml/2006/main" xmlns:r="http://schemas.openxmlformats.org/officeDocument/2006/relationships" xmlns:p="http://schemas.openxmlformats.org/presentationml/2006/main">
   <p:cSld>
@@ -22017,472 +22044,6 @@
 </file>
 
 <file path=ppt/slides/slide40.xml><?xml version="1.0" encoding="utf-8"?>
-<p:sld xmlns:a="http://schemas.openxmlformats.org/drawingml/2006/main" xmlns:r="http://schemas.openxmlformats.org/officeDocument/2006/relationships" xmlns:p="http://schemas.openxmlformats.org/presentationml/2006/main">
-  <p:cSld>
-    <p:spTree>
-      <p:nvGrpSpPr>
-        <p:cNvPr id="1" name=""/>
-        <p:cNvGrpSpPr/>
-        <p:nvPr/>
-      </p:nvGrpSpPr>
-      <p:grpSpPr>
-        <a:xfrm>
-          <a:off x="0" y="0"/>
-          <a:ext cx="0" cy="0"/>
-          <a:chOff x="0" y="0"/>
-          <a:chExt cx="0" cy="0"/>
-        </a:xfrm>
-      </p:grpSpPr>
-      <p:sp>
-        <p:nvSpPr>
-          <p:cNvPr id="2" name="Title 1"/>
-          <p:cNvSpPr>
-            <a:spLocks noGrp="1"/>
-          </p:cNvSpPr>
-          <p:nvPr>
-            <p:ph type="title"/>
-          </p:nvPr>
-        </p:nvSpPr>
-        <p:spPr/>
-        <p:txBody>
-          <a:bodyPr/>
-          <a:lstStyle/>
-          <a:p>
-            <a:r>
-              <a:rPr lang="en-US" dirty="0" smtClean="0"/>
-              <a:t>Step 3: </a:t>
-            </a:r>
-            <a:br>
-              <a:rPr lang="en-US" dirty="0" smtClean="0"/>
-            </a:br>
-            <a:r>
-              <a:rPr lang="en-US" dirty="0" smtClean="0"/>
-              <a:t>Plug in and solve</a:t>
-            </a:r>
-            <a:endParaRPr lang="en-US" dirty="0"/>
-          </a:p>
-        </p:txBody>
-      </p:sp>
-      <p:sp>
-        <p:nvSpPr>
-          <p:cNvPr id="4" name="TextBox 3"/>
-          <p:cNvSpPr txBox="1"/>
-          <p:nvPr/>
-        </p:nvSpPr>
-        <p:spPr>
-          <a:xfrm>
-            <a:off x="5499460" y="761316"/>
-            <a:ext cx="2952207" cy="1200329"/>
-          </a:xfrm>
-          <a:prstGeom prst="rect">
-            <a:avLst/>
-          </a:prstGeom>
-          <a:noFill/>
-        </p:spPr>
-        <p:txBody>
-          <a:bodyPr wrap="square" rtlCol="0">
-            <a:spAutoFit/>
-          </a:bodyPr>
-          <a:lstStyle/>
-          <a:p>
-            <a:r>
-              <a:rPr lang="en-US" dirty="0">
-                <a:solidFill>
-                  <a:srgbClr val="C00000"/>
-                </a:solidFill>
-              </a:rPr>
-              <a:t>P[land on high quality] = 0.3</a:t>
-            </a:r>
-          </a:p>
-          <a:p>
-            <a:r>
-              <a:rPr lang="en-US" dirty="0">
-                <a:solidFill>
-                  <a:srgbClr val="C00000"/>
-                </a:solidFill>
-              </a:rPr>
-              <a:t>P[land on med quality] = 0.2</a:t>
-            </a:r>
-          </a:p>
-          <a:p>
-            <a:r>
-              <a:rPr lang="en-US" dirty="0">
-                <a:solidFill>
-                  <a:srgbClr val="C00000"/>
-                </a:solidFill>
-              </a:rPr>
-              <a:t>P[land on low quality] = 0.5</a:t>
-            </a:r>
-          </a:p>
-          <a:p>
-            <a:endParaRPr lang="en-US" dirty="0">
-              <a:solidFill>
-                <a:srgbClr val="C00000"/>
-              </a:solidFill>
-            </a:endParaRPr>
-          </a:p>
-        </p:txBody>
-      </p:sp>
-      <p:sp>
-        <p:nvSpPr>
-          <p:cNvPr id="5" name="TextBox 4"/>
-          <p:cNvSpPr txBox="1"/>
-          <p:nvPr/>
-        </p:nvSpPr>
-        <p:spPr>
-          <a:xfrm>
-            <a:off x="8695508" y="761316"/>
-            <a:ext cx="3235236" cy="1200329"/>
-          </a:xfrm>
-          <a:prstGeom prst="rect">
-            <a:avLst/>
-          </a:prstGeom>
-          <a:noFill/>
-        </p:spPr>
-        <p:txBody>
-          <a:bodyPr wrap="square" rtlCol="0">
-            <a:spAutoFit/>
-          </a:bodyPr>
-          <a:lstStyle/>
-          <a:p>
-            <a:r>
-              <a:rPr lang="en-US" dirty="0" smtClean="0">
-                <a:solidFill>
-                  <a:srgbClr val="C00000"/>
-                </a:solidFill>
-              </a:rPr>
-              <a:t>P[survive </a:t>
-            </a:r>
-            <a:r>
-              <a:rPr lang="en-US" dirty="0">
-                <a:solidFill>
-                  <a:srgbClr val="C00000"/>
-                </a:solidFill>
-              </a:rPr>
-              <a:t>on high quality] = </a:t>
-            </a:r>
-            <a:r>
-              <a:rPr lang="en-US" dirty="0" smtClean="0">
-                <a:solidFill>
-                  <a:srgbClr val="C00000"/>
-                </a:solidFill>
-              </a:rPr>
-              <a:t>0.8</a:t>
-            </a:r>
-            <a:endParaRPr lang="en-US" dirty="0">
-              <a:solidFill>
-                <a:srgbClr val="C00000"/>
-              </a:solidFill>
-            </a:endParaRPr>
-          </a:p>
-          <a:p>
-            <a:r>
-              <a:rPr lang="en-US" dirty="0" smtClean="0">
-                <a:solidFill>
-                  <a:srgbClr val="C00000"/>
-                </a:solidFill>
-              </a:rPr>
-              <a:t>P[survive </a:t>
-            </a:r>
-            <a:r>
-              <a:rPr lang="en-US" dirty="0">
-                <a:solidFill>
-                  <a:srgbClr val="C00000"/>
-                </a:solidFill>
-              </a:rPr>
-              <a:t>on med quality] = </a:t>
-            </a:r>
-            <a:r>
-              <a:rPr lang="en-US" dirty="0" smtClean="0">
-                <a:solidFill>
-                  <a:srgbClr val="C00000"/>
-                </a:solidFill>
-              </a:rPr>
-              <a:t>0.3</a:t>
-            </a:r>
-            <a:endParaRPr lang="en-US" dirty="0">
-              <a:solidFill>
-                <a:srgbClr val="C00000"/>
-              </a:solidFill>
-            </a:endParaRPr>
-          </a:p>
-          <a:p>
-            <a:r>
-              <a:rPr lang="en-US" dirty="0" smtClean="0">
-                <a:solidFill>
-                  <a:srgbClr val="C00000"/>
-                </a:solidFill>
-              </a:rPr>
-              <a:t>P[survive </a:t>
-            </a:r>
-            <a:r>
-              <a:rPr lang="en-US" dirty="0">
-                <a:solidFill>
-                  <a:srgbClr val="C00000"/>
-                </a:solidFill>
-              </a:rPr>
-              <a:t>on low quality] = </a:t>
-            </a:r>
-            <a:r>
-              <a:rPr lang="en-US" dirty="0" smtClean="0">
-                <a:solidFill>
-                  <a:srgbClr val="C00000"/>
-                </a:solidFill>
-              </a:rPr>
-              <a:t>0.1</a:t>
-            </a:r>
-            <a:endParaRPr lang="en-US" dirty="0">
-              <a:solidFill>
-                <a:srgbClr val="C00000"/>
-              </a:solidFill>
-            </a:endParaRPr>
-          </a:p>
-          <a:p>
-            <a:endParaRPr lang="en-US" dirty="0">
-              <a:solidFill>
-                <a:srgbClr val="C00000"/>
-              </a:solidFill>
-            </a:endParaRPr>
-          </a:p>
-        </p:txBody>
-      </p:sp>
-      <p:sp>
-        <p:nvSpPr>
-          <p:cNvPr id="6" name="TextBox 5"/>
-          <p:cNvSpPr txBox="1"/>
-          <p:nvPr/>
-        </p:nvSpPr>
-        <p:spPr>
-          <a:xfrm>
-            <a:off x="740227" y="2157588"/>
-            <a:ext cx="10415453" cy="3693319"/>
-          </a:xfrm>
-          <a:prstGeom prst="rect">
-            <a:avLst/>
-          </a:prstGeom>
-          <a:noFill/>
-        </p:spPr>
-        <p:txBody>
-          <a:bodyPr wrap="square" rtlCol="0">
-            <a:spAutoFit/>
-          </a:bodyPr>
-          <a:lstStyle/>
-          <a:p>
-            <a:endParaRPr lang="en-US" sz="2600" dirty="0"/>
-          </a:p>
-          <a:p>
-            <a:r>
-              <a:rPr lang="en-US" sz="2600" smtClean="0"/>
-              <a:t>P[seed </a:t>
-            </a:r>
-            <a:r>
-              <a:rPr lang="en-US" sz="2600" dirty="0" smtClean="0"/>
-              <a:t>survives | seed lands] = </a:t>
-            </a:r>
-          </a:p>
-          <a:p>
-            <a:r>
-              <a:rPr lang="en-US" sz="2600" dirty="0"/>
-              <a:t>	</a:t>
-            </a:r>
-            <a:r>
-              <a:rPr lang="en-US" sz="2600" dirty="0" smtClean="0"/>
-              <a:t>	        (P[lands | survives] * P[survives]) / P(lands)</a:t>
-            </a:r>
-          </a:p>
-          <a:p>
-            <a:endParaRPr lang="en-US" sz="2600" dirty="0"/>
-          </a:p>
-          <a:p>
-            <a:r>
-              <a:rPr lang="en-US" sz="2600" dirty="0" smtClean="0"/>
-              <a:t>		      = (1                               *     0.35)        /      0.2</a:t>
-            </a:r>
-          </a:p>
-          <a:p>
-            <a:endParaRPr lang="en-US" sz="2600" dirty="0"/>
-          </a:p>
-          <a:p>
-            <a:r>
-              <a:rPr lang="en-US" sz="2600" dirty="0" smtClean="0"/>
-              <a:t>		      =  </a:t>
-            </a:r>
-            <a:r>
-              <a:rPr lang="en-US" sz="2600" b="1" dirty="0" smtClean="0"/>
-              <a:t>0.175</a:t>
-            </a:r>
-            <a:endParaRPr lang="en-US" sz="2600" dirty="0" smtClean="0"/>
-          </a:p>
-          <a:p>
-            <a:r>
-              <a:rPr lang="en-US" sz="2600" dirty="0"/>
-              <a:t> </a:t>
-            </a:r>
-            <a:r>
-              <a:rPr lang="en-US" sz="2600" dirty="0" smtClean="0"/>
-              <a:t>                                       </a:t>
-            </a:r>
-          </a:p>
-          <a:p>
-            <a:endParaRPr lang="en-US" sz="2600" dirty="0"/>
-          </a:p>
-        </p:txBody>
-      </p:sp>
-    </p:spTree>
-    <p:extLst>
-      <p:ext uri="{BB962C8B-B14F-4D97-AF65-F5344CB8AC3E}">
-        <p14:creationId xmlns:p14="http://schemas.microsoft.com/office/powerpoint/2010/main" val="623094775"/>
-      </p:ext>
-    </p:extLst>
-  </p:cSld>
-  <p:clrMapOvr>
-    <a:masterClrMapping/>
-  </p:clrMapOvr>
-  <p:timing>
-    <p:tnLst>
-      <p:par>
-        <p:cTn id="1" dur="indefinite" restart="never" nodeType="tmRoot">
-          <p:childTnLst>
-            <p:seq concurrent="1" nextAc="seek">
-              <p:cTn id="2" dur="indefinite" nodeType="mainSeq">
-                <p:childTnLst>
-                  <p:par>
-                    <p:cTn id="3" fill="hold">
-                      <p:stCondLst>
-                        <p:cond delay="indefinite"/>
-                      </p:stCondLst>
-                      <p:childTnLst>
-                        <p:par>
-                          <p:cTn id="4" fill="hold">
-                            <p:stCondLst>
-                              <p:cond delay="0"/>
-                            </p:stCondLst>
-                            <p:childTnLst>
-                              <p:par>
-                                <p:cTn id="5" presetID="1" presetClass="entr" presetSubtype="0" fill="hold" nodeType="clickEffect">
-                                  <p:stCondLst>
-                                    <p:cond delay="0"/>
-                                  </p:stCondLst>
-                                  <p:childTnLst>
-                                    <p:set>
-                                      <p:cBhvr>
-                                        <p:cTn id="6" dur="1" fill="hold">
-                                          <p:stCondLst>
-                                            <p:cond delay="0"/>
-                                          </p:stCondLst>
-                                        </p:cTn>
-                                        <p:tgtEl>
-                                          <p:spTgt spid="6">
-                                            <p:txEl>
-                                              <p:pRg st="4" end="4"/>
-                                            </p:txEl>
-                                          </p:spTgt>
-                                        </p:tgtEl>
-                                        <p:attrNameLst>
-                                          <p:attrName>style.visibility</p:attrName>
-                                        </p:attrNameLst>
-                                      </p:cBhvr>
-                                      <p:to>
-                                        <p:strVal val="visible"/>
-                                      </p:to>
-                                    </p:set>
-                                  </p:childTnLst>
-                                </p:cTn>
-                              </p:par>
-                              <p:par>
-                                <p:cTn id="7" presetID="1" presetClass="entr" presetSubtype="0" fill="hold" nodeType="withEffect">
-                                  <p:stCondLst>
-                                    <p:cond delay="0"/>
-                                  </p:stCondLst>
-                                  <p:childTnLst>
-                                    <p:set>
-                                      <p:cBhvr>
-                                        <p:cTn id="8" dur="1" fill="hold">
-                                          <p:stCondLst>
-                                            <p:cond delay="0"/>
-                                          </p:stCondLst>
-                                        </p:cTn>
-                                        <p:tgtEl>
-                                          <p:spTgt spid="6">
-                                            <p:txEl>
-                                              <p:pRg st="6" end="6"/>
-                                            </p:txEl>
-                                          </p:spTgt>
-                                        </p:tgtEl>
-                                        <p:attrNameLst>
-                                          <p:attrName>style.visibility</p:attrName>
-                                        </p:attrNameLst>
-                                      </p:cBhvr>
-                                      <p:to>
-                                        <p:strVal val="visible"/>
-                                      </p:to>
-                                    </p:set>
-                                  </p:childTnLst>
-                                </p:cTn>
-                              </p:par>
-                              <p:par>
-                                <p:cTn id="9" presetID="1" presetClass="entr" presetSubtype="0" fill="hold" nodeType="withEffect">
-                                  <p:stCondLst>
-                                    <p:cond delay="0"/>
-                                  </p:stCondLst>
-                                  <p:childTnLst>
-                                    <p:set>
-                                      <p:cBhvr>
-                                        <p:cTn id="10" dur="1" fill="hold">
-                                          <p:stCondLst>
-                                            <p:cond delay="0"/>
-                                          </p:stCondLst>
-                                        </p:cTn>
-                                        <p:tgtEl>
-                                          <p:spTgt spid="6">
-                                            <p:txEl>
-                                              <p:pRg st="7" end="7"/>
-                                            </p:txEl>
-                                          </p:spTgt>
-                                        </p:tgtEl>
-                                        <p:attrNameLst>
-                                          <p:attrName>style.visibility</p:attrName>
-                                        </p:attrNameLst>
-                                      </p:cBhvr>
-                                      <p:to>
-                                        <p:strVal val="visible"/>
-                                      </p:to>
-                                    </p:set>
-                                  </p:childTnLst>
-                                </p:cTn>
-                              </p:par>
-                            </p:childTnLst>
-                          </p:cTn>
-                        </p:par>
-                      </p:childTnLst>
-                    </p:cTn>
-                  </p:par>
-                </p:childTnLst>
-              </p:cTn>
-              <p:prevCondLst>
-                <p:cond evt="onPrev" delay="0">
-                  <p:tgtEl>
-                    <p:sldTgt/>
-                  </p:tgtEl>
-                </p:cond>
-              </p:prevCondLst>
-              <p:nextCondLst>
-                <p:cond evt="onNext" delay="0">
-                  <p:tgtEl>
-                    <p:sldTgt/>
-                  </p:tgtEl>
-                </p:cond>
-              </p:nextCondLst>
-            </p:seq>
-          </p:childTnLst>
-        </p:cTn>
-      </p:par>
-    </p:tnLst>
-  </p:timing>
-</p:sld>
-</file>
-
-<file path=ppt/slides/slide41.xml><?xml version="1.0" encoding="utf-8"?>
 <p:sld xmlns:a="http://schemas.openxmlformats.org/drawingml/2006/main" xmlns:r="http://schemas.openxmlformats.org/officeDocument/2006/relationships" xmlns:p="http://schemas.openxmlformats.org/presentationml/2006/main">
   <p:cSld>
     <p:spTree>
@@ -22740,7 +22301,7 @@
 </p:sld>
 </file>
 
-<file path=ppt/slides/slide42.xml><?xml version="1.0" encoding="utf-8"?>
+<file path=ppt/slides/slide41.xml><?xml version="1.0" encoding="utf-8"?>
 <p:sld xmlns:a="http://schemas.openxmlformats.org/drawingml/2006/main" xmlns:r="http://schemas.openxmlformats.org/officeDocument/2006/relationships" xmlns:p="http://schemas.openxmlformats.org/presentationml/2006/main">
   <p:cSld>
     <p:spTree>
@@ -23191,7 +22752,7 @@
 </p:sld>
 </file>
 
-<file path=ppt/slides/slide43.xml><?xml version="1.0" encoding="utf-8"?>
+<file path=ppt/slides/slide42.xml><?xml version="1.0" encoding="utf-8"?>
 <p:sld xmlns:a="http://schemas.openxmlformats.org/drawingml/2006/main" xmlns:r="http://schemas.openxmlformats.org/officeDocument/2006/relationships" xmlns:p="http://schemas.openxmlformats.org/presentationml/2006/main">
   <p:cSld>
     <p:spTree>
@@ -23571,7 +23132,7 @@
 </p:sld>
 </file>
 
-<file path=ppt/slides/slide44.xml><?xml version="1.0" encoding="utf-8"?>
+<file path=ppt/slides/slide43.xml><?xml version="1.0" encoding="utf-8"?>
 <p:sld xmlns:a="http://schemas.openxmlformats.org/drawingml/2006/main" xmlns:r="http://schemas.openxmlformats.org/officeDocument/2006/relationships" xmlns:p="http://schemas.openxmlformats.org/presentationml/2006/main">
   <p:cSld>
     <p:spTree>
@@ -24048,7 +23609,7 @@
 </p:sld>
 </file>
 
-<file path=ppt/slides/slide45.xml><?xml version="1.0" encoding="utf-8"?>
+<file path=ppt/slides/slide44.xml><?xml version="1.0" encoding="utf-8"?>
 <p:sld xmlns:a="http://schemas.openxmlformats.org/drawingml/2006/main" xmlns:r="http://schemas.openxmlformats.org/officeDocument/2006/relationships" xmlns:p="http://schemas.openxmlformats.org/presentationml/2006/main">
   <p:cSld>
     <p:spTree>
@@ -24653,7 +24214,7 @@
 </p:sld>
 </file>
 
-<file path=ppt/slides/slide46.xml><?xml version="1.0" encoding="utf-8"?>
+<file path=ppt/slides/slide45.xml><?xml version="1.0" encoding="utf-8"?>
 <p:sld xmlns:a="http://schemas.openxmlformats.org/drawingml/2006/main" xmlns:r="http://schemas.openxmlformats.org/officeDocument/2006/relationships" xmlns:p="http://schemas.openxmlformats.org/presentationml/2006/main">
   <p:cSld>
     <p:spTree>
@@ -24883,7 +24444,7 @@
 </p:sld>
 </file>
 
-<file path=ppt/slides/slide47.xml><?xml version="1.0" encoding="utf-8"?>
+<file path=ppt/slides/slide46.xml><?xml version="1.0" encoding="utf-8"?>
 <p:sld xmlns:a="http://schemas.openxmlformats.org/drawingml/2006/main" xmlns:r="http://schemas.openxmlformats.org/officeDocument/2006/relationships" xmlns:p="http://schemas.openxmlformats.org/presentationml/2006/main">
   <p:cSld>
     <p:spTree>
@@ -24946,7 +24507,7 @@
 </p:sld>
 </file>
 
-<file path=ppt/slides/slide48.xml><?xml version="1.0" encoding="utf-8"?>
+<file path=ppt/slides/slide47.xml><?xml version="1.0" encoding="utf-8"?>
 <p:sld xmlns:a="http://schemas.openxmlformats.org/drawingml/2006/main" xmlns:r="http://schemas.openxmlformats.org/officeDocument/2006/relationships" xmlns:p="http://schemas.openxmlformats.org/presentationml/2006/main">
   <p:cSld>
     <p:spTree>
@@ -25095,7 +24656,7 @@
 </p:sld>
 </file>
 
-<file path=ppt/slides/slide49.xml><?xml version="1.0" encoding="utf-8"?>
+<file path=ppt/slides/slide48.xml><?xml version="1.0" encoding="utf-8"?>
 <p:sld xmlns:a="http://schemas.openxmlformats.org/drawingml/2006/main" xmlns:r="http://schemas.openxmlformats.org/officeDocument/2006/relationships" xmlns:p="http://schemas.openxmlformats.org/presentationml/2006/main">
   <p:cSld>
     <p:spTree>
@@ -25327,6 +24888,182 @@
     <p:extLst>
       <p:ext uri="{BB962C8B-B14F-4D97-AF65-F5344CB8AC3E}">
         <p14:creationId xmlns:p14="http://schemas.microsoft.com/office/powerpoint/2010/main" val="810878171"/>
+      </p:ext>
+    </p:extLst>
+  </p:cSld>
+  <p:clrMapOvr>
+    <a:masterClrMapping/>
+  </p:clrMapOvr>
+  <p:timing>
+    <p:tnLst>
+      <p:par>
+        <p:cTn id="1" dur="indefinite" restart="never" nodeType="tmRoot"/>
+      </p:par>
+    </p:tnLst>
+  </p:timing>
+</p:sld>
+</file>
+
+<file path=ppt/slides/slide49.xml><?xml version="1.0" encoding="utf-8"?>
+<p:sld xmlns:a="http://schemas.openxmlformats.org/drawingml/2006/main" xmlns:r="http://schemas.openxmlformats.org/officeDocument/2006/relationships" xmlns:p="http://schemas.openxmlformats.org/presentationml/2006/main">
+  <p:cSld>
+    <p:spTree>
+      <p:nvGrpSpPr>
+        <p:cNvPr id="1" name=""/>
+        <p:cNvGrpSpPr/>
+        <p:nvPr/>
+      </p:nvGrpSpPr>
+      <p:grpSpPr>
+        <a:xfrm>
+          <a:off x="0" y="0"/>
+          <a:ext cx="0" cy="0"/>
+          <a:chOff x="0" y="0"/>
+          <a:chExt cx="0" cy="0"/>
+        </a:xfrm>
+      </p:grpSpPr>
+      <p:sp>
+        <p:nvSpPr>
+          <p:cNvPr id="2" name="Title 1"/>
+          <p:cNvSpPr>
+            <a:spLocks noGrp="1"/>
+          </p:cNvSpPr>
+          <p:nvPr>
+            <p:ph type="title"/>
+          </p:nvPr>
+        </p:nvSpPr>
+        <p:spPr/>
+        <p:txBody>
+          <a:bodyPr/>
+          <a:lstStyle/>
+          <a:p>
+            <a:r>
+              <a:rPr lang="en-US" dirty="0" smtClean="0"/>
+              <a:t>ggplot2: Faceting plots</a:t>
+            </a:r>
+            <a:endParaRPr lang="en-US" dirty="0"/>
+          </a:p>
+        </p:txBody>
+      </p:sp>
+      <p:sp>
+        <p:nvSpPr>
+          <p:cNvPr id="4" name="TextBox 3"/>
+          <p:cNvSpPr txBox="1"/>
+          <p:nvPr/>
+        </p:nvSpPr>
+        <p:spPr>
+          <a:xfrm>
+            <a:off x="304800" y="2016736"/>
+            <a:ext cx="11715030" cy="830997"/>
+          </a:xfrm>
+          <a:prstGeom prst="rect">
+            <a:avLst/>
+          </a:prstGeom>
+          <a:noFill/>
+        </p:spPr>
+        <p:txBody>
+          <a:bodyPr wrap="square" rtlCol="0">
+            <a:spAutoFit/>
+          </a:bodyPr>
+          <a:lstStyle/>
+          <a:p>
+            <a:pPr marL="285750" indent="-285750">
+              <a:buFont typeface=".AppleSystemUIFont" charset="-120"/>
+              <a:buChar char="&gt;"/>
+            </a:pPr>
+            <a:endParaRPr lang="is-IS" sz="1600" b="1" dirty="0" smtClean="0">
+              <a:latin typeface="Monaco" charset="0"/>
+              <a:ea typeface="Monaco" charset="0"/>
+              <a:cs typeface="Monaco" charset="0"/>
+            </a:endParaRPr>
+          </a:p>
+          <a:p>
+            <a:pPr marL="285750" indent="-285750">
+              <a:buFont typeface=".AppleSystemUIFont" charset="-120"/>
+              <a:buChar char="&gt;"/>
+            </a:pPr>
+            <a:r>
+              <a:rPr lang="is-IS" sz="1600" b="1" dirty="0">
+                <a:latin typeface="Monaco" charset="0"/>
+                <a:ea typeface="Monaco" charset="0"/>
+                <a:cs typeface="Monaco" charset="0"/>
+              </a:rPr>
+              <a:t>ggplot(iris, aes(x = Sepal.Length, fill = Species)) + geom_density</a:t>
+            </a:r>
+            <a:r>
+              <a:rPr lang="is-IS" sz="1600" b="1" dirty="0" smtClean="0">
+                <a:latin typeface="Monaco" charset="0"/>
+                <a:ea typeface="Monaco" charset="0"/>
+                <a:cs typeface="Monaco" charset="0"/>
+              </a:rPr>
+              <a:t>() + </a:t>
+            </a:r>
+            <a:r>
+              <a:rPr lang="is-IS" sz="1600" b="1" dirty="0" smtClean="0">
+                <a:solidFill>
+                  <a:srgbClr val="0070C0"/>
+                </a:solidFill>
+                <a:latin typeface="Monaco" charset="0"/>
+                <a:ea typeface="Monaco" charset="0"/>
+                <a:cs typeface="Monaco" charset="0"/>
+              </a:rPr>
+              <a:t>facet_grid(~Species)</a:t>
+            </a:r>
+            <a:endParaRPr lang="is-IS" sz="1600" b="1" dirty="0">
+              <a:solidFill>
+                <a:srgbClr val="0070C0"/>
+              </a:solidFill>
+              <a:latin typeface="Monaco" charset="0"/>
+              <a:ea typeface="Monaco" charset="0"/>
+              <a:cs typeface="Monaco" charset="0"/>
+            </a:endParaRPr>
+          </a:p>
+          <a:p>
+            <a:pPr marL="285750" indent="-285750">
+              <a:buFont typeface=".AppleSystemUIFont" charset="-120"/>
+              <a:buChar char="&gt;"/>
+            </a:pPr>
+            <a:endParaRPr lang="is-IS" sz="1600" b="1" dirty="0" smtClean="0">
+              <a:latin typeface="Monaco" charset="0"/>
+              <a:ea typeface="Monaco" charset="0"/>
+              <a:cs typeface="Monaco" charset="0"/>
+            </a:endParaRPr>
+          </a:p>
+        </p:txBody>
+      </p:sp>
+      <p:pic>
+        <p:nvPicPr>
+          <p:cNvPr id="3" name="Picture 2"/>
+          <p:cNvPicPr>
+            <a:picLocks noChangeAspect="1"/>
+          </p:cNvPicPr>
+          <p:nvPr/>
+        </p:nvPicPr>
+        <p:blipFill>
+          <a:blip r:embed="rId2">
+            <a:extLst>
+              <a:ext uri="{28A0092B-C50C-407E-A947-70E740481C1C}">
+                <a14:useLocalDpi xmlns:a14="http://schemas.microsoft.com/office/drawing/2010/main" val="0"/>
+              </a:ext>
+            </a:extLst>
+          </a:blip>
+          <a:stretch>
+            <a:fillRect/>
+          </a:stretch>
+        </p:blipFill>
+        <p:spPr>
+          <a:xfrm>
+            <a:off x="8506604" y="2847733"/>
+            <a:ext cx="3685396" cy="3319670"/>
+          </a:xfrm>
+          <a:prstGeom prst="rect">
+            <a:avLst/>
+          </a:prstGeom>
+        </p:spPr>
+      </p:pic>
+    </p:spTree>
+    <p:extLst>
+      <p:ext uri="{BB962C8B-B14F-4D97-AF65-F5344CB8AC3E}">
+        <p14:creationId xmlns:p14="http://schemas.microsoft.com/office/powerpoint/2010/main" val="817130694"/>
       </p:ext>
     </p:extLst>
   </p:cSld>
@@ -25635,182 +25372,6 @@
         </p:nvSpPr>
         <p:spPr>
           <a:xfrm>
-            <a:off x="304800" y="2016736"/>
-            <a:ext cx="11715030" cy="830997"/>
-          </a:xfrm>
-          <a:prstGeom prst="rect">
-            <a:avLst/>
-          </a:prstGeom>
-          <a:noFill/>
-        </p:spPr>
-        <p:txBody>
-          <a:bodyPr wrap="square" rtlCol="0">
-            <a:spAutoFit/>
-          </a:bodyPr>
-          <a:lstStyle/>
-          <a:p>
-            <a:pPr marL="285750" indent="-285750">
-              <a:buFont typeface=".AppleSystemUIFont" charset="-120"/>
-              <a:buChar char="&gt;"/>
-            </a:pPr>
-            <a:endParaRPr lang="is-IS" sz="1600" b="1" dirty="0" smtClean="0">
-              <a:latin typeface="Monaco" charset="0"/>
-              <a:ea typeface="Monaco" charset="0"/>
-              <a:cs typeface="Monaco" charset="0"/>
-            </a:endParaRPr>
-          </a:p>
-          <a:p>
-            <a:pPr marL="285750" indent="-285750">
-              <a:buFont typeface=".AppleSystemUIFont" charset="-120"/>
-              <a:buChar char="&gt;"/>
-            </a:pPr>
-            <a:r>
-              <a:rPr lang="is-IS" sz="1600" b="1" dirty="0">
-                <a:latin typeface="Monaco" charset="0"/>
-                <a:ea typeface="Monaco" charset="0"/>
-                <a:cs typeface="Monaco" charset="0"/>
-              </a:rPr>
-              <a:t>ggplot(iris, aes(x = Sepal.Length, fill = Species)) + geom_density</a:t>
-            </a:r>
-            <a:r>
-              <a:rPr lang="is-IS" sz="1600" b="1" dirty="0" smtClean="0">
-                <a:latin typeface="Monaco" charset="0"/>
-                <a:ea typeface="Monaco" charset="0"/>
-                <a:cs typeface="Monaco" charset="0"/>
-              </a:rPr>
-              <a:t>() + </a:t>
-            </a:r>
-            <a:r>
-              <a:rPr lang="is-IS" sz="1600" b="1" dirty="0" smtClean="0">
-                <a:solidFill>
-                  <a:srgbClr val="0070C0"/>
-                </a:solidFill>
-                <a:latin typeface="Monaco" charset="0"/>
-                <a:ea typeface="Monaco" charset="0"/>
-                <a:cs typeface="Monaco" charset="0"/>
-              </a:rPr>
-              <a:t>facet_grid(~Species)</a:t>
-            </a:r>
-            <a:endParaRPr lang="is-IS" sz="1600" b="1" dirty="0">
-              <a:solidFill>
-                <a:srgbClr val="0070C0"/>
-              </a:solidFill>
-              <a:latin typeface="Monaco" charset="0"/>
-              <a:ea typeface="Monaco" charset="0"/>
-              <a:cs typeface="Monaco" charset="0"/>
-            </a:endParaRPr>
-          </a:p>
-          <a:p>
-            <a:pPr marL="285750" indent="-285750">
-              <a:buFont typeface=".AppleSystemUIFont" charset="-120"/>
-              <a:buChar char="&gt;"/>
-            </a:pPr>
-            <a:endParaRPr lang="is-IS" sz="1600" b="1" dirty="0" smtClean="0">
-              <a:latin typeface="Monaco" charset="0"/>
-              <a:ea typeface="Monaco" charset="0"/>
-              <a:cs typeface="Monaco" charset="0"/>
-            </a:endParaRPr>
-          </a:p>
-        </p:txBody>
-      </p:sp>
-      <p:pic>
-        <p:nvPicPr>
-          <p:cNvPr id="3" name="Picture 2"/>
-          <p:cNvPicPr>
-            <a:picLocks noChangeAspect="1"/>
-          </p:cNvPicPr>
-          <p:nvPr/>
-        </p:nvPicPr>
-        <p:blipFill>
-          <a:blip r:embed="rId2">
-            <a:extLst>
-              <a:ext uri="{28A0092B-C50C-407E-A947-70E740481C1C}">
-                <a14:useLocalDpi xmlns:a14="http://schemas.microsoft.com/office/drawing/2010/main" val="0"/>
-              </a:ext>
-            </a:extLst>
-          </a:blip>
-          <a:stretch>
-            <a:fillRect/>
-          </a:stretch>
-        </p:blipFill>
-        <p:spPr>
-          <a:xfrm>
-            <a:off x="8506604" y="2847733"/>
-            <a:ext cx="3685396" cy="3319670"/>
-          </a:xfrm>
-          <a:prstGeom prst="rect">
-            <a:avLst/>
-          </a:prstGeom>
-        </p:spPr>
-      </p:pic>
-    </p:spTree>
-    <p:extLst>
-      <p:ext uri="{BB962C8B-B14F-4D97-AF65-F5344CB8AC3E}">
-        <p14:creationId xmlns:p14="http://schemas.microsoft.com/office/powerpoint/2010/main" val="817130694"/>
-      </p:ext>
-    </p:extLst>
-  </p:cSld>
-  <p:clrMapOvr>
-    <a:masterClrMapping/>
-  </p:clrMapOvr>
-  <p:timing>
-    <p:tnLst>
-      <p:par>
-        <p:cTn id="1" dur="indefinite" restart="never" nodeType="tmRoot"/>
-      </p:par>
-    </p:tnLst>
-  </p:timing>
-</p:sld>
-</file>
-
-<file path=ppt/slides/slide51.xml><?xml version="1.0" encoding="utf-8"?>
-<p:sld xmlns:a="http://schemas.openxmlformats.org/drawingml/2006/main" xmlns:r="http://schemas.openxmlformats.org/officeDocument/2006/relationships" xmlns:p="http://schemas.openxmlformats.org/presentationml/2006/main">
-  <p:cSld>
-    <p:spTree>
-      <p:nvGrpSpPr>
-        <p:cNvPr id="1" name=""/>
-        <p:cNvGrpSpPr/>
-        <p:nvPr/>
-      </p:nvGrpSpPr>
-      <p:grpSpPr>
-        <a:xfrm>
-          <a:off x="0" y="0"/>
-          <a:ext cx="0" cy="0"/>
-          <a:chOff x="0" y="0"/>
-          <a:chExt cx="0" cy="0"/>
-        </a:xfrm>
-      </p:grpSpPr>
-      <p:sp>
-        <p:nvSpPr>
-          <p:cNvPr id="2" name="Title 1"/>
-          <p:cNvSpPr>
-            <a:spLocks noGrp="1"/>
-          </p:cNvSpPr>
-          <p:nvPr>
-            <p:ph type="title"/>
-          </p:nvPr>
-        </p:nvSpPr>
-        <p:spPr/>
-        <p:txBody>
-          <a:bodyPr/>
-          <a:lstStyle/>
-          <a:p>
-            <a:r>
-              <a:rPr lang="en-US" dirty="0" smtClean="0"/>
-              <a:t>ggplot2: Faceting plots</a:t>
-            </a:r>
-            <a:endParaRPr lang="en-US" dirty="0"/>
-          </a:p>
-        </p:txBody>
-      </p:sp>
-      <p:sp>
-        <p:nvSpPr>
-          <p:cNvPr id="4" name="TextBox 3"/>
-          <p:cNvSpPr txBox="1"/>
-          <p:nvPr/>
-        </p:nvSpPr>
-        <p:spPr>
-          <a:xfrm>
             <a:off x="925110" y="2016736"/>
             <a:ext cx="11094720" cy="2585323"/>
           </a:xfrm>
@@ -26011,7 +25572,7 @@
 </p:sld>
 </file>
 
-<file path=ppt/slides/slide52.xml><?xml version="1.0" encoding="utf-8"?>
+<file path=ppt/slides/slide51.xml><?xml version="1.0" encoding="utf-8"?>
 <p:sld xmlns:a="http://schemas.openxmlformats.org/drawingml/2006/main" xmlns:r="http://schemas.openxmlformats.org/officeDocument/2006/relationships" xmlns:p="http://schemas.openxmlformats.org/presentationml/2006/main">
   <p:cSld>
     <p:spTree>
@@ -26198,6 +25759,718 @@
 </p:sld>
 </file>
 
+<file path=ppt/slides/slide52.xml><?xml version="1.0" encoding="utf-8"?>
+<p:sld xmlns:a="http://schemas.openxmlformats.org/drawingml/2006/main" xmlns:r="http://schemas.openxmlformats.org/officeDocument/2006/relationships" xmlns:p="http://schemas.openxmlformats.org/presentationml/2006/main">
+  <p:cSld>
+    <p:spTree>
+      <p:nvGrpSpPr>
+        <p:cNvPr id="1" name=""/>
+        <p:cNvGrpSpPr/>
+        <p:nvPr/>
+      </p:nvGrpSpPr>
+      <p:grpSpPr>
+        <a:xfrm>
+          <a:off x="0" y="0"/>
+          <a:ext cx="0" cy="0"/>
+          <a:chOff x="0" y="0"/>
+          <a:chExt cx="0" cy="0"/>
+        </a:xfrm>
+      </p:grpSpPr>
+      <p:sp>
+        <p:nvSpPr>
+          <p:cNvPr id="2" name="Title 1"/>
+          <p:cNvSpPr>
+            <a:spLocks noGrp="1"/>
+          </p:cNvSpPr>
+          <p:nvPr>
+            <p:ph type="title"/>
+          </p:nvPr>
+        </p:nvSpPr>
+        <p:spPr/>
+        <p:txBody>
+          <a:bodyPr/>
+          <a:lstStyle/>
+          <a:p>
+            <a:r>
+              <a:rPr lang="en-US" dirty="0" err="1" smtClean="0"/>
+              <a:t>dplyr</a:t>
+            </a:r>
+            <a:r>
+              <a:rPr lang="en-US" dirty="0" smtClean="0"/>
+              <a:t>: Joining related </a:t>
+            </a:r>
+            <a:r>
+              <a:rPr lang="en-US" dirty="0" err="1" smtClean="0"/>
+              <a:t>dataframes</a:t>
+            </a:r>
+            <a:endParaRPr lang="en-US" dirty="0"/>
+          </a:p>
+        </p:txBody>
+      </p:sp>
+      <p:sp>
+        <p:nvSpPr>
+          <p:cNvPr id="5" name="TextBox 4"/>
+          <p:cNvSpPr txBox="1"/>
+          <p:nvPr/>
+        </p:nvSpPr>
+        <p:spPr>
+          <a:xfrm>
+            <a:off x="6858000" y="1821180"/>
+            <a:ext cx="4648200" cy="2031325"/>
+          </a:xfrm>
+          <a:prstGeom prst="rect">
+            <a:avLst/>
+          </a:prstGeom>
+          <a:noFill/>
+        </p:spPr>
+        <p:txBody>
+          <a:bodyPr wrap="square" rtlCol="0">
+            <a:spAutoFit/>
+          </a:bodyPr>
+          <a:lstStyle/>
+          <a:p>
+            <a:r>
+              <a:rPr lang="en-US" dirty="0">
+                <a:latin typeface="Monaco" charset="0"/>
+                <a:ea typeface="Monaco" charset="0"/>
+                <a:cs typeface="Monaco" charset="0"/>
+              </a:rPr>
+              <a:t>&gt; data2</a:t>
+            </a:r>
+          </a:p>
+          <a:p>
+            <a:r>
+              <a:rPr lang="is-IS" dirty="0">
+                <a:latin typeface="Monaco" charset="0"/>
+                <a:ea typeface="Monaco" charset="0"/>
+                <a:cs typeface="Monaco" charset="0"/>
+              </a:rPr>
+              <a:t>    x           a        b</a:t>
+            </a:r>
+          </a:p>
+          <a:p>
+            <a:r>
+              <a:rPr lang="is-IS" dirty="0">
+                <a:latin typeface="Monaco" charset="0"/>
+                <a:ea typeface="Monaco" charset="0"/>
+                <a:cs typeface="Monaco" charset="0"/>
+              </a:rPr>
+              <a:t> </a:t>
+            </a:r>
+            <a:r>
+              <a:rPr lang="is-IS" dirty="0" smtClean="0">
+                <a:latin typeface="Monaco" charset="0"/>
+                <a:ea typeface="Monaco" charset="0"/>
+                <a:cs typeface="Monaco" charset="0"/>
+              </a:rPr>
+              <a:t> </a:t>
+            </a:r>
+            <a:r>
+              <a:rPr lang="is-IS" dirty="0">
+                <a:latin typeface="Monaco" charset="0"/>
+                <a:ea typeface="Monaco" charset="0"/>
+                <a:cs typeface="Monaco" charset="0"/>
+              </a:rPr>
+              <a:t>  1 -2.76205636 112.9588</a:t>
+            </a:r>
+          </a:p>
+          <a:p>
+            <a:r>
+              <a:rPr lang="is-IS" dirty="0">
+                <a:latin typeface="Monaco" charset="0"/>
+                <a:ea typeface="Monaco" charset="0"/>
+                <a:cs typeface="Monaco" charset="0"/>
+              </a:rPr>
+              <a:t> </a:t>
+            </a:r>
+            <a:r>
+              <a:rPr lang="is-IS" dirty="0" smtClean="0">
+                <a:latin typeface="Monaco" charset="0"/>
+                <a:ea typeface="Monaco" charset="0"/>
+                <a:cs typeface="Monaco" charset="0"/>
+              </a:rPr>
+              <a:t> </a:t>
+            </a:r>
+            <a:r>
+              <a:rPr lang="is-IS" dirty="0">
+                <a:latin typeface="Monaco" charset="0"/>
+                <a:ea typeface="Monaco" charset="0"/>
+                <a:cs typeface="Monaco" charset="0"/>
+              </a:rPr>
+              <a:t>  2 -1.44485264 149.3682</a:t>
+            </a:r>
+          </a:p>
+          <a:p>
+            <a:r>
+              <a:rPr lang="is-IS" dirty="0">
+                <a:latin typeface="Monaco" charset="0"/>
+                <a:ea typeface="Monaco" charset="0"/>
+                <a:cs typeface="Monaco" charset="0"/>
+              </a:rPr>
+              <a:t> </a:t>
+            </a:r>
+            <a:r>
+              <a:rPr lang="is-IS" dirty="0" smtClean="0">
+                <a:latin typeface="Monaco" charset="0"/>
+                <a:ea typeface="Monaco" charset="0"/>
+                <a:cs typeface="Monaco" charset="0"/>
+              </a:rPr>
+              <a:t> </a:t>
+            </a:r>
+            <a:r>
+              <a:rPr lang="is-IS" dirty="0">
+                <a:latin typeface="Monaco" charset="0"/>
+                <a:ea typeface="Monaco" charset="0"/>
+                <a:cs typeface="Monaco" charset="0"/>
+              </a:rPr>
+              <a:t>  3 -1.14390532 132.8789</a:t>
+            </a:r>
+          </a:p>
+          <a:p>
+            <a:r>
+              <a:rPr lang="is-IS" dirty="0">
+                <a:latin typeface="Monaco" charset="0"/>
+                <a:ea typeface="Monaco" charset="0"/>
+                <a:cs typeface="Monaco" charset="0"/>
+              </a:rPr>
+              <a:t> </a:t>
+            </a:r>
+            <a:r>
+              <a:rPr lang="is-IS" dirty="0" smtClean="0">
+                <a:latin typeface="Monaco" charset="0"/>
+                <a:ea typeface="Monaco" charset="0"/>
+                <a:cs typeface="Monaco" charset="0"/>
+              </a:rPr>
+              <a:t> </a:t>
+            </a:r>
+            <a:r>
+              <a:rPr lang="is-IS" dirty="0">
+                <a:latin typeface="Monaco" charset="0"/>
+                <a:ea typeface="Monaco" charset="0"/>
+                <a:cs typeface="Monaco" charset="0"/>
+              </a:rPr>
+              <a:t>  4 -2.86488120 143.6860</a:t>
+            </a:r>
+          </a:p>
+          <a:p>
+            <a:r>
+              <a:rPr lang="is-IS" dirty="0">
+                <a:latin typeface="Monaco" charset="0"/>
+                <a:ea typeface="Monaco" charset="0"/>
+                <a:cs typeface="Monaco" charset="0"/>
+              </a:rPr>
+              <a:t> </a:t>
+            </a:r>
+            <a:r>
+              <a:rPr lang="is-IS" dirty="0" smtClean="0">
+                <a:latin typeface="Monaco" charset="0"/>
+                <a:ea typeface="Monaco" charset="0"/>
+                <a:cs typeface="Monaco" charset="0"/>
+              </a:rPr>
+              <a:t> </a:t>
+            </a:r>
+            <a:r>
+              <a:rPr lang="is-IS" dirty="0">
+                <a:latin typeface="Monaco" charset="0"/>
+                <a:ea typeface="Monaco" charset="0"/>
+                <a:cs typeface="Monaco" charset="0"/>
+              </a:rPr>
+              <a:t>  5 -2.91982194 121.3927</a:t>
+            </a:r>
+          </a:p>
+        </p:txBody>
+      </p:sp>
+      <p:sp>
+        <p:nvSpPr>
+          <p:cNvPr id="7" name="Rectangle 6"/>
+          <p:cNvSpPr/>
+          <p:nvPr/>
+        </p:nvSpPr>
+        <p:spPr>
+          <a:xfrm>
+            <a:off x="2743200" y="4114800"/>
+            <a:ext cx="8522970" cy="2862322"/>
+          </a:xfrm>
+          <a:prstGeom prst="rect">
+            <a:avLst/>
+          </a:prstGeom>
+        </p:spPr>
+        <p:txBody>
+          <a:bodyPr wrap="square">
+            <a:spAutoFit/>
+          </a:bodyPr>
+          <a:lstStyle/>
+          <a:p>
+            <a:r>
+              <a:rPr lang="is-IS" dirty="0" smtClean="0">
+                <a:latin typeface="Monaco" charset="0"/>
+                <a:ea typeface="Monaco" charset="0"/>
+                <a:cs typeface="Monaco" charset="0"/>
+              </a:rPr>
+              <a:t>&gt; </a:t>
+            </a:r>
+            <a:r>
+              <a:rPr lang="is-IS" dirty="0">
+                <a:latin typeface="Monaco" charset="0"/>
+                <a:ea typeface="Monaco" charset="0"/>
+                <a:cs typeface="Monaco" charset="0"/>
+              </a:rPr>
+              <a:t>left_join(data1, data2)</a:t>
+            </a:r>
+          </a:p>
+          <a:p>
+            <a:pPr lvl="1"/>
+            <a:r>
+              <a:rPr lang="is-IS" b="1" dirty="0">
+                <a:solidFill>
+                  <a:srgbClr val="0070C0"/>
+                </a:solidFill>
+                <a:latin typeface="Monaco" charset="0"/>
+                <a:ea typeface="Monaco" charset="0"/>
+                <a:cs typeface="Monaco" charset="0"/>
+              </a:rPr>
+              <a:t>Joining, by = "x"</a:t>
+            </a:r>
+            <a:endParaRPr lang="is-IS" dirty="0">
+              <a:solidFill>
+                <a:srgbClr val="0070C0"/>
+              </a:solidFill>
+              <a:latin typeface="Monaco" charset="0"/>
+              <a:ea typeface="Monaco" charset="0"/>
+              <a:cs typeface="Monaco" charset="0"/>
+            </a:endParaRPr>
+          </a:p>
+          <a:p>
+            <a:r>
+              <a:rPr lang="is-IS" dirty="0">
+                <a:latin typeface="Monaco" charset="0"/>
+                <a:ea typeface="Monaco" charset="0"/>
+                <a:cs typeface="Monaco" charset="0"/>
+              </a:rPr>
+              <a:t>    x         y        z           a        b</a:t>
+            </a:r>
+          </a:p>
+          <a:p>
+            <a:r>
+              <a:rPr lang="is-IS" dirty="0">
+                <a:latin typeface="Monaco" charset="0"/>
+                <a:ea typeface="Monaco" charset="0"/>
+                <a:cs typeface="Monaco" charset="0"/>
+              </a:rPr>
+              <a:t> </a:t>
+            </a:r>
+            <a:r>
+              <a:rPr lang="is-IS" dirty="0" smtClean="0">
+                <a:latin typeface="Monaco" charset="0"/>
+                <a:ea typeface="Monaco" charset="0"/>
+                <a:cs typeface="Monaco" charset="0"/>
+              </a:rPr>
+              <a:t> </a:t>
+            </a:r>
+            <a:r>
+              <a:rPr lang="is-IS" dirty="0">
+                <a:latin typeface="Monaco" charset="0"/>
+                <a:ea typeface="Monaco" charset="0"/>
+                <a:cs typeface="Monaco" charset="0"/>
+              </a:rPr>
+              <a:t>  1  3.108060 61.48849 -2.76205636 112.9588</a:t>
+            </a:r>
+          </a:p>
+          <a:p>
+            <a:r>
+              <a:rPr lang="is-IS" dirty="0">
+                <a:latin typeface="Monaco" charset="0"/>
+                <a:ea typeface="Monaco" charset="0"/>
+                <a:cs typeface="Monaco" charset="0"/>
+              </a:rPr>
+              <a:t> </a:t>
+            </a:r>
+            <a:r>
+              <a:rPr lang="is-IS" dirty="0" smtClean="0">
+                <a:latin typeface="Monaco" charset="0"/>
+                <a:ea typeface="Monaco" charset="0"/>
+                <a:cs typeface="Monaco" charset="0"/>
+              </a:rPr>
+              <a:t> </a:t>
+            </a:r>
+            <a:r>
+              <a:rPr lang="is-IS" dirty="0">
+                <a:latin typeface="Monaco" charset="0"/>
+                <a:ea typeface="Monaco" charset="0"/>
+                <a:cs typeface="Monaco" charset="0"/>
+              </a:rPr>
+              <a:t>  2  8.976264 55.68174 -1.44485264 149.3682</a:t>
+            </a:r>
+          </a:p>
+          <a:p>
+            <a:r>
+              <a:rPr lang="is-IS" dirty="0">
+                <a:latin typeface="Monaco" charset="0"/>
+                <a:ea typeface="Monaco" charset="0"/>
+                <a:cs typeface="Monaco" charset="0"/>
+              </a:rPr>
+              <a:t> </a:t>
+            </a:r>
+            <a:r>
+              <a:rPr lang="is-IS" dirty="0" smtClean="0">
+                <a:latin typeface="Monaco" charset="0"/>
+                <a:ea typeface="Monaco" charset="0"/>
+                <a:cs typeface="Monaco" charset="0"/>
+              </a:rPr>
+              <a:t> </a:t>
+            </a:r>
+            <a:r>
+              <a:rPr lang="is-IS" dirty="0">
+                <a:latin typeface="Monaco" charset="0"/>
+                <a:ea typeface="Monaco" charset="0"/>
+                <a:cs typeface="Monaco" charset="0"/>
+              </a:rPr>
+              <a:t>  3 11.673850 56.32225 -1.14390532 132.8789</a:t>
+            </a:r>
+          </a:p>
+          <a:p>
+            <a:r>
+              <a:rPr lang="is-IS" dirty="0">
+                <a:latin typeface="Monaco" charset="0"/>
+                <a:ea typeface="Monaco" charset="0"/>
+                <a:cs typeface="Monaco" charset="0"/>
+              </a:rPr>
+              <a:t> </a:t>
+            </a:r>
+            <a:r>
+              <a:rPr lang="is-IS" dirty="0" smtClean="0">
+                <a:latin typeface="Monaco" charset="0"/>
+                <a:ea typeface="Monaco" charset="0"/>
+                <a:cs typeface="Monaco" charset="0"/>
+              </a:rPr>
+              <a:t> </a:t>
+            </a:r>
+            <a:r>
+              <a:rPr lang="is-IS" dirty="0">
+                <a:latin typeface="Monaco" charset="0"/>
+                <a:ea typeface="Monaco" charset="0"/>
+                <a:cs typeface="Monaco" charset="0"/>
+              </a:rPr>
+              <a:t>  4  8.551282 58.53424 -2.86488120 143.6860</a:t>
+            </a:r>
+          </a:p>
+          <a:p>
+            <a:r>
+              <a:rPr lang="is-IS" dirty="0">
+                <a:latin typeface="Monaco" charset="0"/>
+                <a:ea typeface="Monaco" charset="0"/>
+                <a:cs typeface="Monaco" charset="0"/>
+              </a:rPr>
+              <a:t> </a:t>
+            </a:r>
+            <a:r>
+              <a:rPr lang="is-IS" dirty="0" smtClean="0">
+                <a:latin typeface="Monaco" charset="0"/>
+                <a:ea typeface="Monaco" charset="0"/>
+                <a:cs typeface="Monaco" charset="0"/>
+              </a:rPr>
+              <a:t> </a:t>
+            </a:r>
+            <a:r>
+              <a:rPr lang="is-IS" dirty="0">
+                <a:latin typeface="Monaco" charset="0"/>
+                <a:ea typeface="Monaco" charset="0"/>
+                <a:cs typeface="Monaco" charset="0"/>
+              </a:rPr>
+              <a:t>  5  5.819844 61.71424 -2.91982194 121.3927</a:t>
+            </a:r>
+          </a:p>
+          <a:p>
+            <a:pPr marL="285750" indent="-285750">
+              <a:buFont typeface=".AppleSystemUIFont" charset="-120"/>
+              <a:buChar char="&gt;"/>
+            </a:pPr>
+            <a:endParaRPr lang="en-US" dirty="0" smtClean="0">
+              <a:latin typeface="Monaco" charset="0"/>
+              <a:ea typeface="Monaco" charset="0"/>
+              <a:cs typeface="Monaco" charset="0"/>
+            </a:endParaRPr>
+          </a:p>
+          <a:p>
+            <a:pPr marL="285750" indent="-285750">
+              <a:buFont typeface="Wingdings" charset="2"/>
+              <a:buChar char="Ø"/>
+            </a:pPr>
+            <a:endParaRPr lang="en-US" dirty="0" smtClean="0">
+              <a:latin typeface="Monaco" charset="0"/>
+              <a:ea typeface="Monaco" charset="0"/>
+              <a:cs typeface="Monaco" charset="0"/>
+            </a:endParaRPr>
+          </a:p>
+        </p:txBody>
+      </p:sp>
+      <p:sp>
+        <p:nvSpPr>
+          <p:cNvPr id="6" name="TextBox 5"/>
+          <p:cNvSpPr txBox="1"/>
+          <p:nvPr/>
+        </p:nvSpPr>
+        <p:spPr>
+          <a:xfrm>
+            <a:off x="1325880" y="1821180"/>
+            <a:ext cx="4438650" cy="2308324"/>
+          </a:xfrm>
+          <a:prstGeom prst="rect">
+            <a:avLst/>
+          </a:prstGeom>
+          <a:noFill/>
+        </p:spPr>
+        <p:txBody>
+          <a:bodyPr wrap="square" rtlCol="0">
+            <a:spAutoFit/>
+          </a:bodyPr>
+          <a:lstStyle/>
+          <a:p>
+            <a:r>
+              <a:rPr lang="en-US" dirty="0">
+                <a:latin typeface="Monaco" charset="0"/>
+                <a:ea typeface="Monaco" charset="0"/>
+                <a:cs typeface="Monaco" charset="0"/>
+              </a:rPr>
+              <a:t>&gt; data1</a:t>
+            </a:r>
+          </a:p>
+          <a:p>
+            <a:r>
+              <a:rPr lang="is-IS" dirty="0">
+                <a:latin typeface="Monaco" charset="0"/>
+                <a:ea typeface="Monaco" charset="0"/>
+                <a:cs typeface="Monaco" charset="0"/>
+              </a:rPr>
+              <a:t>    x         y        z</a:t>
+            </a:r>
+          </a:p>
+          <a:p>
+            <a:r>
+              <a:rPr lang="is-IS" dirty="0">
+                <a:latin typeface="Monaco" charset="0"/>
+                <a:ea typeface="Monaco" charset="0"/>
+                <a:cs typeface="Monaco" charset="0"/>
+              </a:rPr>
+              <a:t> </a:t>
+            </a:r>
+            <a:r>
+              <a:rPr lang="is-IS" dirty="0" smtClean="0">
+                <a:latin typeface="Monaco" charset="0"/>
+                <a:ea typeface="Monaco" charset="0"/>
+                <a:cs typeface="Monaco" charset="0"/>
+              </a:rPr>
+              <a:t> </a:t>
+            </a:r>
+            <a:r>
+              <a:rPr lang="is-IS" dirty="0">
+                <a:latin typeface="Monaco" charset="0"/>
+                <a:ea typeface="Monaco" charset="0"/>
+                <a:cs typeface="Monaco" charset="0"/>
+              </a:rPr>
+              <a:t>  1  3.108060 61.48849</a:t>
+            </a:r>
+          </a:p>
+          <a:p>
+            <a:r>
+              <a:rPr lang="is-IS" dirty="0">
+                <a:latin typeface="Monaco" charset="0"/>
+                <a:ea typeface="Monaco" charset="0"/>
+                <a:cs typeface="Monaco" charset="0"/>
+              </a:rPr>
+              <a:t> </a:t>
+            </a:r>
+            <a:r>
+              <a:rPr lang="is-IS" dirty="0" smtClean="0">
+                <a:latin typeface="Monaco" charset="0"/>
+                <a:ea typeface="Monaco" charset="0"/>
+                <a:cs typeface="Monaco" charset="0"/>
+              </a:rPr>
+              <a:t> </a:t>
+            </a:r>
+            <a:r>
+              <a:rPr lang="is-IS" dirty="0">
+                <a:latin typeface="Monaco" charset="0"/>
+                <a:ea typeface="Monaco" charset="0"/>
+                <a:cs typeface="Monaco" charset="0"/>
+              </a:rPr>
+              <a:t>  2  8.976264 55.68174</a:t>
+            </a:r>
+          </a:p>
+          <a:p>
+            <a:r>
+              <a:rPr lang="is-IS" dirty="0">
+                <a:latin typeface="Monaco" charset="0"/>
+                <a:ea typeface="Monaco" charset="0"/>
+                <a:cs typeface="Monaco" charset="0"/>
+              </a:rPr>
+              <a:t> </a:t>
+            </a:r>
+            <a:r>
+              <a:rPr lang="is-IS" dirty="0" smtClean="0">
+                <a:latin typeface="Monaco" charset="0"/>
+                <a:ea typeface="Monaco" charset="0"/>
+                <a:cs typeface="Monaco" charset="0"/>
+              </a:rPr>
+              <a:t> </a:t>
+            </a:r>
+            <a:r>
+              <a:rPr lang="is-IS" dirty="0">
+                <a:latin typeface="Monaco" charset="0"/>
+                <a:ea typeface="Monaco" charset="0"/>
+                <a:cs typeface="Monaco" charset="0"/>
+              </a:rPr>
+              <a:t>  3 11.673850 56.32225</a:t>
+            </a:r>
+          </a:p>
+          <a:p>
+            <a:r>
+              <a:rPr lang="is-IS" dirty="0">
+                <a:latin typeface="Monaco" charset="0"/>
+                <a:ea typeface="Monaco" charset="0"/>
+                <a:cs typeface="Monaco" charset="0"/>
+              </a:rPr>
+              <a:t> </a:t>
+            </a:r>
+            <a:r>
+              <a:rPr lang="is-IS" dirty="0" smtClean="0">
+                <a:latin typeface="Monaco" charset="0"/>
+                <a:ea typeface="Monaco" charset="0"/>
+                <a:cs typeface="Monaco" charset="0"/>
+              </a:rPr>
+              <a:t> </a:t>
+            </a:r>
+            <a:r>
+              <a:rPr lang="is-IS" dirty="0">
+                <a:latin typeface="Monaco" charset="0"/>
+                <a:ea typeface="Monaco" charset="0"/>
+                <a:cs typeface="Monaco" charset="0"/>
+              </a:rPr>
+              <a:t>  4  8.551282 58.53424</a:t>
+            </a:r>
+          </a:p>
+          <a:p>
+            <a:r>
+              <a:rPr lang="is-IS" dirty="0">
+                <a:latin typeface="Monaco" charset="0"/>
+                <a:ea typeface="Monaco" charset="0"/>
+                <a:cs typeface="Monaco" charset="0"/>
+              </a:rPr>
+              <a:t> </a:t>
+            </a:r>
+            <a:r>
+              <a:rPr lang="is-IS" smtClean="0">
+                <a:latin typeface="Monaco" charset="0"/>
+                <a:ea typeface="Monaco" charset="0"/>
+                <a:cs typeface="Monaco" charset="0"/>
+              </a:rPr>
+              <a:t> </a:t>
+            </a:r>
+            <a:r>
+              <a:rPr lang="is-IS" dirty="0">
+                <a:latin typeface="Monaco" charset="0"/>
+                <a:ea typeface="Monaco" charset="0"/>
+                <a:cs typeface="Monaco" charset="0"/>
+              </a:rPr>
+              <a:t>  5  5.819844 61.71424</a:t>
+            </a:r>
+          </a:p>
+          <a:p>
+            <a:endParaRPr lang="en-US" dirty="0"/>
+          </a:p>
+        </p:txBody>
+      </p:sp>
+    </p:spTree>
+    <p:extLst>
+      <p:ext uri="{BB962C8B-B14F-4D97-AF65-F5344CB8AC3E}">
+        <p14:creationId xmlns:p14="http://schemas.microsoft.com/office/powerpoint/2010/main" val="483137449"/>
+      </p:ext>
+    </p:extLst>
+  </p:cSld>
+  <p:clrMapOvr>
+    <a:masterClrMapping/>
+  </p:clrMapOvr>
+  <p:timing>
+    <p:tnLst>
+      <p:par>
+        <p:cTn id="1" dur="indefinite" restart="never" nodeType="tmRoot">
+          <p:childTnLst>
+            <p:seq concurrent="1" nextAc="seek">
+              <p:cTn id="2" dur="indefinite" nodeType="mainSeq">
+                <p:childTnLst>
+                  <p:par>
+                    <p:cTn id="3" fill="hold">
+                      <p:stCondLst>
+                        <p:cond delay="indefinite"/>
+                      </p:stCondLst>
+                      <p:childTnLst>
+                        <p:par>
+                          <p:cTn id="4" fill="hold">
+                            <p:stCondLst>
+                              <p:cond delay="0"/>
+                            </p:stCondLst>
+                            <p:childTnLst>
+                              <p:par>
+                                <p:cTn id="5" presetID="1" presetClass="entr" presetSubtype="0" fill="hold" grpId="0" nodeType="clickEffect">
+                                  <p:stCondLst>
+                                    <p:cond delay="0"/>
+                                  </p:stCondLst>
+                                  <p:childTnLst>
+                                    <p:set>
+                                      <p:cBhvr>
+                                        <p:cTn id="6" dur="1" fill="hold">
+                                          <p:stCondLst>
+                                            <p:cond delay="0"/>
+                                          </p:stCondLst>
+                                        </p:cTn>
+                                        <p:tgtEl>
+                                          <p:spTgt spid="7"/>
+                                        </p:tgtEl>
+                                        <p:attrNameLst>
+                                          <p:attrName>style.visibility</p:attrName>
+                                        </p:attrNameLst>
+                                      </p:cBhvr>
+                                      <p:to>
+                                        <p:strVal val="visible"/>
+                                      </p:to>
+                                    </p:set>
+                                  </p:childTnLst>
+                                </p:cTn>
+                              </p:par>
+                            </p:childTnLst>
+                          </p:cTn>
+                        </p:par>
+                      </p:childTnLst>
+                    </p:cTn>
+                  </p:par>
+                </p:childTnLst>
+              </p:cTn>
+              <p:prevCondLst>
+                <p:cond evt="onPrev" delay="0">
+                  <p:tgtEl>
+                    <p:sldTgt/>
+                  </p:tgtEl>
+                </p:cond>
+              </p:prevCondLst>
+              <p:nextCondLst>
+                <p:cond evt="onNext" delay="0">
+                  <p:tgtEl>
+                    <p:sldTgt/>
+                  </p:tgtEl>
+                </p:cond>
+              </p:nextCondLst>
+            </p:seq>
+          </p:childTnLst>
+        </p:cTn>
+      </p:par>
+    </p:tnLst>
+    <p:bldLst>
+      <p:bldP spid="7" grpId="0"/>
+    </p:bldLst>
+  </p:timing>
+</p:sld>
+</file>
+
 <file path=ppt/slides/slide53.xml><?xml version="1.0" encoding="utf-8"?>
 <p:sld xmlns:a="http://schemas.openxmlformats.org/drawingml/2006/main" xmlns:r="http://schemas.openxmlformats.org/officeDocument/2006/relationships" xmlns:p="http://schemas.openxmlformats.org/presentationml/2006/main">
   <p:cSld>
@@ -26231,16 +26504,8 @@
           <a:lstStyle/>
           <a:p>
             <a:r>
-              <a:rPr lang="en-US" dirty="0" err="1" smtClean="0"/>
-              <a:t>dplyr</a:t>
-            </a:r>
-            <a:r>
               <a:rPr lang="en-US" dirty="0" smtClean="0"/>
-              <a:t>: Joining related </a:t>
-            </a:r>
-            <a:r>
-              <a:rPr lang="en-US" dirty="0" err="1" smtClean="0"/>
-              <a:t>dataframes</a:t>
+              <a:t>left_join() creates NA's when missing</a:t>
             </a:r>
             <a:endParaRPr lang="en-US" dirty="0"/>
           </a:p>
@@ -26255,7 +26520,7 @@
         <p:spPr>
           <a:xfrm>
             <a:off x="6858000" y="1821180"/>
-            <a:ext cx="4648200" cy="2031325"/>
+            <a:ext cx="4648200" cy="1754326"/>
           </a:xfrm>
           <a:prstGeom prst="rect">
             <a:avLst/>
@@ -26274,8 +26539,21 @@
                 <a:ea typeface="Monaco" charset="0"/>
                 <a:cs typeface="Monaco" charset="0"/>
               </a:rPr>
-              <a:t>&gt; data2</a:t>
-            </a:r>
+              <a:t>&gt; </a:t>
+            </a:r>
+            <a:r>
+              <a:rPr lang="en-US" dirty="0" smtClean="0">
+                <a:latin typeface="Monaco" charset="0"/>
+                <a:ea typeface="Monaco" charset="0"/>
+                <a:cs typeface="Monaco" charset="0"/>
+              </a:rPr>
+              <a:t>data3</a:t>
+            </a:r>
+            <a:endParaRPr lang="en-US" dirty="0">
+              <a:latin typeface="Monaco" charset="0"/>
+              <a:ea typeface="Monaco" charset="0"/>
+              <a:cs typeface="Monaco" charset="0"/>
+            </a:endParaRPr>
           </a:p>
           <a:p>
             <a:r>
@@ -26363,32 +26641,6 @@
                 <a:cs typeface="Monaco" charset="0"/>
               </a:rPr>
               <a:t>  3 -1.14390532 132.8789</a:t>
-            </a:r>
-          </a:p>
-          <a:p>
-            <a:r>
-              <a:rPr lang="is-IS" dirty="0">
-                <a:latin typeface="Monaco" charset="0"/>
-                <a:ea typeface="Monaco" charset="0"/>
-                <a:cs typeface="Monaco" charset="0"/>
-              </a:rPr>
-              <a:t> </a:t>
-            </a:r>
-            <a:r>
-              <a:rPr lang="is-IS" dirty="0" smtClean="0">
-                <a:latin typeface="Monaco" charset="0"/>
-                <a:ea typeface="Monaco" charset="0"/>
-                <a:cs typeface="Monaco" charset="0"/>
-              </a:rPr>
-              <a:t> </a:t>
-            </a:r>
-            <a:r>
-              <a:rPr lang="is-IS" dirty="0">
-                <a:latin typeface="Monaco" charset="0"/>
-                <a:ea typeface="Monaco" charset="0"/>
-                <a:cs typeface="Monaco" charset="0"/>
-              </a:rPr>
-              <a:t>  4 -2.86488120 143.6860</a:t>
             </a:r>
           </a:p>
           <a:p>
@@ -26454,8 +26706,21 @@
                 <a:ea typeface="Monaco" charset="0"/>
                 <a:cs typeface="Monaco" charset="0"/>
               </a:rPr>
-              <a:t>left_join(data1, data2)</a:t>
-            </a:r>
+              <a:t>left_join(data1, </a:t>
+            </a:r>
+            <a:r>
+              <a:rPr lang="is-IS" dirty="0" smtClean="0">
+                <a:latin typeface="Monaco" charset="0"/>
+                <a:ea typeface="Monaco" charset="0"/>
+                <a:cs typeface="Monaco" charset="0"/>
+              </a:rPr>
+              <a:t>data3)</a:t>
+            </a:r>
+            <a:endParaRPr lang="is-IS" dirty="0">
+              <a:latin typeface="Monaco" charset="0"/>
+              <a:ea typeface="Monaco" charset="0"/>
+              <a:cs typeface="Monaco" charset="0"/>
+            </a:endParaRPr>
           </a:p>
           <a:p>
             <a:pPr lvl="1"/>
@@ -26486,16 +26751,32 @@
                 <a:ea typeface="Monaco" charset="0"/>
                 <a:cs typeface="Monaco" charset="0"/>
               </a:rPr>
-              <a:t>    x         y        z           a        b</a:t>
-            </a:r>
-          </a:p>
-          <a:p>
+              <a:t>  </a:t>
+            </a:r>
+            <a:r>
+              <a:rPr lang="is-IS" dirty="0" smtClean="0">
+                <a:latin typeface="Monaco" charset="0"/>
+                <a:ea typeface="Monaco" charset="0"/>
+                <a:cs typeface="Monaco" charset="0"/>
+              </a:rPr>
+              <a:t>  x </a:t>
+            </a:r>
             <a:r>
               <a:rPr lang="is-IS" dirty="0">
                 <a:latin typeface="Monaco" charset="0"/>
                 <a:ea typeface="Monaco" charset="0"/>
                 <a:cs typeface="Monaco" charset="0"/>
               </a:rPr>
+              <a:t>        y        z         a        b</a:t>
+            </a:r>
+          </a:p>
+          <a:p>
+            <a:r>
+              <a:rPr lang="is-IS" dirty="0">
+                <a:latin typeface="Monaco" charset="0"/>
+                <a:ea typeface="Monaco" charset="0"/>
+                <a:cs typeface="Monaco" charset="0"/>
+              </a:rPr>
               <a:t> </a:t>
             </a:r>
             <a:r>
@@ -26504,15 +26785,41 @@
                 <a:ea typeface="Monaco" charset="0"/>
                 <a:cs typeface="Monaco" charset="0"/>
               </a:rPr>
+              <a:t>   1</a:t>
+            </a:r>
+            <a:r>
+              <a:rPr lang="is-IS" dirty="0">
+                <a:latin typeface="Monaco" charset="0"/>
+                <a:ea typeface="Monaco" charset="0"/>
+                <a:cs typeface="Monaco" charset="0"/>
+              </a:rPr>
+              <a:t>  3.108060 61.48849 -2.762056 112.9588</a:t>
+            </a:r>
+          </a:p>
+          <a:p>
+            <a:r>
+              <a:rPr lang="is-IS" dirty="0">
+                <a:latin typeface="Monaco" charset="0"/>
+                <a:ea typeface="Monaco" charset="0"/>
+                <a:cs typeface="Monaco" charset="0"/>
+              </a:rPr>
               <a:t> </a:t>
             </a:r>
             <a:r>
+              <a:rPr lang="is-IS" dirty="0" smtClean="0">
+                <a:latin typeface="Monaco" charset="0"/>
+                <a:ea typeface="Monaco" charset="0"/>
+                <a:cs typeface="Monaco" charset="0"/>
+              </a:rPr>
+              <a:t>   2</a:t>
+            </a:r>
+            <a:r>
               <a:rPr lang="is-IS" dirty="0">
                 <a:latin typeface="Monaco" charset="0"/>
                 <a:ea typeface="Monaco" charset="0"/>
                 <a:cs typeface="Monaco" charset="0"/>
               </a:rPr>
-              <a:t>  1  3.108060 61.48849 -2.76205636 112.9588</a:t>
+              <a:t>  8.976264 55.68174 -1.444853 149.3682</a:t>
             </a:r>
           </a:p>
           <a:p>
@@ -26530,15 +26837,41 @@
                 <a:ea typeface="Monaco" charset="0"/>
                 <a:cs typeface="Monaco" charset="0"/>
               </a:rPr>
+              <a:t>   3 </a:t>
+            </a:r>
+            <a:r>
+              <a:rPr lang="is-IS" dirty="0">
+                <a:latin typeface="Monaco" charset="0"/>
+                <a:ea typeface="Monaco" charset="0"/>
+                <a:cs typeface="Monaco" charset="0"/>
+              </a:rPr>
+              <a:t>11.673850 56.32225 -1.143905 132.8789</a:t>
+            </a:r>
+          </a:p>
+          <a:p>
+            <a:r>
+              <a:rPr lang="is-IS" dirty="0">
+                <a:latin typeface="Monaco" charset="0"/>
+                <a:ea typeface="Monaco" charset="0"/>
+                <a:cs typeface="Monaco" charset="0"/>
+              </a:rPr>
               <a:t> </a:t>
             </a:r>
             <a:r>
+              <a:rPr lang="is-IS" dirty="0" smtClean="0">
+                <a:latin typeface="Monaco" charset="0"/>
+                <a:ea typeface="Monaco" charset="0"/>
+                <a:cs typeface="Monaco" charset="0"/>
+              </a:rPr>
+              <a:t>   4</a:t>
+            </a:r>
+            <a:r>
               <a:rPr lang="is-IS" dirty="0">
                 <a:latin typeface="Monaco" charset="0"/>
                 <a:ea typeface="Monaco" charset="0"/>
                 <a:cs typeface="Monaco" charset="0"/>
               </a:rPr>
-              <a:t>  2  8.976264 55.68174 -1.44485264 149.3682</a:t>
+              <a:t>  8.551282 58.53424        NA       NA</a:t>
             </a:r>
           </a:p>
           <a:p>
@@ -26556,7 +26889,7 @@
                 <a:ea typeface="Monaco" charset="0"/>
                 <a:cs typeface="Monaco" charset="0"/>
               </a:rPr>
-              <a:t> </a:t>
+              <a:t>   5</a:t>
             </a:r>
             <a:r>
               <a:rPr lang="is-IS" dirty="0">
@@ -26564,59 +26897,7 @@
                 <a:ea typeface="Monaco" charset="0"/>
                 <a:cs typeface="Monaco" charset="0"/>
               </a:rPr>
-              <a:t>  3 11.673850 56.32225 -1.14390532 132.8789</a:t>
-            </a:r>
-          </a:p>
-          <a:p>
-            <a:r>
-              <a:rPr lang="is-IS" dirty="0">
-                <a:latin typeface="Monaco" charset="0"/>
-                <a:ea typeface="Monaco" charset="0"/>
-                <a:cs typeface="Monaco" charset="0"/>
-              </a:rPr>
-              <a:t> </a:t>
-            </a:r>
-            <a:r>
-              <a:rPr lang="is-IS" dirty="0" smtClean="0">
-                <a:latin typeface="Monaco" charset="0"/>
-                <a:ea typeface="Monaco" charset="0"/>
-                <a:cs typeface="Monaco" charset="0"/>
-              </a:rPr>
-              <a:t> </a:t>
-            </a:r>
-            <a:r>
-              <a:rPr lang="is-IS" dirty="0">
-                <a:latin typeface="Monaco" charset="0"/>
-                <a:ea typeface="Monaco" charset="0"/>
-                <a:cs typeface="Monaco" charset="0"/>
-              </a:rPr>
-              <a:t>  4  8.551282 58.53424 -2.86488120 143.6860</a:t>
-            </a:r>
-          </a:p>
-          <a:p>
-            <a:r>
-              <a:rPr lang="is-IS" dirty="0">
-                <a:latin typeface="Monaco" charset="0"/>
-                <a:ea typeface="Monaco" charset="0"/>
-                <a:cs typeface="Monaco" charset="0"/>
-              </a:rPr>
-              <a:t> </a:t>
-            </a:r>
-            <a:r>
-              <a:rPr lang="is-IS" dirty="0" smtClean="0">
-                <a:latin typeface="Monaco" charset="0"/>
-                <a:ea typeface="Monaco" charset="0"/>
-                <a:cs typeface="Monaco" charset="0"/>
-              </a:rPr>
-              <a:t> </a:t>
-            </a:r>
-            <a:r>
-              <a:rPr lang="is-IS" dirty="0">
-                <a:latin typeface="Monaco" charset="0"/>
-                <a:ea typeface="Monaco" charset="0"/>
-                <a:cs typeface="Monaco" charset="0"/>
-              </a:rPr>
-              <a:t>  5  5.819844 61.71424 -2.91982194 121.3927</a:t>
+              <a:t>  5.819844 61.71424 -2.919822 121.3927</a:t>
             </a:r>
           </a:p>
           <a:p>
@@ -26645,7 +26926,91 @@
       </p:sp>
       <p:sp>
         <p:nvSpPr>
-          <p:cNvPr id="6" name="TextBox 5"/>
+          <p:cNvPr id="3" name="TextBox 2"/>
+          <p:cNvSpPr txBox="1"/>
+          <p:nvPr/>
+        </p:nvSpPr>
+        <p:spPr>
+          <a:xfrm>
+            <a:off x="10882721" y="3158599"/>
+            <a:ext cx="1556657" cy="769441"/>
+          </a:xfrm>
+          <a:prstGeom prst="rect">
+            <a:avLst/>
+          </a:prstGeom>
+          <a:noFill/>
+        </p:spPr>
+        <p:txBody>
+          <a:bodyPr wrap="square" rtlCol="0">
+            <a:spAutoFit/>
+          </a:bodyPr>
+          <a:lstStyle/>
+          <a:p>
+            <a:r>
+              <a:rPr lang="en-US" sz="2200" b="1" dirty="0" smtClean="0">
+                <a:solidFill>
+                  <a:srgbClr val="C00000"/>
+                </a:solidFill>
+              </a:rPr>
+              <a:t>Missing </a:t>
+            </a:r>
+          </a:p>
+          <a:p>
+            <a:r>
+              <a:rPr lang="en-US" sz="2200" b="1" dirty="0" smtClean="0">
+                <a:solidFill>
+                  <a:srgbClr val="C00000"/>
+                </a:solidFill>
+              </a:rPr>
+              <a:t>x=4</a:t>
+            </a:r>
+            <a:endParaRPr lang="en-US" sz="2200" b="1" dirty="0">
+              <a:solidFill>
+                <a:srgbClr val="C00000"/>
+              </a:solidFill>
+            </a:endParaRPr>
+          </a:p>
+        </p:txBody>
+      </p:sp>
+      <p:cxnSp>
+        <p:nvCxnSpPr>
+          <p:cNvPr id="8" name="Straight Arrow Connector 7"/>
+          <p:cNvCxnSpPr/>
+          <p:nvPr/>
+        </p:nvCxnSpPr>
+        <p:spPr>
+          <a:xfrm flipH="1">
+            <a:off x="10477501" y="3177862"/>
+            <a:ext cx="788669" cy="0"/>
+          </a:xfrm>
+          <a:prstGeom prst="straightConnector1">
+            <a:avLst/>
+          </a:prstGeom>
+          <a:ln w="38100">
+            <a:solidFill>
+              <a:srgbClr val="C00000"/>
+            </a:solidFill>
+            <a:tailEnd type="triangle" w="lg" len="lg"/>
+          </a:ln>
+        </p:spPr>
+        <p:style>
+          <a:lnRef idx="1">
+            <a:schemeClr val="accent1"/>
+          </a:lnRef>
+          <a:fillRef idx="0">
+            <a:schemeClr val="accent1"/>
+          </a:fillRef>
+          <a:effectRef idx="0">
+            <a:schemeClr val="accent1"/>
+          </a:effectRef>
+          <a:fontRef idx="minor">
+            <a:schemeClr val="tx1"/>
+          </a:fontRef>
+        </p:style>
+      </p:cxnSp>
+      <p:sp>
+        <p:nvSpPr>
+          <p:cNvPr id="9" name="TextBox 8"/>
           <p:cNvSpPr txBox="1"/>
           <p:nvPr/>
         </p:nvSpPr>
@@ -26822,7 +27187,7 @@
     </p:spTree>
     <p:extLst>
       <p:ext uri="{BB962C8B-B14F-4D97-AF65-F5344CB8AC3E}">
-        <p14:creationId xmlns:p14="http://schemas.microsoft.com/office/powerpoint/2010/main" val="483137449"/>
+        <p14:creationId xmlns:p14="http://schemas.microsoft.com/office/powerpoint/2010/main" val="1600711546"/>
       </p:ext>
     </p:extLst>
   </p:cSld>
@@ -26944,169 +27309,9 @@
           <a:p>
             <a:r>
               <a:rPr lang="en-US" dirty="0" smtClean="0"/>
-              <a:t>left_join() creates NA's when missing</a:t>
+              <a:t>left_join() only preserves what is in the left data frame</a:t>
             </a:r>
             <a:endParaRPr lang="en-US" dirty="0"/>
-          </a:p>
-        </p:txBody>
-      </p:sp>
-      <p:sp>
-        <p:nvSpPr>
-          <p:cNvPr id="5" name="TextBox 4"/>
-          <p:cNvSpPr txBox="1"/>
-          <p:nvPr/>
-        </p:nvSpPr>
-        <p:spPr>
-          <a:xfrm>
-            <a:off x="6858000" y="1821180"/>
-            <a:ext cx="4648200" cy="1754326"/>
-          </a:xfrm>
-          <a:prstGeom prst="rect">
-            <a:avLst/>
-          </a:prstGeom>
-          <a:noFill/>
-        </p:spPr>
-        <p:txBody>
-          <a:bodyPr wrap="square" rtlCol="0">
-            <a:spAutoFit/>
-          </a:bodyPr>
-          <a:lstStyle/>
-          <a:p>
-            <a:r>
-              <a:rPr lang="en-US" dirty="0">
-                <a:latin typeface="Monaco" charset="0"/>
-                <a:ea typeface="Monaco" charset="0"/>
-                <a:cs typeface="Monaco" charset="0"/>
-              </a:rPr>
-              <a:t>&gt; </a:t>
-            </a:r>
-            <a:r>
-              <a:rPr lang="en-US" dirty="0" smtClean="0">
-                <a:latin typeface="Monaco" charset="0"/>
-                <a:ea typeface="Monaco" charset="0"/>
-                <a:cs typeface="Monaco" charset="0"/>
-              </a:rPr>
-              <a:t>data3</a:t>
-            </a:r>
-            <a:endParaRPr lang="en-US" dirty="0">
-              <a:latin typeface="Monaco" charset="0"/>
-              <a:ea typeface="Monaco" charset="0"/>
-              <a:cs typeface="Monaco" charset="0"/>
-            </a:endParaRPr>
-          </a:p>
-          <a:p>
-            <a:r>
-              <a:rPr lang="is-IS" dirty="0">
-                <a:latin typeface="Monaco" charset="0"/>
-                <a:ea typeface="Monaco" charset="0"/>
-                <a:cs typeface="Monaco" charset="0"/>
-              </a:rPr>
-              <a:t>    x           a        b</a:t>
-            </a:r>
-          </a:p>
-          <a:p>
-            <a:r>
-              <a:rPr lang="is-IS" dirty="0">
-                <a:latin typeface="Monaco" charset="0"/>
-                <a:ea typeface="Monaco" charset="0"/>
-                <a:cs typeface="Monaco" charset="0"/>
-              </a:rPr>
-              <a:t> </a:t>
-            </a:r>
-            <a:r>
-              <a:rPr lang="is-IS" dirty="0" smtClean="0">
-                <a:latin typeface="Monaco" charset="0"/>
-                <a:ea typeface="Monaco" charset="0"/>
-                <a:cs typeface="Monaco" charset="0"/>
-              </a:rPr>
-              <a:t> </a:t>
-            </a:r>
-            <a:r>
-              <a:rPr lang="is-IS" dirty="0">
-                <a:latin typeface="Monaco" charset="0"/>
-                <a:ea typeface="Monaco" charset="0"/>
-                <a:cs typeface="Monaco" charset="0"/>
-              </a:rPr>
-              <a:t>  1 -2.76205636 112.9588</a:t>
-            </a:r>
-          </a:p>
-          <a:p>
-            <a:r>
-              <a:rPr lang="is-IS" dirty="0">
-                <a:latin typeface="Monaco" charset="0"/>
-                <a:ea typeface="Monaco" charset="0"/>
-                <a:cs typeface="Monaco" charset="0"/>
-              </a:rPr>
-              <a:t> </a:t>
-            </a:r>
-            <a:r>
-              <a:rPr lang="is-IS" dirty="0" smtClean="0">
-                <a:latin typeface="Monaco" charset="0"/>
-                <a:ea typeface="Monaco" charset="0"/>
-                <a:cs typeface="Monaco" charset="0"/>
-              </a:rPr>
-              <a:t> </a:t>
-            </a:r>
-            <a:r>
-              <a:rPr lang="is-IS" dirty="0">
-                <a:latin typeface="Monaco" charset="0"/>
-                <a:ea typeface="Monaco" charset="0"/>
-                <a:cs typeface="Monaco" charset="0"/>
-              </a:rPr>
-              <a:t>  2 -1.44485264 149.3682</a:t>
-            </a:r>
-          </a:p>
-          <a:p>
-            <a:r>
-              <a:rPr lang="is-IS" dirty="0">
-                <a:latin typeface="Monaco" charset="0"/>
-                <a:ea typeface="Monaco" charset="0"/>
-                <a:cs typeface="Monaco" charset="0"/>
-              </a:rPr>
-              <a:t> </a:t>
-            </a:r>
-            <a:r>
-              <a:rPr lang="is-IS" dirty="0" smtClean="0">
-                <a:latin typeface="Monaco" charset="0"/>
-                <a:ea typeface="Monaco" charset="0"/>
-                <a:cs typeface="Monaco" charset="0"/>
-              </a:rPr>
-              <a:t> </a:t>
-            </a:r>
-            <a:r>
-              <a:rPr lang="is-IS" dirty="0">
-                <a:latin typeface="Monaco" charset="0"/>
-                <a:ea typeface="Monaco" charset="0"/>
-                <a:cs typeface="Monaco" charset="0"/>
-              </a:rPr>
-              <a:t>  3 -1.14390532 132.8789</a:t>
-            </a:r>
-          </a:p>
-          <a:p>
-            <a:r>
-              <a:rPr lang="is-IS" dirty="0">
-                <a:latin typeface="Monaco" charset="0"/>
-                <a:ea typeface="Monaco" charset="0"/>
-                <a:cs typeface="Monaco" charset="0"/>
-              </a:rPr>
-              <a:t> </a:t>
-            </a:r>
-            <a:r>
-              <a:rPr lang="is-IS" dirty="0" smtClean="0">
-                <a:latin typeface="Monaco" charset="0"/>
-                <a:ea typeface="Monaco" charset="0"/>
-                <a:cs typeface="Monaco" charset="0"/>
-              </a:rPr>
-              <a:t> </a:t>
-            </a:r>
-            <a:r>
-              <a:rPr lang="is-IS" dirty="0">
-                <a:latin typeface="Monaco" charset="0"/>
-                <a:ea typeface="Monaco" charset="0"/>
-                <a:cs typeface="Monaco" charset="0"/>
-              </a:rPr>
-              <a:t>  5 -2.91982194 121.3927</a:t>
-            </a:r>
           </a:p>
         </p:txBody>
       </p:sp>
@@ -27119,7 +27324,7 @@
         <p:spPr>
           <a:xfrm>
             <a:off x="2743200" y="4114800"/>
-            <a:ext cx="8522970" cy="2862322"/>
+            <a:ext cx="8522970" cy="2308324"/>
           </a:xfrm>
           <a:prstGeom prst="rect">
             <a:avLst/>
@@ -27137,23 +27342,26 @@
                 <a:ea typeface="Monaco" charset="0"/>
                 <a:cs typeface="Monaco" charset="0"/>
               </a:rPr>
-              <a:t>&gt; </a:t>
-            </a:r>
-            <a:r>
-              <a:rPr lang="is-IS" dirty="0">
-                <a:latin typeface="Monaco" charset="0"/>
-                <a:ea typeface="Monaco" charset="0"/>
-                <a:cs typeface="Monaco" charset="0"/>
-              </a:rPr>
-              <a:t>left_join(data1, </a:t>
+              <a:t>&gt; left_join(</a:t>
             </a:r>
             <a:r>
               <a:rPr lang="is-IS" dirty="0" smtClean="0">
-                <a:latin typeface="Monaco" charset="0"/>
-                <a:ea typeface="Monaco" charset="0"/>
-                <a:cs typeface="Monaco" charset="0"/>
-              </a:rPr>
-              <a:t>data3)</a:t>
+                <a:solidFill>
+                  <a:srgbClr val="C00000"/>
+                </a:solidFill>
+                <a:latin typeface="Monaco" charset="0"/>
+                <a:ea typeface="Monaco" charset="0"/>
+                <a:cs typeface="Monaco" charset="0"/>
+              </a:rPr>
+              <a:t>data3, data1</a:t>
+            </a:r>
+            <a:r>
+              <a:rPr lang="is-IS" dirty="0" smtClean="0">
+                <a:latin typeface="Monaco" charset="0"/>
+                <a:ea typeface="Monaco" charset="0"/>
+                <a:cs typeface="Monaco" charset="0"/>
+              </a:rPr>
+              <a:t>)</a:t>
             </a:r>
             <a:endParaRPr lang="is-IS" dirty="0">
               <a:latin typeface="Monaco" charset="0"/>
@@ -27190,7 +27398,7 @@
                 <a:ea typeface="Monaco" charset="0"/>
                 <a:cs typeface="Monaco" charset="0"/>
               </a:rPr>
-              <a:t>  </a:t>
+              <a:t>   </a:t>
             </a:r>
             <a:r>
               <a:rPr lang="is-IS" dirty="0" smtClean="0">
@@ -27198,7 +27406,7 @@
                 <a:ea typeface="Monaco" charset="0"/>
                 <a:cs typeface="Monaco" charset="0"/>
               </a:rPr>
-              <a:t>  x </a:t>
+              <a:t> x </a:t>
             </a:r>
             <a:r>
               <a:rPr lang="is-IS" dirty="0">
@@ -27302,7 +27510,7 @@
                 <a:ea typeface="Monaco" charset="0"/>
                 <a:cs typeface="Monaco" charset="0"/>
               </a:rPr>
-              <a:t>   4</a:t>
+              <a:t>   5</a:t>
             </a:r>
             <a:r>
               <a:rPr lang="is-IS" dirty="0">
@@ -27310,45 +27518,8 @@
                 <a:ea typeface="Monaco" charset="0"/>
                 <a:cs typeface="Monaco" charset="0"/>
               </a:rPr>
-              <a:t>  8.551282 58.53424        NA       NA</a:t>
-            </a:r>
-          </a:p>
-          <a:p>
-            <a:r>
-              <a:rPr lang="is-IS" dirty="0">
-                <a:latin typeface="Monaco" charset="0"/>
-                <a:ea typeface="Monaco" charset="0"/>
-                <a:cs typeface="Monaco" charset="0"/>
-              </a:rPr>
-              <a:t> </a:t>
-            </a:r>
-            <a:r>
-              <a:rPr lang="is-IS" dirty="0" smtClean="0">
-                <a:latin typeface="Monaco" charset="0"/>
-                <a:ea typeface="Monaco" charset="0"/>
-                <a:cs typeface="Monaco" charset="0"/>
-              </a:rPr>
-              <a:t>   5</a:t>
-            </a:r>
-            <a:r>
-              <a:rPr lang="is-IS" dirty="0">
-                <a:latin typeface="Monaco" charset="0"/>
-                <a:ea typeface="Monaco" charset="0"/>
-                <a:cs typeface="Monaco" charset="0"/>
-              </a:rPr>
               <a:t>  5.819844 61.71424 -2.919822 121.3927</a:t>
             </a:r>
-          </a:p>
-          <a:p>
-            <a:pPr marL="285750" indent="-285750">
-              <a:buFont typeface=".AppleSystemUIFont" charset="-120"/>
-              <a:buChar char="&gt;"/>
-            </a:pPr>
-            <a:endParaRPr lang="en-US" dirty="0" smtClean="0">
-              <a:latin typeface="Monaco" charset="0"/>
-              <a:ea typeface="Monaco" charset="0"/>
-              <a:cs typeface="Monaco" charset="0"/>
-            </a:endParaRPr>
           </a:p>
           <a:p>
             <a:pPr marL="285750" indent="-285750">
@@ -27363,90 +27534,6 @@
           </a:p>
         </p:txBody>
       </p:sp>
-      <p:sp>
-        <p:nvSpPr>
-          <p:cNvPr id="3" name="TextBox 2"/>
-          <p:cNvSpPr txBox="1"/>
-          <p:nvPr/>
-        </p:nvSpPr>
-        <p:spPr>
-          <a:xfrm>
-            <a:off x="10882721" y="3158599"/>
-            <a:ext cx="1556657" cy="769441"/>
-          </a:xfrm>
-          <a:prstGeom prst="rect">
-            <a:avLst/>
-          </a:prstGeom>
-          <a:noFill/>
-        </p:spPr>
-        <p:txBody>
-          <a:bodyPr wrap="square" rtlCol="0">
-            <a:spAutoFit/>
-          </a:bodyPr>
-          <a:lstStyle/>
-          <a:p>
-            <a:r>
-              <a:rPr lang="en-US" sz="2200" b="1" dirty="0" smtClean="0">
-                <a:solidFill>
-                  <a:srgbClr val="C00000"/>
-                </a:solidFill>
-              </a:rPr>
-              <a:t>Missing </a:t>
-            </a:r>
-          </a:p>
-          <a:p>
-            <a:r>
-              <a:rPr lang="en-US" sz="2200" b="1" dirty="0" smtClean="0">
-                <a:solidFill>
-                  <a:srgbClr val="C00000"/>
-                </a:solidFill>
-              </a:rPr>
-              <a:t>x=4</a:t>
-            </a:r>
-            <a:endParaRPr lang="en-US" sz="2200" b="1" dirty="0">
-              <a:solidFill>
-                <a:srgbClr val="C00000"/>
-              </a:solidFill>
-            </a:endParaRPr>
-          </a:p>
-        </p:txBody>
-      </p:sp>
-      <p:cxnSp>
-        <p:nvCxnSpPr>
-          <p:cNvPr id="8" name="Straight Arrow Connector 7"/>
-          <p:cNvCxnSpPr/>
-          <p:nvPr/>
-        </p:nvCxnSpPr>
-        <p:spPr>
-          <a:xfrm flipH="1">
-            <a:off x="10477501" y="3177862"/>
-            <a:ext cx="788669" cy="0"/>
-          </a:xfrm>
-          <a:prstGeom prst="straightConnector1">
-            <a:avLst/>
-          </a:prstGeom>
-          <a:ln w="38100">
-            <a:solidFill>
-              <a:srgbClr val="C00000"/>
-            </a:solidFill>
-            <a:tailEnd type="triangle" w="lg" len="lg"/>
-          </a:ln>
-        </p:spPr>
-        <p:style>
-          <a:lnRef idx="1">
-            <a:schemeClr val="accent1"/>
-          </a:lnRef>
-          <a:fillRef idx="0">
-            <a:schemeClr val="accent1"/>
-          </a:fillRef>
-          <a:effectRef idx="0">
-            <a:schemeClr val="accent1"/>
-          </a:effectRef>
-          <a:fontRef idx="minor">
-            <a:schemeClr val="tx1"/>
-          </a:fontRef>
-        </p:style>
-      </p:cxnSp>
       <p:sp>
         <p:nvSpPr>
           <p:cNvPr id="9" name="TextBox 8"/>
@@ -27623,10 +27710,170 @@
           </a:p>
         </p:txBody>
       </p:sp>
+      <p:sp>
+        <p:nvSpPr>
+          <p:cNvPr id="10" name="TextBox 9"/>
+          <p:cNvSpPr txBox="1"/>
+          <p:nvPr/>
+        </p:nvSpPr>
+        <p:spPr>
+          <a:xfrm>
+            <a:off x="6858000" y="1821180"/>
+            <a:ext cx="4648200" cy="1754326"/>
+          </a:xfrm>
+          <a:prstGeom prst="rect">
+            <a:avLst/>
+          </a:prstGeom>
+          <a:noFill/>
+        </p:spPr>
+        <p:txBody>
+          <a:bodyPr wrap="square" rtlCol="0">
+            <a:spAutoFit/>
+          </a:bodyPr>
+          <a:lstStyle/>
+          <a:p>
+            <a:r>
+              <a:rPr lang="en-US" dirty="0">
+                <a:latin typeface="Monaco" charset="0"/>
+                <a:ea typeface="Monaco" charset="0"/>
+                <a:cs typeface="Monaco" charset="0"/>
+              </a:rPr>
+              <a:t>&gt; </a:t>
+            </a:r>
+            <a:r>
+              <a:rPr lang="en-US" dirty="0" smtClean="0">
+                <a:latin typeface="Monaco" charset="0"/>
+                <a:ea typeface="Monaco" charset="0"/>
+                <a:cs typeface="Monaco" charset="0"/>
+              </a:rPr>
+              <a:t>data3</a:t>
+            </a:r>
+            <a:endParaRPr lang="en-US" dirty="0">
+              <a:latin typeface="Monaco" charset="0"/>
+              <a:ea typeface="Monaco" charset="0"/>
+              <a:cs typeface="Monaco" charset="0"/>
+            </a:endParaRPr>
+          </a:p>
+          <a:p>
+            <a:r>
+              <a:rPr lang="is-IS" dirty="0">
+                <a:latin typeface="Monaco" charset="0"/>
+                <a:ea typeface="Monaco" charset="0"/>
+                <a:cs typeface="Monaco" charset="0"/>
+              </a:rPr>
+              <a:t>    x           a        b</a:t>
+            </a:r>
+          </a:p>
+          <a:p>
+            <a:r>
+              <a:rPr lang="is-IS" dirty="0">
+                <a:latin typeface="Monaco" charset="0"/>
+                <a:ea typeface="Monaco" charset="0"/>
+                <a:cs typeface="Monaco" charset="0"/>
+              </a:rPr>
+              <a:t> </a:t>
+            </a:r>
+            <a:r>
+              <a:rPr lang="is-IS" dirty="0" smtClean="0">
+                <a:latin typeface="Monaco" charset="0"/>
+                <a:ea typeface="Monaco" charset="0"/>
+                <a:cs typeface="Monaco" charset="0"/>
+              </a:rPr>
+              <a:t> </a:t>
+            </a:r>
+            <a:r>
+              <a:rPr lang="is-IS" dirty="0">
+                <a:latin typeface="Monaco" charset="0"/>
+                <a:ea typeface="Monaco" charset="0"/>
+                <a:cs typeface="Monaco" charset="0"/>
+              </a:rPr>
+              <a:t>  1 -2.76205636 112.9588</a:t>
+            </a:r>
+          </a:p>
+          <a:p>
+            <a:r>
+              <a:rPr lang="is-IS" dirty="0">
+                <a:latin typeface="Monaco" charset="0"/>
+                <a:ea typeface="Monaco" charset="0"/>
+                <a:cs typeface="Monaco" charset="0"/>
+              </a:rPr>
+              <a:t> </a:t>
+            </a:r>
+            <a:r>
+              <a:rPr lang="is-IS" dirty="0" smtClean="0">
+                <a:latin typeface="Monaco" charset="0"/>
+                <a:ea typeface="Monaco" charset="0"/>
+                <a:cs typeface="Monaco" charset="0"/>
+              </a:rPr>
+              <a:t> </a:t>
+            </a:r>
+            <a:r>
+              <a:rPr lang="is-IS" dirty="0">
+                <a:latin typeface="Monaco" charset="0"/>
+                <a:ea typeface="Monaco" charset="0"/>
+                <a:cs typeface="Monaco" charset="0"/>
+              </a:rPr>
+              <a:t>  2 -1.44485264 149.3682</a:t>
+            </a:r>
+          </a:p>
+          <a:p>
+            <a:r>
+              <a:rPr lang="is-IS" dirty="0">
+                <a:latin typeface="Monaco" charset="0"/>
+                <a:ea typeface="Monaco" charset="0"/>
+                <a:cs typeface="Monaco" charset="0"/>
+              </a:rPr>
+              <a:t> </a:t>
+            </a:r>
+            <a:r>
+              <a:rPr lang="is-IS" dirty="0" smtClean="0">
+                <a:latin typeface="Monaco" charset="0"/>
+                <a:ea typeface="Monaco" charset="0"/>
+                <a:cs typeface="Monaco" charset="0"/>
+              </a:rPr>
+              <a:t> </a:t>
+            </a:r>
+            <a:r>
+              <a:rPr lang="is-IS" dirty="0">
+                <a:latin typeface="Monaco" charset="0"/>
+                <a:ea typeface="Monaco" charset="0"/>
+                <a:cs typeface="Monaco" charset="0"/>
+              </a:rPr>
+              <a:t>  3 -1.14390532 132.8789</a:t>
+            </a:r>
+          </a:p>
+          <a:p>
+            <a:r>
+              <a:rPr lang="is-IS" dirty="0">
+                <a:latin typeface="Monaco" charset="0"/>
+                <a:ea typeface="Monaco" charset="0"/>
+                <a:cs typeface="Monaco" charset="0"/>
+              </a:rPr>
+              <a:t> </a:t>
+            </a:r>
+            <a:r>
+              <a:rPr lang="is-IS" dirty="0" smtClean="0">
+                <a:latin typeface="Monaco" charset="0"/>
+                <a:ea typeface="Monaco" charset="0"/>
+                <a:cs typeface="Monaco" charset="0"/>
+              </a:rPr>
+              <a:t> </a:t>
+            </a:r>
+            <a:r>
+              <a:rPr lang="is-IS" dirty="0">
+                <a:latin typeface="Monaco" charset="0"/>
+                <a:ea typeface="Monaco" charset="0"/>
+                <a:cs typeface="Monaco" charset="0"/>
+              </a:rPr>
+              <a:t>  5 -2.91982194 121.3927</a:t>
+            </a:r>
+          </a:p>
+        </p:txBody>
+      </p:sp>
     </p:spTree>
     <p:extLst>
       <p:ext uri="{BB962C8B-B14F-4D97-AF65-F5344CB8AC3E}">
-        <p14:creationId xmlns:p14="http://schemas.microsoft.com/office/powerpoint/2010/main" val="1600711546"/>
+        <p14:creationId xmlns:p14="http://schemas.microsoft.com/office/powerpoint/2010/main" val="1656514704"/>
       </p:ext>
     </p:extLst>
   </p:cSld>
@@ -27747,692 +27994,6 @@
           <a:lstStyle/>
           <a:p>
             <a:r>
-              <a:rPr lang="en-US" dirty="0" smtClean="0"/>
-              <a:t>left_join() only preserves what is in the left data frame</a:t>
-            </a:r>
-            <a:endParaRPr lang="en-US" dirty="0"/>
-          </a:p>
-        </p:txBody>
-      </p:sp>
-      <p:sp>
-        <p:nvSpPr>
-          <p:cNvPr id="7" name="Rectangle 6"/>
-          <p:cNvSpPr/>
-          <p:nvPr/>
-        </p:nvSpPr>
-        <p:spPr>
-          <a:xfrm>
-            <a:off x="2743200" y="4114800"/>
-            <a:ext cx="8522970" cy="2308324"/>
-          </a:xfrm>
-          <a:prstGeom prst="rect">
-            <a:avLst/>
-          </a:prstGeom>
-        </p:spPr>
-        <p:txBody>
-          <a:bodyPr wrap="square">
-            <a:spAutoFit/>
-          </a:bodyPr>
-          <a:lstStyle/>
-          <a:p>
-            <a:r>
-              <a:rPr lang="is-IS" dirty="0" smtClean="0">
-                <a:latin typeface="Monaco" charset="0"/>
-                <a:ea typeface="Monaco" charset="0"/>
-                <a:cs typeface="Monaco" charset="0"/>
-              </a:rPr>
-              <a:t>&gt; left_join(</a:t>
-            </a:r>
-            <a:r>
-              <a:rPr lang="is-IS" dirty="0" smtClean="0">
-                <a:solidFill>
-                  <a:srgbClr val="C00000"/>
-                </a:solidFill>
-                <a:latin typeface="Monaco" charset="0"/>
-                <a:ea typeface="Monaco" charset="0"/>
-                <a:cs typeface="Monaco" charset="0"/>
-              </a:rPr>
-              <a:t>data3, data1</a:t>
-            </a:r>
-            <a:r>
-              <a:rPr lang="is-IS" dirty="0" smtClean="0">
-                <a:latin typeface="Monaco" charset="0"/>
-                <a:ea typeface="Monaco" charset="0"/>
-                <a:cs typeface="Monaco" charset="0"/>
-              </a:rPr>
-              <a:t>)</a:t>
-            </a:r>
-            <a:endParaRPr lang="is-IS" dirty="0">
-              <a:latin typeface="Monaco" charset="0"/>
-              <a:ea typeface="Monaco" charset="0"/>
-              <a:cs typeface="Monaco" charset="0"/>
-            </a:endParaRPr>
-          </a:p>
-          <a:p>
-            <a:pPr lvl="1"/>
-            <a:r>
-              <a:rPr lang="is-IS" b="1" dirty="0">
-                <a:solidFill>
-                  <a:srgbClr val="0070C0"/>
-                </a:solidFill>
-                <a:latin typeface="Monaco" charset="0"/>
-                <a:ea typeface="Monaco" charset="0"/>
-                <a:cs typeface="Monaco" charset="0"/>
-              </a:rPr>
-              <a:t>Joining, by = "x"</a:t>
-            </a:r>
-            <a:endParaRPr lang="is-IS" dirty="0">
-              <a:solidFill>
-                <a:srgbClr val="0070C0"/>
-              </a:solidFill>
-              <a:latin typeface="Monaco" charset="0"/>
-              <a:ea typeface="Monaco" charset="0"/>
-              <a:cs typeface="Monaco" charset="0"/>
-            </a:endParaRPr>
-          </a:p>
-          <a:p>
-            <a:r>
-              <a:rPr lang="is-IS" dirty="0">
-                <a:latin typeface="Monaco" charset="0"/>
-                <a:ea typeface="Monaco" charset="0"/>
-                <a:cs typeface="Monaco" charset="0"/>
-              </a:rPr>
-              <a:t>   </a:t>
-            </a:r>
-            <a:r>
-              <a:rPr lang="is-IS" dirty="0" smtClean="0">
-                <a:latin typeface="Monaco" charset="0"/>
-                <a:ea typeface="Monaco" charset="0"/>
-                <a:cs typeface="Monaco" charset="0"/>
-              </a:rPr>
-              <a:t> x </a:t>
-            </a:r>
-            <a:r>
-              <a:rPr lang="is-IS" dirty="0">
-                <a:latin typeface="Monaco" charset="0"/>
-                <a:ea typeface="Monaco" charset="0"/>
-                <a:cs typeface="Monaco" charset="0"/>
-              </a:rPr>
-              <a:t>        y        z         a        b</a:t>
-            </a:r>
-          </a:p>
-          <a:p>
-            <a:r>
-              <a:rPr lang="is-IS" dirty="0">
-                <a:latin typeface="Monaco" charset="0"/>
-                <a:ea typeface="Monaco" charset="0"/>
-                <a:cs typeface="Monaco" charset="0"/>
-              </a:rPr>
-              <a:t> </a:t>
-            </a:r>
-            <a:r>
-              <a:rPr lang="is-IS" dirty="0" smtClean="0">
-                <a:latin typeface="Monaco" charset="0"/>
-                <a:ea typeface="Monaco" charset="0"/>
-                <a:cs typeface="Monaco" charset="0"/>
-              </a:rPr>
-              <a:t>   1</a:t>
-            </a:r>
-            <a:r>
-              <a:rPr lang="is-IS" dirty="0">
-                <a:latin typeface="Monaco" charset="0"/>
-                <a:ea typeface="Monaco" charset="0"/>
-                <a:cs typeface="Monaco" charset="0"/>
-              </a:rPr>
-              <a:t>  3.108060 61.48849 -2.762056 112.9588</a:t>
-            </a:r>
-          </a:p>
-          <a:p>
-            <a:r>
-              <a:rPr lang="is-IS" dirty="0">
-                <a:latin typeface="Monaco" charset="0"/>
-                <a:ea typeface="Monaco" charset="0"/>
-                <a:cs typeface="Monaco" charset="0"/>
-              </a:rPr>
-              <a:t> </a:t>
-            </a:r>
-            <a:r>
-              <a:rPr lang="is-IS" dirty="0" smtClean="0">
-                <a:latin typeface="Monaco" charset="0"/>
-                <a:ea typeface="Monaco" charset="0"/>
-                <a:cs typeface="Monaco" charset="0"/>
-              </a:rPr>
-              <a:t>   2</a:t>
-            </a:r>
-            <a:r>
-              <a:rPr lang="is-IS" dirty="0">
-                <a:latin typeface="Monaco" charset="0"/>
-                <a:ea typeface="Monaco" charset="0"/>
-                <a:cs typeface="Monaco" charset="0"/>
-              </a:rPr>
-              <a:t>  8.976264 55.68174 -1.444853 149.3682</a:t>
-            </a:r>
-          </a:p>
-          <a:p>
-            <a:r>
-              <a:rPr lang="is-IS" dirty="0">
-                <a:latin typeface="Monaco" charset="0"/>
-                <a:ea typeface="Monaco" charset="0"/>
-                <a:cs typeface="Monaco" charset="0"/>
-              </a:rPr>
-              <a:t> </a:t>
-            </a:r>
-            <a:r>
-              <a:rPr lang="is-IS" dirty="0" smtClean="0">
-                <a:latin typeface="Monaco" charset="0"/>
-                <a:ea typeface="Monaco" charset="0"/>
-                <a:cs typeface="Monaco" charset="0"/>
-              </a:rPr>
-              <a:t>   3 </a:t>
-            </a:r>
-            <a:r>
-              <a:rPr lang="is-IS" dirty="0">
-                <a:latin typeface="Monaco" charset="0"/>
-                <a:ea typeface="Monaco" charset="0"/>
-                <a:cs typeface="Monaco" charset="0"/>
-              </a:rPr>
-              <a:t>11.673850 56.32225 -1.143905 132.8789</a:t>
-            </a:r>
-          </a:p>
-          <a:p>
-            <a:r>
-              <a:rPr lang="is-IS" dirty="0">
-                <a:latin typeface="Monaco" charset="0"/>
-                <a:ea typeface="Monaco" charset="0"/>
-                <a:cs typeface="Monaco" charset="0"/>
-              </a:rPr>
-              <a:t> </a:t>
-            </a:r>
-            <a:r>
-              <a:rPr lang="is-IS" dirty="0" smtClean="0">
-                <a:latin typeface="Monaco" charset="0"/>
-                <a:ea typeface="Monaco" charset="0"/>
-                <a:cs typeface="Monaco" charset="0"/>
-              </a:rPr>
-              <a:t>   5</a:t>
-            </a:r>
-            <a:r>
-              <a:rPr lang="is-IS" dirty="0">
-                <a:latin typeface="Monaco" charset="0"/>
-                <a:ea typeface="Monaco" charset="0"/>
-                <a:cs typeface="Monaco" charset="0"/>
-              </a:rPr>
-              <a:t>  5.819844 61.71424 -2.919822 121.3927</a:t>
-            </a:r>
-          </a:p>
-          <a:p>
-            <a:pPr marL="285750" indent="-285750">
-              <a:buFont typeface="Wingdings" charset="2"/>
-              <a:buChar char="Ø"/>
-            </a:pPr>
-            <a:endParaRPr lang="en-US" dirty="0" smtClean="0">
-              <a:latin typeface="Monaco" charset="0"/>
-              <a:ea typeface="Monaco" charset="0"/>
-              <a:cs typeface="Monaco" charset="0"/>
-            </a:endParaRPr>
-          </a:p>
-        </p:txBody>
-      </p:sp>
-      <p:sp>
-        <p:nvSpPr>
-          <p:cNvPr id="9" name="TextBox 8"/>
-          <p:cNvSpPr txBox="1"/>
-          <p:nvPr/>
-        </p:nvSpPr>
-        <p:spPr>
-          <a:xfrm>
-            <a:off x="1325880" y="1821180"/>
-            <a:ext cx="4438650" cy="2308324"/>
-          </a:xfrm>
-          <a:prstGeom prst="rect">
-            <a:avLst/>
-          </a:prstGeom>
-          <a:noFill/>
-        </p:spPr>
-        <p:txBody>
-          <a:bodyPr wrap="square" rtlCol="0">
-            <a:spAutoFit/>
-          </a:bodyPr>
-          <a:lstStyle/>
-          <a:p>
-            <a:r>
-              <a:rPr lang="en-US" dirty="0">
-                <a:latin typeface="Monaco" charset="0"/>
-                <a:ea typeface="Monaco" charset="0"/>
-                <a:cs typeface="Monaco" charset="0"/>
-              </a:rPr>
-              <a:t>&gt; data1</a:t>
-            </a:r>
-          </a:p>
-          <a:p>
-            <a:r>
-              <a:rPr lang="is-IS" dirty="0">
-                <a:latin typeface="Monaco" charset="0"/>
-                <a:ea typeface="Monaco" charset="0"/>
-                <a:cs typeface="Monaco" charset="0"/>
-              </a:rPr>
-              <a:t>    x         y        z</a:t>
-            </a:r>
-          </a:p>
-          <a:p>
-            <a:r>
-              <a:rPr lang="is-IS" dirty="0">
-                <a:latin typeface="Monaco" charset="0"/>
-                <a:ea typeface="Monaco" charset="0"/>
-                <a:cs typeface="Monaco" charset="0"/>
-              </a:rPr>
-              <a:t> </a:t>
-            </a:r>
-            <a:r>
-              <a:rPr lang="is-IS" dirty="0" smtClean="0">
-                <a:latin typeface="Monaco" charset="0"/>
-                <a:ea typeface="Monaco" charset="0"/>
-                <a:cs typeface="Monaco" charset="0"/>
-              </a:rPr>
-              <a:t> </a:t>
-            </a:r>
-            <a:r>
-              <a:rPr lang="is-IS" dirty="0">
-                <a:latin typeface="Monaco" charset="0"/>
-                <a:ea typeface="Monaco" charset="0"/>
-                <a:cs typeface="Monaco" charset="0"/>
-              </a:rPr>
-              <a:t>  1  3.108060 61.48849</a:t>
-            </a:r>
-          </a:p>
-          <a:p>
-            <a:r>
-              <a:rPr lang="is-IS" dirty="0">
-                <a:latin typeface="Monaco" charset="0"/>
-                <a:ea typeface="Monaco" charset="0"/>
-                <a:cs typeface="Monaco" charset="0"/>
-              </a:rPr>
-              <a:t> </a:t>
-            </a:r>
-            <a:r>
-              <a:rPr lang="is-IS" dirty="0" smtClean="0">
-                <a:latin typeface="Monaco" charset="0"/>
-                <a:ea typeface="Monaco" charset="0"/>
-                <a:cs typeface="Monaco" charset="0"/>
-              </a:rPr>
-              <a:t> </a:t>
-            </a:r>
-            <a:r>
-              <a:rPr lang="is-IS" dirty="0">
-                <a:latin typeface="Monaco" charset="0"/>
-                <a:ea typeface="Monaco" charset="0"/>
-                <a:cs typeface="Monaco" charset="0"/>
-              </a:rPr>
-              <a:t>  2  8.976264 55.68174</a:t>
-            </a:r>
-          </a:p>
-          <a:p>
-            <a:r>
-              <a:rPr lang="is-IS" dirty="0">
-                <a:latin typeface="Monaco" charset="0"/>
-                <a:ea typeface="Monaco" charset="0"/>
-                <a:cs typeface="Monaco" charset="0"/>
-              </a:rPr>
-              <a:t> </a:t>
-            </a:r>
-            <a:r>
-              <a:rPr lang="is-IS" dirty="0" smtClean="0">
-                <a:latin typeface="Monaco" charset="0"/>
-                <a:ea typeface="Monaco" charset="0"/>
-                <a:cs typeface="Monaco" charset="0"/>
-              </a:rPr>
-              <a:t> </a:t>
-            </a:r>
-            <a:r>
-              <a:rPr lang="is-IS" dirty="0">
-                <a:latin typeface="Monaco" charset="0"/>
-                <a:ea typeface="Monaco" charset="0"/>
-                <a:cs typeface="Monaco" charset="0"/>
-              </a:rPr>
-              <a:t>  3 11.673850 56.32225</a:t>
-            </a:r>
-          </a:p>
-          <a:p>
-            <a:r>
-              <a:rPr lang="is-IS" dirty="0">
-                <a:latin typeface="Monaco" charset="0"/>
-                <a:ea typeface="Monaco" charset="0"/>
-                <a:cs typeface="Monaco" charset="0"/>
-              </a:rPr>
-              <a:t> </a:t>
-            </a:r>
-            <a:r>
-              <a:rPr lang="is-IS" dirty="0" smtClean="0">
-                <a:latin typeface="Monaco" charset="0"/>
-                <a:ea typeface="Monaco" charset="0"/>
-                <a:cs typeface="Monaco" charset="0"/>
-              </a:rPr>
-              <a:t> </a:t>
-            </a:r>
-            <a:r>
-              <a:rPr lang="is-IS" dirty="0">
-                <a:latin typeface="Monaco" charset="0"/>
-                <a:ea typeface="Monaco" charset="0"/>
-                <a:cs typeface="Monaco" charset="0"/>
-              </a:rPr>
-              <a:t>  4  8.551282 58.53424</a:t>
-            </a:r>
-          </a:p>
-          <a:p>
-            <a:r>
-              <a:rPr lang="is-IS" dirty="0">
-                <a:latin typeface="Monaco" charset="0"/>
-                <a:ea typeface="Monaco" charset="0"/>
-                <a:cs typeface="Monaco" charset="0"/>
-              </a:rPr>
-              <a:t> </a:t>
-            </a:r>
-            <a:r>
-              <a:rPr lang="is-IS" smtClean="0">
-                <a:latin typeface="Monaco" charset="0"/>
-                <a:ea typeface="Monaco" charset="0"/>
-                <a:cs typeface="Monaco" charset="0"/>
-              </a:rPr>
-              <a:t> </a:t>
-            </a:r>
-            <a:r>
-              <a:rPr lang="is-IS" dirty="0">
-                <a:latin typeface="Monaco" charset="0"/>
-                <a:ea typeface="Monaco" charset="0"/>
-                <a:cs typeface="Monaco" charset="0"/>
-              </a:rPr>
-              <a:t>  5  5.819844 61.71424</a:t>
-            </a:r>
-          </a:p>
-          <a:p>
-            <a:endParaRPr lang="en-US" dirty="0"/>
-          </a:p>
-        </p:txBody>
-      </p:sp>
-      <p:sp>
-        <p:nvSpPr>
-          <p:cNvPr id="10" name="TextBox 9"/>
-          <p:cNvSpPr txBox="1"/>
-          <p:nvPr/>
-        </p:nvSpPr>
-        <p:spPr>
-          <a:xfrm>
-            <a:off x="6858000" y="1821180"/>
-            <a:ext cx="4648200" cy="1754326"/>
-          </a:xfrm>
-          <a:prstGeom prst="rect">
-            <a:avLst/>
-          </a:prstGeom>
-          <a:noFill/>
-        </p:spPr>
-        <p:txBody>
-          <a:bodyPr wrap="square" rtlCol="0">
-            <a:spAutoFit/>
-          </a:bodyPr>
-          <a:lstStyle/>
-          <a:p>
-            <a:r>
-              <a:rPr lang="en-US" dirty="0">
-                <a:latin typeface="Monaco" charset="0"/>
-                <a:ea typeface="Monaco" charset="0"/>
-                <a:cs typeface="Monaco" charset="0"/>
-              </a:rPr>
-              <a:t>&gt; </a:t>
-            </a:r>
-            <a:r>
-              <a:rPr lang="en-US" dirty="0" smtClean="0">
-                <a:latin typeface="Monaco" charset="0"/>
-                <a:ea typeface="Monaco" charset="0"/>
-                <a:cs typeface="Monaco" charset="0"/>
-              </a:rPr>
-              <a:t>data3</a:t>
-            </a:r>
-            <a:endParaRPr lang="en-US" dirty="0">
-              <a:latin typeface="Monaco" charset="0"/>
-              <a:ea typeface="Monaco" charset="0"/>
-              <a:cs typeface="Monaco" charset="0"/>
-            </a:endParaRPr>
-          </a:p>
-          <a:p>
-            <a:r>
-              <a:rPr lang="is-IS" dirty="0">
-                <a:latin typeface="Monaco" charset="0"/>
-                <a:ea typeface="Monaco" charset="0"/>
-                <a:cs typeface="Monaco" charset="0"/>
-              </a:rPr>
-              <a:t>    x           a        b</a:t>
-            </a:r>
-          </a:p>
-          <a:p>
-            <a:r>
-              <a:rPr lang="is-IS" dirty="0">
-                <a:latin typeface="Monaco" charset="0"/>
-                <a:ea typeface="Monaco" charset="0"/>
-                <a:cs typeface="Monaco" charset="0"/>
-              </a:rPr>
-              <a:t> </a:t>
-            </a:r>
-            <a:r>
-              <a:rPr lang="is-IS" dirty="0" smtClean="0">
-                <a:latin typeface="Monaco" charset="0"/>
-                <a:ea typeface="Monaco" charset="0"/>
-                <a:cs typeface="Monaco" charset="0"/>
-              </a:rPr>
-              <a:t> </a:t>
-            </a:r>
-            <a:r>
-              <a:rPr lang="is-IS" dirty="0">
-                <a:latin typeface="Monaco" charset="0"/>
-                <a:ea typeface="Monaco" charset="0"/>
-                <a:cs typeface="Monaco" charset="0"/>
-              </a:rPr>
-              <a:t>  1 -2.76205636 112.9588</a:t>
-            </a:r>
-          </a:p>
-          <a:p>
-            <a:r>
-              <a:rPr lang="is-IS" dirty="0">
-                <a:latin typeface="Monaco" charset="0"/>
-                <a:ea typeface="Monaco" charset="0"/>
-                <a:cs typeface="Monaco" charset="0"/>
-              </a:rPr>
-              <a:t> </a:t>
-            </a:r>
-            <a:r>
-              <a:rPr lang="is-IS" dirty="0" smtClean="0">
-                <a:latin typeface="Monaco" charset="0"/>
-                <a:ea typeface="Monaco" charset="0"/>
-                <a:cs typeface="Monaco" charset="0"/>
-              </a:rPr>
-              <a:t> </a:t>
-            </a:r>
-            <a:r>
-              <a:rPr lang="is-IS" dirty="0">
-                <a:latin typeface="Monaco" charset="0"/>
-                <a:ea typeface="Monaco" charset="0"/>
-                <a:cs typeface="Monaco" charset="0"/>
-              </a:rPr>
-              <a:t>  2 -1.44485264 149.3682</a:t>
-            </a:r>
-          </a:p>
-          <a:p>
-            <a:r>
-              <a:rPr lang="is-IS" dirty="0">
-                <a:latin typeface="Monaco" charset="0"/>
-                <a:ea typeface="Monaco" charset="0"/>
-                <a:cs typeface="Monaco" charset="0"/>
-              </a:rPr>
-              <a:t> </a:t>
-            </a:r>
-            <a:r>
-              <a:rPr lang="is-IS" dirty="0" smtClean="0">
-                <a:latin typeface="Monaco" charset="0"/>
-                <a:ea typeface="Monaco" charset="0"/>
-                <a:cs typeface="Monaco" charset="0"/>
-              </a:rPr>
-              <a:t> </a:t>
-            </a:r>
-            <a:r>
-              <a:rPr lang="is-IS" dirty="0">
-                <a:latin typeface="Monaco" charset="0"/>
-                <a:ea typeface="Monaco" charset="0"/>
-                <a:cs typeface="Monaco" charset="0"/>
-              </a:rPr>
-              <a:t>  3 -1.14390532 132.8789</a:t>
-            </a:r>
-          </a:p>
-          <a:p>
-            <a:r>
-              <a:rPr lang="is-IS" dirty="0">
-                <a:latin typeface="Monaco" charset="0"/>
-                <a:ea typeface="Monaco" charset="0"/>
-                <a:cs typeface="Monaco" charset="0"/>
-              </a:rPr>
-              <a:t> </a:t>
-            </a:r>
-            <a:r>
-              <a:rPr lang="is-IS" dirty="0" smtClean="0">
-                <a:latin typeface="Monaco" charset="0"/>
-                <a:ea typeface="Monaco" charset="0"/>
-                <a:cs typeface="Monaco" charset="0"/>
-              </a:rPr>
-              <a:t> </a:t>
-            </a:r>
-            <a:r>
-              <a:rPr lang="is-IS" dirty="0">
-                <a:latin typeface="Monaco" charset="0"/>
-                <a:ea typeface="Monaco" charset="0"/>
-                <a:cs typeface="Monaco" charset="0"/>
-              </a:rPr>
-              <a:t>  5 -2.91982194 121.3927</a:t>
-            </a:r>
-          </a:p>
-        </p:txBody>
-      </p:sp>
-    </p:spTree>
-    <p:extLst>
-      <p:ext uri="{BB962C8B-B14F-4D97-AF65-F5344CB8AC3E}">
-        <p14:creationId xmlns:p14="http://schemas.microsoft.com/office/powerpoint/2010/main" val="1656514704"/>
-      </p:ext>
-    </p:extLst>
-  </p:cSld>
-  <p:clrMapOvr>
-    <a:masterClrMapping/>
-  </p:clrMapOvr>
-  <p:timing>
-    <p:tnLst>
-      <p:par>
-        <p:cTn id="1" dur="indefinite" restart="never" nodeType="tmRoot">
-          <p:childTnLst>
-            <p:seq concurrent="1" nextAc="seek">
-              <p:cTn id="2" dur="indefinite" nodeType="mainSeq">
-                <p:childTnLst>
-                  <p:par>
-                    <p:cTn id="3" fill="hold">
-                      <p:stCondLst>
-                        <p:cond delay="indefinite"/>
-                      </p:stCondLst>
-                      <p:childTnLst>
-                        <p:par>
-                          <p:cTn id="4" fill="hold">
-                            <p:stCondLst>
-                              <p:cond delay="0"/>
-                            </p:stCondLst>
-                            <p:childTnLst>
-                              <p:par>
-                                <p:cTn id="5" presetID="1" presetClass="entr" presetSubtype="0" fill="hold" grpId="0" nodeType="clickEffect">
-                                  <p:stCondLst>
-                                    <p:cond delay="0"/>
-                                  </p:stCondLst>
-                                  <p:childTnLst>
-                                    <p:set>
-                                      <p:cBhvr>
-                                        <p:cTn id="6" dur="1" fill="hold">
-                                          <p:stCondLst>
-                                            <p:cond delay="0"/>
-                                          </p:stCondLst>
-                                        </p:cTn>
-                                        <p:tgtEl>
-                                          <p:spTgt spid="7"/>
-                                        </p:tgtEl>
-                                        <p:attrNameLst>
-                                          <p:attrName>style.visibility</p:attrName>
-                                        </p:attrNameLst>
-                                      </p:cBhvr>
-                                      <p:to>
-                                        <p:strVal val="visible"/>
-                                      </p:to>
-                                    </p:set>
-                                  </p:childTnLst>
-                                </p:cTn>
-                              </p:par>
-                            </p:childTnLst>
-                          </p:cTn>
-                        </p:par>
-                      </p:childTnLst>
-                    </p:cTn>
-                  </p:par>
-                </p:childTnLst>
-              </p:cTn>
-              <p:prevCondLst>
-                <p:cond evt="onPrev" delay="0">
-                  <p:tgtEl>
-                    <p:sldTgt/>
-                  </p:tgtEl>
-                </p:cond>
-              </p:prevCondLst>
-              <p:nextCondLst>
-                <p:cond evt="onNext" delay="0">
-                  <p:tgtEl>
-                    <p:sldTgt/>
-                  </p:tgtEl>
-                </p:cond>
-              </p:nextCondLst>
-            </p:seq>
-          </p:childTnLst>
-        </p:cTn>
-      </p:par>
-    </p:tnLst>
-    <p:bldLst>
-      <p:bldP spid="7" grpId="0"/>
-    </p:bldLst>
-  </p:timing>
-</p:sld>
-</file>
-
-<file path=ppt/slides/slide56.xml><?xml version="1.0" encoding="utf-8"?>
-<p:sld xmlns:a="http://schemas.openxmlformats.org/drawingml/2006/main" xmlns:r="http://schemas.openxmlformats.org/officeDocument/2006/relationships" xmlns:p="http://schemas.openxmlformats.org/presentationml/2006/main">
-  <p:cSld>
-    <p:spTree>
-      <p:nvGrpSpPr>
-        <p:cNvPr id="1" name=""/>
-        <p:cNvGrpSpPr/>
-        <p:nvPr/>
-      </p:nvGrpSpPr>
-      <p:grpSpPr>
-        <a:xfrm>
-          <a:off x="0" y="0"/>
-          <a:ext cx="0" cy="0"/>
-          <a:chOff x="0" y="0"/>
-          <a:chExt cx="0" cy="0"/>
-        </a:xfrm>
-      </p:grpSpPr>
-      <p:sp>
-        <p:nvSpPr>
-          <p:cNvPr id="2" name="Title 1"/>
-          <p:cNvSpPr>
-            <a:spLocks noGrp="1"/>
-          </p:cNvSpPr>
-          <p:nvPr>
-            <p:ph type="title"/>
-          </p:nvPr>
-        </p:nvSpPr>
-        <p:spPr/>
-        <p:txBody>
-          <a:bodyPr/>
-          <a:lstStyle/>
-          <a:p>
-            <a:r>
               <a:rPr lang="en-US" dirty="0" err="1"/>
               <a:t>r</a:t>
             </a:r>
@@ -29004,7 +28565,7 @@
 </p:sld>
 </file>
 
-<file path=ppt/slides/slide57.xml><?xml version="1.0" encoding="utf-8"?>
+<file path=ppt/slides/slide56.xml><?xml version="1.0" encoding="utf-8"?>
 <p:sld xmlns:a="http://schemas.openxmlformats.org/drawingml/2006/main" xmlns:r="http://schemas.openxmlformats.org/officeDocument/2006/relationships" xmlns:p="http://schemas.openxmlformats.org/presentationml/2006/main">
   <p:cSld>
     <p:spTree>
@@ -29658,7 +29219,7 @@
 </p:sld>
 </file>
 
-<file path=ppt/slides/slide58.xml><?xml version="1.0" encoding="utf-8"?>
+<file path=ppt/slides/slide57.xml><?xml version="1.0" encoding="utf-8"?>
 <p:sld xmlns:a="http://schemas.openxmlformats.org/drawingml/2006/main" xmlns:r="http://schemas.openxmlformats.org/officeDocument/2006/relationships" xmlns:p="http://schemas.openxmlformats.org/presentationml/2006/main">
   <p:cSld>
     <p:spTree>
